--- a/Presentation.pptx
+++ b/Presentation.pptx
@@ -6,14 +6,10 @@
   </p:sldMasterIdLst>
   <p:sldIdLst>
     <p:sldId id="256" r:id="rId2"/>
-    <p:sldId id="257" r:id="rId3"/>
-    <p:sldId id="259" r:id="rId4"/>
-    <p:sldId id="258" r:id="rId5"/>
-    <p:sldId id="260" r:id="rId6"/>
-    <p:sldId id="261" r:id="rId7"/>
-    <p:sldId id="262" r:id="rId8"/>
-    <p:sldId id="263" r:id="rId9"/>
-    <p:sldId id="264" r:id="rId10"/>
+    <p:sldId id="259" r:id="rId3"/>
+    <p:sldId id="258" r:id="rId4"/>
+    <p:sldId id="265" r:id="rId5"/>
+    <p:sldId id="264" r:id="rId6"/>
   </p:sldIdLst>
   <p:sldSz cx="9144000" cy="6858000" type="screen4x3"/>
   <p:notesSz cx="6858000" cy="9144000"/>
@@ -296,7 +292,7 @@
           <a:p>
             <a:fld id="{68D46126-F3FF-4C42-ABC5-C8A142224117}" type="datetimeFigureOut">
               <a:rPr lang="en-US" smtClean="0"/>
-              <a:t>1/5/14</a:t>
+              <a:t>2/3/14</a:t>
             </a:fld>
             <a:endParaRPr lang="en-US"/>
           </a:p>
@@ -466,7 +462,7 @@
           <a:p>
             <a:fld id="{68D46126-F3FF-4C42-ABC5-C8A142224117}" type="datetimeFigureOut">
               <a:rPr lang="en-US" smtClean="0"/>
-              <a:t>1/5/14</a:t>
+              <a:t>2/3/14</a:t>
             </a:fld>
             <a:endParaRPr lang="en-US"/>
           </a:p>
@@ -646,7 +642,7 @@
           <a:p>
             <a:fld id="{68D46126-F3FF-4C42-ABC5-C8A142224117}" type="datetimeFigureOut">
               <a:rPr lang="en-US" smtClean="0"/>
-              <a:t>1/5/14</a:t>
+              <a:t>2/3/14</a:t>
             </a:fld>
             <a:endParaRPr lang="en-US"/>
           </a:p>
@@ -816,7 +812,7 @@
           <a:p>
             <a:fld id="{68D46126-F3FF-4C42-ABC5-C8A142224117}" type="datetimeFigureOut">
               <a:rPr lang="en-US" smtClean="0"/>
-              <a:t>1/5/14</a:t>
+              <a:t>2/3/14</a:t>
             </a:fld>
             <a:endParaRPr lang="en-US"/>
           </a:p>
@@ -1062,7 +1058,7 @@
           <a:p>
             <a:fld id="{68D46126-F3FF-4C42-ABC5-C8A142224117}" type="datetimeFigureOut">
               <a:rPr lang="en-US" smtClean="0"/>
-              <a:t>1/5/14</a:t>
+              <a:t>2/3/14</a:t>
             </a:fld>
             <a:endParaRPr lang="en-US"/>
           </a:p>
@@ -1350,7 +1346,7 @@
           <a:p>
             <a:fld id="{68D46126-F3FF-4C42-ABC5-C8A142224117}" type="datetimeFigureOut">
               <a:rPr lang="en-US" smtClean="0"/>
-              <a:t>1/5/14</a:t>
+              <a:t>2/3/14</a:t>
             </a:fld>
             <a:endParaRPr lang="en-US"/>
           </a:p>
@@ -1772,7 +1768,7 @@
           <a:p>
             <a:fld id="{68D46126-F3FF-4C42-ABC5-C8A142224117}" type="datetimeFigureOut">
               <a:rPr lang="en-US" smtClean="0"/>
-              <a:t>1/5/14</a:t>
+              <a:t>2/3/14</a:t>
             </a:fld>
             <a:endParaRPr lang="en-US"/>
           </a:p>
@@ -1890,7 +1886,7 @@
           <a:p>
             <a:fld id="{68D46126-F3FF-4C42-ABC5-C8A142224117}" type="datetimeFigureOut">
               <a:rPr lang="en-US" smtClean="0"/>
-              <a:t>1/5/14</a:t>
+              <a:t>2/3/14</a:t>
             </a:fld>
             <a:endParaRPr lang="en-US"/>
           </a:p>
@@ -1985,7 +1981,7 @@
           <a:p>
             <a:fld id="{68D46126-F3FF-4C42-ABC5-C8A142224117}" type="datetimeFigureOut">
               <a:rPr lang="en-US" smtClean="0"/>
-              <a:t>1/5/14</a:t>
+              <a:t>2/3/14</a:t>
             </a:fld>
             <a:endParaRPr lang="en-US"/>
           </a:p>
@@ -2262,7 +2258,7 @@
           <a:p>
             <a:fld id="{68D46126-F3FF-4C42-ABC5-C8A142224117}" type="datetimeFigureOut">
               <a:rPr lang="en-US" smtClean="0"/>
-              <a:t>1/5/14</a:t>
+              <a:t>2/3/14</a:t>
             </a:fld>
             <a:endParaRPr lang="en-US"/>
           </a:p>
@@ -2515,7 +2511,7 @@
           <a:p>
             <a:fld id="{68D46126-F3FF-4C42-ABC5-C8A142224117}" type="datetimeFigureOut">
               <a:rPr lang="en-US" smtClean="0"/>
-              <a:t>1/5/14</a:t>
+              <a:t>2/3/14</a:t>
             </a:fld>
             <a:endParaRPr lang="en-US"/>
           </a:p>
@@ -2728,7 +2724,7 @@
           <a:p>
             <a:fld id="{68D46126-F3FF-4C42-ABC5-C8A142224117}" type="datetimeFigureOut">
               <a:rPr lang="en-US" smtClean="0"/>
-              <a:t>1/5/14</a:t>
+              <a:t>2/3/14</a:t>
             </a:fld>
             <a:endParaRPr lang="en-US"/>
           </a:p>
@@ -3181,11 +3177,7 @@
             </a:r>
             <a:r>
               <a:rPr lang="en-US" dirty="0" err="1" smtClean="0"/>
-              <a:t>G</a:t>
-            </a:r>
-            <a:r>
-              <a:rPr lang="en-US" dirty="0" err="1" smtClean="0"/>
-              <a:t>ünay</a:t>
+              <a:t>Günay</a:t>
             </a:r>
             <a:endParaRPr lang="en-US" dirty="0" smtClean="0"/>
           </a:p>
@@ -3255,14 +3247,20 @@
         </p:nvSpPr>
         <p:spPr/>
         <p:txBody>
-          <a:bodyPr>
-            <a:normAutofit/>
-          </a:bodyPr>
+          <a:bodyPr/>
           <a:lstStyle/>
           <a:p>
             <a:r>
               <a:rPr lang="en-US" dirty="0" smtClean="0"/>
-              <a:t>Target Users</a:t>
+              <a:t>Tasks that </a:t>
+            </a:r>
+            <a:r>
+              <a:rPr lang="en-US" dirty="0" err="1" smtClean="0"/>
+              <a:t>Skedify</a:t>
+            </a:r>
+            <a:r>
+              <a:rPr lang="en-US" dirty="0" smtClean="0"/>
+              <a:t> accomplishes</a:t>
             </a:r>
             <a:endParaRPr lang="en-US" dirty="0"/>
           </a:p>
@@ -3285,7 +3283,7 @@
           <a:p>
             <a:r>
               <a:rPr lang="en-US" dirty="0" smtClean="0"/>
-              <a:t>Students at the university</a:t>
+              <a:t>Finding a common meeting time for multiple students in a very easy way</a:t>
             </a:r>
           </a:p>
           <a:p>
@@ -3294,15 +3292,15 @@
           <a:p>
             <a:r>
               <a:rPr lang="en-US" dirty="0" smtClean="0"/>
-              <a:t>Finding a common meeting time</a:t>
-            </a:r>
-            <a:r>
-              <a:rPr lang="en-US" dirty="0"/>
-              <a:t> </a:t>
+              <a:t>Creating a schedule with </a:t>
             </a:r>
             <a:r>
               <a:rPr lang="en-US" dirty="0" smtClean="0"/>
-              <a:t>considering their lectures and extracurricular activities</a:t>
+              <a:t>minimum </a:t>
+            </a:r>
+            <a:r>
+              <a:rPr lang="en-US" dirty="0" smtClean="0"/>
+              <a:t>overlapping slots (ideally none)</a:t>
             </a:r>
           </a:p>
         </p:txBody>
@@ -3310,7 +3308,7 @@
     </p:spTree>
     <p:extLst>
       <p:ext uri="{BB962C8B-B14F-4D97-AF65-F5344CB8AC3E}">
-        <p14:creationId xmlns:p14="http://schemas.microsoft.com/office/powerpoint/2010/main" val="2797340150"/>
+        <p14:creationId xmlns:p14="http://schemas.microsoft.com/office/powerpoint/2010/main" val="2653478641"/>
       </p:ext>
     </p:extLst>
   </p:cSld>
@@ -3349,52 +3347,55 @@
         </p:nvSpPr>
         <p:spPr/>
         <p:txBody>
+          <a:bodyPr>
+            <a:noAutofit/>
+          </a:bodyPr>
+          <a:lstStyle/>
+          <a:p>
+            <a:r>
+              <a:rPr lang="en-US" sz="4000" dirty="0" smtClean="0"/>
+              <a:t>How do students currently accomplish those tasks?</a:t>
+            </a:r>
+            <a:endParaRPr lang="en-US" sz="4000" dirty="0"/>
+          </a:p>
+        </p:txBody>
+      </p:sp>
+      <p:sp>
+        <p:nvSpPr>
+          <p:cNvPr id="3" name="Content Placeholder 2"/>
+          <p:cNvSpPr>
+            <a:spLocks noGrp="1"/>
+          </p:cNvSpPr>
+          <p:nvPr>
+            <p:ph idx="1"/>
+          </p:nvPr>
+        </p:nvSpPr>
+        <p:spPr/>
+        <p:txBody>
           <a:bodyPr/>
           <a:lstStyle/>
           <a:p>
             <a:r>
               <a:rPr lang="en-US" dirty="0" smtClean="0"/>
-              <a:t>Tasks that </a:t>
-            </a:r>
-            <a:r>
-              <a:rPr lang="en-US" dirty="0" err="1" smtClean="0"/>
-              <a:t>Skedify</a:t>
-            </a:r>
+              <a:t>By sending thousands of emails to one another</a:t>
+            </a:r>
+          </a:p>
+          <a:p>
+            <a:endParaRPr lang="en-US" dirty="0" smtClean="0"/>
+          </a:p>
+          <a:p>
             <a:r>
               <a:rPr lang="en-US" dirty="0" smtClean="0"/>
-              <a:t> accomplishes</a:t>
-            </a:r>
-            <a:endParaRPr lang="en-US" dirty="0"/>
-          </a:p>
-        </p:txBody>
-      </p:sp>
-      <p:sp>
-        <p:nvSpPr>
-          <p:cNvPr id="3" name="Content Placeholder 2"/>
-          <p:cNvSpPr>
-            <a:spLocks noGrp="1"/>
-          </p:cNvSpPr>
-          <p:nvPr>
-            <p:ph idx="1"/>
-          </p:nvPr>
-        </p:nvSpPr>
-        <p:spPr/>
-        <p:txBody>
-          <a:bodyPr/>
-          <a:lstStyle/>
+              <a:t>By creating and filling out a doodle</a:t>
+            </a:r>
+          </a:p>
+          <a:p>
+            <a:endParaRPr lang="en-US" dirty="0" smtClean="0"/>
+          </a:p>
           <a:p>
             <a:r>
               <a:rPr lang="en-US" dirty="0" smtClean="0"/>
-              <a:t>Finding a common meeting time for multiple students in a very easy way</a:t>
-            </a:r>
-          </a:p>
-          <a:p>
-            <a:endParaRPr lang="en-US" dirty="0" smtClean="0"/>
-          </a:p>
-          <a:p>
-            <a:r>
-              <a:rPr lang="en-US" dirty="0" smtClean="0"/>
-              <a:t>Creating a schedule with minimal overlapping slots (ideally none)</a:t>
+              <a:t>By checking multiple times if someone has updated their time slots</a:t>
             </a:r>
           </a:p>
         </p:txBody>
@@ -3402,7 +3403,7 @@
     </p:spTree>
     <p:extLst>
       <p:ext uri="{BB962C8B-B14F-4D97-AF65-F5344CB8AC3E}">
-        <p14:creationId xmlns:p14="http://schemas.microsoft.com/office/powerpoint/2010/main" val="2653478641"/>
+        <p14:creationId xmlns:p14="http://schemas.microsoft.com/office/powerpoint/2010/main" val="4023317205"/>
       </p:ext>
     </p:extLst>
   </p:cSld>
@@ -3442,62 +3443,614 @@
         <p:spPr/>
         <p:txBody>
           <a:bodyPr>
-            <a:noAutofit/>
+            <a:normAutofit/>
           </a:bodyPr>
           <a:lstStyle/>
           <a:p>
             <a:r>
-              <a:rPr lang="en-US" sz="4000" dirty="0" smtClean="0"/>
-              <a:t>How do students currently accomplish those tasks?</a:t>
-            </a:r>
-            <a:endParaRPr lang="en-US" sz="4000" dirty="0"/>
-          </a:p>
-        </p:txBody>
-      </p:sp>
-      <p:sp>
-        <p:nvSpPr>
-          <p:cNvPr id="3" name="Content Placeholder 2"/>
-          <p:cNvSpPr>
-            <a:spLocks noGrp="1"/>
-          </p:cNvSpPr>
-          <p:nvPr>
-            <p:ph idx="1"/>
-          </p:nvPr>
-        </p:nvSpPr>
-        <p:spPr/>
-        <p:txBody>
-          <a:bodyPr/>
-          <a:lstStyle/>
-          <a:p>
-            <a:r>
               <a:rPr lang="en-US" dirty="0" smtClean="0"/>
-              <a:t>By sending thousands of emails to one another</a:t>
-            </a:r>
-          </a:p>
-          <a:p>
+              <a:t>Our Application Cycle</a:t>
+            </a:r>
+            <a:endParaRPr lang="en-US" dirty="0"/>
+          </a:p>
+        </p:txBody>
+      </p:sp>
+      <p:sp>
+        <p:nvSpPr>
+          <p:cNvPr id="4" name="Process 3"/>
+          <p:cNvSpPr/>
+          <p:nvPr/>
+        </p:nvSpPr>
+        <p:spPr>
+          <a:xfrm>
+            <a:off x="771713" y="1777807"/>
+            <a:ext cx="2122212" cy="720338"/>
+          </a:xfrm>
+          <a:prstGeom prst="flowChartProcess">
+            <a:avLst/>
+          </a:prstGeom>
+        </p:spPr>
+        <p:style>
+          <a:lnRef idx="1">
+            <a:schemeClr val="accent1"/>
+          </a:lnRef>
+          <a:fillRef idx="3">
+            <a:schemeClr val="accent1"/>
+          </a:fillRef>
+          <a:effectRef idx="2">
+            <a:schemeClr val="accent1"/>
+          </a:effectRef>
+          <a:fontRef idx="minor">
+            <a:schemeClr val="lt1"/>
+          </a:fontRef>
+        </p:style>
+        <p:txBody>
+          <a:bodyPr rtlCol="0" anchor="ctr"/>
+          <a:lstStyle/>
+          <a:p>
+            <a:pPr algn="ctr"/>
+            <a:r>
+              <a:rPr lang="en-US" dirty="0" smtClean="0"/>
+              <a:t>iPhone (Client)</a:t>
+            </a:r>
+          </a:p>
+        </p:txBody>
+      </p:sp>
+      <p:cxnSp>
+        <p:nvCxnSpPr>
+          <p:cNvPr id="7" name="Straight Arrow Connector 6"/>
+          <p:cNvCxnSpPr>
+            <a:stCxn id="4" idx="3"/>
+            <a:endCxn id="16" idx="1"/>
+          </p:cNvCxnSpPr>
+          <p:nvPr/>
+        </p:nvCxnSpPr>
+        <p:spPr>
+          <a:xfrm>
+            <a:off x="2893925" y="2137976"/>
+            <a:ext cx="3328014" cy="0"/>
+          </a:xfrm>
+          <a:prstGeom prst="straightConnector1">
+            <a:avLst/>
+          </a:prstGeom>
+          <a:ln>
+            <a:tailEnd type="arrow"/>
+          </a:ln>
+        </p:spPr>
+        <p:style>
+          <a:lnRef idx="2">
+            <a:schemeClr val="accent1"/>
+          </a:lnRef>
+          <a:fillRef idx="0">
+            <a:schemeClr val="accent1"/>
+          </a:fillRef>
+          <a:effectRef idx="1">
+            <a:schemeClr val="accent1"/>
+          </a:effectRef>
+          <a:fontRef idx="minor">
+            <a:schemeClr val="tx1"/>
+          </a:fontRef>
+        </p:style>
+      </p:cxnSp>
+      <p:sp>
+        <p:nvSpPr>
+          <p:cNvPr id="16" name="Process 15"/>
+          <p:cNvSpPr/>
+          <p:nvPr/>
+        </p:nvSpPr>
+        <p:spPr>
+          <a:xfrm>
+            <a:off x="6221939" y="1777807"/>
+            <a:ext cx="2122212" cy="720338"/>
+          </a:xfrm>
+          <a:prstGeom prst="flowChartProcess">
+            <a:avLst/>
+          </a:prstGeom>
+        </p:spPr>
+        <p:style>
+          <a:lnRef idx="1">
+            <a:schemeClr val="accent1"/>
+          </a:lnRef>
+          <a:fillRef idx="3">
+            <a:schemeClr val="accent1"/>
+          </a:fillRef>
+          <a:effectRef idx="2">
+            <a:schemeClr val="accent1"/>
+          </a:effectRef>
+          <a:fontRef idx="minor">
+            <a:schemeClr val="lt1"/>
+          </a:fontRef>
+        </p:style>
+        <p:txBody>
+          <a:bodyPr rtlCol="0" anchor="ctr"/>
+          <a:lstStyle/>
+          <a:p>
+            <a:pPr algn="ctr"/>
+            <a:r>
+              <a:rPr lang="en-US" dirty="0" err="1" smtClean="0"/>
+              <a:t>OAuth</a:t>
+            </a:r>
             <a:endParaRPr lang="en-US" dirty="0" smtClean="0"/>
           </a:p>
-          <a:p>
+        </p:txBody>
+      </p:sp>
+      <p:sp>
+        <p:nvSpPr>
+          <p:cNvPr id="17" name="Process 16"/>
+          <p:cNvSpPr/>
+          <p:nvPr/>
+        </p:nvSpPr>
+        <p:spPr>
+          <a:xfrm>
+            <a:off x="6221939" y="4860546"/>
+            <a:ext cx="2122212" cy="720338"/>
+          </a:xfrm>
+          <a:prstGeom prst="flowChartProcess">
+            <a:avLst/>
+          </a:prstGeom>
+        </p:spPr>
+        <p:style>
+          <a:lnRef idx="1">
+            <a:schemeClr val="accent1"/>
+          </a:lnRef>
+          <a:fillRef idx="3">
+            <a:schemeClr val="accent1"/>
+          </a:fillRef>
+          <a:effectRef idx="2">
+            <a:schemeClr val="accent1"/>
+          </a:effectRef>
+          <a:fontRef idx="minor">
+            <a:schemeClr val="lt1"/>
+          </a:fontRef>
+        </p:style>
+        <p:txBody>
+          <a:bodyPr rtlCol="0" anchor="ctr"/>
+          <a:lstStyle/>
+          <a:p>
+            <a:pPr algn="ctr"/>
             <a:r>
               <a:rPr lang="en-US" dirty="0" smtClean="0"/>
-              <a:t>By creating and filling out a doodle</a:t>
-            </a:r>
-          </a:p>
-          <a:p>
-            <a:endParaRPr lang="en-US" dirty="0" smtClean="0"/>
-          </a:p>
-          <a:p>
+              <a:t>L2P API</a:t>
+            </a:r>
+          </a:p>
+        </p:txBody>
+      </p:sp>
+      <p:sp>
+        <p:nvSpPr>
+          <p:cNvPr id="18" name="Process 17"/>
+          <p:cNvSpPr/>
+          <p:nvPr/>
+        </p:nvSpPr>
+        <p:spPr>
+          <a:xfrm>
+            <a:off x="771713" y="4850365"/>
+            <a:ext cx="2122212" cy="720338"/>
+          </a:xfrm>
+          <a:prstGeom prst="flowChartProcess">
+            <a:avLst/>
+          </a:prstGeom>
+        </p:spPr>
+        <p:style>
+          <a:lnRef idx="1">
+            <a:schemeClr val="accent1"/>
+          </a:lnRef>
+          <a:fillRef idx="3">
+            <a:schemeClr val="accent1"/>
+          </a:fillRef>
+          <a:effectRef idx="2">
+            <a:schemeClr val="accent1"/>
+          </a:effectRef>
+          <a:fontRef idx="minor">
+            <a:schemeClr val="lt1"/>
+          </a:fontRef>
+        </p:style>
+        <p:txBody>
+          <a:bodyPr rtlCol="0" anchor="ctr"/>
+          <a:lstStyle/>
+          <a:p>
+            <a:pPr algn="ctr"/>
             <a:r>
               <a:rPr lang="en-US" dirty="0" smtClean="0"/>
-              <a:t>By checking multiple times if someone has updated their time slots</a:t>
-            </a:r>
+              <a:t>Server</a:t>
+            </a:r>
+          </a:p>
+        </p:txBody>
+      </p:sp>
+      <p:cxnSp>
+        <p:nvCxnSpPr>
+          <p:cNvPr id="20" name="Straight Arrow Connector 19"/>
+          <p:cNvCxnSpPr>
+            <a:stCxn id="4" idx="2"/>
+            <a:endCxn id="18" idx="0"/>
+          </p:cNvCxnSpPr>
+          <p:nvPr/>
+        </p:nvCxnSpPr>
+        <p:spPr>
+          <a:xfrm>
+            <a:off x="1832819" y="2498145"/>
+            <a:ext cx="0" cy="2352220"/>
+          </a:xfrm>
+          <a:prstGeom prst="straightConnector1">
+            <a:avLst/>
+          </a:prstGeom>
+          <a:ln>
+            <a:headEnd type="arrow"/>
+            <a:tailEnd type="arrow"/>
+          </a:ln>
+        </p:spPr>
+        <p:style>
+          <a:lnRef idx="2">
+            <a:schemeClr val="accent1"/>
+          </a:lnRef>
+          <a:fillRef idx="0">
+            <a:schemeClr val="accent1"/>
+          </a:fillRef>
+          <a:effectRef idx="1">
+            <a:schemeClr val="accent1"/>
+          </a:effectRef>
+          <a:fontRef idx="minor">
+            <a:schemeClr val="tx1"/>
+          </a:fontRef>
+        </p:style>
+      </p:cxnSp>
+      <p:sp>
+        <p:nvSpPr>
+          <p:cNvPr id="23" name="Decision 22"/>
+          <p:cNvSpPr/>
+          <p:nvPr/>
+        </p:nvSpPr>
+        <p:spPr>
+          <a:xfrm>
+            <a:off x="6221939" y="2957801"/>
+            <a:ext cx="2122212" cy="1457807"/>
+          </a:xfrm>
+          <a:prstGeom prst="flowChartDecision">
+            <a:avLst/>
+          </a:prstGeom>
+        </p:spPr>
+        <p:style>
+          <a:lnRef idx="1">
+            <a:schemeClr val="accent1"/>
+          </a:lnRef>
+          <a:fillRef idx="3">
+            <a:schemeClr val="accent1"/>
+          </a:fillRef>
+          <a:effectRef idx="2">
+            <a:schemeClr val="accent1"/>
+          </a:effectRef>
+          <a:fontRef idx="minor">
+            <a:schemeClr val="lt1"/>
+          </a:fontRef>
+        </p:style>
+        <p:txBody>
+          <a:bodyPr rtlCol="0" anchor="ctr"/>
+          <a:lstStyle/>
+          <a:p>
+            <a:pPr algn="ctr"/>
+            <a:r>
+              <a:rPr lang="en-US" dirty="0" smtClean="0"/>
+              <a:t>Success?</a:t>
+            </a:r>
+            <a:endParaRPr lang="en-US" dirty="0"/>
+          </a:p>
+        </p:txBody>
+      </p:sp>
+      <p:cxnSp>
+        <p:nvCxnSpPr>
+          <p:cNvPr id="25" name="Straight Arrow Connector 24"/>
+          <p:cNvCxnSpPr>
+            <a:stCxn id="16" idx="2"/>
+            <a:endCxn id="23" idx="0"/>
+          </p:cNvCxnSpPr>
+          <p:nvPr/>
+        </p:nvCxnSpPr>
+        <p:spPr>
+          <a:xfrm>
+            <a:off x="7283045" y="2498145"/>
+            <a:ext cx="0" cy="459656"/>
+          </a:xfrm>
+          <a:prstGeom prst="straightConnector1">
+            <a:avLst/>
+          </a:prstGeom>
+          <a:ln>
+            <a:tailEnd type="arrow"/>
+          </a:ln>
+        </p:spPr>
+        <p:style>
+          <a:lnRef idx="2">
+            <a:schemeClr val="accent1"/>
+          </a:lnRef>
+          <a:fillRef idx="0">
+            <a:schemeClr val="accent1"/>
+          </a:fillRef>
+          <a:effectRef idx="1">
+            <a:schemeClr val="accent1"/>
+          </a:effectRef>
+          <a:fontRef idx="minor">
+            <a:schemeClr val="tx1"/>
+          </a:fontRef>
+        </p:style>
+      </p:cxnSp>
+      <p:cxnSp>
+        <p:nvCxnSpPr>
+          <p:cNvPr id="27" name="Straight Arrow Connector 26"/>
+          <p:cNvCxnSpPr>
+            <a:stCxn id="23" idx="2"/>
+            <a:endCxn id="17" idx="0"/>
+          </p:cNvCxnSpPr>
+          <p:nvPr/>
+        </p:nvCxnSpPr>
+        <p:spPr>
+          <a:xfrm>
+            <a:off x="7283045" y="4415608"/>
+            <a:ext cx="0" cy="444938"/>
+          </a:xfrm>
+          <a:prstGeom prst="straightConnector1">
+            <a:avLst/>
+          </a:prstGeom>
+          <a:ln>
+            <a:tailEnd type="arrow"/>
+          </a:ln>
+        </p:spPr>
+        <p:style>
+          <a:lnRef idx="2">
+            <a:schemeClr val="accent1"/>
+          </a:lnRef>
+          <a:fillRef idx="0">
+            <a:schemeClr val="accent1"/>
+          </a:fillRef>
+          <a:effectRef idx="1">
+            <a:schemeClr val="accent1"/>
+          </a:effectRef>
+          <a:fontRef idx="minor">
+            <a:schemeClr val="tx1"/>
+          </a:fontRef>
+        </p:style>
+      </p:cxnSp>
+      <p:cxnSp>
+        <p:nvCxnSpPr>
+          <p:cNvPr id="102" name="Straight Arrow Connector 101"/>
+          <p:cNvCxnSpPr>
+            <a:stCxn id="17" idx="1"/>
+            <a:endCxn id="18" idx="3"/>
+          </p:cNvCxnSpPr>
+          <p:nvPr/>
+        </p:nvCxnSpPr>
+        <p:spPr>
+          <a:xfrm flipH="1" flipV="1">
+            <a:off x="2893925" y="5210534"/>
+            <a:ext cx="3328014" cy="10181"/>
+          </a:xfrm>
+          <a:prstGeom prst="straightConnector1">
+            <a:avLst/>
+          </a:prstGeom>
+          <a:ln>
+            <a:tailEnd type="arrow"/>
+          </a:ln>
+        </p:spPr>
+        <p:style>
+          <a:lnRef idx="2">
+            <a:schemeClr val="accent1"/>
+          </a:lnRef>
+          <a:fillRef idx="0">
+            <a:schemeClr val="accent1"/>
+          </a:fillRef>
+          <a:effectRef idx="1">
+            <a:schemeClr val="accent1"/>
+          </a:effectRef>
+          <a:fontRef idx="minor">
+            <a:schemeClr val="tx1"/>
+          </a:fontRef>
+        </p:style>
+      </p:cxnSp>
+      <p:sp>
+        <p:nvSpPr>
+          <p:cNvPr id="103" name="TextBox 102"/>
+          <p:cNvSpPr txBox="1"/>
+          <p:nvPr/>
+        </p:nvSpPr>
+        <p:spPr>
+          <a:xfrm>
+            <a:off x="2955484" y="4841202"/>
+            <a:ext cx="3334830" cy="369332"/>
+          </a:xfrm>
+          <a:prstGeom prst="rect">
+            <a:avLst/>
+          </a:prstGeom>
+          <a:noFill/>
+        </p:spPr>
+        <p:txBody>
+          <a:bodyPr wrap="none" rtlCol="0">
+            <a:spAutoFit/>
+          </a:bodyPr>
+          <a:lstStyle/>
+          <a:p>
+            <a:r>
+              <a:rPr lang="en-US" dirty="0" smtClean="0"/>
+              <a:t>Send User’s </a:t>
+            </a:r>
+            <a:r>
+              <a:rPr lang="en-US" dirty="0"/>
+              <a:t>C</a:t>
+            </a:r>
+            <a:r>
+              <a:rPr lang="en-US" dirty="0" smtClean="0"/>
+              <a:t>alendar </a:t>
+            </a:r>
+            <a:r>
+              <a:rPr lang="en-US" dirty="0"/>
+              <a:t>I</a:t>
+            </a:r>
+            <a:r>
+              <a:rPr lang="en-US" dirty="0" smtClean="0"/>
+              <a:t>nformation</a:t>
+            </a:r>
+            <a:endParaRPr lang="en-US" dirty="0"/>
+          </a:p>
+        </p:txBody>
+      </p:sp>
+      <p:sp>
+        <p:nvSpPr>
+          <p:cNvPr id="104" name="TextBox 103"/>
+          <p:cNvSpPr txBox="1"/>
+          <p:nvPr/>
+        </p:nvSpPr>
+        <p:spPr>
+          <a:xfrm>
+            <a:off x="7271573" y="4391495"/>
+            <a:ext cx="505267" cy="369332"/>
+          </a:xfrm>
+          <a:prstGeom prst="rect">
+            <a:avLst/>
+          </a:prstGeom>
+          <a:noFill/>
+        </p:spPr>
+        <p:txBody>
+          <a:bodyPr wrap="none" rtlCol="0">
+            <a:spAutoFit/>
+          </a:bodyPr>
+          <a:lstStyle/>
+          <a:p>
+            <a:r>
+              <a:rPr lang="en-US" dirty="0" smtClean="0"/>
+              <a:t>Yes</a:t>
+            </a:r>
+          </a:p>
+        </p:txBody>
+      </p:sp>
+      <p:cxnSp>
+        <p:nvCxnSpPr>
+          <p:cNvPr id="110" name="Elbow Connector 109"/>
+          <p:cNvCxnSpPr>
+            <a:stCxn id="23" idx="3"/>
+            <a:endCxn id="4" idx="0"/>
+          </p:cNvCxnSpPr>
+          <p:nvPr/>
+        </p:nvCxnSpPr>
+        <p:spPr>
+          <a:xfrm flipH="1" flipV="1">
+            <a:off x="1832819" y="1777807"/>
+            <a:ext cx="6511332" cy="1908898"/>
+          </a:xfrm>
+          <a:prstGeom prst="bentConnector4">
+            <a:avLst>
+              <a:gd name="adj1" fmla="val -3511"/>
+              <a:gd name="adj2" fmla="val 111975"/>
+            </a:avLst>
+          </a:prstGeom>
+          <a:ln>
+            <a:tailEnd type="arrow"/>
+          </a:ln>
+        </p:spPr>
+        <p:style>
+          <a:lnRef idx="2">
+            <a:schemeClr val="accent1"/>
+          </a:lnRef>
+          <a:fillRef idx="0">
+            <a:schemeClr val="accent1"/>
+          </a:fillRef>
+          <a:effectRef idx="1">
+            <a:schemeClr val="accent1"/>
+          </a:effectRef>
+          <a:fontRef idx="minor">
+            <a:schemeClr val="tx1"/>
+          </a:fontRef>
+        </p:style>
+      </p:cxnSp>
+      <p:sp>
+        <p:nvSpPr>
+          <p:cNvPr id="145" name="TextBox 144"/>
+          <p:cNvSpPr txBox="1"/>
+          <p:nvPr/>
+        </p:nvSpPr>
+        <p:spPr>
+          <a:xfrm>
+            <a:off x="1925836" y="3446481"/>
+            <a:ext cx="3018775" cy="369332"/>
+          </a:xfrm>
+          <a:prstGeom prst="rect">
+            <a:avLst/>
+          </a:prstGeom>
+          <a:noFill/>
+        </p:spPr>
+        <p:txBody>
+          <a:bodyPr wrap="none" rtlCol="0">
+            <a:spAutoFit/>
+          </a:bodyPr>
+          <a:lstStyle/>
+          <a:p>
+            <a:r>
+              <a:rPr lang="en-US" dirty="0" smtClean="0"/>
+              <a:t>Send / Receive HTTP Requests</a:t>
+            </a:r>
+            <a:endParaRPr lang="en-US" dirty="0"/>
+          </a:p>
+        </p:txBody>
+      </p:sp>
+      <p:sp>
+        <p:nvSpPr>
+          <p:cNvPr id="146" name="TextBox 145"/>
+          <p:cNvSpPr txBox="1"/>
+          <p:nvPr/>
+        </p:nvSpPr>
+        <p:spPr>
+          <a:xfrm>
+            <a:off x="8571850" y="3056055"/>
+            <a:ext cx="455398" cy="369332"/>
+          </a:xfrm>
+          <a:prstGeom prst="rect">
+            <a:avLst/>
+          </a:prstGeom>
+          <a:noFill/>
+        </p:spPr>
+        <p:txBody>
+          <a:bodyPr wrap="none" rtlCol="0">
+            <a:spAutoFit/>
+          </a:bodyPr>
+          <a:lstStyle/>
+          <a:p>
+            <a:r>
+              <a:rPr lang="en-US" dirty="0" smtClean="0"/>
+              <a:t>No</a:t>
+            </a:r>
+            <a:endParaRPr lang="en-US" dirty="0"/>
+          </a:p>
+        </p:txBody>
+      </p:sp>
+      <p:sp>
+        <p:nvSpPr>
+          <p:cNvPr id="150" name="TextBox 149"/>
+          <p:cNvSpPr txBox="1"/>
+          <p:nvPr/>
+        </p:nvSpPr>
+        <p:spPr>
+          <a:xfrm>
+            <a:off x="4035418" y="1760410"/>
+            <a:ext cx="1145641" cy="369332"/>
+          </a:xfrm>
+          <a:prstGeom prst="rect">
+            <a:avLst/>
+          </a:prstGeom>
+          <a:noFill/>
+        </p:spPr>
+        <p:txBody>
+          <a:bodyPr wrap="none" rtlCol="0">
+            <a:spAutoFit/>
+          </a:bodyPr>
+          <a:lstStyle/>
+          <a:p>
+            <a:r>
+              <a:rPr lang="en-US" dirty="0" smtClean="0"/>
+              <a:t>First Login</a:t>
+            </a:r>
+            <a:endParaRPr lang="en-US" dirty="0"/>
           </a:p>
         </p:txBody>
       </p:sp>
     </p:spTree>
     <p:extLst>
       <p:ext uri="{BB962C8B-B14F-4D97-AF65-F5344CB8AC3E}">
-        <p14:creationId xmlns:p14="http://schemas.microsoft.com/office/powerpoint/2010/main" val="4023317205"/>
+        <p14:creationId xmlns:p14="http://schemas.microsoft.com/office/powerpoint/2010/main" val="1206772551"/>
       </p:ext>
     </p:extLst>
   </p:cSld>
@@ -3508,418 +4061,6 @@
 </file>
 
 <file path=ppt/slides/slide5.xml><?xml version="1.0" encoding="utf-8"?>
-<p:sld xmlns:a="http://schemas.openxmlformats.org/drawingml/2006/main" xmlns:r="http://schemas.openxmlformats.org/officeDocument/2006/relationships" xmlns:p="http://schemas.openxmlformats.org/presentationml/2006/main">
-  <p:cSld>
-    <p:spTree>
-      <p:nvGrpSpPr>
-        <p:cNvPr id="1" name=""/>
-        <p:cNvGrpSpPr/>
-        <p:nvPr/>
-      </p:nvGrpSpPr>
-      <p:grpSpPr>
-        <a:xfrm>
-          <a:off x="0" y="0"/>
-          <a:ext cx="0" cy="0"/>
-          <a:chOff x="0" y="0"/>
-          <a:chExt cx="0" cy="0"/>
-        </a:xfrm>
-      </p:grpSpPr>
-      <p:sp>
-        <p:nvSpPr>
-          <p:cNvPr id="2" name="Title 1"/>
-          <p:cNvSpPr>
-            <a:spLocks noGrp="1"/>
-          </p:cNvSpPr>
-          <p:nvPr>
-            <p:ph type="title"/>
-          </p:nvPr>
-        </p:nvSpPr>
-        <p:spPr/>
-        <p:txBody>
-          <a:bodyPr>
-            <a:normAutofit fontScale="90000"/>
-          </a:bodyPr>
-          <a:lstStyle/>
-          <a:p>
-            <a:r>
-              <a:rPr lang="en-US" dirty="0" smtClean="0"/>
-              <a:t>How will </a:t>
-            </a:r>
-            <a:r>
-              <a:rPr lang="en-US" dirty="0" err="1" smtClean="0"/>
-              <a:t>Skedify</a:t>
-            </a:r>
-            <a:r>
-              <a:rPr lang="en-US" dirty="0" smtClean="0"/>
-              <a:t> improve the situation?</a:t>
-            </a:r>
-            <a:endParaRPr lang="en-US" dirty="0"/>
-          </a:p>
-        </p:txBody>
-      </p:sp>
-      <p:sp>
-        <p:nvSpPr>
-          <p:cNvPr id="3" name="Content Placeholder 2"/>
-          <p:cNvSpPr>
-            <a:spLocks noGrp="1"/>
-          </p:cNvSpPr>
-          <p:nvPr>
-            <p:ph idx="1"/>
-          </p:nvPr>
-        </p:nvSpPr>
-        <p:spPr/>
-        <p:txBody>
-          <a:bodyPr>
-            <a:normAutofit/>
-          </a:bodyPr>
-          <a:lstStyle/>
-          <a:p>
-            <a:r>
-              <a:rPr lang="en-US" dirty="0" smtClean="0"/>
-              <a:t>Each student will authenticate themselves using RWTH’s </a:t>
-            </a:r>
-            <a:r>
-              <a:rPr lang="en-US" dirty="0" err="1" smtClean="0"/>
-              <a:t>OAuth</a:t>
-            </a:r>
-            <a:r>
-              <a:rPr lang="en-US" dirty="0" smtClean="0"/>
-              <a:t> 2.0 in order to let the server access their data</a:t>
-            </a:r>
-          </a:p>
-          <a:p>
-            <a:endParaRPr lang="en-US" dirty="0" smtClean="0"/>
-          </a:p>
-          <a:p>
-            <a:r>
-              <a:rPr lang="en-US" dirty="0" smtClean="0"/>
-              <a:t>Lecture time for each student will be fetched from L2P and/or </a:t>
-            </a:r>
-            <a:r>
-              <a:rPr lang="en-US" dirty="0" err="1" smtClean="0"/>
-              <a:t>CampusOffice</a:t>
-            </a:r>
-            <a:r>
-              <a:rPr lang="en-US" dirty="0" smtClean="0"/>
-              <a:t> and sent to the server</a:t>
-            </a:r>
-          </a:p>
-          <a:p>
-            <a:endParaRPr lang="en-US" dirty="0"/>
-          </a:p>
-        </p:txBody>
-      </p:sp>
-    </p:spTree>
-    <p:extLst>
-      <p:ext uri="{BB962C8B-B14F-4D97-AF65-F5344CB8AC3E}">
-        <p14:creationId xmlns:p14="http://schemas.microsoft.com/office/powerpoint/2010/main" val="3498098457"/>
-      </p:ext>
-    </p:extLst>
-  </p:cSld>
-  <p:clrMapOvr>
-    <a:masterClrMapping/>
-  </p:clrMapOvr>
-</p:sld>
-</file>
-
-<file path=ppt/slides/slide6.xml><?xml version="1.0" encoding="utf-8"?>
-<p:sld xmlns:a="http://schemas.openxmlformats.org/drawingml/2006/main" xmlns:r="http://schemas.openxmlformats.org/officeDocument/2006/relationships" xmlns:p="http://schemas.openxmlformats.org/presentationml/2006/main">
-  <p:cSld>
-    <p:spTree>
-      <p:nvGrpSpPr>
-        <p:cNvPr id="1" name=""/>
-        <p:cNvGrpSpPr/>
-        <p:nvPr/>
-      </p:nvGrpSpPr>
-      <p:grpSpPr>
-        <a:xfrm>
-          <a:off x="0" y="0"/>
-          <a:ext cx="0" cy="0"/>
-          <a:chOff x="0" y="0"/>
-          <a:chExt cx="0" cy="0"/>
-        </a:xfrm>
-      </p:grpSpPr>
-      <p:sp>
-        <p:nvSpPr>
-          <p:cNvPr id="2" name="Title 1"/>
-          <p:cNvSpPr>
-            <a:spLocks noGrp="1"/>
-          </p:cNvSpPr>
-          <p:nvPr>
-            <p:ph type="title"/>
-          </p:nvPr>
-        </p:nvSpPr>
-        <p:spPr/>
-        <p:txBody>
-          <a:bodyPr>
-            <a:normAutofit fontScale="90000"/>
-          </a:bodyPr>
-          <a:lstStyle/>
-          <a:p>
-            <a:r>
-              <a:rPr lang="en-US" dirty="0" smtClean="0"/>
-              <a:t>How will </a:t>
-            </a:r>
-            <a:r>
-              <a:rPr lang="en-US" dirty="0" err="1" smtClean="0"/>
-              <a:t>Skedify</a:t>
-            </a:r>
-            <a:r>
-              <a:rPr lang="en-US" dirty="0" smtClean="0"/>
-              <a:t> improve the situation? (cont’d)</a:t>
-            </a:r>
-            <a:endParaRPr lang="en-US" dirty="0"/>
-          </a:p>
-        </p:txBody>
-      </p:sp>
-      <p:sp>
-        <p:nvSpPr>
-          <p:cNvPr id="3" name="Content Placeholder 2"/>
-          <p:cNvSpPr>
-            <a:spLocks noGrp="1"/>
-          </p:cNvSpPr>
-          <p:nvPr>
-            <p:ph idx="1"/>
-          </p:nvPr>
-        </p:nvSpPr>
-        <p:spPr/>
-        <p:txBody>
-          <a:bodyPr/>
-          <a:lstStyle/>
-          <a:p>
-            <a:r>
-              <a:rPr lang="en-US" dirty="0" smtClean="0"/>
-              <a:t>Best common time will be calculated on the server using previously fetched data</a:t>
-            </a:r>
-          </a:p>
-          <a:p>
-            <a:endParaRPr lang="en-US" dirty="0" smtClean="0"/>
-          </a:p>
-          <a:p>
-            <a:r>
-              <a:rPr lang="en-US" dirty="0" smtClean="0"/>
-              <a:t>Students will be notified of the calculated schedule</a:t>
-            </a:r>
-          </a:p>
-          <a:p>
-            <a:endParaRPr lang="en-US" dirty="0"/>
-          </a:p>
-        </p:txBody>
-      </p:sp>
-    </p:spTree>
-    <p:extLst>
-      <p:ext uri="{BB962C8B-B14F-4D97-AF65-F5344CB8AC3E}">
-        <p14:creationId xmlns:p14="http://schemas.microsoft.com/office/powerpoint/2010/main" val="1688876693"/>
-      </p:ext>
-    </p:extLst>
-  </p:cSld>
-  <p:clrMapOvr>
-    <a:masterClrMapping/>
-  </p:clrMapOvr>
-</p:sld>
-</file>
-
-<file path=ppt/slides/slide7.xml><?xml version="1.0" encoding="utf-8"?>
-<p:sld xmlns:a="http://schemas.openxmlformats.org/drawingml/2006/main" xmlns:r="http://schemas.openxmlformats.org/officeDocument/2006/relationships" xmlns:p="http://schemas.openxmlformats.org/presentationml/2006/main">
-  <p:cSld>
-    <p:spTree>
-      <p:nvGrpSpPr>
-        <p:cNvPr id="1" name=""/>
-        <p:cNvGrpSpPr/>
-        <p:nvPr/>
-      </p:nvGrpSpPr>
-      <p:grpSpPr>
-        <a:xfrm>
-          <a:off x="0" y="0"/>
-          <a:ext cx="0" cy="0"/>
-          <a:chOff x="0" y="0"/>
-          <a:chExt cx="0" cy="0"/>
-        </a:xfrm>
-      </p:grpSpPr>
-      <p:sp>
-        <p:nvSpPr>
-          <p:cNvPr id="2" name="Title 1"/>
-          <p:cNvSpPr>
-            <a:spLocks noGrp="1"/>
-          </p:cNvSpPr>
-          <p:nvPr>
-            <p:ph type="title"/>
-          </p:nvPr>
-        </p:nvSpPr>
-        <p:spPr/>
-        <p:txBody>
-          <a:bodyPr>
-            <a:normAutofit fontScale="90000"/>
-          </a:bodyPr>
-          <a:lstStyle/>
-          <a:p>
-            <a:r>
-              <a:rPr lang="en-US" dirty="0" smtClean="0"/>
-              <a:t>How do we plan to accomplish the tasks?</a:t>
-            </a:r>
-            <a:endParaRPr lang="en-US" dirty="0"/>
-          </a:p>
-        </p:txBody>
-      </p:sp>
-      <p:sp>
-        <p:nvSpPr>
-          <p:cNvPr id="3" name="Content Placeholder 2"/>
-          <p:cNvSpPr>
-            <a:spLocks noGrp="1"/>
-          </p:cNvSpPr>
-          <p:nvPr>
-            <p:ph idx="1"/>
-          </p:nvPr>
-        </p:nvSpPr>
-        <p:spPr/>
-        <p:txBody>
-          <a:bodyPr/>
-          <a:lstStyle/>
-          <a:p>
-            <a:r>
-              <a:rPr lang="en-US" dirty="0" smtClean="0"/>
-              <a:t>Using </a:t>
-            </a:r>
-            <a:r>
-              <a:rPr lang="en-US" dirty="0" err="1" smtClean="0"/>
-              <a:t>UIKit</a:t>
-            </a:r>
-            <a:r>
-              <a:rPr lang="en-US" dirty="0" smtClean="0"/>
-              <a:t> to create our user interface</a:t>
-            </a:r>
-          </a:p>
-          <a:p>
-            <a:r>
-              <a:rPr lang="en-US" dirty="0" smtClean="0"/>
-              <a:t>Using either </a:t>
-            </a:r>
-            <a:r>
-              <a:rPr lang="en-US" dirty="0" err="1" smtClean="0"/>
-              <a:t>AFNetworking</a:t>
-            </a:r>
-            <a:r>
-              <a:rPr lang="en-US" dirty="0" smtClean="0"/>
-              <a:t> or our own networking class(</a:t>
-            </a:r>
-            <a:r>
-              <a:rPr lang="en-US" dirty="0" err="1" smtClean="0"/>
-              <a:t>es</a:t>
-            </a:r>
-            <a:r>
-              <a:rPr lang="en-US" dirty="0" smtClean="0"/>
-              <a:t>) to handle HTTP requests between the device and the server</a:t>
-            </a:r>
-          </a:p>
-          <a:p>
-            <a:r>
-              <a:rPr lang="en-US" dirty="0" smtClean="0"/>
-              <a:t>Using RWTH’s </a:t>
-            </a:r>
-            <a:r>
-              <a:rPr lang="en-US" dirty="0" err="1" smtClean="0"/>
-              <a:t>OAuth</a:t>
-            </a:r>
-            <a:r>
-              <a:rPr lang="en-US" dirty="0" smtClean="0"/>
-              <a:t> 2.0</a:t>
-            </a:r>
-          </a:p>
-          <a:p>
-            <a:r>
-              <a:rPr lang="en-US" dirty="0" smtClean="0"/>
-              <a:t>Coding on the server side with PHP for handling common time calculations</a:t>
-            </a:r>
-            <a:endParaRPr lang="en-US" dirty="0"/>
-          </a:p>
-        </p:txBody>
-      </p:sp>
-    </p:spTree>
-    <p:extLst>
-      <p:ext uri="{BB962C8B-B14F-4D97-AF65-F5344CB8AC3E}">
-        <p14:creationId xmlns:p14="http://schemas.microsoft.com/office/powerpoint/2010/main" val="1291953913"/>
-      </p:ext>
-    </p:extLst>
-  </p:cSld>
-  <p:clrMapOvr>
-    <a:masterClrMapping/>
-  </p:clrMapOvr>
-</p:sld>
-</file>
-
-<file path=ppt/slides/slide8.xml><?xml version="1.0" encoding="utf-8"?>
-<p:sld xmlns:a="http://schemas.openxmlformats.org/drawingml/2006/main" xmlns:r="http://schemas.openxmlformats.org/officeDocument/2006/relationships" xmlns:p="http://schemas.openxmlformats.org/presentationml/2006/main">
-  <p:cSld>
-    <p:spTree>
-      <p:nvGrpSpPr>
-        <p:cNvPr id="1" name=""/>
-        <p:cNvGrpSpPr/>
-        <p:nvPr/>
-      </p:nvGrpSpPr>
-      <p:grpSpPr>
-        <a:xfrm>
-          <a:off x="0" y="0"/>
-          <a:ext cx="0" cy="0"/>
-          <a:chOff x="0" y="0"/>
-          <a:chExt cx="0" cy="0"/>
-        </a:xfrm>
-      </p:grpSpPr>
-      <p:sp>
-        <p:nvSpPr>
-          <p:cNvPr id="2" name="Title 1"/>
-          <p:cNvSpPr>
-            <a:spLocks noGrp="1"/>
-          </p:cNvSpPr>
-          <p:nvPr>
-            <p:ph type="title"/>
-          </p:nvPr>
-        </p:nvSpPr>
-        <p:spPr/>
-        <p:txBody>
-          <a:bodyPr/>
-          <a:lstStyle/>
-          <a:p>
-            <a:r>
-              <a:rPr lang="en-US" dirty="0" smtClean="0"/>
-              <a:t>Our Paper Prototype</a:t>
-            </a:r>
-            <a:endParaRPr lang="en-US" dirty="0"/>
-          </a:p>
-        </p:txBody>
-      </p:sp>
-      <p:sp>
-        <p:nvSpPr>
-          <p:cNvPr id="3" name="Content Placeholder 2"/>
-          <p:cNvSpPr>
-            <a:spLocks noGrp="1"/>
-          </p:cNvSpPr>
-          <p:nvPr>
-            <p:ph idx="1"/>
-          </p:nvPr>
-        </p:nvSpPr>
-        <p:spPr/>
-        <p:txBody>
-          <a:bodyPr/>
-          <a:lstStyle/>
-          <a:p>
-            <a:endParaRPr lang="en-US"/>
-          </a:p>
-        </p:txBody>
-      </p:sp>
-    </p:spTree>
-    <p:extLst>
-      <p:ext uri="{BB962C8B-B14F-4D97-AF65-F5344CB8AC3E}">
-        <p14:creationId xmlns:p14="http://schemas.microsoft.com/office/powerpoint/2010/main" val="4132620025"/>
-      </p:ext>
-    </p:extLst>
-  </p:cSld>
-  <p:clrMapOvr>
-    <a:masterClrMapping/>
-  </p:clrMapOvr>
-</p:sld>
-</file>
-
-<file path=ppt/slides/slide9.xml><?xml version="1.0" encoding="utf-8"?>
 <p:sld xmlns:a="http://schemas.openxmlformats.org/drawingml/2006/main" xmlns:r="http://schemas.openxmlformats.org/officeDocument/2006/relationships" xmlns:p="http://schemas.openxmlformats.org/presentationml/2006/main">
   <p:cSld>
     <p:spTree>

--- a/Presentation.pptx
+++ b/Presentation.pptx
@@ -5,16 +5,246 @@
     <p:sldMasterId id="2147483648" r:id="rId2"/>
     <p:sldMasterId id="2147483661" r:id="rId3"/>
   </p:sldMasterIdLst>
+  <p:notesMasterIdLst>
+    <p:notesMasterId r:id="rId4"/>
+  </p:notesMasterIdLst>
   <p:sldIdLst>
-    <p:sldId id="256" r:id="rId4"/>
-    <p:sldId id="257" r:id="rId5"/>
-    <p:sldId id="258" r:id="rId6"/>
-    <p:sldId id="259" r:id="rId7"/>
-    <p:sldId id="260" r:id="rId8"/>
+    <p:sldId id="256" r:id="rId5"/>
+    <p:sldId id="257" r:id="rId6"/>
+    <p:sldId id="258" r:id="rId7"/>
+    <p:sldId id="259" r:id="rId8"/>
+    <p:sldId id="260" r:id="rId9"/>
   </p:sldIdLst>
   <p:sldSz cx="9144000" cy="6858000"/>
   <p:notesSz cx="7559675" cy="10691812"/>
 </p:presentation>
+</file>
+
+<file path=ppt/notesMasters/notesMaster1.xml><?xml version="1.0" encoding="utf-8"?>
+<p:notesMaster xmlns:a="http://schemas.openxmlformats.org/drawingml/2006/main" xmlns:p="http://schemas.openxmlformats.org/presentationml/2006/main" xmlns:r="http://schemas.openxmlformats.org/officeDocument/2006/relationships">
+  <p:cSld>
+    <p:spTree>
+      <p:nvGrpSpPr>
+        <p:cNvPr id="1" name=""/>
+        <p:cNvGrpSpPr/>
+        <p:nvPr/>
+      </p:nvGrpSpPr>
+      <p:grpSpPr>
+        <a:xfrm>
+          <a:off x="0" y="0"/>
+          <a:ext cx="0" cy="0"/>
+          <a:chOff x="0" y="0"/>
+          <a:chExt cx="0" cy="0"/>
+        </a:xfrm>
+      </p:grpSpPr>
+      <p:sp>
+        <p:nvSpPr>
+          <p:cNvPr id="78" name="PlaceHolder 1"/>
+          <p:cNvSpPr>
+            <a:spLocks noGrp="1"/>
+          </p:cNvSpPr>
+          <p:nvPr>
+            <p:ph type="body"/>
+          </p:nvPr>
+        </p:nvSpPr>
+        <p:spPr>
+          <a:xfrm>
+            <a:off x="756000" y="5078520"/>
+            <a:ext cx="6047640" cy="4811040"/>
+          </a:xfrm>
+          <a:prstGeom prst="rect">
+            <a:avLst/>
+          </a:prstGeom>
+        </p:spPr>
+        <p:txBody>
+          <a:bodyPr bIns="0" lIns="0" rIns="0" tIns="0" wrap="none"/>
+          <a:p>
+            <a:r>
+              <a:rPr lang="de-DE"/>
+              <a:t>Click to edit the notes format</a:t>
+            </a:r>
+            <a:endParaRPr/>
+          </a:p>
+        </p:txBody>
+      </p:sp>
+      <p:sp>
+        <p:nvSpPr>
+          <p:cNvPr id="79" name="PlaceHolder 2"/>
+          <p:cNvSpPr>
+            <a:spLocks noGrp="1"/>
+          </p:cNvSpPr>
+          <p:nvPr>
+            <p:ph type="hdr"/>
+          </p:nvPr>
+        </p:nvSpPr>
+        <p:spPr>
+          <a:xfrm>
+            <a:off x="0" y="0"/>
+            <a:ext cx="3280680" cy="534240"/>
+          </a:xfrm>
+          <a:prstGeom prst="rect">
+            <a:avLst/>
+          </a:prstGeom>
+        </p:spPr>
+        <p:txBody>
+          <a:bodyPr bIns="0" lIns="0" rIns="0" tIns="0" wrap="none"/>
+          <a:p>
+            <a:r>
+              <a:rPr lang="de-DE"/>
+              <a:t>&lt;header&gt;</a:t>
+            </a:r>
+            <a:endParaRPr/>
+          </a:p>
+        </p:txBody>
+      </p:sp>
+      <p:sp>
+        <p:nvSpPr>
+          <p:cNvPr id="80" name="PlaceHolder 3"/>
+          <p:cNvSpPr>
+            <a:spLocks noGrp="1"/>
+          </p:cNvSpPr>
+          <p:nvPr>
+            <p:ph type="dt"/>
+          </p:nvPr>
+        </p:nvSpPr>
+        <p:spPr>
+          <a:xfrm>
+            <a:off x="4278960" y="0"/>
+            <a:ext cx="3280680" cy="534240"/>
+          </a:xfrm>
+          <a:prstGeom prst="rect">
+            <a:avLst/>
+          </a:prstGeom>
+        </p:spPr>
+        <p:txBody>
+          <a:bodyPr bIns="0" lIns="0" rIns="0" tIns="0" wrap="none"/>
+          <a:p>
+            <a:pPr algn="r"/>
+            <a:r>
+              <a:rPr lang="de-DE"/>
+              <a:t>&lt;date/time&gt;</a:t>
+            </a:r>
+            <a:endParaRPr/>
+          </a:p>
+        </p:txBody>
+      </p:sp>
+      <p:sp>
+        <p:nvSpPr>
+          <p:cNvPr id="81" name="PlaceHolder 4"/>
+          <p:cNvSpPr>
+            <a:spLocks noGrp="1"/>
+          </p:cNvSpPr>
+          <p:nvPr>
+            <p:ph type="ftr"/>
+          </p:nvPr>
+        </p:nvSpPr>
+        <p:spPr>
+          <a:xfrm>
+            <a:off x="0" y="10157400"/>
+            <a:ext cx="3280680" cy="534240"/>
+          </a:xfrm>
+          <a:prstGeom prst="rect">
+            <a:avLst/>
+          </a:prstGeom>
+        </p:spPr>
+        <p:txBody>
+          <a:bodyPr anchor="b" bIns="0" lIns="0" rIns="0" tIns="0" wrap="none"/>
+          <a:p>
+            <a:r>
+              <a:rPr lang="de-DE"/>
+              <a:t>&lt;footer&gt;</a:t>
+            </a:r>
+            <a:endParaRPr/>
+          </a:p>
+        </p:txBody>
+      </p:sp>
+      <p:sp>
+        <p:nvSpPr>
+          <p:cNvPr id="82" name="PlaceHolder 5"/>
+          <p:cNvSpPr>
+            <a:spLocks noGrp="1"/>
+          </p:cNvSpPr>
+          <p:nvPr>
+            <p:ph type="sldNum"/>
+          </p:nvPr>
+        </p:nvSpPr>
+        <p:spPr>
+          <a:xfrm>
+            <a:off x="4278960" y="10157400"/>
+            <a:ext cx="3280680" cy="534240"/>
+          </a:xfrm>
+          <a:prstGeom prst="rect">
+            <a:avLst/>
+          </a:prstGeom>
+        </p:spPr>
+        <p:txBody>
+          <a:bodyPr anchor="b" bIns="0" lIns="0" rIns="0" tIns="0" wrap="none"/>
+          <a:p>
+            <a:pPr algn="r"/>
+            <a:fld id="{988C55DC-E6D0-4958-AF6A-46EB167D12D3}" type="slidenum">
+              <a:rPr lang="de-DE"/>
+              <a:t>&lt;number&gt;</a:t>
+            </a:fld>
+            <a:endParaRPr/>
+          </a:p>
+        </p:txBody>
+      </p:sp>
+    </p:spTree>
+  </p:cSld>
+  <p:clrMap accent1="accent1" accent2="accent2" accent3="accent3" accent4="accent4" accent5="accent5" accent6="accent6" bg1="lt1" bg2="lt2" folHlink="folHlink" hlink="hlink" tx1="dk1" tx2="dk2"/>
+</p:notesMaster>
+</file>
+
+<file path=ppt/notesSlides/notesSlide5.xml><?xml version="1.0" encoding="utf-8"?>
+<p:notes xmlns:a="http://schemas.openxmlformats.org/drawingml/2006/main" xmlns:p="http://schemas.openxmlformats.org/presentationml/2006/main" xmlns:r="http://schemas.openxmlformats.org/officeDocument/2006/relationships">
+  <p:cSld>
+    <p:spTree>
+      <p:nvGrpSpPr>
+        <p:cNvPr id="1" name=""/>
+        <p:cNvGrpSpPr/>
+        <p:nvPr/>
+      </p:nvGrpSpPr>
+      <p:grpSpPr>
+        <a:xfrm>
+          <a:off x="0" y="0"/>
+          <a:ext cx="0" cy="0"/>
+          <a:chOff x="0" y="0"/>
+          <a:chExt cx="0" cy="0"/>
+        </a:xfrm>
+      </p:grpSpPr>
+      <p:sp>
+        <p:nvSpPr>
+          <p:cNvPr id="117" name="PlaceHolder 1"/>
+          <p:cNvSpPr>
+            <a:spLocks noGrp="1"/>
+          </p:cNvSpPr>
+          <p:nvPr>
+            <p:ph type="body"/>
+          </p:nvPr>
+        </p:nvSpPr>
+        <p:spPr>
+          <a:xfrm>
+            <a:off x="756000" y="5078520"/>
+            <a:ext cx="6047640" cy="4811400"/>
+          </a:xfrm>
+          <a:prstGeom prst="rect">
+            <a:avLst/>
+          </a:prstGeom>
+        </p:spPr>
+        <p:txBody>
+          <a:bodyPr bIns="0" lIns="0" rIns="0" tIns="0" wrap="none"/>
+          <a:p>
+            <a:r>
+              <a:rPr lang="de-DE"/>
+              <a:t>Maybe add some screenshots... ?!?</a:t>
+            </a:r>
+            <a:endParaRPr/>
+          </a:p>
+        </p:txBody>
+      </p:sp>
+    </p:spTree>
+  </p:cSld>
+</p:notes>
 </file>
 
 <file path=ppt/slideLayouts/slideLayout1.xml><?xml version="1.0" encoding="utf-8"?>
@@ -2470,7 +2700,7 @@
                 <a:spcPct val="100000"/>
               </a:lnSpc>
             </a:pPr>
-            <a:fld id="{6A073B21-C1EA-4A87-80B7-2CB1F6D7E772}" type="slidenum">
+            <a:fld id="{14B474DA-1C01-4432-A9FE-D0940AE18E6D}" type="slidenum">
               <a:rPr lang="de-DE" sz="1200">
                 <a:solidFill>
                   <a:srgbClr val="8b8b8b"/>
@@ -2987,7 +3217,7 @@
                 <a:spcPct val="100000"/>
               </a:lnSpc>
             </a:pPr>
-            <a:fld id="{7A2C864A-5F8D-43CB-A817-6F0622A025BF}" type="slidenum">
+            <a:fld id="{61CE7410-3503-42E9-9DF4-F2AAF233C8CD}" type="slidenum">
               <a:rPr lang="de-DE" sz="1200">
                 <a:solidFill>
                   <a:srgbClr val="8b8b8b"/>
@@ -3039,7 +3269,7 @@
       </p:grpSpPr>
       <p:sp>
         <p:nvSpPr>
-          <p:cNvPr id="78" name="TextShape 1"/>
+          <p:cNvPr id="83" name="TextShape 1"/>
           <p:cNvSpPr txBox="1"/>
           <p:nvPr/>
         </p:nvSpPr>
@@ -3075,7 +3305,7 @@
       </p:sp>
       <p:sp>
         <p:nvSpPr>
-          <p:cNvPr id="79" name="TextShape 2"/>
+          <p:cNvPr id="84" name="TextShape 2"/>
           <p:cNvSpPr txBox="1"/>
           <p:nvPr/>
         </p:nvSpPr>
@@ -3228,7 +3458,7 @@
       </p:grpSpPr>
       <p:sp>
         <p:nvSpPr>
-          <p:cNvPr id="80" name="TextShape 1"/>
+          <p:cNvPr id="85" name="TextShape 1"/>
           <p:cNvSpPr txBox="1"/>
           <p:nvPr/>
         </p:nvSpPr>
@@ -3255,7 +3485,7 @@
       </p:sp>
       <p:sp>
         <p:nvSpPr>
-          <p:cNvPr id="81" name="TextShape 2"/>
+          <p:cNvPr id="86" name="TextShape 2"/>
           <p:cNvSpPr txBox="1"/>
           <p:nvPr/>
         </p:nvSpPr>
@@ -3425,7 +3655,7 @@
       </p:grpSpPr>
       <p:sp>
         <p:nvSpPr>
-          <p:cNvPr id="82" name="TextShape 1"/>
+          <p:cNvPr id="87" name="TextShape 1"/>
           <p:cNvSpPr txBox="1"/>
           <p:nvPr/>
         </p:nvSpPr>
@@ -3456,7 +3686,7 @@
       </p:sp>
       <p:sp>
         <p:nvSpPr>
-          <p:cNvPr id="83" name="TextShape 2"/>
+          <p:cNvPr id="88" name="TextShape 2"/>
           <p:cNvSpPr txBox="1"/>
           <p:nvPr/>
         </p:nvSpPr>
@@ -3486,7 +3716,7 @@
       </p:sp>
       <p:sp>
         <p:nvSpPr>
-          <p:cNvPr id="84" name="TextShape 3"/>
+          <p:cNvPr id="89" name="TextShape 3"/>
           <p:cNvSpPr txBox="1"/>
           <p:nvPr/>
         </p:nvSpPr>
@@ -3534,7 +3764,7 @@
       </p:sp>
       <p:sp>
         <p:nvSpPr>
-          <p:cNvPr id="85" name="TextShape 4"/>
+          <p:cNvPr id="90" name="TextShape 4"/>
           <p:cNvSpPr txBox="1"/>
           <p:nvPr/>
         </p:nvSpPr>
@@ -3582,7 +3812,7 @@
       </p:sp>
       <p:sp>
         <p:nvSpPr>
-          <p:cNvPr id="86" name="TextShape 5"/>
+          <p:cNvPr id="91" name="TextShape 5"/>
           <p:cNvSpPr txBox="1"/>
           <p:nvPr/>
         </p:nvSpPr>
@@ -3613,7 +3843,7 @@
       </p:sp>
       <p:sp>
         <p:nvSpPr>
-          <p:cNvPr id="87" name="TextShape 6"/>
+          <p:cNvPr id="92" name="TextShape 6"/>
           <p:cNvSpPr txBox="1"/>
           <p:nvPr/>
         </p:nvSpPr>
@@ -3661,7 +3891,7 @@
       </p:sp>
       <p:sp>
         <p:nvSpPr>
-          <p:cNvPr id="88" name="TextShape 7"/>
+          <p:cNvPr id="93" name="TextShape 7"/>
           <p:cNvSpPr txBox="1"/>
           <p:nvPr/>
         </p:nvSpPr>
@@ -3692,7 +3922,7 @@
       </p:sp>
       <p:sp>
         <p:nvSpPr>
-          <p:cNvPr id="89" name="TextShape 8"/>
+          <p:cNvPr id="94" name="TextShape 8"/>
           <p:cNvSpPr txBox="1"/>
           <p:nvPr/>
         </p:nvSpPr>
@@ -3723,7 +3953,7 @@
       </p:sp>
       <p:sp>
         <p:nvSpPr>
-          <p:cNvPr id="90" name="TextShape 9"/>
+          <p:cNvPr id="95" name="TextShape 9"/>
           <p:cNvSpPr txBox="1"/>
           <p:nvPr/>
         </p:nvSpPr>
@@ -3754,7 +3984,7 @@
       </p:sp>
       <p:sp>
         <p:nvSpPr>
-          <p:cNvPr id="91" name="TextShape 10"/>
+          <p:cNvPr id="96" name="TextShape 10"/>
           <p:cNvSpPr txBox="1"/>
           <p:nvPr/>
         </p:nvSpPr>
@@ -3802,7 +4032,7 @@
       </p:sp>
       <p:sp>
         <p:nvSpPr>
-          <p:cNvPr id="92" name="TextShape 11"/>
+          <p:cNvPr id="97" name="TextShape 11"/>
           <p:cNvSpPr txBox="1"/>
           <p:nvPr/>
         </p:nvSpPr>
@@ -3899,7 +4129,7 @@
       </p:grpSpPr>
       <p:sp>
         <p:nvSpPr>
-          <p:cNvPr id="93" name="TextShape 1"/>
+          <p:cNvPr id="98" name="TextShape 1"/>
           <p:cNvSpPr txBox="1"/>
           <p:nvPr/>
         </p:nvSpPr>
@@ -3935,7 +4165,7 @@
       </p:sp>
       <p:sp>
         <p:nvSpPr>
-          <p:cNvPr id="94" name="CustomShape 2"/>
+          <p:cNvPr id="99" name="CustomShape 2"/>
           <p:cNvSpPr/>
           <p:nvPr/>
         </p:nvSpPr>
@@ -3988,7 +4218,7 @@
       </p:sp>
       <p:sp>
         <p:nvSpPr>
-          <p:cNvPr id="95" name="CustomShape 3"/>
+          <p:cNvPr id="100" name="CustomShape 3"/>
           <p:cNvSpPr/>
           <p:nvPr/>
         </p:nvSpPr>
@@ -4012,7 +4242,7 @@
       </p:sp>
       <p:sp>
         <p:nvSpPr>
-          <p:cNvPr id="96" name="CustomShape 4"/>
+          <p:cNvPr id="101" name="CustomShape 4"/>
           <p:cNvSpPr/>
           <p:nvPr/>
         </p:nvSpPr>
@@ -4065,7 +4295,7 @@
       </p:sp>
       <p:sp>
         <p:nvSpPr>
-          <p:cNvPr id="97" name="CustomShape 5"/>
+          <p:cNvPr id="102" name="CustomShape 5"/>
           <p:cNvSpPr/>
           <p:nvPr/>
         </p:nvSpPr>
@@ -4118,7 +4348,7 @@
       </p:sp>
       <p:sp>
         <p:nvSpPr>
-          <p:cNvPr id="98" name="CustomShape 6"/>
+          <p:cNvPr id="103" name="CustomShape 6"/>
           <p:cNvSpPr/>
           <p:nvPr/>
         </p:nvSpPr>
@@ -4171,7 +4401,7 @@
       </p:sp>
       <p:sp>
         <p:nvSpPr>
-          <p:cNvPr id="99" name="CustomShape 7"/>
+          <p:cNvPr id="104" name="CustomShape 7"/>
           <p:cNvSpPr/>
           <p:nvPr/>
         </p:nvSpPr>
@@ -4196,7 +4426,7 @@
       </p:sp>
       <p:sp>
         <p:nvSpPr>
-          <p:cNvPr id="100" name="CustomShape 8"/>
+          <p:cNvPr id="105" name="CustomShape 8"/>
           <p:cNvSpPr/>
           <p:nvPr/>
         </p:nvSpPr>
@@ -4249,7 +4479,7 @@
       </p:sp>
       <p:sp>
         <p:nvSpPr>
-          <p:cNvPr id="101" name="CustomShape 9"/>
+          <p:cNvPr id="106" name="CustomShape 9"/>
           <p:cNvSpPr/>
           <p:nvPr/>
         </p:nvSpPr>
@@ -4273,7 +4503,7 @@
       </p:sp>
       <p:sp>
         <p:nvSpPr>
-          <p:cNvPr id="102" name="CustomShape 10"/>
+          <p:cNvPr id="107" name="CustomShape 10"/>
           <p:cNvSpPr/>
           <p:nvPr/>
         </p:nvSpPr>
@@ -4297,7 +4527,7 @@
       </p:sp>
       <p:sp>
         <p:nvSpPr>
-          <p:cNvPr id="103" name="CustomShape 11"/>
+          <p:cNvPr id="108" name="CustomShape 11"/>
           <p:cNvSpPr/>
           <p:nvPr/>
         </p:nvSpPr>
@@ -4321,7 +4551,7 @@
       </p:sp>
       <p:sp>
         <p:nvSpPr>
-          <p:cNvPr id="104" name="CustomShape 12"/>
+          <p:cNvPr id="109" name="CustomShape 12"/>
           <p:cNvSpPr/>
           <p:nvPr/>
         </p:nvSpPr>
@@ -4361,7 +4591,7 @@
       </p:sp>
       <p:sp>
         <p:nvSpPr>
-          <p:cNvPr id="105" name="CustomShape 13"/>
+          <p:cNvPr id="110" name="CustomShape 13"/>
           <p:cNvSpPr/>
           <p:nvPr/>
         </p:nvSpPr>
@@ -4401,7 +4631,7 @@
       </p:sp>
       <p:sp>
         <p:nvSpPr>
-          <p:cNvPr id="106" name="CustomShape 14"/>
+          <p:cNvPr id="111" name="CustomShape 14"/>
           <p:cNvSpPr/>
           <p:nvPr/>
         </p:nvSpPr>
@@ -4428,7 +4658,7 @@
       </p:sp>
       <p:sp>
         <p:nvSpPr>
-          <p:cNvPr id="107" name="CustomShape 15"/>
+          <p:cNvPr id="112" name="CustomShape 15"/>
           <p:cNvSpPr/>
           <p:nvPr/>
         </p:nvSpPr>
@@ -4468,7 +4698,7 @@
       </p:sp>
       <p:sp>
         <p:nvSpPr>
-          <p:cNvPr id="108" name="CustomShape 16"/>
+          <p:cNvPr id="113" name="CustomShape 16"/>
           <p:cNvSpPr/>
           <p:nvPr/>
         </p:nvSpPr>
@@ -4508,7 +4738,7 @@
       </p:sp>
       <p:sp>
         <p:nvSpPr>
-          <p:cNvPr id="109" name="CustomShape 17"/>
+          <p:cNvPr id="114" name="CustomShape 17"/>
           <p:cNvSpPr/>
           <p:nvPr/>
         </p:nvSpPr>
@@ -4546,8 +4776,65 @@
           </a:p>
         </p:txBody>
       </p:sp>
+      <p:sp>
+        <p:nvSpPr>
+          <p:cNvPr id="115" name="TextShape 18"/>
+          <p:cNvSpPr txBox="1"/>
+          <p:nvPr/>
+        </p:nvSpPr>
+        <p:spPr>
+          <a:xfrm rot="20245800">
+            <a:off x="1323720" y="1910880"/>
+            <a:ext cx="7324560" cy="2166480"/>
+          </a:xfrm>
+          <a:prstGeom prst="rect">
+            <a:avLst/>
+          </a:prstGeom>
+        </p:spPr>
+        <p:txBody>
+          <a:bodyPr bIns="45000" lIns="90000" rIns="90000" tIns="45000" wrap="none"/>
+          <a:p>
+            <a:r>
+              <a:rPr lang="de-DE" sz="11620">
+                <a:solidFill>
+                  <a:srgbClr val="c5000b"/>
+                </a:solidFill>
+              </a:rPr>
+              <a:t>Remove?</a:t>
+            </a:r>
+            <a:endParaRPr/>
+          </a:p>
+        </p:txBody>
+      </p:sp>
     </p:spTree>
   </p:cSld>
+  <p:timing>
+    <p:tnLst>
+      <p:par>
+        <p:cTn dur="indefinite" id="7" nodeType="tmRoot" restart="never">
+          <p:childTnLst>
+            <p:seq>
+              <p:cTn id="8" nodeType="mainSeq"/>
+              <p:prevCondLst>
+                <p:cond delay="0" evt="onPrev">
+                  <p:tgtEl>
+                    <p:sldTgt/>
+                  </p:tgtEl>
+                </p:cond>
+              </p:prevCondLst>
+              <p:nextCondLst>
+                <p:cond delay="0" evt="onNext">
+                  <p:tgtEl>
+                    <p:sldTgt/>
+                  </p:tgtEl>
+                </p:cond>
+              </p:nextCondLst>
+            </p:seq>
+          </p:childTnLst>
+        </p:cTn>
+      </p:par>
+    </p:tnLst>
+  </p:timing>
 </p:sld>
 </file>
 
@@ -4570,7 +4857,7 @@
       </p:grpSpPr>
       <p:sp>
         <p:nvSpPr>
-          <p:cNvPr id="110" name="TextShape 1"/>
+          <p:cNvPr id="116" name="TextShape 1"/>
           <p:cNvSpPr txBox="1"/>
           <p:nvPr/>
         </p:nvSpPr>
@@ -4609,10 +4896,10 @@
   <p:timing>
     <p:tnLst>
       <p:par>
-        <p:cTn dur="indefinite" id="7" nodeType="tmRoot" restart="never">
+        <p:cTn dur="indefinite" id="9" nodeType="tmRoot" restart="never">
           <p:childTnLst>
             <p:seq>
-              <p:cTn id="8" nodeType="mainSeq"/>
+              <p:cTn id="10" nodeType="mainSeq"/>
               <p:prevCondLst>
                 <p:cond delay="0" evt="onPrev">
                   <p:tgtEl>
@@ -5080,4 +5367,227 @@
     </a:fmtScheme>
   </a:themeElements>
 </a:theme>
+</file>
+
+<file path=ppt/theme/theme3.xml><?xml version="1.0" encoding="utf-8"?>
+<a:theme xmlns:a="http://schemas.openxmlformats.org/drawingml/2006/main" name="Office Theme">
+  <a:themeElements>
+    <a:clrScheme name="Office">
+      <a:dk1>
+        <a:sysClr val="windowText" lastClr="000000"/>
+      </a:dk1>
+      <a:lt1>
+        <a:sysClr val="window" lastClr="FFFFFF"/>
+      </a:lt1>
+      <a:dk2>
+        <a:srgbClr val="1F497D"/>
+      </a:dk2>
+      <a:lt2>
+        <a:srgbClr val="EEECE1"/>
+      </a:lt2>
+      <a:accent1>
+        <a:srgbClr val="4F81BD"/>
+      </a:accent1>
+      <a:accent2>
+        <a:srgbClr val="C0504D"/>
+      </a:accent2>
+      <a:accent3>
+        <a:srgbClr val="9BBB59"/>
+      </a:accent3>
+      <a:accent4>
+        <a:srgbClr val="8064A2"/>
+      </a:accent4>
+      <a:accent5>
+        <a:srgbClr val="4BACC6"/>
+      </a:accent5>
+      <a:accent6>
+        <a:srgbClr val="F79646"/>
+      </a:accent6>
+      <a:hlink>
+        <a:srgbClr val="0000FF"/>
+      </a:hlink>
+      <a:folHlink>
+        <a:srgbClr val="800080"/>
+      </a:folHlink>
+    </a:clrScheme>
+    <a:fontScheme name="Office">
+      <a:majorFont>
+        <a:latin typeface="Arial"/>
+        <a:ea typeface="DejaVu Sans"/>
+        <a:cs typeface="DejaVu Sans"/>
+      </a:majorFont>
+      <a:minorFont>
+        <a:latin typeface="Arial"/>
+        <a:ea typeface="DejaVu Sans"/>
+        <a:cs typeface="DejaVu Sans"/>
+      </a:minorFont>
+    </a:fontScheme>
+    <a:fmtScheme name="Office">
+      <a:fillStyleLst>
+        <a:solidFill>
+          <a:schemeClr val="phClr"/>
+        </a:solidFill>
+        <a:gradFill rotWithShape="1">
+          <a:gsLst>
+            <a:gs pos="0">
+              <a:schemeClr val="phClr">
+                <a:tint val="50000"/>
+                <a:satMod val="300000"/>
+              </a:schemeClr>
+            </a:gs>
+            <a:gs pos="35000">
+              <a:schemeClr val="phClr">
+                <a:tint val="37000"/>
+                <a:satMod val="300000"/>
+              </a:schemeClr>
+            </a:gs>
+            <a:gs pos="100000">
+              <a:schemeClr val="phClr">
+                <a:tint val="15000"/>
+                <a:satMod val="350000"/>
+              </a:schemeClr>
+            </a:gs>
+          </a:gsLst>
+          <a:lin ang="16200000" scaled="1"/>
+        </a:gradFill>
+        <a:gradFill rotWithShape="1">
+          <a:gsLst>
+            <a:gs pos="0">
+              <a:schemeClr val="phClr">
+                <a:shade val="51000"/>
+                <a:satMod val="130000"/>
+              </a:schemeClr>
+            </a:gs>
+            <a:gs pos="80000">
+              <a:schemeClr val="phClr">
+                <a:shade val="93000"/>
+                <a:satMod val="130000"/>
+              </a:schemeClr>
+            </a:gs>
+            <a:gs pos="100000">
+              <a:schemeClr val="phClr">
+                <a:shade val="94000"/>
+                <a:satMod val="135000"/>
+              </a:schemeClr>
+            </a:gs>
+          </a:gsLst>
+          <a:lin ang="16200000" scaled="0"/>
+        </a:gradFill>
+      </a:fillStyleLst>
+      <a:lnStyleLst>
+        <a:ln w="9525" cap="flat" cmpd="sng" algn="ctr">
+          <a:solidFill>
+            <a:schemeClr val="phClr">
+              <a:shade val="95000"/>
+              <a:satMod val="105000"/>
+            </a:schemeClr>
+          </a:solidFill>
+          <a:prstDash val="solid"/>
+        </a:ln>
+        <a:ln w="25400" cap="flat" cmpd="sng" algn="ctr">
+          <a:solidFill>
+            <a:schemeClr val="phClr"/>
+          </a:solidFill>
+          <a:prstDash val="solid"/>
+        </a:ln>
+        <a:ln w="38100" cap="flat" cmpd="sng" algn="ctr">
+          <a:solidFill>
+            <a:schemeClr val="phClr"/>
+          </a:solidFill>
+          <a:prstDash val="solid"/>
+        </a:ln>
+      </a:lnStyleLst>
+      <a:effectStyleLst>
+        <a:effectStyle>
+          <a:effectLst>
+            <a:outerShdw blurRad="40000" dist="20000" dir="5400000" rotWithShape="0">
+              <a:srgbClr val="000000">
+                <a:alpha val="38000"/>
+              </a:srgbClr>
+            </a:outerShdw>
+          </a:effectLst>
+        </a:effectStyle>
+        <a:effectStyle>
+          <a:effectLst>
+            <a:outerShdw blurRad="40000" dist="23000" dir="5400000" rotWithShape="0">
+              <a:srgbClr val="000000">
+                <a:alpha val="35000"/>
+              </a:srgbClr>
+            </a:outerShdw>
+          </a:effectLst>
+        </a:effectStyle>
+        <a:effectStyle>
+          <a:effectLst>
+            <a:outerShdw blurRad="40000" dist="23000" dir="5400000" rotWithShape="0">
+              <a:srgbClr val="000000">
+                <a:alpha val="35000"/>
+              </a:srgbClr>
+            </a:outerShdw>
+          </a:effectLst>
+          <a:scene3d>
+            <a:camera prst="orthographicFront">
+              <a:rot lat="0" lon="0" rev="0"/>
+            </a:camera>
+            <a:lightRig rig="threePt" dir="t">
+              <a:rot lat="0" lon="0" rev="1200000"/>
+            </a:lightRig>
+          </a:scene3d>
+          <a:sp3d>
+            <a:bevelT w="63500" h="25400"/>
+          </a:sp3d>
+        </a:effectStyle>
+      </a:effectStyleLst>
+      <a:bgFillStyleLst>
+        <a:solidFill>
+          <a:schemeClr val="phClr"/>
+        </a:solidFill>
+        <a:gradFill rotWithShape="1">
+          <a:gsLst>
+            <a:gs pos="0">
+              <a:schemeClr val="phClr">
+                <a:tint val="40000"/>
+                <a:satMod val="350000"/>
+              </a:schemeClr>
+            </a:gs>
+            <a:gs pos="40000">
+              <a:schemeClr val="phClr">
+                <a:tint val="45000"/>
+                <a:shade val="99000"/>
+                <a:satMod val="350000"/>
+              </a:schemeClr>
+            </a:gs>
+            <a:gs pos="100000">
+              <a:schemeClr val="phClr">
+                <a:shade val="20000"/>
+                <a:satMod val="255000"/>
+              </a:schemeClr>
+            </a:gs>
+          </a:gsLst>
+          <a:path path="circle">
+            <a:fillToRect l="50000" t="-80000" r="50000" b="180000"/>
+          </a:path>
+        </a:gradFill>
+        <a:gradFill rotWithShape="1">
+          <a:gsLst>
+            <a:gs pos="0">
+              <a:schemeClr val="phClr">
+                <a:tint val="80000"/>
+                <a:satMod val="300000"/>
+              </a:schemeClr>
+            </a:gs>
+            <a:gs pos="100000">
+              <a:schemeClr val="phClr">
+                <a:shade val="30000"/>
+                <a:satMod val="200000"/>
+              </a:schemeClr>
+            </a:gs>
+          </a:gsLst>
+          <a:path path="circle">
+            <a:fillToRect l="50000" t="50000" r="50000" b="50000"/>
+          </a:path>
+        </a:gradFill>
+      </a:bgFillStyleLst>
+    </a:fmtScheme>
+  </a:themeElements>
+</a:theme>
 </file>
--- a/Presentation.pptx
+++ b/Presentation.pptx
@@ -7,9 +7,9 @@
   <p:sldIdLst>
     <p:sldId id="256" r:id="rId2"/>
     <p:sldId id="259" r:id="rId3"/>
-    <p:sldId id="258" r:id="rId4"/>
-    <p:sldId id="265" r:id="rId5"/>
-    <p:sldId id="264" r:id="rId6"/>
+    <p:sldId id="265" r:id="rId4"/>
+    <p:sldId id="264" r:id="rId5"/>
+    <p:sldId id="266" r:id="rId6"/>
   </p:sldIdLst>
   <p:sldSz cx="9144000" cy="6858000" type="screen4x3"/>
   <p:notesSz cx="6858000" cy="9144000"/>
@@ -292,7 +292,7 @@
           <a:p>
             <a:fld id="{68D46126-F3FF-4C42-ABC5-C8A142224117}" type="datetimeFigureOut">
               <a:rPr lang="en-US" smtClean="0"/>
-              <a:t>2/3/14</a:t>
+              <a:t>2/4/14</a:t>
             </a:fld>
             <a:endParaRPr lang="en-US"/>
           </a:p>
@@ -462,7 +462,7 @@
           <a:p>
             <a:fld id="{68D46126-F3FF-4C42-ABC5-C8A142224117}" type="datetimeFigureOut">
               <a:rPr lang="en-US" smtClean="0"/>
-              <a:t>2/3/14</a:t>
+              <a:t>2/4/14</a:t>
             </a:fld>
             <a:endParaRPr lang="en-US"/>
           </a:p>
@@ -642,7 +642,7 @@
           <a:p>
             <a:fld id="{68D46126-F3FF-4C42-ABC5-C8A142224117}" type="datetimeFigureOut">
               <a:rPr lang="en-US" smtClean="0"/>
-              <a:t>2/3/14</a:t>
+              <a:t>2/4/14</a:t>
             </a:fld>
             <a:endParaRPr lang="en-US"/>
           </a:p>
@@ -812,7 +812,7 @@
           <a:p>
             <a:fld id="{68D46126-F3FF-4C42-ABC5-C8A142224117}" type="datetimeFigureOut">
               <a:rPr lang="en-US" smtClean="0"/>
-              <a:t>2/3/14</a:t>
+              <a:t>2/4/14</a:t>
             </a:fld>
             <a:endParaRPr lang="en-US"/>
           </a:p>
@@ -1058,7 +1058,7 @@
           <a:p>
             <a:fld id="{68D46126-F3FF-4C42-ABC5-C8A142224117}" type="datetimeFigureOut">
               <a:rPr lang="en-US" smtClean="0"/>
-              <a:t>2/3/14</a:t>
+              <a:t>2/4/14</a:t>
             </a:fld>
             <a:endParaRPr lang="en-US"/>
           </a:p>
@@ -1346,7 +1346,7 @@
           <a:p>
             <a:fld id="{68D46126-F3FF-4C42-ABC5-C8A142224117}" type="datetimeFigureOut">
               <a:rPr lang="en-US" smtClean="0"/>
-              <a:t>2/3/14</a:t>
+              <a:t>2/4/14</a:t>
             </a:fld>
             <a:endParaRPr lang="en-US"/>
           </a:p>
@@ -1768,7 +1768,7 @@
           <a:p>
             <a:fld id="{68D46126-F3FF-4C42-ABC5-C8A142224117}" type="datetimeFigureOut">
               <a:rPr lang="en-US" smtClean="0"/>
-              <a:t>2/3/14</a:t>
+              <a:t>2/4/14</a:t>
             </a:fld>
             <a:endParaRPr lang="en-US"/>
           </a:p>
@@ -1886,7 +1886,7 @@
           <a:p>
             <a:fld id="{68D46126-F3FF-4C42-ABC5-C8A142224117}" type="datetimeFigureOut">
               <a:rPr lang="en-US" smtClean="0"/>
-              <a:t>2/3/14</a:t>
+              <a:t>2/4/14</a:t>
             </a:fld>
             <a:endParaRPr lang="en-US"/>
           </a:p>
@@ -1981,7 +1981,7 @@
           <a:p>
             <a:fld id="{68D46126-F3FF-4C42-ABC5-C8A142224117}" type="datetimeFigureOut">
               <a:rPr lang="en-US" smtClean="0"/>
-              <a:t>2/3/14</a:t>
+              <a:t>2/4/14</a:t>
             </a:fld>
             <a:endParaRPr lang="en-US"/>
           </a:p>
@@ -2258,7 +2258,7 @@
           <a:p>
             <a:fld id="{68D46126-F3FF-4C42-ABC5-C8A142224117}" type="datetimeFigureOut">
               <a:rPr lang="en-US" smtClean="0"/>
-              <a:t>2/3/14</a:t>
+              <a:t>2/4/14</a:t>
             </a:fld>
             <a:endParaRPr lang="en-US"/>
           </a:p>
@@ -2511,7 +2511,7 @@
           <a:p>
             <a:fld id="{68D46126-F3FF-4C42-ABC5-C8A142224117}" type="datetimeFigureOut">
               <a:rPr lang="en-US" smtClean="0"/>
-              <a:t>2/3/14</a:t>
+              <a:t>2/4/14</a:t>
             </a:fld>
             <a:endParaRPr lang="en-US"/>
           </a:p>
@@ -2724,7 +2724,7 @@
           <a:p>
             <a:fld id="{68D46126-F3FF-4C42-ABC5-C8A142224117}" type="datetimeFigureOut">
               <a:rPr lang="en-US" smtClean="0"/>
-              <a:t>2/3/14</a:t>
+              <a:t>2/4/14</a:t>
             </a:fld>
             <a:endParaRPr lang="en-US"/>
           </a:p>
@@ -3101,34 +3101,6 @@
       </p:grpSpPr>
       <p:sp>
         <p:nvSpPr>
-          <p:cNvPr id="2" name="Title 1"/>
-          <p:cNvSpPr>
-            <a:spLocks noGrp="1"/>
-          </p:cNvSpPr>
-          <p:nvPr>
-            <p:ph type="ctrTitle"/>
-          </p:nvPr>
-        </p:nvSpPr>
-        <p:spPr>
-          <a:xfrm>
-            <a:off x="685800" y="660400"/>
-            <a:ext cx="7772400" cy="1470025"/>
-          </a:xfrm>
-        </p:spPr>
-        <p:txBody>
-          <a:bodyPr/>
-          <a:lstStyle/>
-          <a:p>
-            <a:r>
-              <a:rPr lang="en-US" sz="6000" dirty="0" err="1" smtClean="0"/>
-              <a:t>Skedify</a:t>
-            </a:r>
-            <a:endParaRPr lang="en-US" sz="6000" dirty="0"/>
-          </a:p>
-        </p:txBody>
-      </p:sp>
-      <p:sp>
-        <p:nvSpPr>
           <p:cNvPr id="3" name="Subtitle 2"/>
           <p:cNvSpPr>
             <a:spLocks noGrp="1"/>
@@ -3205,6 +3177,36 @@
           </a:p>
         </p:txBody>
       </p:sp>
+      <p:pic>
+        <p:nvPicPr>
+          <p:cNvPr id="4" name="Picture 3" descr="Icon-60@2x.png"/>
+          <p:cNvPicPr>
+            <a:picLocks noChangeAspect="1"/>
+          </p:cNvPicPr>
+          <p:nvPr/>
+        </p:nvPicPr>
+        <p:blipFill>
+          <a:blip r:embed="rId2">
+            <a:extLst>
+              <a:ext uri="{28A0092B-C50C-407E-A947-70E740481C1C}">
+                <a14:useLocalDpi xmlns:a14="http://schemas.microsoft.com/office/drawing/2010/main" val="0"/>
+              </a:ext>
+            </a:extLst>
+          </a:blip>
+          <a:stretch>
+            <a:fillRect/>
+          </a:stretch>
+        </p:blipFill>
+        <p:spPr>
+          <a:xfrm>
+            <a:off x="3450267" y="834661"/>
+            <a:ext cx="2225041" cy="2225041"/>
+          </a:xfrm>
+          <a:prstGeom prst="rect">
+            <a:avLst/>
+          </a:prstGeom>
+        </p:spPr>
+      </p:pic>
     </p:spTree>
     <p:extLst>
       <p:ext uri="{BB962C8B-B14F-4D97-AF65-F5344CB8AC3E}">
@@ -3215,6 +3217,13 @@
   <p:clrMapOvr>
     <a:masterClrMapping/>
   </p:clrMapOvr>
+  <p:timing>
+    <p:tnLst>
+      <p:par>
+        <p:cTn xmlns:p14="http://schemas.microsoft.com/office/powerpoint/2010/main" id="1" dur="indefinite" restart="never" nodeType="tmRoot"/>
+      </p:par>
+    </p:tnLst>
+  </p:timing>
 </p:sld>
 </file>
 
@@ -3276,7 +3285,12 @@
             <p:ph idx="1"/>
           </p:nvPr>
         </p:nvSpPr>
-        <p:spPr/>
+        <p:spPr>
+          <a:xfrm>
+            <a:off x="289393" y="1600200"/>
+            <a:ext cx="8521001" cy="4525963"/>
+          </a:xfrm>
+        </p:spPr>
         <p:txBody>
           <a:bodyPr/>
           <a:lstStyle/>
@@ -3287,24 +3301,74 @@
             </a:r>
           </a:p>
           <a:p>
+            <a:r>
+              <a:rPr lang="en-US" dirty="0" smtClean="0"/>
+              <a:t>Minimizing the time spent on making schedules</a:t>
+            </a:r>
             <a:endParaRPr lang="en-US" dirty="0" smtClean="0"/>
           </a:p>
-          <a:p>
-            <a:r>
-              <a:rPr lang="en-US" dirty="0" smtClean="0"/>
-              <a:t>Creating a schedule with </a:t>
-            </a:r>
-            <a:r>
-              <a:rPr lang="en-US" dirty="0" smtClean="0"/>
-              <a:t>minimum </a:t>
-            </a:r>
-            <a:r>
-              <a:rPr lang="en-US" dirty="0" smtClean="0"/>
-              <a:t>overlapping slots (ideally none)</a:t>
-            </a:r>
-          </a:p>
-        </p:txBody>
-      </p:sp>
+        </p:txBody>
+      </p:sp>
+      <p:pic>
+        <p:nvPicPr>
+          <p:cNvPr id="4" name="Picture 3" descr="meeting-image2.jpg"/>
+          <p:cNvPicPr>
+            <a:picLocks noChangeAspect="1"/>
+          </p:cNvPicPr>
+          <p:nvPr/>
+        </p:nvPicPr>
+        <p:blipFill>
+          <a:blip r:embed="rId2">
+            <a:extLst>
+              <a:ext uri="{28A0092B-C50C-407E-A947-70E740481C1C}">
+                <a14:useLocalDpi xmlns:a14="http://schemas.microsoft.com/office/drawing/2010/main" val="0"/>
+              </a:ext>
+            </a:extLst>
+          </a:blip>
+          <a:stretch>
+            <a:fillRect/>
+          </a:stretch>
+        </p:blipFill>
+        <p:spPr>
+          <a:xfrm>
+            <a:off x="2913352" y="4152560"/>
+            <a:ext cx="3048000" cy="2471928"/>
+          </a:xfrm>
+          <a:prstGeom prst="rect">
+            <a:avLst/>
+          </a:prstGeom>
+        </p:spPr>
+      </p:pic>
+      <p:pic>
+        <p:nvPicPr>
+          <p:cNvPr id="5" name="Picture 4" descr="9235883-1.png"/>
+          <p:cNvPicPr>
+            <a:picLocks noChangeAspect="1"/>
+          </p:cNvPicPr>
+          <p:nvPr/>
+        </p:nvPicPr>
+        <p:blipFill>
+          <a:blip r:embed="rId3">
+            <a:extLst>
+              <a:ext uri="{28A0092B-C50C-407E-A947-70E740481C1C}">
+                <a14:useLocalDpi xmlns:a14="http://schemas.microsoft.com/office/drawing/2010/main" val="0"/>
+              </a:ext>
+            </a:extLst>
+          </a:blip>
+          <a:stretch>
+            <a:fillRect/>
+          </a:stretch>
+        </p:blipFill>
+        <p:spPr>
+          <a:xfrm>
+            <a:off x="3992428" y="3289605"/>
+            <a:ext cx="991555" cy="991555"/>
+          </a:xfrm>
+          <a:prstGeom prst="rect">
+            <a:avLst/>
+          </a:prstGeom>
+        </p:spPr>
+      </p:pic>
     </p:spTree>
     <p:extLst>
       <p:ext uri="{BB962C8B-B14F-4D97-AF65-F5344CB8AC3E}">
@@ -3315,6 +3379,13 @@
   <p:clrMapOvr>
     <a:masterClrMapping/>
   </p:clrMapOvr>
+  <p:timing>
+    <p:tnLst>
+      <p:par>
+        <p:cTn xmlns:p14="http://schemas.microsoft.com/office/powerpoint/2010/main" id="1" dur="indefinite" restart="never" nodeType="tmRoot"/>
+      </p:par>
+    </p:tnLst>
+  </p:timing>
 </p:sld>
 </file>
 
@@ -3348,101 +3419,6 @@
         <p:spPr/>
         <p:txBody>
           <a:bodyPr>
-            <a:noAutofit/>
-          </a:bodyPr>
-          <a:lstStyle/>
-          <a:p>
-            <a:r>
-              <a:rPr lang="en-US" sz="4000" dirty="0" smtClean="0"/>
-              <a:t>How do students currently accomplish those tasks?</a:t>
-            </a:r>
-            <a:endParaRPr lang="en-US" sz="4000" dirty="0"/>
-          </a:p>
-        </p:txBody>
-      </p:sp>
-      <p:sp>
-        <p:nvSpPr>
-          <p:cNvPr id="3" name="Content Placeholder 2"/>
-          <p:cNvSpPr>
-            <a:spLocks noGrp="1"/>
-          </p:cNvSpPr>
-          <p:nvPr>
-            <p:ph idx="1"/>
-          </p:nvPr>
-        </p:nvSpPr>
-        <p:spPr/>
-        <p:txBody>
-          <a:bodyPr/>
-          <a:lstStyle/>
-          <a:p>
-            <a:r>
-              <a:rPr lang="en-US" dirty="0" smtClean="0"/>
-              <a:t>By sending thousands of emails to one another</a:t>
-            </a:r>
-          </a:p>
-          <a:p>
-            <a:endParaRPr lang="en-US" dirty="0" smtClean="0"/>
-          </a:p>
-          <a:p>
-            <a:r>
-              <a:rPr lang="en-US" dirty="0" smtClean="0"/>
-              <a:t>By creating and filling out a doodle</a:t>
-            </a:r>
-          </a:p>
-          <a:p>
-            <a:endParaRPr lang="en-US" dirty="0" smtClean="0"/>
-          </a:p>
-          <a:p>
-            <a:r>
-              <a:rPr lang="en-US" dirty="0" smtClean="0"/>
-              <a:t>By checking multiple times if someone has updated their time slots</a:t>
-            </a:r>
-          </a:p>
-        </p:txBody>
-      </p:sp>
-    </p:spTree>
-    <p:extLst>
-      <p:ext uri="{BB962C8B-B14F-4D97-AF65-F5344CB8AC3E}">
-        <p14:creationId xmlns:p14="http://schemas.microsoft.com/office/powerpoint/2010/main" val="4023317205"/>
-      </p:ext>
-    </p:extLst>
-  </p:cSld>
-  <p:clrMapOvr>
-    <a:masterClrMapping/>
-  </p:clrMapOvr>
-</p:sld>
-</file>
-
-<file path=ppt/slides/slide4.xml><?xml version="1.0" encoding="utf-8"?>
-<p:sld xmlns:a="http://schemas.openxmlformats.org/drawingml/2006/main" xmlns:r="http://schemas.openxmlformats.org/officeDocument/2006/relationships" xmlns:p="http://schemas.openxmlformats.org/presentationml/2006/main">
-  <p:cSld>
-    <p:spTree>
-      <p:nvGrpSpPr>
-        <p:cNvPr id="1" name=""/>
-        <p:cNvGrpSpPr/>
-        <p:nvPr/>
-      </p:nvGrpSpPr>
-      <p:grpSpPr>
-        <a:xfrm>
-          <a:off x="0" y="0"/>
-          <a:ext cx="0" cy="0"/>
-          <a:chOff x="0" y="0"/>
-          <a:chExt cx="0" cy="0"/>
-        </a:xfrm>
-      </p:grpSpPr>
-      <p:sp>
-        <p:nvSpPr>
-          <p:cNvPr id="2" name="Title 1"/>
-          <p:cNvSpPr>
-            <a:spLocks noGrp="1"/>
-          </p:cNvSpPr>
-          <p:nvPr>
-            <p:ph type="title"/>
-          </p:nvPr>
-        </p:nvSpPr>
-        <p:spPr/>
-        <p:txBody>
-          <a:bodyPr>
             <a:normAutofit/>
           </a:bodyPr>
           <a:lstStyle/>
@@ -3455,244 +3431,6 @@
           </a:p>
         </p:txBody>
       </p:sp>
-      <p:sp>
-        <p:nvSpPr>
-          <p:cNvPr id="4" name="Process 3"/>
-          <p:cNvSpPr/>
-          <p:nvPr/>
-        </p:nvSpPr>
-        <p:spPr>
-          <a:xfrm>
-            <a:off x="771713" y="1777807"/>
-            <a:ext cx="2122212" cy="720338"/>
-          </a:xfrm>
-          <a:prstGeom prst="flowChartProcess">
-            <a:avLst/>
-          </a:prstGeom>
-        </p:spPr>
-        <p:style>
-          <a:lnRef idx="1">
-            <a:schemeClr val="accent1"/>
-          </a:lnRef>
-          <a:fillRef idx="3">
-            <a:schemeClr val="accent1"/>
-          </a:fillRef>
-          <a:effectRef idx="2">
-            <a:schemeClr val="accent1"/>
-          </a:effectRef>
-          <a:fontRef idx="minor">
-            <a:schemeClr val="lt1"/>
-          </a:fontRef>
-        </p:style>
-        <p:txBody>
-          <a:bodyPr rtlCol="0" anchor="ctr"/>
-          <a:lstStyle/>
-          <a:p>
-            <a:pPr algn="ctr"/>
-            <a:r>
-              <a:rPr lang="en-US" dirty="0" smtClean="0"/>
-              <a:t>iPhone (Client)</a:t>
-            </a:r>
-          </a:p>
-        </p:txBody>
-      </p:sp>
-      <p:cxnSp>
-        <p:nvCxnSpPr>
-          <p:cNvPr id="7" name="Straight Arrow Connector 6"/>
-          <p:cNvCxnSpPr>
-            <a:stCxn id="4" idx="3"/>
-            <a:endCxn id="16" idx="1"/>
-          </p:cNvCxnSpPr>
-          <p:nvPr/>
-        </p:nvCxnSpPr>
-        <p:spPr>
-          <a:xfrm>
-            <a:off x="2893925" y="2137976"/>
-            <a:ext cx="3328014" cy="0"/>
-          </a:xfrm>
-          <a:prstGeom prst="straightConnector1">
-            <a:avLst/>
-          </a:prstGeom>
-          <a:ln>
-            <a:tailEnd type="arrow"/>
-          </a:ln>
-        </p:spPr>
-        <p:style>
-          <a:lnRef idx="2">
-            <a:schemeClr val="accent1"/>
-          </a:lnRef>
-          <a:fillRef idx="0">
-            <a:schemeClr val="accent1"/>
-          </a:fillRef>
-          <a:effectRef idx="1">
-            <a:schemeClr val="accent1"/>
-          </a:effectRef>
-          <a:fontRef idx="minor">
-            <a:schemeClr val="tx1"/>
-          </a:fontRef>
-        </p:style>
-      </p:cxnSp>
-      <p:sp>
-        <p:nvSpPr>
-          <p:cNvPr id="16" name="Process 15"/>
-          <p:cNvSpPr/>
-          <p:nvPr/>
-        </p:nvSpPr>
-        <p:spPr>
-          <a:xfrm>
-            <a:off x="6221939" y="1777807"/>
-            <a:ext cx="2122212" cy="720338"/>
-          </a:xfrm>
-          <a:prstGeom prst="flowChartProcess">
-            <a:avLst/>
-          </a:prstGeom>
-        </p:spPr>
-        <p:style>
-          <a:lnRef idx="1">
-            <a:schemeClr val="accent1"/>
-          </a:lnRef>
-          <a:fillRef idx="3">
-            <a:schemeClr val="accent1"/>
-          </a:fillRef>
-          <a:effectRef idx="2">
-            <a:schemeClr val="accent1"/>
-          </a:effectRef>
-          <a:fontRef idx="minor">
-            <a:schemeClr val="lt1"/>
-          </a:fontRef>
-        </p:style>
-        <p:txBody>
-          <a:bodyPr rtlCol="0" anchor="ctr"/>
-          <a:lstStyle/>
-          <a:p>
-            <a:pPr algn="ctr"/>
-            <a:r>
-              <a:rPr lang="en-US" dirty="0" err="1" smtClean="0"/>
-              <a:t>OAuth</a:t>
-            </a:r>
-            <a:endParaRPr lang="en-US" dirty="0" smtClean="0"/>
-          </a:p>
-        </p:txBody>
-      </p:sp>
-      <p:sp>
-        <p:nvSpPr>
-          <p:cNvPr id="17" name="Process 16"/>
-          <p:cNvSpPr/>
-          <p:nvPr/>
-        </p:nvSpPr>
-        <p:spPr>
-          <a:xfrm>
-            <a:off x="6221939" y="4860546"/>
-            <a:ext cx="2122212" cy="720338"/>
-          </a:xfrm>
-          <a:prstGeom prst="flowChartProcess">
-            <a:avLst/>
-          </a:prstGeom>
-        </p:spPr>
-        <p:style>
-          <a:lnRef idx="1">
-            <a:schemeClr val="accent1"/>
-          </a:lnRef>
-          <a:fillRef idx="3">
-            <a:schemeClr val="accent1"/>
-          </a:fillRef>
-          <a:effectRef idx="2">
-            <a:schemeClr val="accent1"/>
-          </a:effectRef>
-          <a:fontRef idx="minor">
-            <a:schemeClr val="lt1"/>
-          </a:fontRef>
-        </p:style>
-        <p:txBody>
-          <a:bodyPr rtlCol="0" anchor="ctr"/>
-          <a:lstStyle/>
-          <a:p>
-            <a:pPr algn="ctr"/>
-            <a:r>
-              <a:rPr lang="en-US" dirty="0" smtClean="0"/>
-              <a:t>L2P API</a:t>
-            </a:r>
-          </a:p>
-        </p:txBody>
-      </p:sp>
-      <p:sp>
-        <p:nvSpPr>
-          <p:cNvPr id="18" name="Process 17"/>
-          <p:cNvSpPr/>
-          <p:nvPr/>
-        </p:nvSpPr>
-        <p:spPr>
-          <a:xfrm>
-            <a:off x="771713" y="4850365"/>
-            <a:ext cx="2122212" cy="720338"/>
-          </a:xfrm>
-          <a:prstGeom prst="flowChartProcess">
-            <a:avLst/>
-          </a:prstGeom>
-        </p:spPr>
-        <p:style>
-          <a:lnRef idx="1">
-            <a:schemeClr val="accent1"/>
-          </a:lnRef>
-          <a:fillRef idx="3">
-            <a:schemeClr val="accent1"/>
-          </a:fillRef>
-          <a:effectRef idx="2">
-            <a:schemeClr val="accent1"/>
-          </a:effectRef>
-          <a:fontRef idx="minor">
-            <a:schemeClr val="lt1"/>
-          </a:fontRef>
-        </p:style>
-        <p:txBody>
-          <a:bodyPr rtlCol="0" anchor="ctr"/>
-          <a:lstStyle/>
-          <a:p>
-            <a:pPr algn="ctr"/>
-            <a:r>
-              <a:rPr lang="en-US" dirty="0" smtClean="0"/>
-              <a:t>Server</a:t>
-            </a:r>
-          </a:p>
-        </p:txBody>
-      </p:sp>
-      <p:cxnSp>
-        <p:nvCxnSpPr>
-          <p:cNvPr id="20" name="Straight Arrow Connector 19"/>
-          <p:cNvCxnSpPr>
-            <a:stCxn id="4" idx="2"/>
-            <a:endCxn id="18" idx="0"/>
-          </p:cNvCxnSpPr>
-          <p:nvPr/>
-        </p:nvCxnSpPr>
-        <p:spPr>
-          <a:xfrm>
-            <a:off x="1832819" y="2498145"/>
-            <a:ext cx="0" cy="2352220"/>
-          </a:xfrm>
-          <a:prstGeom prst="straightConnector1">
-            <a:avLst/>
-          </a:prstGeom>
-          <a:ln>
-            <a:headEnd type="arrow"/>
-            <a:tailEnd type="arrow"/>
-          </a:ln>
-        </p:spPr>
-        <p:style>
-          <a:lnRef idx="2">
-            <a:schemeClr val="accent1"/>
-          </a:lnRef>
-          <a:fillRef idx="0">
-            <a:schemeClr val="accent1"/>
-          </a:fillRef>
-          <a:effectRef idx="1">
-            <a:schemeClr val="accent1"/>
-          </a:effectRef>
-          <a:fontRef idx="minor">
-            <a:schemeClr val="tx1"/>
-          </a:fontRef>
-        </p:style>
-      </p:cxnSp>
       <p:sp>
         <p:nvSpPr>
           <p:cNvPr id="23" name="Decision 22"/>
@@ -3701,7 +3439,7 @@
         </p:nvSpPr>
         <p:spPr>
           <a:xfrm>
-            <a:off x="6221939" y="2957801"/>
+            <a:off x="6226006" y="2878087"/>
             <a:ext cx="2122212" cy="1457807"/>
           </a:xfrm>
           <a:prstGeom prst="flowChartDecision">
@@ -3739,15 +3477,15 @@
         <p:nvCxnSpPr>
           <p:cNvPr id="25" name="Straight Arrow Connector 24"/>
           <p:cNvCxnSpPr>
-            <a:stCxn id="16" idx="2"/>
+            <a:stCxn id="142" idx="2"/>
             <a:endCxn id="23" idx="0"/>
           </p:cNvCxnSpPr>
           <p:nvPr/>
         </p:nvCxnSpPr>
         <p:spPr>
           <a:xfrm>
-            <a:off x="7283045" y="2498145"/>
-            <a:ext cx="0" cy="459656"/>
+            <a:off x="7287112" y="2368809"/>
+            <a:ext cx="0" cy="509278"/>
           </a:xfrm>
           <a:prstGeom prst="straightConnector1">
             <a:avLst/>
@@ -3776,14 +3514,14 @@
           <p:cNvPr id="27" name="Straight Arrow Connector 26"/>
           <p:cNvCxnSpPr>
             <a:stCxn id="23" idx="2"/>
-            <a:endCxn id="17" idx="0"/>
+            <a:endCxn id="133" idx="0"/>
           </p:cNvCxnSpPr>
           <p:nvPr/>
         </p:nvCxnSpPr>
         <p:spPr>
           <a:xfrm>
-            <a:off x="7283045" y="4415608"/>
-            <a:ext cx="0" cy="444938"/>
+            <a:off x="7287112" y="4335894"/>
+            <a:ext cx="0" cy="591458"/>
           </a:xfrm>
           <a:prstGeom prst="straightConnector1">
             <a:avLst/>
@@ -3807,21 +3545,87 @@
           </a:fontRef>
         </p:style>
       </p:cxnSp>
+      <p:sp>
+        <p:nvSpPr>
+          <p:cNvPr id="150" name="TextBox 149"/>
+          <p:cNvSpPr txBox="1"/>
+          <p:nvPr/>
+        </p:nvSpPr>
+        <p:spPr>
+          <a:xfrm>
+            <a:off x="4998242" y="1610931"/>
+            <a:ext cx="1145641" cy="369332"/>
+          </a:xfrm>
+          <a:prstGeom prst="rect">
+            <a:avLst/>
+          </a:prstGeom>
+          <a:noFill/>
+        </p:spPr>
+        <p:txBody>
+          <a:bodyPr wrap="none" rtlCol="0">
+            <a:spAutoFit/>
+          </a:bodyPr>
+          <a:lstStyle/>
+          <a:p>
+            <a:r>
+              <a:rPr lang="en-US" dirty="0" smtClean="0"/>
+              <a:t>First Login</a:t>
+            </a:r>
+            <a:endParaRPr lang="en-US" dirty="0"/>
+          </a:p>
+        </p:txBody>
+      </p:sp>
       <p:cxnSp>
         <p:nvCxnSpPr>
-          <p:cNvPr id="102" name="Straight Arrow Connector 101"/>
+          <p:cNvPr id="118" name="Straight Arrow Connector 117"/>
           <p:cNvCxnSpPr>
-            <a:stCxn id="17" idx="1"/>
-            <a:endCxn id="18" idx="3"/>
+            <a:endCxn id="151" idx="1"/>
           </p:cNvCxnSpPr>
           <p:nvPr/>
         </p:nvCxnSpPr>
         <p:spPr>
-          <a:xfrm flipH="1" flipV="1">
-            <a:off x="2893925" y="5210534"/>
-            <a:ext cx="3328014" cy="10181"/>
+          <a:xfrm>
+            <a:off x="2106135" y="3610053"/>
+            <a:ext cx="1860253" cy="0"/>
           </a:xfrm>
           <a:prstGeom prst="straightConnector1">
+            <a:avLst/>
+          </a:prstGeom>
+          <a:ln>
+            <a:headEnd type="arrow"/>
+            <a:tailEnd type="arrow"/>
+          </a:ln>
+        </p:spPr>
+        <p:style>
+          <a:lnRef idx="2">
+            <a:schemeClr val="accent1"/>
+          </a:lnRef>
+          <a:fillRef idx="0">
+            <a:schemeClr val="accent1"/>
+          </a:fillRef>
+          <a:effectRef idx="1">
+            <a:schemeClr val="accent1"/>
+          </a:effectRef>
+          <a:fontRef idx="minor">
+            <a:schemeClr val="tx1"/>
+          </a:fontRef>
+        </p:style>
+      </p:cxnSp>
+      <p:cxnSp>
+        <p:nvCxnSpPr>
+          <p:cNvPr id="126" name="Elbow Connector 125"/>
+          <p:cNvCxnSpPr>
+            <a:stCxn id="151" idx="0"/>
+            <a:endCxn id="142" idx="1"/>
+          </p:cNvCxnSpPr>
+          <p:nvPr/>
+        </p:nvCxnSpPr>
+        <p:spPr>
+          <a:xfrm rot="5400000" flipH="1" flipV="1">
+            <a:off x="5207763" y="1355637"/>
+            <a:ext cx="490839" cy="2055520"/>
+          </a:xfrm>
+          <a:prstGeom prst="bentConnector2">
             <a:avLst/>
           </a:prstGeom>
           <a:ln>
@@ -3843,100 +3647,22 @@
           </a:fontRef>
         </p:style>
       </p:cxnSp>
-      <p:sp>
-        <p:nvSpPr>
-          <p:cNvPr id="103" name="TextBox 102"/>
-          <p:cNvSpPr txBox="1"/>
-          <p:nvPr/>
-        </p:nvSpPr>
-        <p:spPr>
-          <a:xfrm>
-            <a:off x="2955484" y="4841202"/>
-            <a:ext cx="3334830" cy="369332"/>
-          </a:xfrm>
-          <a:prstGeom prst="rect">
-            <a:avLst/>
-          </a:prstGeom>
-          <a:noFill/>
-        </p:spPr>
-        <p:txBody>
-          <a:bodyPr wrap="none" rtlCol="0">
-            <a:spAutoFit/>
-          </a:bodyPr>
-          <a:lstStyle/>
-          <a:p>
-            <a:r>
-              <a:rPr lang="en-US" dirty="0" smtClean="0"/>
-              <a:t>Send User’s </a:t>
-            </a:r>
-            <a:r>
-              <a:rPr lang="en-US" dirty="0"/>
-              <a:t>C</a:t>
-            </a:r>
-            <a:r>
-              <a:rPr lang="en-US" dirty="0" smtClean="0"/>
-              <a:t>alendar </a:t>
-            </a:r>
-            <a:r>
-              <a:rPr lang="en-US" dirty="0"/>
-              <a:t>I</a:t>
-            </a:r>
-            <a:r>
-              <a:rPr lang="en-US" dirty="0" smtClean="0"/>
-              <a:t>nformation</a:t>
-            </a:r>
-            <a:endParaRPr lang="en-US" dirty="0"/>
-          </a:p>
-        </p:txBody>
-      </p:sp>
-      <p:sp>
-        <p:nvSpPr>
-          <p:cNvPr id="104" name="TextBox 103"/>
-          <p:cNvSpPr txBox="1"/>
-          <p:nvPr/>
-        </p:nvSpPr>
-        <p:spPr>
-          <a:xfrm>
-            <a:off x="7271573" y="4391495"/>
-            <a:ext cx="505267" cy="369332"/>
-          </a:xfrm>
-          <a:prstGeom prst="rect">
-            <a:avLst/>
-          </a:prstGeom>
-          <a:noFill/>
-        </p:spPr>
-        <p:txBody>
-          <a:bodyPr wrap="none" rtlCol="0">
-            <a:spAutoFit/>
-          </a:bodyPr>
-          <a:lstStyle/>
-          <a:p>
-            <a:r>
-              <a:rPr lang="en-US" dirty="0" smtClean="0"/>
-              <a:t>Yes</a:t>
-            </a:r>
-          </a:p>
-        </p:txBody>
-      </p:sp>
       <p:cxnSp>
         <p:nvCxnSpPr>
-          <p:cNvPr id="110" name="Elbow Connector 109"/>
+          <p:cNvPr id="130" name="Elbow Connector 129"/>
           <p:cNvCxnSpPr>
-            <a:stCxn id="23" idx="3"/>
-            <a:endCxn id="4" idx="0"/>
+            <a:stCxn id="133" idx="1"/>
+            <a:endCxn id="151" idx="2"/>
           </p:cNvCxnSpPr>
           <p:nvPr/>
         </p:nvCxnSpPr>
         <p:spPr>
-          <a:xfrm flipH="1" flipV="1">
-            <a:off x="1832819" y="1777807"/>
-            <a:ext cx="6511332" cy="1908898"/>
+          <a:xfrm rot="10800000">
+            <a:off x="4425422" y="4591290"/>
+            <a:ext cx="2274322" cy="923431"/>
           </a:xfrm>
-          <a:prstGeom prst="bentConnector4">
-            <a:avLst>
-              <a:gd name="adj1" fmla="val -3511"/>
-              <a:gd name="adj2" fmla="val 111975"/>
-            </a:avLst>
+          <a:prstGeom prst="bentConnector2">
+            <a:avLst/>
           </a:prstGeom>
           <a:ln>
             <a:tailEnd type="arrow"/>
@@ -3957,16 +3683,46 @@
           </a:fontRef>
         </p:style>
       </p:cxnSp>
-      <p:sp>
-        <p:nvSpPr>
-          <p:cNvPr id="145" name="TextBox 144"/>
+      <p:pic>
+        <p:nvPicPr>
+          <p:cNvPr id="133" name="Picture 132" descr="l2p-logo-home.gif"/>
+          <p:cNvPicPr>
+            <a:picLocks noChangeAspect="1"/>
+          </p:cNvPicPr>
+          <p:nvPr/>
+        </p:nvPicPr>
+        <p:blipFill>
+          <a:blip r:embed="rId2">
+            <a:extLst>
+              <a:ext uri="{28A0092B-C50C-407E-A947-70E740481C1C}">
+                <a14:useLocalDpi xmlns:a14="http://schemas.microsoft.com/office/drawing/2010/main" val="0"/>
+              </a:ext>
+            </a:extLst>
+          </a:blip>
+          <a:stretch>
+            <a:fillRect/>
+          </a:stretch>
+        </p:blipFill>
+        <p:spPr>
+          <a:xfrm>
+            <a:off x="6699744" y="4927352"/>
+            <a:ext cx="1174736" cy="1174736"/>
+          </a:xfrm>
+          <a:prstGeom prst="rect">
+            <a:avLst/>
+          </a:prstGeom>
+        </p:spPr>
+      </p:pic>
+      <p:sp>
+        <p:nvSpPr>
+          <p:cNvPr id="142" name="TextBox 141"/>
           <p:cNvSpPr txBox="1"/>
           <p:nvPr/>
         </p:nvSpPr>
         <p:spPr>
           <a:xfrm>
-            <a:off x="1925836" y="3446481"/>
-            <a:ext cx="3018775" cy="369332"/>
+            <a:off x="6480942" y="1907144"/>
+            <a:ext cx="1612340" cy="461665"/>
           </a:xfrm>
           <a:prstGeom prst="rect">
             <a:avLst/>
@@ -3980,73 +3736,132 @@
           <a:lstStyle/>
           <a:p>
             <a:r>
-              <a:rPr lang="en-US" dirty="0" smtClean="0"/>
-              <a:t>Send / Receive HTTP Requests</a:t>
-            </a:r>
-            <a:endParaRPr lang="en-US" dirty="0"/>
-          </a:p>
-        </p:txBody>
-      </p:sp>
-      <p:sp>
-        <p:nvSpPr>
-          <p:cNvPr id="146" name="TextBox 145"/>
-          <p:cNvSpPr txBox="1"/>
+              <a:rPr lang="en-US" sz="2400" dirty="0" smtClean="0"/>
+              <a:t>mm123456</a:t>
+            </a:r>
+          </a:p>
+        </p:txBody>
+      </p:sp>
+      <p:pic>
+        <p:nvPicPr>
+          <p:cNvPr id="151" name="Picture 150" descr="iphone_5_black-035bed8cc6aa5b0049e99c6f663e15e5.png"/>
+          <p:cNvPicPr>
+            <a:picLocks noChangeAspect="1"/>
+          </p:cNvPicPr>
           <p:nvPr/>
-        </p:nvSpPr>
+        </p:nvPicPr>
+        <p:blipFill>
+          <a:blip r:embed="rId3">
+            <a:extLst>
+              <a:ext uri="{28A0092B-C50C-407E-A947-70E740481C1C}">
+                <a14:useLocalDpi xmlns:a14="http://schemas.microsoft.com/office/drawing/2010/main" val="0"/>
+              </a:ext>
+            </a:extLst>
+          </a:blip>
+          <a:stretch>
+            <a:fillRect/>
+          </a:stretch>
+        </p:blipFill>
         <p:spPr>
           <a:xfrm>
-            <a:off x="8571850" y="3056055"/>
-            <a:ext cx="455398" cy="369332"/>
+            <a:off x="3966388" y="2628816"/>
+            <a:ext cx="918067" cy="1962473"/>
           </a:xfrm>
           <a:prstGeom prst="rect">
             <a:avLst/>
           </a:prstGeom>
-          <a:noFill/>
         </p:spPr>
-        <p:txBody>
-          <a:bodyPr wrap="none" rtlCol="0">
-            <a:spAutoFit/>
-          </a:bodyPr>
-          <a:lstStyle/>
-          <a:p>
-            <a:r>
-              <a:rPr lang="en-US" dirty="0" smtClean="0"/>
-              <a:t>No</a:t>
-            </a:r>
-            <a:endParaRPr lang="en-US" dirty="0"/>
-          </a:p>
-        </p:txBody>
-      </p:sp>
-      <p:sp>
-        <p:nvSpPr>
-          <p:cNvPr id="150" name="TextBox 149"/>
-          <p:cNvSpPr txBox="1"/>
+      </p:pic>
+      <p:pic>
+        <p:nvPicPr>
+          <p:cNvPr id="157" name="Picture 156" descr="9235883-1.png"/>
+          <p:cNvPicPr>
+            <a:picLocks noChangeAspect="1"/>
+          </p:cNvPicPr>
           <p:nvPr/>
-        </p:nvSpPr>
+        </p:nvPicPr>
+        <p:blipFill>
+          <a:blip r:embed="rId4">
+            <a:extLst>
+              <a:ext uri="{28A0092B-C50C-407E-A947-70E740481C1C}">
+                <a14:useLocalDpi xmlns:a14="http://schemas.microsoft.com/office/drawing/2010/main" val="0"/>
+              </a:ext>
+            </a:extLst>
+          </a:blip>
+          <a:stretch>
+            <a:fillRect/>
+          </a:stretch>
+        </p:blipFill>
         <p:spPr>
           <a:xfrm>
-            <a:off x="4035418" y="1760410"/>
-            <a:ext cx="1145641" cy="369332"/>
+            <a:off x="5101768" y="5606310"/>
+            <a:ext cx="991555" cy="991555"/>
           </a:xfrm>
           <a:prstGeom prst="rect">
             <a:avLst/>
           </a:prstGeom>
-          <a:noFill/>
         </p:spPr>
-        <p:txBody>
-          <a:bodyPr wrap="none" rtlCol="0">
-            <a:spAutoFit/>
-          </a:bodyPr>
-          <a:lstStyle/>
-          <a:p>
-            <a:r>
-              <a:rPr lang="en-US" dirty="0" smtClean="0"/>
-              <a:t>First Login</a:t>
-            </a:r>
-            <a:endParaRPr lang="en-US" dirty="0"/>
-          </a:p>
-        </p:txBody>
-      </p:sp>
+      </p:pic>
+      <p:pic>
+        <p:nvPicPr>
+          <p:cNvPr id="165" name="Picture 164" descr="server-Vista-icon.png"/>
+          <p:cNvPicPr>
+            <a:picLocks noChangeAspect="1"/>
+          </p:cNvPicPr>
+          <p:nvPr/>
+        </p:nvPicPr>
+        <p:blipFill>
+          <a:blip r:embed="rId5">
+            <a:extLst>
+              <a:ext uri="{28A0092B-C50C-407E-A947-70E740481C1C}">
+                <a14:useLocalDpi xmlns:a14="http://schemas.microsoft.com/office/drawing/2010/main" val="0"/>
+              </a:ext>
+            </a:extLst>
+          </a:blip>
+          <a:stretch>
+            <a:fillRect/>
+          </a:stretch>
+        </p:blipFill>
+        <p:spPr>
+          <a:xfrm>
+            <a:off x="627018" y="2574964"/>
+            <a:ext cx="2064054" cy="2064054"/>
+          </a:xfrm>
+          <a:prstGeom prst="rect">
+            <a:avLst/>
+          </a:prstGeom>
+        </p:spPr>
+      </p:pic>
+      <p:pic>
+        <p:nvPicPr>
+          <p:cNvPr id="169" name="Picture 168" descr="ajax_p.jpg"/>
+          <p:cNvPicPr>
+            <a:picLocks noChangeAspect="1"/>
+          </p:cNvPicPr>
+          <p:nvPr/>
+        </p:nvPicPr>
+        <p:blipFill>
+          <a:blip r:embed="rId6">
+            <a:extLst>
+              <a:ext uri="{28A0092B-C50C-407E-A947-70E740481C1C}">
+                <a14:useLocalDpi xmlns:a14="http://schemas.microsoft.com/office/drawing/2010/main" val="0"/>
+              </a:ext>
+            </a:extLst>
+          </a:blip>
+          <a:stretch>
+            <a:fillRect/>
+          </a:stretch>
+        </p:blipFill>
+        <p:spPr>
+          <a:xfrm>
+            <a:off x="2229189" y="3773300"/>
+            <a:ext cx="1548992" cy="606783"/>
+          </a:xfrm>
+          <a:prstGeom prst="rect">
+            <a:avLst/>
+          </a:prstGeom>
+        </p:spPr>
+      </p:pic>
     </p:spTree>
     <p:extLst>
       <p:ext uri="{BB962C8B-B14F-4D97-AF65-F5344CB8AC3E}">
@@ -4057,6 +3872,691 @@
   <p:clrMapOvr>
     <a:masterClrMapping/>
   </p:clrMapOvr>
+  <p:timing>
+    <p:tnLst>
+      <p:par>
+        <p:cTn xmlns:p14="http://schemas.microsoft.com/office/powerpoint/2010/main" id="1" dur="indefinite" restart="never" nodeType="tmRoot">
+          <p:childTnLst>
+            <p:seq concurrent="1" nextAc="seek">
+              <p:cTn id="2" dur="indefinite" nodeType="mainSeq">
+                <p:childTnLst>
+                  <p:par>
+                    <p:cTn id="3" fill="hold">
+                      <p:stCondLst>
+                        <p:cond delay="indefinite"/>
+                      </p:stCondLst>
+                      <p:childTnLst>
+                        <p:par>
+                          <p:cTn id="4" fill="hold">
+                            <p:stCondLst>
+                              <p:cond delay="0"/>
+                            </p:stCondLst>
+                            <p:childTnLst>
+                              <p:par>
+                                <p:cTn id="5" presetID="1" presetClass="entr" presetSubtype="0" fill="hold" nodeType="clickEffect">
+                                  <p:stCondLst>
+                                    <p:cond delay="0"/>
+                                  </p:stCondLst>
+                                  <p:childTnLst>
+                                    <p:set>
+                                      <p:cBhvr>
+                                        <p:cTn id="6" dur="1" fill="hold">
+                                          <p:stCondLst>
+                                            <p:cond delay="0"/>
+                                          </p:stCondLst>
+                                        </p:cTn>
+                                        <p:tgtEl>
+                                          <p:spTgt spid="151"/>
+                                        </p:tgtEl>
+                                        <p:attrNameLst>
+                                          <p:attrName>style.visibility</p:attrName>
+                                        </p:attrNameLst>
+                                      </p:cBhvr>
+                                      <p:to>
+                                        <p:strVal val="visible"/>
+                                      </p:to>
+                                    </p:set>
+                                  </p:childTnLst>
+                                </p:cTn>
+                              </p:par>
+                            </p:childTnLst>
+                          </p:cTn>
+                        </p:par>
+                      </p:childTnLst>
+                    </p:cTn>
+                  </p:par>
+                  <p:par>
+                    <p:cTn id="7" fill="hold">
+                      <p:stCondLst>
+                        <p:cond delay="indefinite"/>
+                      </p:stCondLst>
+                      <p:childTnLst>
+                        <p:par>
+                          <p:cTn id="8" fill="hold">
+                            <p:stCondLst>
+                              <p:cond delay="0"/>
+                            </p:stCondLst>
+                            <p:childTnLst>
+                              <p:par>
+                                <p:cTn id="9" presetID="3" presetClass="entr" presetSubtype="10" fill="hold" nodeType="clickEffect">
+                                  <p:stCondLst>
+                                    <p:cond delay="0"/>
+                                  </p:stCondLst>
+                                  <p:childTnLst>
+                                    <p:set>
+                                      <p:cBhvr>
+                                        <p:cTn id="10" dur="1" fill="hold">
+                                          <p:stCondLst>
+                                            <p:cond delay="0"/>
+                                          </p:stCondLst>
+                                        </p:cTn>
+                                        <p:tgtEl>
+                                          <p:spTgt spid="126"/>
+                                        </p:tgtEl>
+                                        <p:attrNameLst>
+                                          <p:attrName>style.visibility</p:attrName>
+                                        </p:attrNameLst>
+                                      </p:cBhvr>
+                                      <p:to>
+                                        <p:strVal val="visible"/>
+                                      </p:to>
+                                    </p:set>
+                                    <p:animEffect transition="in" filter="blinds(horizontal)">
+                                      <p:cBhvr>
+                                        <p:cTn id="11" dur="500"/>
+                                        <p:tgtEl>
+                                          <p:spTgt spid="126"/>
+                                        </p:tgtEl>
+                                      </p:cBhvr>
+                                    </p:animEffect>
+                                  </p:childTnLst>
+                                </p:cTn>
+                              </p:par>
+                              <p:par>
+                                <p:cTn id="12" presetID="3" presetClass="entr" presetSubtype="10" fill="hold" grpId="0" nodeType="withEffect">
+                                  <p:stCondLst>
+                                    <p:cond delay="0"/>
+                                  </p:stCondLst>
+                                  <p:childTnLst>
+                                    <p:set>
+                                      <p:cBhvr>
+                                        <p:cTn id="13" dur="1" fill="hold">
+                                          <p:stCondLst>
+                                            <p:cond delay="0"/>
+                                          </p:stCondLst>
+                                        </p:cTn>
+                                        <p:tgtEl>
+                                          <p:spTgt spid="150"/>
+                                        </p:tgtEl>
+                                        <p:attrNameLst>
+                                          <p:attrName>style.visibility</p:attrName>
+                                        </p:attrNameLst>
+                                      </p:cBhvr>
+                                      <p:to>
+                                        <p:strVal val="visible"/>
+                                      </p:to>
+                                    </p:set>
+                                    <p:animEffect transition="in" filter="blinds(horizontal)">
+                                      <p:cBhvr>
+                                        <p:cTn id="14" dur="500"/>
+                                        <p:tgtEl>
+                                          <p:spTgt spid="150"/>
+                                        </p:tgtEl>
+                                      </p:cBhvr>
+                                    </p:animEffect>
+                                  </p:childTnLst>
+                                </p:cTn>
+                              </p:par>
+                            </p:childTnLst>
+                          </p:cTn>
+                        </p:par>
+                      </p:childTnLst>
+                    </p:cTn>
+                  </p:par>
+                  <p:par>
+                    <p:cTn id="15" fill="hold">
+                      <p:stCondLst>
+                        <p:cond delay="indefinite"/>
+                      </p:stCondLst>
+                      <p:childTnLst>
+                        <p:par>
+                          <p:cTn id="16" fill="hold">
+                            <p:stCondLst>
+                              <p:cond delay="0"/>
+                            </p:stCondLst>
+                            <p:childTnLst>
+                              <p:par>
+                                <p:cTn id="17" presetID="1" presetClass="entr" presetSubtype="0" fill="hold" grpId="0" nodeType="clickEffect">
+                                  <p:stCondLst>
+                                    <p:cond delay="0"/>
+                                  </p:stCondLst>
+                                  <p:childTnLst>
+                                    <p:set>
+                                      <p:cBhvr>
+                                        <p:cTn id="18" dur="1" fill="hold">
+                                          <p:stCondLst>
+                                            <p:cond delay="0"/>
+                                          </p:stCondLst>
+                                        </p:cTn>
+                                        <p:tgtEl>
+                                          <p:spTgt spid="142"/>
+                                        </p:tgtEl>
+                                        <p:attrNameLst>
+                                          <p:attrName>style.visibility</p:attrName>
+                                        </p:attrNameLst>
+                                      </p:cBhvr>
+                                      <p:to>
+                                        <p:strVal val="visible"/>
+                                      </p:to>
+                                    </p:set>
+                                  </p:childTnLst>
+                                </p:cTn>
+                              </p:par>
+                            </p:childTnLst>
+                          </p:cTn>
+                        </p:par>
+                      </p:childTnLst>
+                    </p:cTn>
+                  </p:par>
+                  <p:par>
+                    <p:cTn id="19" fill="hold">
+                      <p:stCondLst>
+                        <p:cond delay="indefinite"/>
+                      </p:stCondLst>
+                      <p:childTnLst>
+                        <p:par>
+                          <p:cTn id="20" fill="hold">
+                            <p:stCondLst>
+                              <p:cond delay="0"/>
+                            </p:stCondLst>
+                            <p:childTnLst>
+                              <p:par>
+                                <p:cTn id="21" presetID="3" presetClass="entr" presetSubtype="10" fill="hold" nodeType="clickEffect">
+                                  <p:stCondLst>
+                                    <p:cond delay="0"/>
+                                  </p:stCondLst>
+                                  <p:childTnLst>
+                                    <p:set>
+                                      <p:cBhvr>
+                                        <p:cTn id="22" dur="1" fill="hold">
+                                          <p:stCondLst>
+                                            <p:cond delay="0"/>
+                                          </p:stCondLst>
+                                        </p:cTn>
+                                        <p:tgtEl>
+                                          <p:spTgt spid="25"/>
+                                        </p:tgtEl>
+                                        <p:attrNameLst>
+                                          <p:attrName>style.visibility</p:attrName>
+                                        </p:attrNameLst>
+                                      </p:cBhvr>
+                                      <p:to>
+                                        <p:strVal val="visible"/>
+                                      </p:to>
+                                    </p:set>
+                                    <p:animEffect transition="in" filter="blinds(horizontal)">
+                                      <p:cBhvr>
+                                        <p:cTn id="23" dur="500"/>
+                                        <p:tgtEl>
+                                          <p:spTgt spid="25"/>
+                                        </p:tgtEl>
+                                      </p:cBhvr>
+                                    </p:animEffect>
+                                  </p:childTnLst>
+                                </p:cTn>
+                              </p:par>
+                            </p:childTnLst>
+                          </p:cTn>
+                        </p:par>
+                      </p:childTnLst>
+                    </p:cTn>
+                  </p:par>
+                  <p:par>
+                    <p:cTn id="24" fill="hold">
+                      <p:stCondLst>
+                        <p:cond delay="indefinite"/>
+                      </p:stCondLst>
+                      <p:childTnLst>
+                        <p:par>
+                          <p:cTn id="25" fill="hold">
+                            <p:stCondLst>
+                              <p:cond delay="0"/>
+                            </p:stCondLst>
+                            <p:childTnLst>
+                              <p:par>
+                                <p:cTn id="26" presetID="3" presetClass="entr" presetSubtype="10" fill="hold" grpId="0" nodeType="clickEffect">
+                                  <p:stCondLst>
+                                    <p:cond delay="0"/>
+                                  </p:stCondLst>
+                                  <p:childTnLst>
+                                    <p:set>
+                                      <p:cBhvr>
+                                        <p:cTn id="27" dur="1" fill="hold">
+                                          <p:stCondLst>
+                                            <p:cond delay="0"/>
+                                          </p:stCondLst>
+                                        </p:cTn>
+                                        <p:tgtEl>
+                                          <p:spTgt spid="23"/>
+                                        </p:tgtEl>
+                                        <p:attrNameLst>
+                                          <p:attrName>style.visibility</p:attrName>
+                                        </p:attrNameLst>
+                                      </p:cBhvr>
+                                      <p:to>
+                                        <p:strVal val="visible"/>
+                                      </p:to>
+                                    </p:set>
+                                    <p:animEffect transition="in" filter="blinds(horizontal)">
+                                      <p:cBhvr>
+                                        <p:cTn id="28" dur="500"/>
+                                        <p:tgtEl>
+                                          <p:spTgt spid="23"/>
+                                        </p:tgtEl>
+                                      </p:cBhvr>
+                                    </p:animEffect>
+                                  </p:childTnLst>
+                                </p:cTn>
+                              </p:par>
+                              <p:par>
+                                <p:cTn id="29" presetID="3" presetClass="entr" presetSubtype="10" fill="hold" nodeType="withEffect">
+                                  <p:stCondLst>
+                                    <p:cond delay="0"/>
+                                  </p:stCondLst>
+                                  <p:childTnLst>
+                                    <p:set>
+                                      <p:cBhvr>
+                                        <p:cTn id="30" dur="1" fill="hold">
+                                          <p:stCondLst>
+                                            <p:cond delay="0"/>
+                                          </p:stCondLst>
+                                        </p:cTn>
+                                        <p:tgtEl>
+                                          <p:spTgt spid="27"/>
+                                        </p:tgtEl>
+                                        <p:attrNameLst>
+                                          <p:attrName>style.visibility</p:attrName>
+                                        </p:attrNameLst>
+                                      </p:cBhvr>
+                                      <p:to>
+                                        <p:strVal val="visible"/>
+                                      </p:to>
+                                    </p:set>
+                                    <p:animEffect transition="in" filter="blinds(horizontal)">
+                                      <p:cBhvr>
+                                        <p:cTn id="31" dur="500"/>
+                                        <p:tgtEl>
+                                          <p:spTgt spid="27"/>
+                                        </p:tgtEl>
+                                      </p:cBhvr>
+                                    </p:animEffect>
+                                  </p:childTnLst>
+                                </p:cTn>
+                              </p:par>
+                            </p:childTnLst>
+                          </p:cTn>
+                        </p:par>
+                      </p:childTnLst>
+                    </p:cTn>
+                  </p:par>
+                  <p:par>
+                    <p:cTn id="32" fill="hold">
+                      <p:stCondLst>
+                        <p:cond delay="indefinite"/>
+                      </p:stCondLst>
+                      <p:childTnLst>
+                        <p:par>
+                          <p:cTn id="33" fill="hold">
+                            <p:stCondLst>
+                              <p:cond delay="0"/>
+                            </p:stCondLst>
+                            <p:childTnLst>
+                              <p:par>
+                                <p:cTn id="34" presetID="1" presetClass="entr" presetSubtype="0" fill="hold" nodeType="clickEffect">
+                                  <p:stCondLst>
+                                    <p:cond delay="0"/>
+                                  </p:stCondLst>
+                                  <p:childTnLst>
+                                    <p:set>
+                                      <p:cBhvr>
+                                        <p:cTn id="35" dur="1" fill="hold">
+                                          <p:stCondLst>
+                                            <p:cond delay="0"/>
+                                          </p:stCondLst>
+                                        </p:cTn>
+                                        <p:tgtEl>
+                                          <p:spTgt spid="133"/>
+                                        </p:tgtEl>
+                                        <p:attrNameLst>
+                                          <p:attrName>style.visibility</p:attrName>
+                                        </p:attrNameLst>
+                                      </p:cBhvr>
+                                      <p:to>
+                                        <p:strVal val="visible"/>
+                                      </p:to>
+                                    </p:set>
+                                  </p:childTnLst>
+                                </p:cTn>
+                              </p:par>
+                            </p:childTnLst>
+                          </p:cTn>
+                        </p:par>
+                      </p:childTnLst>
+                    </p:cTn>
+                  </p:par>
+                  <p:par>
+                    <p:cTn id="36" fill="hold">
+                      <p:stCondLst>
+                        <p:cond delay="indefinite"/>
+                      </p:stCondLst>
+                      <p:childTnLst>
+                        <p:par>
+                          <p:cTn id="37" fill="hold">
+                            <p:stCondLst>
+                              <p:cond delay="0"/>
+                            </p:stCondLst>
+                            <p:childTnLst>
+                              <p:par>
+                                <p:cTn id="38" presetID="3" presetClass="entr" presetSubtype="10" fill="hold" nodeType="clickEffect">
+                                  <p:stCondLst>
+                                    <p:cond delay="0"/>
+                                  </p:stCondLst>
+                                  <p:childTnLst>
+                                    <p:set>
+                                      <p:cBhvr>
+                                        <p:cTn id="39" dur="1" fill="hold">
+                                          <p:stCondLst>
+                                            <p:cond delay="0"/>
+                                          </p:stCondLst>
+                                        </p:cTn>
+                                        <p:tgtEl>
+                                          <p:spTgt spid="130"/>
+                                        </p:tgtEl>
+                                        <p:attrNameLst>
+                                          <p:attrName>style.visibility</p:attrName>
+                                        </p:attrNameLst>
+                                      </p:cBhvr>
+                                      <p:to>
+                                        <p:strVal val="visible"/>
+                                      </p:to>
+                                    </p:set>
+                                    <p:animEffect transition="in" filter="blinds(horizontal)">
+                                      <p:cBhvr>
+                                        <p:cTn id="40" dur="500"/>
+                                        <p:tgtEl>
+                                          <p:spTgt spid="130"/>
+                                        </p:tgtEl>
+                                      </p:cBhvr>
+                                    </p:animEffect>
+                                  </p:childTnLst>
+                                </p:cTn>
+                              </p:par>
+                              <p:par>
+                                <p:cTn id="41" presetID="3" presetClass="entr" presetSubtype="10" fill="hold" nodeType="withEffect">
+                                  <p:stCondLst>
+                                    <p:cond delay="0"/>
+                                  </p:stCondLst>
+                                  <p:childTnLst>
+                                    <p:set>
+                                      <p:cBhvr>
+                                        <p:cTn id="42" dur="1" fill="hold">
+                                          <p:stCondLst>
+                                            <p:cond delay="0"/>
+                                          </p:stCondLst>
+                                        </p:cTn>
+                                        <p:tgtEl>
+                                          <p:spTgt spid="157"/>
+                                        </p:tgtEl>
+                                        <p:attrNameLst>
+                                          <p:attrName>style.visibility</p:attrName>
+                                        </p:attrNameLst>
+                                      </p:cBhvr>
+                                      <p:to>
+                                        <p:strVal val="visible"/>
+                                      </p:to>
+                                    </p:set>
+                                    <p:animEffect transition="in" filter="blinds(horizontal)">
+                                      <p:cBhvr>
+                                        <p:cTn id="43" dur="500"/>
+                                        <p:tgtEl>
+                                          <p:spTgt spid="157"/>
+                                        </p:tgtEl>
+                                      </p:cBhvr>
+                                    </p:animEffect>
+                                  </p:childTnLst>
+                                </p:cTn>
+                              </p:par>
+                            </p:childTnLst>
+                          </p:cTn>
+                        </p:par>
+                      </p:childTnLst>
+                    </p:cTn>
+                  </p:par>
+                  <p:par>
+                    <p:cTn id="44" fill="hold">
+                      <p:stCondLst>
+                        <p:cond delay="indefinite"/>
+                      </p:stCondLst>
+                      <p:childTnLst>
+                        <p:par>
+                          <p:cTn id="45" fill="hold">
+                            <p:stCondLst>
+                              <p:cond delay="0"/>
+                            </p:stCondLst>
+                            <p:childTnLst>
+                              <p:par>
+                                <p:cTn id="46" presetID="1" presetClass="entr" presetSubtype="0" fill="hold" nodeType="clickEffect">
+                                  <p:stCondLst>
+                                    <p:cond delay="0"/>
+                                  </p:stCondLst>
+                                  <p:childTnLst>
+                                    <p:set>
+                                      <p:cBhvr>
+                                        <p:cTn id="47" dur="1" fill="hold">
+                                          <p:stCondLst>
+                                            <p:cond delay="0"/>
+                                          </p:stCondLst>
+                                        </p:cTn>
+                                        <p:tgtEl>
+                                          <p:spTgt spid="165"/>
+                                        </p:tgtEl>
+                                        <p:attrNameLst>
+                                          <p:attrName>style.visibility</p:attrName>
+                                        </p:attrNameLst>
+                                      </p:cBhvr>
+                                      <p:to>
+                                        <p:strVal val="visible"/>
+                                      </p:to>
+                                    </p:set>
+                                  </p:childTnLst>
+                                </p:cTn>
+                              </p:par>
+                            </p:childTnLst>
+                          </p:cTn>
+                        </p:par>
+                      </p:childTnLst>
+                    </p:cTn>
+                  </p:par>
+                  <p:par>
+                    <p:cTn id="48" fill="hold">
+                      <p:stCondLst>
+                        <p:cond delay="indefinite"/>
+                      </p:stCondLst>
+                      <p:childTnLst>
+                        <p:par>
+                          <p:cTn id="49" fill="hold">
+                            <p:stCondLst>
+                              <p:cond delay="0"/>
+                            </p:stCondLst>
+                            <p:childTnLst>
+                              <p:par>
+                                <p:cTn id="50" presetID="3" presetClass="entr" presetSubtype="10" fill="hold" nodeType="clickEffect">
+                                  <p:stCondLst>
+                                    <p:cond delay="0"/>
+                                  </p:stCondLst>
+                                  <p:childTnLst>
+                                    <p:set>
+                                      <p:cBhvr>
+                                        <p:cTn id="51" dur="1" fill="hold">
+                                          <p:stCondLst>
+                                            <p:cond delay="0"/>
+                                          </p:stCondLst>
+                                        </p:cTn>
+                                        <p:tgtEl>
+                                          <p:spTgt spid="118"/>
+                                        </p:tgtEl>
+                                        <p:attrNameLst>
+                                          <p:attrName>style.visibility</p:attrName>
+                                        </p:attrNameLst>
+                                      </p:cBhvr>
+                                      <p:to>
+                                        <p:strVal val="visible"/>
+                                      </p:to>
+                                    </p:set>
+                                    <p:animEffect transition="in" filter="blinds(horizontal)">
+                                      <p:cBhvr>
+                                        <p:cTn id="52" dur="500"/>
+                                        <p:tgtEl>
+                                          <p:spTgt spid="118"/>
+                                        </p:tgtEl>
+                                      </p:cBhvr>
+                                    </p:animEffect>
+                                  </p:childTnLst>
+                                </p:cTn>
+                              </p:par>
+                              <p:par>
+                                <p:cTn id="53" presetID="3" presetClass="entr" presetSubtype="10" fill="hold" nodeType="withEffect">
+                                  <p:stCondLst>
+                                    <p:cond delay="0"/>
+                                  </p:stCondLst>
+                                  <p:childTnLst>
+                                    <p:set>
+                                      <p:cBhvr>
+                                        <p:cTn id="54" dur="1" fill="hold">
+                                          <p:stCondLst>
+                                            <p:cond delay="0"/>
+                                          </p:stCondLst>
+                                        </p:cTn>
+                                        <p:tgtEl>
+                                          <p:spTgt spid="169"/>
+                                        </p:tgtEl>
+                                        <p:attrNameLst>
+                                          <p:attrName>style.visibility</p:attrName>
+                                        </p:attrNameLst>
+                                      </p:cBhvr>
+                                      <p:to>
+                                        <p:strVal val="visible"/>
+                                      </p:to>
+                                    </p:set>
+                                    <p:animEffect transition="in" filter="blinds(horizontal)">
+                                      <p:cBhvr>
+                                        <p:cTn id="55" dur="500"/>
+                                        <p:tgtEl>
+                                          <p:spTgt spid="169"/>
+                                        </p:tgtEl>
+                                      </p:cBhvr>
+                                    </p:animEffect>
+                                  </p:childTnLst>
+                                </p:cTn>
+                              </p:par>
+                            </p:childTnLst>
+                          </p:cTn>
+                        </p:par>
+                      </p:childTnLst>
+                    </p:cTn>
+                  </p:par>
+                </p:childTnLst>
+              </p:cTn>
+              <p:prevCondLst>
+                <p:cond evt="onPrev" delay="0">
+                  <p:tgtEl>
+                    <p:sldTgt/>
+                  </p:tgtEl>
+                </p:cond>
+              </p:prevCondLst>
+              <p:nextCondLst>
+                <p:cond evt="onNext" delay="0">
+                  <p:tgtEl>
+                    <p:sldTgt/>
+                  </p:tgtEl>
+                </p:cond>
+              </p:nextCondLst>
+            </p:seq>
+          </p:childTnLst>
+        </p:cTn>
+      </p:par>
+    </p:tnLst>
+    <p:bldLst>
+      <p:bldP spid="23" grpId="0" animBg="1"/>
+      <p:bldP spid="150" grpId="0"/>
+      <p:bldP spid="142" grpId="0"/>
+    </p:bldLst>
+  </p:timing>
+</p:sld>
+</file>
+
+<file path=ppt/slides/slide4.xml><?xml version="1.0" encoding="utf-8"?>
+<p:sld xmlns:a="http://schemas.openxmlformats.org/drawingml/2006/main" xmlns:r="http://schemas.openxmlformats.org/officeDocument/2006/relationships" xmlns:p="http://schemas.openxmlformats.org/presentationml/2006/main">
+  <p:cSld>
+    <p:spTree>
+      <p:nvGrpSpPr>
+        <p:cNvPr id="1" name=""/>
+        <p:cNvGrpSpPr/>
+        <p:nvPr/>
+      </p:nvGrpSpPr>
+      <p:grpSpPr>
+        <a:xfrm>
+          <a:off x="0" y="0"/>
+          <a:ext cx="0" cy="0"/>
+          <a:chOff x="0" y="0"/>
+          <a:chExt cx="0" cy="0"/>
+        </a:xfrm>
+      </p:grpSpPr>
+      <p:sp>
+        <p:nvSpPr>
+          <p:cNvPr id="2" name="Title 1"/>
+          <p:cNvSpPr>
+            <a:spLocks noGrp="1"/>
+          </p:cNvSpPr>
+          <p:nvPr>
+            <p:ph type="title"/>
+          </p:nvPr>
+        </p:nvSpPr>
+        <p:spPr>
+          <a:xfrm>
+            <a:off x="457200" y="2862714"/>
+            <a:ext cx="8229600" cy="1143000"/>
+          </a:xfrm>
+        </p:spPr>
+        <p:txBody>
+          <a:bodyPr/>
+          <a:lstStyle/>
+          <a:p>
+            <a:r>
+              <a:rPr lang="en-US" dirty="0" smtClean="0"/>
+              <a:t>Demo</a:t>
+            </a:r>
+            <a:endParaRPr lang="en-US" dirty="0"/>
+          </a:p>
+        </p:txBody>
+      </p:sp>
+    </p:spTree>
+    <p:extLst>
+      <p:ext uri="{BB962C8B-B14F-4D97-AF65-F5344CB8AC3E}">
+        <p14:creationId xmlns:p14="http://schemas.microsoft.com/office/powerpoint/2010/main" val="1298551744"/>
+      </p:ext>
+    </p:extLst>
+  </p:cSld>
+  <p:clrMapOvr>
+    <a:masterClrMapping/>
+  </p:clrMapOvr>
+  <p:timing>
+    <p:tnLst>
+      <p:par>
+        <p:cTn xmlns:p14="http://schemas.microsoft.com/office/powerpoint/2010/main" id="1" dur="indefinite" restart="never" nodeType="tmRoot"/>
+      </p:par>
+    </p:tnLst>
+  </p:timing>
 </p:sld>
 </file>
 
@@ -4089,7 +4589,7 @@
         </p:nvSpPr>
         <p:spPr>
           <a:xfrm>
-            <a:off x="457200" y="2991314"/>
+            <a:off x="457200" y="2862714"/>
             <a:ext cx="8229600" cy="1143000"/>
           </a:xfrm>
         </p:spPr>
@@ -4108,13 +4608,20 @@
     </p:spTree>
     <p:extLst>
       <p:ext uri="{BB962C8B-B14F-4D97-AF65-F5344CB8AC3E}">
-        <p14:creationId xmlns:p14="http://schemas.microsoft.com/office/powerpoint/2010/main" val="1298551744"/>
+        <p14:creationId xmlns:p14="http://schemas.microsoft.com/office/powerpoint/2010/main" val="3746031607"/>
       </p:ext>
     </p:extLst>
   </p:cSld>
   <p:clrMapOvr>
     <a:masterClrMapping/>
   </p:clrMapOvr>
+  <p:timing>
+    <p:tnLst>
+      <p:par>
+        <p:cTn xmlns:p14="http://schemas.microsoft.com/office/powerpoint/2010/main" id="1" dur="indefinite" restart="never" nodeType="tmRoot"/>
+      </p:par>
+    </p:tnLst>
+  </p:timing>
 </p:sld>
 </file>
 

--- a/Presentation.pptx
+++ b/Presentation.pptx
@@ -4,16 +4,17 @@
   <p:sldMasterIdLst>
     <p:sldMasterId id="2147483648" r:id="rId2"/>
     <p:sldMasterId id="2147483661" r:id="rId3"/>
+    <p:sldMasterId id="2147483674" r:id="rId4"/>
   </p:sldMasterIdLst>
   <p:notesMasterIdLst>
-    <p:notesMasterId r:id="rId4"/>
+    <p:notesMasterId r:id="rId5"/>
   </p:notesMasterIdLst>
   <p:sldIdLst>
-    <p:sldId id="256" r:id="rId5"/>
-    <p:sldId id="257" r:id="rId6"/>
-    <p:sldId id="258" r:id="rId7"/>
-    <p:sldId id="259" r:id="rId8"/>
-    <p:sldId id="260" r:id="rId9"/>
+    <p:sldId id="256" r:id="rId6"/>
+    <p:sldId id="257" r:id="rId7"/>
+    <p:sldId id="258" r:id="rId8"/>
+    <p:sldId id="259" r:id="rId9"/>
+    <p:sldId id="260" r:id="rId10"/>
   </p:sldIdLst>
   <p:sldSz cx="9144000" cy="6858000"/>
   <p:notesSz cx="7559675" cy="10691812"/>
@@ -39,7 +40,7 @@
       </p:grpSpPr>
       <p:sp>
         <p:nvSpPr>
-          <p:cNvPr id="78" name="PlaceHolder 1"/>
+          <p:cNvPr id="108" name="PlaceHolder 1"/>
           <p:cNvSpPr>
             <a:spLocks noGrp="1"/>
           </p:cNvSpPr>
@@ -69,7 +70,7 @@
       </p:sp>
       <p:sp>
         <p:nvSpPr>
-          <p:cNvPr id="79" name="PlaceHolder 2"/>
+          <p:cNvPr id="109" name="PlaceHolder 2"/>
           <p:cNvSpPr>
             <a:spLocks noGrp="1"/>
           </p:cNvSpPr>
@@ -99,7 +100,7 @@
       </p:sp>
       <p:sp>
         <p:nvSpPr>
-          <p:cNvPr id="80" name="PlaceHolder 3"/>
+          <p:cNvPr id="110" name="PlaceHolder 3"/>
           <p:cNvSpPr>
             <a:spLocks noGrp="1"/>
           </p:cNvSpPr>
@@ -130,7 +131,7 @@
       </p:sp>
       <p:sp>
         <p:nvSpPr>
-          <p:cNvPr id="81" name="PlaceHolder 4"/>
+          <p:cNvPr id="111" name="PlaceHolder 4"/>
           <p:cNvSpPr>
             <a:spLocks noGrp="1"/>
           </p:cNvSpPr>
@@ -160,7 +161,7 @@
       </p:sp>
       <p:sp>
         <p:nvSpPr>
-          <p:cNvPr id="82" name="PlaceHolder 5"/>
+          <p:cNvPr id="112" name="PlaceHolder 5"/>
           <p:cNvSpPr>
             <a:spLocks noGrp="1"/>
           </p:cNvSpPr>
@@ -181,7 +182,7 @@
           <a:bodyPr anchor="b" bIns="0" lIns="0" rIns="0" tIns="0" wrap="none"/>
           <a:p>
             <a:pPr algn="r"/>
-            <a:fld id="{988C55DC-E6D0-4958-AF6A-46EB167D12D3}" type="slidenum">
+            <a:fld id="{F0F9ED1A-B1C9-4BB1-9B7D-668DE7BA8FB6}" type="slidenum">
               <a:rPr lang="de-DE"/>
               <a:t>&lt;number&gt;</a:t>
             </a:fld>
@@ -195,7 +196,7 @@
 </p:notesMaster>
 </file>
 
-<file path=ppt/notesSlides/notesSlide5.xml><?xml version="1.0" encoding="utf-8"?>
+<file path=ppt/notesSlides/notesSlide4.xml><?xml version="1.0" encoding="utf-8"?>
 <p:notes xmlns:a="http://schemas.openxmlformats.org/drawingml/2006/main" xmlns:p="http://schemas.openxmlformats.org/presentationml/2006/main" xmlns:r="http://schemas.openxmlformats.org/officeDocument/2006/relationships">
   <p:cSld>
     <p:spTree>
@@ -214,7 +215,7 @@
       </p:grpSpPr>
       <p:sp>
         <p:nvSpPr>
-          <p:cNvPr id="117" name="PlaceHolder 1"/>
+          <p:cNvPr id="147" name="PlaceHolder 1"/>
           <p:cNvSpPr>
             <a:spLocks noGrp="1"/>
           </p:cNvSpPr>
@@ -225,7 +226,7 @@
         <p:spPr>
           <a:xfrm>
             <a:off x="756000" y="5078520"/>
-            <a:ext cx="6047640" cy="4811400"/>
+            <a:ext cx="6047280" cy="4811040"/>
           </a:xfrm>
           <a:prstGeom prst="rect">
             <a:avLst/>
@@ -288,7 +289,7 @@
       </p:grpSpPr>
       <p:sp>
         <p:nvSpPr>
-          <p:cNvPr id="26" name="PlaceHolder 1"/>
+          <p:cNvPr id="23" name="PlaceHolder 1"/>
           <p:cNvSpPr>
             <a:spLocks noGrp="1"/>
           </p:cNvSpPr>
@@ -299,7 +300,7 @@
         <p:spPr>
           <a:xfrm>
             <a:off x="457200" y="108360"/>
-            <a:ext cx="8229240" cy="1475280"/>
+            <a:ext cx="8228880" cy="1475280"/>
           </a:xfrm>
           <a:prstGeom prst="rect">
             <a:avLst/>
@@ -308,13 +309,14 @@
         <p:txBody>
           <a:bodyPr anchor="ctr" bIns="0" lIns="0" rIns="0" tIns="0" wrap="none"/>
           <a:p>
-            <a:endParaRPr/>
-          </a:p>
-        </p:txBody>
-      </p:sp>
-      <p:sp>
-        <p:nvSpPr>
-          <p:cNvPr id="27" name="PlaceHolder 2"/>
+            <a:pPr algn="ctr"/>
+            <a:endParaRPr/>
+          </a:p>
+        </p:txBody>
+      </p:sp>
+      <p:sp>
+        <p:nvSpPr>
+          <p:cNvPr id="24" name="PlaceHolder 2"/>
           <p:cNvSpPr>
             <a:spLocks noGrp="1"/>
           </p:cNvSpPr>
@@ -325,7 +327,7 @@
         <p:spPr>
           <a:xfrm>
             <a:off x="457200" y="1600200"/>
-            <a:ext cx="8229240" cy="2158200"/>
+            <a:ext cx="8228880" cy="2158200"/>
           </a:xfrm>
           <a:prstGeom prst="rect">
             <a:avLst/>
@@ -340,7 +342,7 @@
       </p:sp>
       <p:sp>
         <p:nvSpPr>
-          <p:cNvPr id="28" name="PlaceHolder 3"/>
+          <p:cNvPr id="25" name="PlaceHolder 3"/>
           <p:cNvSpPr>
             <a:spLocks noGrp="1"/>
           </p:cNvSpPr>
@@ -351,7 +353,7 @@
         <p:spPr>
           <a:xfrm>
             <a:off x="457200" y="3963600"/>
-            <a:ext cx="8229240" cy="2158200"/>
+            <a:ext cx="8228880" cy="2158200"/>
           </a:xfrm>
           <a:prstGeom prst="rect">
             <a:avLst/>
@@ -388,7 +390,7 @@
       </p:grpSpPr>
       <p:sp>
         <p:nvSpPr>
-          <p:cNvPr id="29" name="PlaceHolder 1"/>
+          <p:cNvPr id="26" name="PlaceHolder 1"/>
           <p:cNvSpPr>
             <a:spLocks noGrp="1"/>
           </p:cNvSpPr>
@@ -399,7 +401,7 @@
         <p:spPr>
           <a:xfrm>
             <a:off x="457200" y="108360"/>
-            <a:ext cx="8229240" cy="1475280"/>
+            <a:ext cx="8228880" cy="1475280"/>
           </a:xfrm>
           <a:prstGeom prst="rect">
             <a:avLst/>
@@ -408,13 +410,14 @@
         <p:txBody>
           <a:bodyPr anchor="ctr" bIns="0" lIns="0" rIns="0" tIns="0" wrap="none"/>
           <a:p>
-            <a:endParaRPr/>
-          </a:p>
-        </p:txBody>
-      </p:sp>
-      <p:sp>
-        <p:nvSpPr>
-          <p:cNvPr id="30" name="PlaceHolder 2"/>
+            <a:pPr algn="ctr"/>
+            <a:endParaRPr/>
+          </a:p>
+        </p:txBody>
+      </p:sp>
+      <p:sp>
+        <p:nvSpPr>
+          <p:cNvPr id="27" name="PlaceHolder 2"/>
           <p:cNvSpPr>
             <a:spLocks noGrp="1"/>
           </p:cNvSpPr>
@@ -440,7 +443,7 @@
       </p:sp>
       <p:sp>
         <p:nvSpPr>
-          <p:cNvPr id="31" name="PlaceHolder 3"/>
+          <p:cNvPr id="28" name="PlaceHolder 3"/>
           <p:cNvSpPr>
             <a:spLocks noGrp="1"/>
           </p:cNvSpPr>
@@ -466,7 +469,7 @@
       </p:sp>
       <p:sp>
         <p:nvSpPr>
-          <p:cNvPr id="32" name="PlaceHolder 4"/>
+          <p:cNvPr id="29" name="PlaceHolder 4"/>
           <p:cNvSpPr>
             <a:spLocks noGrp="1"/>
           </p:cNvSpPr>
@@ -492,7 +495,7 @@
       </p:sp>
       <p:sp>
         <p:nvSpPr>
-          <p:cNvPr id="33" name="PlaceHolder 5"/>
+          <p:cNvPr id="30" name="PlaceHolder 5"/>
           <p:cNvSpPr>
             <a:spLocks noGrp="1"/>
           </p:cNvSpPr>
@@ -540,7 +543,7 @@
       </p:grpSpPr>
       <p:sp>
         <p:nvSpPr>
-          <p:cNvPr id="34" name="PlaceHolder 1"/>
+          <p:cNvPr id="31" name="PlaceHolder 1"/>
           <p:cNvSpPr>
             <a:spLocks noGrp="1"/>
           </p:cNvSpPr>
@@ -551,7 +554,7 @@
         <p:spPr>
           <a:xfrm>
             <a:off x="457200" y="108360"/>
-            <a:ext cx="8229240" cy="1475280"/>
+            <a:ext cx="8228880" cy="1475280"/>
           </a:xfrm>
           <a:prstGeom prst="rect">
             <a:avLst/>
@@ -560,13 +563,14 @@
         <p:txBody>
           <a:bodyPr anchor="ctr" bIns="0" lIns="0" rIns="0" tIns="0" wrap="none"/>
           <a:p>
-            <a:endParaRPr/>
-          </a:p>
-        </p:txBody>
-      </p:sp>
-      <p:sp>
-        <p:nvSpPr>
-          <p:cNvPr id="35" name="PlaceHolder 2"/>
+            <a:pPr algn="ctr"/>
+            <a:endParaRPr/>
+          </a:p>
+        </p:txBody>
+      </p:sp>
+      <p:sp>
+        <p:nvSpPr>
+          <p:cNvPr id="32" name="PlaceHolder 2"/>
           <p:cNvSpPr>
             <a:spLocks noGrp="1"/>
           </p:cNvSpPr>
@@ -592,7 +596,7 @@
       </p:sp>
       <p:sp>
         <p:nvSpPr>
-          <p:cNvPr id="36" name="PlaceHolder 3"/>
+          <p:cNvPr id="33" name="PlaceHolder 3"/>
           <p:cNvSpPr>
             <a:spLocks noGrp="1"/>
           </p:cNvSpPr>
@@ -618,7 +622,7 @@
       </p:sp>
       <p:pic>
         <p:nvPicPr>
-          <p:cNvPr descr="" id="37" name=""/>
+          <p:cNvPr descr="" id="34" name=""/>
           <p:cNvPicPr/>
           <p:nvPr/>
         </p:nvPicPr>
@@ -643,7 +647,7 @@
       </p:pic>
       <p:pic>
         <p:nvPicPr>
-          <p:cNvPr descr="" id="38" name=""/>
+          <p:cNvPr descr="" id="35" name=""/>
           <p:cNvPicPr/>
           <p:nvPr/>
         </p:nvPicPr>
@@ -712,7 +716,7 @@
       </p:grpSpPr>
       <p:sp>
         <p:nvSpPr>
-          <p:cNvPr id="44" name="PlaceHolder 1"/>
+          <p:cNvPr id="38" name="PlaceHolder 1"/>
           <p:cNvSpPr>
             <a:spLocks noGrp="1"/>
           </p:cNvSpPr>
@@ -723,7 +727,7 @@
         <p:spPr>
           <a:xfrm>
             <a:off x="457200" y="108360"/>
-            <a:ext cx="8229240" cy="1475280"/>
+            <a:ext cx="8228880" cy="1475280"/>
           </a:xfrm>
           <a:prstGeom prst="rect">
             <a:avLst/>
@@ -732,13 +736,14 @@
         <p:txBody>
           <a:bodyPr anchor="ctr" bIns="0" lIns="0" rIns="0" tIns="0" wrap="none"/>
           <a:p>
-            <a:endParaRPr/>
-          </a:p>
-        </p:txBody>
-      </p:sp>
-      <p:sp>
-        <p:nvSpPr>
-          <p:cNvPr id="45" name="PlaceHolder 2"/>
+            <a:pPr algn="ctr"/>
+            <a:endParaRPr/>
+          </a:p>
+        </p:txBody>
+      </p:sp>
+      <p:sp>
+        <p:nvSpPr>
+          <p:cNvPr id="39" name="PlaceHolder 2"/>
           <p:cNvSpPr>
             <a:spLocks noGrp="1"/>
           </p:cNvSpPr>
@@ -749,7 +754,7 @@
         <p:spPr>
           <a:xfrm>
             <a:off x="457200" y="1600200"/>
-            <a:ext cx="8229240" cy="4525920"/>
+            <a:ext cx="8228880" cy="4525560"/>
           </a:xfrm>
           <a:prstGeom prst="rect">
             <a:avLst/>
@@ -787,7 +792,7 @@
       </p:grpSpPr>
       <p:sp>
         <p:nvSpPr>
-          <p:cNvPr id="46" name="PlaceHolder 1"/>
+          <p:cNvPr id="40" name="PlaceHolder 1"/>
           <p:cNvSpPr>
             <a:spLocks noGrp="1"/>
           </p:cNvSpPr>
@@ -798,7 +803,7 @@
         <p:spPr>
           <a:xfrm>
             <a:off x="457200" y="108360"/>
-            <a:ext cx="8229240" cy="1475280"/>
+            <a:ext cx="8228880" cy="1475280"/>
           </a:xfrm>
           <a:prstGeom prst="rect">
             <a:avLst/>
@@ -807,13 +812,14 @@
         <p:txBody>
           <a:bodyPr anchor="ctr" bIns="0" lIns="0" rIns="0" tIns="0" wrap="none"/>
           <a:p>
-            <a:endParaRPr/>
-          </a:p>
-        </p:txBody>
-      </p:sp>
-      <p:sp>
-        <p:nvSpPr>
-          <p:cNvPr id="47" name="PlaceHolder 2"/>
+            <a:pPr algn="ctr"/>
+            <a:endParaRPr/>
+          </a:p>
+        </p:txBody>
+      </p:sp>
+      <p:sp>
+        <p:nvSpPr>
+          <p:cNvPr id="41" name="PlaceHolder 2"/>
           <p:cNvSpPr>
             <a:spLocks noGrp="1"/>
           </p:cNvSpPr>
@@ -824,7 +830,7 @@
         <p:spPr>
           <a:xfrm>
             <a:off x="457200" y="1600200"/>
-            <a:ext cx="8229240" cy="4525560"/>
+            <a:ext cx="8228880" cy="4525200"/>
           </a:xfrm>
           <a:prstGeom prst="rect">
             <a:avLst/>
@@ -861,7 +867,7 @@
       </p:grpSpPr>
       <p:sp>
         <p:nvSpPr>
-          <p:cNvPr id="48" name="PlaceHolder 1"/>
+          <p:cNvPr id="42" name="PlaceHolder 1"/>
           <p:cNvSpPr>
             <a:spLocks noGrp="1"/>
           </p:cNvSpPr>
@@ -872,7 +878,7 @@
         <p:spPr>
           <a:xfrm>
             <a:off x="457200" y="108360"/>
-            <a:ext cx="8229240" cy="1475280"/>
+            <a:ext cx="8228880" cy="1475280"/>
           </a:xfrm>
           <a:prstGeom prst="rect">
             <a:avLst/>
@@ -881,13 +887,14 @@
         <p:txBody>
           <a:bodyPr anchor="ctr" bIns="0" lIns="0" rIns="0" tIns="0" wrap="none"/>
           <a:p>
-            <a:endParaRPr/>
-          </a:p>
-        </p:txBody>
-      </p:sp>
-      <p:sp>
-        <p:nvSpPr>
-          <p:cNvPr id="49" name="PlaceHolder 2"/>
+            <a:pPr algn="ctr"/>
+            <a:endParaRPr/>
+          </a:p>
+        </p:txBody>
+      </p:sp>
+      <p:sp>
+        <p:nvSpPr>
+          <p:cNvPr id="43" name="PlaceHolder 2"/>
           <p:cNvSpPr>
             <a:spLocks noGrp="1"/>
           </p:cNvSpPr>
@@ -898,7 +905,7 @@
         <p:spPr>
           <a:xfrm>
             <a:off x="457200" y="1600200"/>
-            <a:ext cx="4015440" cy="4525560"/>
+            <a:ext cx="4015440" cy="4525200"/>
           </a:xfrm>
           <a:prstGeom prst="rect">
             <a:avLst/>
@@ -913,7 +920,7 @@
       </p:sp>
       <p:sp>
         <p:nvSpPr>
-          <p:cNvPr id="50" name="PlaceHolder 3"/>
+          <p:cNvPr id="44" name="PlaceHolder 3"/>
           <p:cNvSpPr>
             <a:spLocks noGrp="1"/>
           </p:cNvSpPr>
@@ -924,7 +931,7 @@
         <p:spPr>
           <a:xfrm>
             <a:off x="4673520" y="1600200"/>
-            <a:ext cx="4015440" cy="4525560"/>
+            <a:ext cx="4015440" cy="4525200"/>
           </a:xfrm>
           <a:prstGeom prst="rect">
             <a:avLst/>
@@ -961,7 +968,7 @@
       </p:grpSpPr>
       <p:sp>
         <p:nvSpPr>
-          <p:cNvPr id="51" name="PlaceHolder 1"/>
+          <p:cNvPr id="45" name="PlaceHolder 1"/>
           <p:cNvSpPr>
             <a:spLocks noGrp="1"/>
           </p:cNvSpPr>
@@ -972,7 +979,7 @@
         <p:spPr>
           <a:xfrm>
             <a:off x="457200" y="108360"/>
-            <a:ext cx="8229240" cy="1475280"/>
+            <a:ext cx="8228880" cy="1475280"/>
           </a:xfrm>
           <a:prstGeom prst="rect">
             <a:avLst/>
@@ -981,6 +988,7 @@
         <p:txBody>
           <a:bodyPr anchor="ctr" bIns="0" lIns="0" rIns="0" tIns="0" wrap="none"/>
           <a:p>
+            <a:pPr algn="ctr"/>
             <a:endParaRPr/>
           </a:p>
         </p:txBody>
@@ -1009,7 +1017,7 @@
       </p:grpSpPr>
       <p:sp>
         <p:nvSpPr>
-          <p:cNvPr id="52" name="PlaceHolder 1"/>
+          <p:cNvPr id="46" name="PlaceHolder 1"/>
           <p:cNvSpPr>
             <a:spLocks noGrp="1"/>
           </p:cNvSpPr>
@@ -1019,8 +1027,8 @@
         </p:nvSpPr>
         <p:spPr>
           <a:xfrm>
-            <a:off x="457200" y="274680"/>
-            <a:ext cx="8229240" cy="5851080"/>
+            <a:off x="457200" y="108360"/>
+            <a:ext cx="8228880" cy="6017040"/>
           </a:xfrm>
           <a:prstGeom prst="rect">
             <a:avLst/>
@@ -1058,7 +1066,7 @@
       </p:grpSpPr>
       <p:sp>
         <p:nvSpPr>
-          <p:cNvPr id="53" name="PlaceHolder 1"/>
+          <p:cNvPr id="47" name="PlaceHolder 1"/>
           <p:cNvSpPr>
             <a:spLocks noGrp="1"/>
           </p:cNvSpPr>
@@ -1069,7 +1077,7 @@
         <p:spPr>
           <a:xfrm>
             <a:off x="457200" y="108360"/>
-            <a:ext cx="8229240" cy="1475280"/>
+            <a:ext cx="8228880" cy="1475280"/>
           </a:xfrm>
           <a:prstGeom prst="rect">
             <a:avLst/>
@@ -1078,13 +1086,14 @@
         <p:txBody>
           <a:bodyPr anchor="ctr" bIns="0" lIns="0" rIns="0" tIns="0" wrap="none"/>
           <a:p>
-            <a:endParaRPr/>
-          </a:p>
-        </p:txBody>
-      </p:sp>
-      <p:sp>
-        <p:nvSpPr>
-          <p:cNvPr id="54" name="PlaceHolder 2"/>
+            <a:pPr algn="ctr"/>
+            <a:endParaRPr/>
+          </a:p>
+        </p:txBody>
+      </p:sp>
+      <p:sp>
+        <p:nvSpPr>
+          <p:cNvPr id="48" name="PlaceHolder 2"/>
           <p:cNvSpPr>
             <a:spLocks noGrp="1"/>
           </p:cNvSpPr>
@@ -1110,7 +1119,7 @@
       </p:sp>
       <p:sp>
         <p:nvSpPr>
-          <p:cNvPr id="55" name="PlaceHolder 3"/>
+          <p:cNvPr id="49" name="PlaceHolder 3"/>
           <p:cNvSpPr>
             <a:spLocks noGrp="1"/>
           </p:cNvSpPr>
@@ -1136,7 +1145,7 @@
       </p:sp>
       <p:sp>
         <p:nvSpPr>
-          <p:cNvPr id="56" name="PlaceHolder 4"/>
+          <p:cNvPr id="50" name="PlaceHolder 4"/>
           <p:cNvSpPr>
             <a:spLocks noGrp="1"/>
           </p:cNvSpPr>
@@ -1147,7 +1156,7 @@
         <p:spPr>
           <a:xfrm>
             <a:off x="4673520" y="1600200"/>
-            <a:ext cx="4015440" cy="4525560"/>
+            <a:ext cx="4015440" cy="4525200"/>
           </a:xfrm>
           <a:prstGeom prst="rect">
             <a:avLst/>
@@ -1184,7 +1193,7 @@
       </p:grpSpPr>
       <p:sp>
         <p:nvSpPr>
-          <p:cNvPr id="5" name="PlaceHolder 1"/>
+          <p:cNvPr id="2" name="PlaceHolder 1"/>
           <p:cNvSpPr>
             <a:spLocks noGrp="1"/>
           </p:cNvSpPr>
@@ -1195,7 +1204,7 @@
         <p:spPr>
           <a:xfrm>
             <a:off x="457200" y="108360"/>
-            <a:ext cx="8229240" cy="1475280"/>
+            <a:ext cx="8228880" cy="1475280"/>
           </a:xfrm>
           <a:prstGeom prst="rect">
             <a:avLst/>
@@ -1204,13 +1213,14 @@
         <p:txBody>
           <a:bodyPr anchor="ctr" bIns="0" lIns="0" rIns="0" tIns="0" wrap="none"/>
           <a:p>
-            <a:endParaRPr/>
-          </a:p>
-        </p:txBody>
-      </p:sp>
-      <p:sp>
-        <p:nvSpPr>
-          <p:cNvPr id="6" name="PlaceHolder 2"/>
+            <a:pPr algn="ctr"/>
+            <a:endParaRPr/>
+          </a:p>
+        </p:txBody>
+      </p:sp>
+      <p:sp>
+        <p:nvSpPr>
+          <p:cNvPr id="3" name="PlaceHolder 2"/>
           <p:cNvSpPr>
             <a:spLocks noGrp="1"/>
           </p:cNvSpPr>
@@ -1221,7 +1231,7 @@
         <p:spPr>
           <a:xfrm>
             <a:off x="457200" y="1600200"/>
-            <a:ext cx="8229240" cy="4525920"/>
+            <a:ext cx="8228880" cy="4525560"/>
           </a:xfrm>
           <a:prstGeom prst="rect">
             <a:avLst/>
@@ -1259,7 +1269,7 @@
       </p:grpSpPr>
       <p:sp>
         <p:nvSpPr>
-          <p:cNvPr id="57" name="PlaceHolder 1"/>
+          <p:cNvPr id="51" name="PlaceHolder 1"/>
           <p:cNvSpPr>
             <a:spLocks noGrp="1"/>
           </p:cNvSpPr>
@@ -1270,7 +1280,7 @@
         <p:spPr>
           <a:xfrm>
             <a:off x="457200" y="108360"/>
-            <a:ext cx="8229240" cy="1475280"/>
+            <a:ext cx="8228880" cy="1475280"/>
           </a:xfrm>
           <a:prstGeom prst="rect">
             <a:avLst/>
@@ -1279,13 +1289,14 @@
         <p:txBody>
           <a:bodyPr anchor="ctr" bIns="0" lIns="0" rIns="0" tIns="0" wrap="none"/>
           <a:p>
-            <a:endParaRPr/>
-          </a:p>
-        </p:txBody>
-      </p:sp>
-      <p:sp>
-        <p:nvSpPr>
-          <p:cNvPr id="58" name="PlaceHolder 2"/>
+            <a:pPr algn="ctr"/>
+            <a:endParaRPr/>
+          </a:p>
+        </p:txBody>
+      </p:sp>
+      <p:sp>
+        <p:nvSpPr>
+          <p:cNvPr id="52" name="PlaceHolder 2"/>
           <p:cNvSpPr>
             <a:spLocks noGrp="1"/>
           </p:cNvSpPr>
@@ -1296,7 +1307,7 @@
         <p:spPr>
           <a:xfrm>
             <a:off x="457200" y="1600200"/>
-            <a:ext cx="4015440" cy="4525560"/>
+            <a:ext cx="4015440" cy="4525200"/>
           </a:xfrm>
           <a:prstGeom prst="rect">
             <a:avLst/>
@@ -1311,7 +1322,7 @@
       </p:sp>
       <p:sp>
         <p:nvSpPr>
-          <p:cNvPr id="59" name="PlaceHolder 3"/>
+          <p:cNvPr id="53" name="PlaceHolder 3"/>
           <p:cNvSpPr>
             <a:spLocks noGrp="1"/>
           </p:cNvSpPr>
@@ -1337,7 +1348,7 @@
       </p:sp>
       <p:sp>
         <p:nvSpPr>
-          <p:cNvPr id="60" name="PlaceHolder 4"/>
+          <p:cNvPr id="54" name="PlaceHolder 4"/>
           <p:cNvSpPr>
             <a:spLocks noGrp="1"/>
           </p:cNvSpPr>
@@ -1385,7 +1396,7 @@
       </p:grpSpPr>
       <p:sp>
         <p:nvSpPr>
-          <p:cNvPr id="61" name="PlaceHolder 1"/>
+          <p:cNvPr id="55" name="PlaceHolder 1"/>
           <p:cNvSpPr>
             <a:spLocks noGrp="1"/>
           </p:cNvSpPr>
@@ -1396,7 +1407,7 @@
         <p:spPr>
           <a:xfrm>
             <a:off x="457200" y="108360"/>
-            <a:ext cx="8229240" cy="1475280"/>
+            <a:ext cx="8228880" cy="1475280"/>
           </a:xfrm>
           <a:prstGeom prst="rect">
             <a:avLst/>
@@ -1405,13 +1416,14 @@
         <p:txBody>
           <a:bodyPr anchor="ctr" bIns="0" lIns="0" rIns="0" tIns="0" wrap="none"/>
           <a:p>
-            <a:endParaRPr/>
-          </a:p>
-        </p:txBody>
-      </p:sp>
-      <p:sp>
-        <p:nvSpPr>
-          <p:cNvPr id="62" name="PlaceHolder 2"/>
+            <a:pPr algn="ctr"/>
+            <a:endParaRPr/>
+          </a:p>
+        </p:txBody>
+      </p:sp>
+      <p:sp>
+        <p:nvSpPr>
+          <p:cNvPr id="56" name="PlaceHolder 2"/>
           <p:cNvSpPr>
             <a:spLocks noGrp="1"/>
           </p:cNvSpPr>
@@ -1437,7 +1449,7 @@
       </p:sp>
       <p:sp>
         <p:nvSpPr>
-          <p:cNvPr id="63" name="PlaceHolder 3"/>
+          <p:cNvPr id="57" name="PlaceHolder 3"/>
           <p:cNvSpPr>
             <a:spLocks noGrp="1"/>
           </p:cNvSpPr>
@@ -1463,7 +1475,7 @@
       </p:sp>
       <p:sp>
         <p:nvSpPr>
-          <p:cNvPr id="64" name="PlaceHolder 4"/>
+          <p:cNvPr id="58" name="PlaceHolder 4"/>
           <p:cNvSpPr>
             <a:spLocks noGrp="1"/>
           </p:cNvSpPr>
@@ -1511,7 +1523,7 @@
       </p:grpSpPr>
       <p:sp>
         <p:nvSpPr>
-          <p:cNvPr id="65" name="PlaceHolder 1"/>
+          <p:cNvPr id="59" name="PlaceHolder 1"/>
           <p:cNvSpPr>
             <a:spLocks noGrp="1"/>
           </p:cNvSpPr>
@@ -1522,7 +1534,7 @@
         <p:spPr>
           <a:xfrm>
             <a:off x="457200" y="108360"/>
-            <a:ext cx="8229240" cy="1475280"/>
+            <a:ext cx="8228880" cy="1475280"/>
           </a:xfrm>
           <a:prstGeom prst="rect">
             <a:avLst/>
@@ -1531,13 +1543,14 @@
         <p:txBody>
           <a:bodyPr anchor="ctr" bIns="0" lIns="0" rIns="0" tIns="0" wrap="none"/>
           <a:p>
-            <a:endParaRPr/>
-          </a:p>
-        </p:txBody>
-      </p:sp>
-      <p:sp>
-        <p:nvSpPr>
-          <p:cNvPr id="66" name="PlaceHolder 2"/>
+            <a:pPr algn="ctr"/>
+            <a:endParaRPr/>
+          </a:p>
+        </p:txBody>
+      </p:sp>
+      <p:sp>
+        <p:nvSpPr>
+          <p:cNvPr id="60" name="PlaceHolder 2"/>
           <p:cNvSpPr>
             <a:spLocks noGrp="1"/>
           </p:cNvSpPr>
@@ -1548,7 +1561,7 @@
         <p:spPr>
           <a:xfrm>
             <a:off x="457200" y="1600200"/>
-            <a:ext cx="8229240" cy="2158200"/>
+            <a:ext cx="8228880" cy="2158200"/>
           </a:xfrm>
           <a:prstGeom prst="rect">
             <a:avLst/>
@@ -1563,7 +1576,7 @@
       </p:sp>
       <p:sp>
         <p:nvSpPr>
-          <p:cNvPr id="67" name="PlaceHolder 3"/>
+          <p:cNvPr id="61" name="PlaceHolder 3"/>
           <p:cNvSpPr>
             <a:spLocks noGrp="1"/>
           </p:cNvSpPr>
@@ -1574,7 +1587,7 @@
         <p:spPr>
           <a:xfrm>
             <a:off x="457200" y="3963600"/>
-            <a:ext cx="8229240" cy="2158200"/>
+            <a:ext cx="8228880" cy="2158200"/>
           </a:xfrm>
           <a:prstGeom prst="rect">
             <a:avLst/>
@@ -1611,7 +1624,7 @@
       </p:grpSpPr>
       <p:sp>
         <p:nvSpPr>
-          <p:cNvPr id="68" name="PlaceHolder 1"/>
+          <p:cNvPr id="62" name="PlaceHolder 1"/>
           <p:cNvSpPr>
             <a:spLocks noGrp="1"/>
           </p:cNvSpPr>
@@ -1622,7 +1635,7 @@
         <p:spPr>
           <a:xfrm>
             <a:off x="457200" y="108360"/>
-            <a:ext cx="8229240" cy="1475280"/>
+            <a:ext cx="8228880" cy="1475280"/>
           </a:xfrm>
           <a:prstGeom prst="rect">
             <a:avLst/>
@@ -1631,13 +1644,14 @@
         <p:txBody>
           <a:bodyPr anchor="ctr" bIns="0" lIns="0" rIns="0" tIns="0" wrap="none"/>
           <a:p>
-            <a:endParaRPr/>
-          </a:p>
-        </p:txBody>
-      </p:sp>
-      <p:sp>
-        <p:nvSpPr>
-          <p:cNvPr id="69" name="PlaceHolder 2"/>
+            <a:pPr algn="ctr"/>
+            <a:endParaRPr/>
+          </a:p>
+        </p:txBody>
+      </p:sp>
+      <p:sp>
+        <p:nvSpPr>
+          <p:cNvPr id="63" name="PlaceHolder 2"/>
           <p:cNvSpPr>
             <a:spLocks noGrp="1"/>
           </p:cNvSpPr>
@@ -1663,7 +1677,7 @@
       </p:sp>
       <p:sp>
         <p:nvSpPr>
-          <p:cNvPr id="70" name="PlaceHolder 3"/>
+          <p:cNvPr id="64" name="PlaceHolder 3"/>
           <p:cNvSpPr>
             <a:spLocks noGrp="1"/>
           </p:cNvSpPr>
@@ -1689,7 +1703,7 @@
       </p:sp>
       <p:sp>
         <p:nvSpPr>
-          <p:cNvPr id="71" name="PlaceHolder 4"/>
+          <p:cNvPr id="65" name="PlaceHolder 4"/>
           <p:cNvSpPr>
             <a:spLocks noGrp="1"/>
           </p:cNvSpPr>
@@ -1715,7 +1729,7 @@
       </p:sp>
       <p:sp>
         <p:nvSpPr>
-          <p:cNvPr id="72" name="PlaceHolder 5"/>
+          <p:cNvPr id="66" name="PlaceHolder 5"/>
           <p:cNvSpPr>
             <a:spLocks noGrp="1"/>
           </p:cNvSpPr>
@@ -1763,7 +1777,7 @@
       </p:grpSpPr>
       <p:sp>
         <p:nvSpPr>
-          <p:cNvPr id="73" name="PlaceHolder 1"/>
+          <p:cNvPr id="67" name="PlaceHolder 1"/>
           <p:cNvSpPr>
             <a:spLocks noGrp="1"/>
           </p:cNvSpPr>
@@ -1774,7 +1788,7 @@
         <p:spPr>
           <a:xfrm>
             <a:off x="457200" y="108360"/>
-            <a:ext cx="8229240" cy="1475280"/>
+            <a:ext cx="8228880" cy="1475280"/>
           </a:xfrm>
           <a:prstGeom prst="rect">
             <a:avLst/>
@@ -1783,13 +1797,14 @@
         <p:txBody>
           <a:bodyPr anchor="ctr" bIns="0" lIns="0" rIns="0" tIns="0" wrap="none"/>
           <a:p>
-            <a:endParaRPr/>
-          </a:p>
-        </p:txBody>
-      </p:sp>
-      <p:sp>
-        <p:nvSpPr>
-          <p:cNvPr id="74" name="PlaceHolder 2"/>
+            <a:pPr algn="ctr"/>
+            <a:endParaRPr/>
+          </a:p>
+        </p:txBody>
+      </p:sp>
+      <p:sp>
+        <p:nvSpPr>
+          <p:cNvPr id="68" name="PlaceHolder 2"/>
           <p:cNvSpPr>
             <a:spLocks noGrp="1"/>
           </p:cNvSpPr>
@@ -1815,7 +1830,7 @@
       </p:sp>
       <p:sp>
         <p:nvSpPr>
-          <p:cNvPr id="75" name="PlaceHolder 3"/>
+          <p:cNvPr id="69" name="PlaceHolder 3"/>
           <p:cNvSpPr>
             <a:spLocks noGrp="1"/>
           </p:cNvSpPr>
@@ -1841,7 +1856,7 @@
       </p:sp>
       <p:pic>
         <p:nvPicPr>
-          <p:cNvPr descr="" id="76" name=""/>
+          <p:cNvPr descr="" id="70" name=""/>
           <p:cNvPicPr/>
           <p:nvPr/>
         </p:nvPicPr>
@@ -1866,7 +1881,7 @@
       </p:pic>
       <p:pic>
         <p:nvPicPr>
-          <p:cNvPr descr="" id="77" name=""/>
+          <p:cNvPr descr="" id="71" name=""/>
           <p:cNvPicPr/>
           <p:nvPr/>
         </p:nvPicPr>
@@ -1889,6 +1904,329 @@
           </a:ln>
         </p:spPr>
       </p:pic>
+    </p:spTree>
+  </p:cSld>
+</p:sldLayout>
+</file>
+
+<file path=ppt/slideLayouts/slideLayout25.xml><?xml version="1.0" encoding="utf-8"?>
+<p:sldLayout xmlns:a="http://schemas.openxmlformats.org/drawingml/2006/main" xmlns:p="http://schemas.openxmlformats.org/presentationml/2006/main" xmlns:r="http://schemas.openxmlformats.org/officeDocument/2006/relationships" preserve="1" type="blank">
+  <p:cSld name="Blank Slide">
+    <p:spTree>
+      <p:nvGrpSpPr>
+        <p:cNvPr id="1" name=""/>
+        <p:cNvGrpSpPr/>
+        <p:nvPr/>
+      </p:nvGrpSpPr>
+      <p:grpSpPr>
+        <a:xfrm>
+          <a:off x="0" y="0"/>
+          <a:ext cx="0" cy="0"/>
+          <a:chOff x="0" y="0"/>
+          <a:chExt cx="0" cy="0"/>
+        </a:xfrm>
+      </p:grpSpPr>
+    </p:spTree>
+  </p:cSld>
+</p:sldLayout>
+</file>
+
+<file path=ppt/slideLayouts/slideLayout26.xml><?xml version="1.0" encoding="utf-8"?>
+<p:sldLayout xmlns:a="http://schemas.openxmlformats.org/drawingml/2006/main" xmlns:p="http://schemas.openxmlformats.org/presentationml/2006/main" xmlns:r="http://schemas.openxmlformats.org/officeDocument/2006/relationships" preserve="1" type="tx">
+  <p:cSld name="Title Slide">
+    <p:spTree>
+      <p:nvGrpSpPr>
+        <p:cNvPr id="1" name=""/>
+        <p:cNvGrpSpPr/>
+        <p:nvPr/>
+      </p:nvGrpSpPr>
+      <p:grpSpPr>
+        <a:xfrm>
+          <a:off x="0" y="0"/>
+          <a:ext cx="0" cy="0"/>
+          <a:chOff x="0" y="0"/>
+          <a:chExt cx="0" cy="0"/>
+        </a:xfrm>
+      </p:grpSpPr>
+      <p:sp>
+        <p:nvSpPr>
+          <p:cNvPr id="74" name="PlaceHolder 1"/>
+          <p:cNvSpPr>
+            <a:spLocks noGrp="1"/>
+          </p:cNvSpPr>
+          <p:nvPr>
+            <p:ph type="title"/>
+          </p:nvPr>
+        </p:nvSpPr>
+        <p:spPr>
+          <a:xfrm>
+            <a:off x="457200" y="108360"/>
+            <a:ext cx="8228880" cy="1475280"/>
+          </a:xfrm>
+          <a:prstGeom prst="rect">
+            <a:avLst/>
+          </a:prstGeom>
+        </p:spPr>
+        <p:txBody>
+          <a:bodyPr anchor="ctr" bIns="0" lIns="0" rIns="0" tIns="0" wrap="none"/>
+          <a:p>
+            <a:pPr algn="ctr"/>
+            <a:endParaRPr/>
+          </a:p>
+        </p:txBody>
+      </p:sp>
+      <p:sp>
+        <p:nvSpPr>
+          <p:cNvPr id="75" name="PlaceHolder 2"/>
+          <p:cNvSpPr>
+            <a:spLocks noGrp="1"/>
+          </p:cNvSpPr>
+          <p:nvPr>
+            <p:ph type="subTitle"/>
+          </p:nvPr>
+        </p:nvSpPr>
+        <p:spPr>
+          <a:xfrm>
+            <a:off x="457200" y="1600200"/>
+            <a:ext cx="8228880" cy="4525560"/>
+          </a:xfrm>
+          <a:prstGeom prst="rect">
+            <a:avLst/>
+          </a:prstGeom>
+        </p:spPr>
+        <p:txBody>
+          <a:bodyPr anchor="ctr" bIns="0" lIns="0" rIns="0" tIns="0" wrap="none"/>
+          <a:p>
+            <a:pPr algn="ctr"/>
+            <a:endParaRPr/>
+          </a:p>
+        </p:txBody>
+      </p:sp>
+    </p:spTree>
+  </p:cSld>
+</p:sldLayout>
+</file>
+
+<file path=ppt/slideLayouts/slideLayout27.xml><?xml version="1.0" encoding="utf-8"?>
+<p:sldLayout xmlns:a="http://schemas.openxmlformats.org/drawingml/2006/main" xmlns:p="http://schemas.openxmlformats.org/presentationml/2006/main" xmlns:r="http://schemas.openxmlformats.org/officeDocument/2006/relationships" preserve="1" type="obj">
+  <p:cSld name="Title, Content">
+    <p:spTree>
+      <p:nvGrpSpPr>
+        <p:cNvPr id="1" name=""/>
+        <p:cNvGrpSpPr/>
+        <p:nvPr/>
+      </p:nvGrpSpPr>
+      <p:grpSpPr>
+        <a:xfrm>
+          <a:off x="0" y="0"/>
+          <a:ext cx="0" cy="0"/>
+          <a:chOff x="0" y="0"/>
+          <a:chExt cx="0" cy="0"/>
+        </a:xfrm>
+      </p:grpSpPr>
+      <p:sp>
+        <p:nvSpPr>
+          <p:cNvPr id="76" name="PlaceHolder 1"/>
+          <p:cNvSpPr>
+            <a:spLocks noGrp="1"/>
+          </p:cNvSpPr>
+          <p:nvPr>
+            <p:ph type="title"/>
+          </p:nvPr>
+        </p:nvSpPr>
+        <p:spPr>
+          <a:xfrm>
+            <a:off x="457200" y="108360"/>
+            <a:ext cx="8228880" cy="1475280"/>
+          </a:xfrm>
+          <a:prstGeom prst="rect">
+            <a:avLst/>
+          </a:prstGeom>
+        </p:spPr>
+        <p:txBody>
+          <a:bodyPr anchor="ctr" bIns="0" lIns="0" rIns="0" tIns="0" wrap="none"/>
+          <a:p>
+            <a:pPr algn="ctr"/>
+            <a:endParaRPr/>
+          </a:p>
+        </p:txBody>
+      </p:sp>
+      <p:sp>
+        <p:nvSpPr>
+          <p:cNvPr id="77" name="PlaceHolder 2"/>
+          <p:cNvSpPr>
+            <a:spLocks noGrp="1"/>
+          </p:cNvSpPr>
+          <p:nvPr>
+            <p:ph type="body"/>
+          </p:nvPr>
+        </p:nvSpPr>
+        <p:spPr>
+          <a:xfrm>
+            <a:off x="457200" y="1600200"/>
+            <a:ext cx="8228880" cy="4525200"/>
+          </a:xfrm>
+          <a:prstGeom prst="rect">
+            <a:avLst/>
+          </a:prstGeom>
+        </p:spPr>
+        <p:txBody>
+          <a:bodyPr bIns="0" lIns="0" rIns="0" tIns="0" wrap="none"/>
+          <a:p>
+            <a:endParaRPr/>
+          </a:p>
+        </p:txBody>
+      </p:sp>
+    </p:spTree>
+  </p:cSld>
+</p:sldLayout>
+</file>
+
+<file path=ppt/slideLayouts/slideLayout28.xml><?xml version="1.0" encoding="utf-8"?>
+<p:sldLayout xmlns:a="http://schemas.openxmlformats.org/drawingml/2006/main" xmlns:p="http://schemas.openxmlformats.org/presentationml/2006/main" xmlns:r="http://schemas.openxmlformats.org/officeDocument/2006/relationships" preserve="1" type="twoObj">
+  <p:cSld name="Title, 2 Content">
+    <p:spTree>
+      <p:nvGrpSpPr>
+        <p:cNvPr id="1" name=""/>
+        <p:cNvGrpSpPr/>
+        <p:nvPr/>
+      </p:nvGrpSpPr>
+      <p:grpSpPr>
+        <a:xfrm>
+          <a:off x="0" y="0"/>
+          <a:ext cx="0" cy="0"/>
+          <a:chOff x="0" y="0"/>
+          <a:chExt cx="0" cy="0"/>
+        </a:xfrm>
+      </p:grpSpPr>
+      <p:sp>
+        <p:nvSpPr>
+          <p:cNvPr id="78" name="PlaceHolder 1"/>
+          <p:cNvSpPr>
+            <a:spLocks noGrp="1"/>
+          </p:cNvSpPr>
+          <p:nvPr>
+            <p:ph type="title"/>
+          </p:nvPr>
+        </p:nvSpPr>
+        <p:spPr>
+          <a:xfrm>
+            <a:off x="457200" y="108360"/>
+            <a:ext cx="8228880" cy="1475280"/>
+          </a:xfrm>
+          <a:prstGeom prst="rect">
+            <a:avLst/>
+          </a:prstGeom>
+        </p:spPr>
+        <p:txBody>
+          <a:bodyPr anchor="ctr" bIns="0" lIns="0" rIns="0" tIns="0" wrap="none"/>
+          <a:p>
+            <a:pPr algn="ctr"/>
+            <a:endParaRPr/>
+          </a:p>
+        </p:txBody>
+      </p:sp>
+      <p:sp>
+        <p:nvSpPr>
+          <p:cNvPr id="79" name="PlaceHolder 2"/>
+          <p:cNvSpPr>
+            <a:spLocks noGrp="1"/>
+          </p:cNvSpPr>
+          <p:nvPr>
+            <p:ph type="body"/>
+          </p:nvPr>
+        </p:nvSpPr>
+        <p:spPr>
+          <a:xfrm>
+            <a:off x="457200" y="1600200"/>
+            <a:ext cx="4015440" cy="4525200"/>
+          </a:xfrm>
+          <a:prstGeom prst="rect">
+            <a:avLst/>
+          </a:prstGeom>
+        </p:spPr>
+        <p:txBody>
+          <a:bodyPr bIns="0" lIns="0" rIns="0" tIns="0" wrap="none"/>
+          <a:p>
+            <a:endParaRPr/>
+          </a:p>
+        </p:txBody>
+      </p:sp>
+      <p:sp>
+        <p:nvSpPr>
+          <p:cNvPr id="80" name="PlaceHolder 3"/>
+          <p:cNvSpPr>
+            <a:spLocks noGrp="1"/>
+          </p:cNvSpPr>
+          <p:nvPr>
+            <p:ph type="body"/>
+          </p:nvPr>
+        </p:nvSpPr>
+        <p:spPr>
+          <a:xfrm>
+            <a:off x="4673520" y="1600200"/>
+            <a:ext cx="4015440" cy="4525200"/>
+          </a:xfrm>
+          <a:prstGeom prst="rect">
+            <a:avLst/>
+          </a:prstGeom>
+        </p:spPr>
+        <p:txBody>
+          <a:bodyPr bIns="0" lIns="0" rIns="0" tIns="0" wrap="none"/>
+          <a:p>
+            <a:endParaRPr/>
+          </a:p>
+        </p:txBody>
+      </p:sp>
+    </p:spTree>
+  </p:cSld>
+</p:sldLayout>
+</file>
+
+<file path=ppt/slideLayouts/slideLayout29.xml><?xml version="1.0" encoding="utf-8"?>
+<p:sldLayout xmlns:a="http://schemas.openxmlformats.org/drawingml/2006/main" xmlns:p="http://schemas.openxmlformats.org/presentationml/2006/main" xmlns:r="http://schemas.openxmlformats.org/officeDocument/2006/relationships" preserve="1" type="titleOnly">
+  <p:cSld name="Title Only">
+    <p:spTree>
+      <p:nvGrpSpPr>
+        <p:cNvPr id="1" name=""/>
+        <p:cNvGrpSpPr/>
+        <p:nvPr/>
+      </p:nvGrpSpPr>
+      <p:grpSpPr>
+        <a:xfrm>
+          <a:off x="0" y="0"/>
+          <a:ext cx="0" cy="0"/>
+          <a:chOff x="0" y="0"/>
+          <a:chExt cx="0" cy="0"/>
+        </a:xfrm>
+      </p:grpSpPr>
+      <p:sp>
+        <p:nvSpPr>
+          <p:cNvPr id="81" name="PlaceHolder 1"/>
+          <p:cNvSpPr>
+            <a:spLocks noGrp="1"/>
+          </p:cNvSpPr>
+          <p:nvPr>
+            <p:ph type="title"/>
+          </p:nvPr>
+        </p:nvSpPr>
+        <p:spPr>
+          <a:xfrm>
+            <a:off x="457200" y="108360"/>
+            <a:ext cx="8228880" cy="1475280"/>
+          </a:xfrm>
+          <a:prstGeom prst="rect">
+            <a:avLst/>
+          </a:prstGeom>
+        </p:spPr>
+        <p:txBody>
+          <a:bodyPr anchor="ctr" bIns="0" lIns="0" rIns="0" tIns="0" wrap="none"/>
+          <a:p>
+            <a:pPr algn="ctr"/>
+            <a:endParaRPr/>
+          </a:p>
+        </p:txBody>
+      </p:sp>
     </p:spTree>
   </p:cSld>
 </p:sldLayout>
@@ -1913,7 +2251,7 @@
       </p:grpSpPr>
       <p:sp>
         <p:nvSpPr>
-          <p:cNvPr id="7" name="PlaceHolder 1"/>
+          <p:cNvPr id="4" name="PlaceHolder 1"/>
           <p:cNvSpPr>
             <a:spLocks noGrp="1"/>
           </p:cNvSpPr>
@@ -1924,7 +2262,7 @@
         <p:spPr>
           <a:xfrm>
             <a:off x="457200" y="108360"/>
-            <a:ext cx="8229240" cy="1475280"/>
+            <a:ext cx="8228880" cy="1475280"/>
           </a:xfrm>
           <a:prstGeom prst="rect">
             <a:avLst/>
@@ -1933,13 +2271,14 @@
         <p:txBody>
           <a:bodyPr anchor="ctr" bIns="0" lIns="0" rIns="0" tIns="0" wrap="none"/>
           <a:p>
-            <a:endParaRPr/>
-          </a:p>
-        </p:txBody>
-      </p:sp>
-      <p:sp>
-        <p:nvSpPr>
-          <p:cNvPr id="8" name="PlaceHolder 2"/>
+            <a:pPr algn="ctr"/>
+            <a:endParaRPr/>
+          </a:p>
+        </p:txBody>
+      </p:sp>
+      <p:sp>
+        <p:nvSpPr>
+          <p:cNvPr id="5" name="PlaceHolder 2"/>
           <p:cNvSpPr>
             <a:spLocks noGrp="1"/>
           </p:cNvSpPr>
@@ -1950,7 +2289,7 @@
         <p:spPr>
           <a:xfrm>
             <a:off x="457200" y="1600200"/>
-            <a:ext cx="8229240" cy="4525560"/>
+            <a:ext cx="8228880" cy="4525200"/>
           </a:xfrm>
           <a:prstGeom prst="rect">
             <a:avLst/>
@@ -1963,6 +2302,841 @@
           </a:p>
         </p:txBody>
       </p:sp>
+    </p:spTree>
+  </p:cSld>
+</p:sldLayout>
+</file>
+
+<file path=ppt/slideLayouts/slideLayout30.xml><?xml version="1.0" encoding="utf-8"?>
+<p:sldLayout xmlns:a="http://schemas.openxmlformats.org/drawingml/2006/main" xmlns:p="http://schemas.openxmlformats.org/presentationml/2006/main" xmlns:r="http://schemas.openxmlformats.org/officeDocument/2006/relationships" preserve="1" type="objOnly">
+  <p:cSld name="Centered Text">
+    <p:spTree>
+      <p:nvGrpSpPr>
+        <p:cNvPr id="1" name=""/>
+        <p:cNvGrpSpPr/>
+        <p:nvPr/>
+      </p:nvGrpSpPr>
+      <p:grpSpPr>
+        <a:xfrm>
+          <a:off x="0" y="0"/>
+          <a:ext cx="0" cy="0"/>
+          <a:chOff x="0" y="0"/>
+          <a:chExt cx="0" cy="0"/>
+        </a:xfrm>
+      </p:grpSpPr>
+      <p:sp>
+        <p:nvSpPr>
+          <p:cNvPr id="82" name="PlaceHolder 1"/>
+          <p:cNvSpPr>
+            <a:spLocks noGrp="1"/>
+          </p:cNvSpPr>
+          <p:nvPr>
+            <p:ph type="subTitle"/>
+          </p:nvPr>
+        </p:nvSpPr>
+        <p:spPr>
+          <a:xfrm>
+            <a:off x="457200" y="108360"/>
+            <a:ext cx="8228880" cy="6017040"/>
+          </a:xfrm>
+          <a:prstGeom prst="rect">
+            <a:avLst/>
+          </a:prstGeom>
+        </p:spPr>
+        <p:txBody>
+          <a:bodyPr anchor="ctr" bIns="0" lIns="0" rIns="0" tIns="0" wrap="none"/>
+          <a:p>
+            <a:pPr algn="ctr"/>
+            <a:endParaRPr/>
+          </a:p>
+        </p:txBody>
+      </p:sp>
+    </p:spTree>
+  </p:cSld>
+</p:sldLayout>
+</file>
+
+<file path=ppt/slideLayouts/slideLayout31.xml><?xml version="1.0" encoding="utf-8"?>
+<p:sldLayout xmlns:a="http://schemas.openxmlformats.org/drawingml/2006/main" xmlns:p="http://schemas.openxmlformats.org/presentationml/2006/main" xmlns:r="http://schemas.openxmlformats.org/officeDocument/2006/relationships" preserve="1" type="twoObjAndObj">
+  <p:cSld name="Title, 2 Content and Content">
+    <p:spTree>
+      <p:nvGrpSpPr>
+        <p:cNvPr id="1" name=""/>
+        <p:cNvGrpSpPr/>
+        <p:nvPr/>
+      </p:nvGrpSpPr>
+      <p:grpSpPr>
+        <a:xfrm>
+          <a:off x="0" y="0"/>
+          <a:ext cx="0" cy="0"/>
+          <a:chOff x="0" y="0"/>
+          <a:chExt cx="0" cy="0"/>
+        </a:xfrm>
+      </p:grpSpPr>
+      <p:sp>
+        <p:nvSpPr>
+          <p:cNvPr id="83" name="PlaceHolder 1"/>
+          <p:cNvSpPr>
+            <a:spLocks noGrp="1"/>
+          </p:cNvSpPr>
+          <p:nvPr>
+            <p:ph type="title"/>
+          </p:nvPr>
+        </p:nvSpPr>
+        <p:spPr>
+          <a:xfrm>
+            <a:off x="457200" y="108360"/>
+            <a:ext cx="8228880" cy="1475280"/>
+          </a:xfrm>
+          <a:prstGeom prst="rect">
+            <a:avLst/>
+          </a:prstGeom>
+        </p:spPr>
+        <p:txBody>
+          <a:bodyPr anchor="ctr" bIns="0" lIns="0" rIns="0" tIns="0" wrap="none"/>
+          <a:p>
+            <a:pPr algn="ctr"/>
+            <a:endParaRPr/>
+          </a:p>
+        </p:txBody>
+      </p:sp>
+      <p:sp>
+        <p:nvSpPr>
+          <p:cNvPr id="84" name="PlaceHolder 2"/>
+          <p:cNvSpPr>
+            <a:spLocks noGrp="1"/>
+          </p:cNvSpPr>
+          <p:nvPr>
+            <p:ph type="body"/>
+          </p:nvPr>
+        </p:nvSpPr>
+        <p:spPr>
+          <a:xfrm>
+            <a:off x="457200" y="1600200"/>
+            <a:ext cx="4015440" cy="2158200"/>
+          </a:xfrm>
+          <a:prstGeom prst="rect">
+            <a:avLst/>
+          </a:prstGeom>
+        </p:spPr>
+        <p:txBody>
+          <a:bodyPr bIns="0" lIns="0" rIns="0" tIns="0" wrap="none"/>
+          <a:p>
+            <a:endParaRPr/>
+          </a:p>
+        </p:txBody>
+      </p:sp>
+      <p:sp>
+        <p:nvSpPr>
+          <p:cNvPr id="85" name="PlaceHolder 3"/>
+          <p:cNvSpPr>
+            <a:spLocks noGrp="1"/>
+          </p:cNvSpPr>
+          <p:nvPr>
+            <p:ph type="body"/>
+          </p:nvPr>
+        </p:nvSpPr>
+        <p:spPr>
+          <a:xfrm>
+            <a:off x="457200" y="3963600"/>
+            <a:ext cx="4015440" cy="2158200"/>
+          </a:xfrm>
+          <a:prstGeom prst="rect">
+            <a:avLst/>
+          </a:prstGeom>
+        </p:spPr>
+        <p:txBody>
+          <a:bodyPr bIns="0" lIns="0" rIns="0" tIns="0" wrap="none"/>
+          <a:p>
+            <a:endParaRPr/>
+          </a:p>
+        </p:txBody>
+      </p:sp>
+      <p:sp>
+        <p:nvSpPr>
+          <p:cNvPr id="86" name="PlaceHolder 4"/>
+          <p:cNvSpPr>
+            <a:spLocks noGrp="1"/>
+          </p:cNvSpPr>
+          <p:nvPr>
+            <p:ph type="body"/>
+          </p:nvPr>
+        </p:nvSpPr>
+        <p:spPr>
+          <a:xfrm>
+            <a:off x="4673520" y="1600200"/>
+            <a:ext cx="4015440" cy="4525200"/>
+          </a:xfrm>
+          <a:prstGeom prst="rect">
+            <a:avLst/>
+          </a:prstGeom>
+        </p:spPr>
+        <p:txBody>
+          <a:bodyPr bIns="0" lIns="0" rIns="0" tIns="0" wrap="none"/>
+          <a:p>
+            <a:endParaRPr/>
+          </a:p>
+        </p:txBody>
+      </p:sp>
+    </p:spTree>
+  </p:cSld>
+</p:sldLayout>
+</file>
+
+<file path=ppt/slideLayouts/slideLayout32.xml><?xml version="1.0" encoding="utf-8"?>
+<p:sldLayout xmlns:a="http://schemas.openxmlformats.org/drawingml/2006/main" xmlns:p="http://schemas.openxmlformats.org/presentationml/2006/main" xmlns:r="http://schemas.openxmlformats.org/officeDocument/2006/relationships" preserve="1" type="objAndTwoObj">
+  <p:cSld name="Title Content and 2 Content">
+    <p:spTree>
+      <p:nvGrpSpPr>
+        <p:cNvPr id="1" name=""/>
+        <p:cNvGrpSpPr/>
+        <p:nvPr/>
+      </p:nvGrpSpPr>
+      <p:grpSpPr>
+        <a:xfrm>
+          <a:off x="0" y="0"/>
+          <a:ext cx="0" cy="0"/>
+          <a:chOff x="0" y="0"/>
+          <a:chExt cx="0" cy="0"/>
+        </a:xfrm>
+      </p:grpSpPr>
+      <p:sp>
+        <p:nvSpPr>
+          <p:cNvPr id="87" name="PlaceHolder 1"/>
+          <p:cNvSpPr>
+            <a:spLocks noGrp="1"/>
+          </p:cNvSpPr>
+          <p:nvPr>
+            <p:ph type="title"/>
+          </p:nvPr>
+        </p:nvSpPr>
+        <p:spPr>
+          <a:xfrm>
+            <a:off x="457200" y="108360"/>
+            <a:ext cx="8228880" cy="1475280"/>
+          </a:xfrm>
+          <a:prstGeom prst="rect">
+            <a:avLst/>
+          </a:prstGeom>
+        </p:spPr>
+        <p:txBody>
+          <a:bodyPr anchor="ctr" bIns="0" lIns="0" rIns="0" tIns="0" wrap="none"/>
+          <a:p>
+            <a:pPr algn="ctr"/>
+            <a:endParaRPr/>
+          </a:p>
+        </p:txBody>
+      </p:sp>
+      <p:sp>
+        <p:nvSpPr>
+          <p:cNvPr id="88" name="PlaceHolder 2"/>
+          <p:cNvSpPr>
+            <a:spLocks noGrp="1"/>
+          </p:cNvSpPr>
+          <p:nvPr>
+            <p:ph type="body"/>
+          </p:nvPr>
+        </p:nvSpPr>
+        <p:spPr>
+          <a:xfrm>
+            <a:off x="457200" y="1600200"/>
+            <a:ext cx="4015440" cy="4525200"/>
+          </a:xfrm>
+          <a:prstGeom prst="rect">
+            <a:avLst/>
+          </a:prstGeom>
+        </p:spPr>
+        <p:txBody>
+          <a:bodyPr bIns="0" lIns="0" rIns="0" tIns="0" wrap="none"/>
+          <a:p>
+            <a:endParaRPr/>
+          </a:p>
+        </p:txBody>
+      </p:sp>
+      <p:sp>
+        <p:nvSpPr>
+          <p:cNvPr id="89" name="PlaceHolder 3"/>
+          <p:cNvSpPr>
+            <a:spLocks noGrp="1"/>
+          </p:cNvSpPr>
+          <p:nvPr>
+            <p:ph type="body"/>
+          </p:nvPr>
+        </p:nvSpPr>
+        <p:spPr>
+          <a:xfrm>
+            <a:off x="4673520" y="1600200"/>
+            <a:ext cx="4015440" cy="2158200"/>
+          </a:xfrm>
+          <a:prstGeom prst="rect">
+            <a:avLst/>
+          </a:prstGeom>
+        </p:spPr>
+        <p:txBody>
+          <a:bodyPr bIns="0" lIns="0" rIns="0" tIns="0" wrap="none"/>
+          <a:p>
+            <a:endParaRPr/>
+          </a:p>
+        </p:txBody>
+      </p:sp>
+      <p:sp>
+        <p:nvSpPr>
+          <p:cNvPr id="90" name="PlaceHolder 4"/>
+          <p:cNvSpPr>
+            <a:spLocks noGrp="1"/>
+          </p:cNvSpPr>
+          <p:nvPr>
+            <p:ph type="body"/>
+          </p:nvPr>
+        </p:nvSpPr>
+        <p:spPr>
+          <a:xfrm>
+            <a:off x="4673520" y="3963600"/>
+            <a:ext cx="4015440" cy="2158200"/>
+          </a:xfrm>
+          <a:prstGeom prst="rect">
+            <a:avLst/>
+          </a:prstGeom>
+        </p:spPr>
+        <p:txBody>
+          <a:bodyPr bIns="0" lIns="0" rIns="0" tIns="0" wrap="none"/>
+          <a:p>
+            <a:endParaRPr/>
+          </a:p>
+        </p:txBody>
+      </p:sp>
+    </p:spTree>
+  </p:cSld>
+</p:sldLayout>
+</file>
+
+<file path=ppt/slideLayouts/slideLayout33.xml><?xml version="1.0" encoding="utf-8"?>
+<p:sldLayout xmlns:a="http://schemas.openxmlformats.org/drawingml/2006/main" xmlns:p="http://schemas.openxmlformats.org/presentationml/2006/main" xmlns:r="http://schemas.openxmlformats.org/officeDocument/2006/relationships" preserve="1" type="twoObjOverTx">
+  <p:cSld name="Title, 2 Content over Content">
+    <p:spTree>
+      <p:nvGrpSpPr>
+        <p:cNvPr id="1" name=""/>
+        <p:cNvGrpSpPr/>
+        <p:nvPr/>
+      </p:nvGrpSpPr>
+      <p:grpSpPr>
+        <a:xfrm>
+          <a:off x="0" y="0"/>
+          <a:ext cx="0" cy="0"/>
+          <a:chOff x="0" y="0"/>
+          <a:chExt cx="0" cy="0"/>
+        </a:xfrm>
+      </p:grpSpPr>
+      <p:sp>
+        <p:nvSpPr>
+          <p:cNvPr id="91" name="PlaceHolder 1"/>
+          <p:cNvSpPr>
+            <a:spLocks noGrp="1"/>
+          </p:cNvSpPr>
+          <p:nvPr>
+            <p:ph type="title"/>
+          </p:nvPr>
+        </p:nvSpPr>
+        <p:spPr>
+          <a:xfrm>
+            <a:off x="457200" y="108360"/>
+            <a:ext cx="8228880" cy="1475280"/>
+          </a:xfrm>
+          <a:prstGeom prst="rect">
+            <a:avLst/>
+          </a:prstGeom>
+        </p:spPr>
+        <p:txBody>
+          <a:bodyPr anchor="ctr" bIns="0" lIns="0" rIns="0" tIns="0" wrap="none"/>
+          <a:p>
+            <a:pPr algn="ctr"/>
+            <a:endParaRPr/>
+          </a:p>
+        </p:txBody>
+      </p:sp>
+      <p:sp>
+        <p:nvSpPr>
+          <p:cNvPr id="92" name="PlaceHolder 2"/>
+          <p:cNvSpPr>
+            <a:spLocks noGrp="1"/>
+          </p:cNvSpPr>
+          <p:nvPr>
+            <p:ph type="body"/>
+          </p:nvPr>
+        </p:nvSpPr>
+        <p:spPr>
+          <a:xfrm>
+            <a:off x="457200" y="1600200"/>
+            <a:ext cx="4015440" cy="2158200"/>
+          </a:xfrm>
+          <a:prstGeom prst="rect">
+            <a:avLst/>
+          </a:prstGeom>
+        </p:spPr>
+        <p:txBody>
+          <a:bodyPr bIns="0" lIns="0" rIns="0" tIns="0" wrap="none"/>
+          <a:p>
+            <a:endParaRPr/>
+          </a:p>
+        </p:txBody>
+      </p:sp>
+      <p:sp>
+        <p:nvSpPr>
+          <p:cNvPr id="93" name="PlaceHolder 3"/>
+          <p:cNvSpPr>
+            <a:spLocks noGrp="1"/>
+          </p:cNvSpPr>
+          <p:nvPr>
+            <p:ph type="body"/>
+          </p:nvPr>
+        </p:nvSpPr>
+        <p:spPr>
+          <a:xfrm>
+            <a:off x="4673520" y="1600200"/>
+            <a:ext cx="4015440" cy="2158200"/>
+          </a:xfrm>
+          <a:prstGeom prst="rect">
+            <a:avLst/>
+          </a:prstGeom>
+        </p:spPr>
+        <p:txBody>
+          <a:bodyPr bIns="0" lIns="0" rIns="0" tIns="0" wrap="none"/>
+          <a:p>
+            <a:endParaRPr/>
+          </a:p>
+        </p:txBody>
+      </p:sp>
+      <p:sp>
+        <p:nvSpPr>
+          <p:cNvPr id="94" name="PlaceHolder 4"/>
+          <p:cNvSpPr>
+            <a:spLocks noGrp="1"/>
+          </p:cNvSpPr>
+          <p:nvPr>
+            <p:ph type="body"/>
+          </p:nvPr>
+        </p:nvSpPr>
+        <p:spPr>
+          <a:xfrm>
+            <a:off x="457200" y="3963600"/>
+            <a:ext cx="8228520" cy="2158200"/>
+          </a:xfrm>
+          <a:prstGeom prst="rect">
+            <a:avLst/>
+          </a:prstGeom>
+        </p:spPr>
+        <p:txBody>
+          <a:bodyPr bIns="0" lIns="0" rIns="0" tIns="0" wrap="none"/>
+          <a:p>
+            <a:endParaRPr/>
+          </a:p>
+        </p:txBody>
+      </p:sp>
+    </p:spTree>
+  </p:cSld>
+</p:sldLayout>
+</file>
+
+<file path=ppt/slideLayouts/slideLayout34.xml><?xml version="1.0" encoding="utf-8"?>
+<p:sldLayout xmlns:a="http://schemas.openxmlformats.org/drawingml/2006/main" xmlns:p="http://schemas.openxmlformats.org/presentationml/2006/main" xmlns:r="http://schemas.openxmlformats.org/officeDocument/2006/relationships" preserve="1" type="objOverTx">
+  <p:cSld name="Title, Content over Content">
+    <p:spTree>
+      <p:nvGrpSpPr>
+        <p:cNvPr id="1" name=""/>
+        <p:cNvGrpSpPr/>
+        <p:nvPr/>
+      </p:nvGrpSpPr>
+      <p:grpSpPr>
+        <a:xfrm>
+          <a:off x="0" y="0"/>
+          <a:ext cx="0" cy="0"/>
+          <a:chOff x="0" y="0"/>
+          <a:chExt cx="0" cy="0"/>
+        </a:xfrm>
+      </p:grpSpPr>
+      <p:sp>
+        <p:nvSpPr>
+          <p:cNvPr id="95" name="PlaceHolder 1"/>
+          <p:cNvSpPr>
+            <a:spLocks noGrp="1"/>
+          </p:cNvSpPr>
+          <p:nvPr>
+            <p:ph type="title"/>
+          </p:nvPr>
+        </p:nvSpPr>
+        <p:spPr>
+          <a:xfrm>
+            <a:off x="457200" y="108360"/>
+            <a:ext cx="8228880" cy="1475280"/>
+          </a:xfrm>
+          <a:prstGeom prst="rect">
+            <a:avLst/>
+          </a:prstGeom>
+        </p:spPr>
+        <p:txBody>
+          <a:bodyPr anchor="ctr" bIns="0" lIns="0" rIns="0" tIns="0" wrap="none"/>
+          <a:p>
+            <a:pPr algn="ctr"/>
+            <a:endParaRPr/>
+          </a:p>
+        </p:txBody>
+      </p:sp>
+      <p:sp>
+        <p:nvSpPr>
+          <p:cNvPr id="96" name="PlaceHolder 2"/>
+          <p:cNvSpPr>
+            <a:spLocks noGrp="1"/>
+          </p:cNvSpPr>
+          <p:nvPr>
+            <p:ph type="body"/>
+          </p:nvPr>
+        </p:nvSpPr>
+        <p:spPr>
+          <a:xfrm>
+            <a:off x="457200" y="1600200"/>
+            <a:ext cx="8228880" cy="2158200"/>
+          </a:xfrm>
+          <a:prstGeom prst="rect">
+            <a:avLst/>
+          </a:prstGeom>
+        </p:spPr>
+        <p:txBody>
+          <a:bodyPr bIns="0" lIns="0" rIns="0" tIns="0" wrap="none"/>
+          <a:p>
+            <a:endParaRPr/>
+          </a:p>
+        </p:txBody>
+      </p:sp>
+      <p:sp>
+        <p:nvSpPr>
+          <p:cNvPr id="97" name="PlaceHolder 3"/>
+          <p:cNvSpPr>
+            <a:spLocks noGrp="1"/>
+          </p:cNvSpPr>
+          <p:nvPr>
+            <p:ph type="body"/>
+          </p:nvPr>
+        </p:nvSpPr>
+        <p:spPr>
+          <a:xfrm>
+            <a:off x="457200" y="3963600"/>
+            <a:ext cx="8228880" cy="2158200"/>
+          </a:xfrm>
+          <a:prstGeom prst="rect">
+            <a:avLst/>
+          </a:prstGeom>
+        </p:spPr>
+        <p:txBody>
+          <a:bodyPr bIns="0" lIns="0" rIns="0" tIns="0" wrap="none"/>
+          <a:p>
+            <a:endParaRPr/>
+          </a:p>
+        </p:txBody>
+      </p:sp>
+    </p:spTree>
+  </p:cSld>
+</p:sldLayout>
+</file>
+
+<file path=ppt/slideLayouts/slideLayout35.xml><?xml version="1.0" encoding="utf-8"?>
+<p:sldLayout xmlns:a="http://schemas.openxmlformats.org/drawingml/2006/main" xmlns:p="http://schemas.openxmlformats.org/presentationml/2006/main" xmlns:r="http://schemas.openxmlformats.org/officeDocument/2006/relationships" preserve="1" type="fourObj">
+  <p:cSld name="Title, 4 Content">
+    <p:spTree>
+      <p:nvGrpSpPr>
+        <p:cNvPr id="1" name=""/>
+        <p:cNvGrpSpPr/>
+        <p:nvPr/>
+      </p:nvGrpSpPr>
+      <p:grpSpPr>
+        <a:xfrm>
+          <a:off x="0" y="0"/>
+          <a:ext cx="0" cy="0"/>
+          <a:chOff x="0" y="0"/>
+          <a:chExt cx="0" cy="0"/>
+        </a:xfrm>
+      </p:grpSpPr>
+      <p:sp>
+        <p:nvSpPr>
+          <p:cNvPr id="98" name="PlaceHolder 1"/>
+          <p:cNvSpPr>
+            <a:spLocks noGrp="1"/>
+          </p:cNvSpPr>
+          <p:nvPr>
+            <p:ph type="title"/>
+          </p:nvPr>
+        </p:nvSpPr>
+        <p:spPr>
+          <a:xfrm>
+            <a:off x="457200" y="108360"/>
+            <a:ext cx="8228880" cy="1475280"/>
+          </a:xfrm>
+          <a:prstGeom prst="rect">
+            <a:avLst/>
+          </a:prstGeom>
+        </p:spPr>
+        <p:txBody>
+          <a:bodyPr anchor="ctr" bIns="0" lIns="0" rIns="0" tIns="0" wrap="none"/>
+          <a:p>
+            <a:pPr algn="ctr"/>
+            <a:endParaRPr/>
+          </a:p>
+        </p:txBody>
+      </p:sp>
+      <p:sp>
+        <p:nvSpPr>
+          <p:cNvPr id="99" name="PlaceHolder 2"/>
+          <p:cNvSpPr>
+            <a:spLocks noGrp="1"/>
+          </p:cNvSpPr>
+          <p:nvPr>
+            <p:ph type="body"/>
+          </p:nvPr>
+        </p:nvSpPr>
+        <p:spPr>
+          <a:xfrm>
+            <a:off x="457200" y="1600200"/>
+            <a:ext cx="4015440" cy="2158200"/>
+          </a:xfrm>
+          <a:prstGeom prst="rect">
+            <a:avLst/>
+          </a:prstGeom>
+        </p:spPr>
+        <p:txBody>
+          <a:bodyPr bIns="0" lIns="0" rIns="0" tIns="0" wrap="none"/>
+          <a:p>
+            <a:endParaRPr/>
+          </a:p>
+        </p:txBody>
+      </p:sp>
+      <p:sp>
+        <p:nvSpPr>
+          <p:cNvPr id="100" name="PlaceHolder 3"/>
+          <p:cNvSpPr>
+            <a:spLocks noGrp="1"/>
+          </p:cNvSpPr>
+          <p:nvPr>
+            <p:ph type="body"/>
+          </p:nvPr>
+        </p:nvSpPr>
+        <p:spPr>
+          <a:xfrm>
+            <a:off x="4673520" y="1600200"/>
+            <a:ext cx="4015440" cy="2158200"/>
+          </a:xfrm>
+          <a:prstGeom prst="rect">
+            <a:avLst/>
+          </a:prstGeom>
+        </p:spPr>
+        <p:txBody>
+          <a:bodyPr bIns="0" lIns="0" rIns="0" tIns="0" wrap="none"/>
+          <a:p>
+            <a:endParaRPr/>
+          </a:p>
+        </p:txBody>
+      </p:sp>
+      <p:sp>
+        <p:nvSpPr>
+          <p:cNvPr id="101" name="PlaceHolder 4"/>
+          <p:cNvSpPr>
+            <a:spLocks noGrp="1"/>
+          </p:cNvSpPr>
+          <p:nvPr>
+            <p:ph type="body"/>
+          </p:nvPr>
+        </p:nvSpPr>
+        <p:spPr>
+          <a:xfrm>
+            <a:off x="4673520" y="3963600"/>
+            <a:ext cx="4015440" cy="2158200"/>
+          </a:xfrm>
+          <a:prstGeom prst="rect">
+            <a:avLst/>
+          </a:prstGeom>
+        </p:spPr>
+        <p:txBody>
+          <a:bodyPr bIns="0" lIns="0" rIns="0" tIns="0" wrap="none"/>
+          <a:p>
+            <a:endParaRPr/>
+          </a:p>
+        </p:txBody>
+      </p:sp>
+      <p:sp>
+        <p:nvSpPr>
+          <p:cNvPr id="102" name="PlaceHolder 5"/>
+          <p:cNvSpPr>
+            <a:spLocks noGrp="1"/>
+          </p:cNvSpPr>
+          <p:nvPr>
+            <p:ph type="body"/>
+          </p:nvPr>
+        </p:nvSpPr>
+        <p:spPr>
+          <a:xfrm>
+            <a:off x="457200" y="3963600"/>
+            <a:ext cx="4015440" cy="2158200"/>
+          </a:xfrm>
+          <a:prstGeom prst="rect">
+            <a:avLst/>
+          </a:prstGeom>
+        </p:spPr>
+        <p:txBody>
+          <a:bodyPr bIns="0" lIns="0" rIns="0" tIns="0" wrap="none"/>
+          <a:p>
+            <a:endParaRPr/>
+          </a:p>
+        </p:txBody>
+      </p:sp>
+    </p:spTree>
+  </p:cSld>
+</p:sldLayout>
+</file>
+
+<file path=ppt/slideLayouts/slideLayout36.xml><?xml version="1.0" encoding="utf-8"?>
+<p:sldLayout xmlns:a="http://schemas.openxmlformats.org/drawingml/2006/main" xmlns:p="http://schemas.openxmlformats.org/presentationml/2006/main" xmlns:r="http://schemas.openxmlformats.org/officeDocument/2006/relationships" preserve="1" type="blank">
+  <p:cSld name="Title, 6 Content">
+    <p:spTree>
+      <p:nvGrpSpPr>
+        <p:cNvPr id="1" name=""/>
+        <p:cNvGrpSpPr/>
+        <p:nvPr/>
+      </p:nvGrpSpPr>
+      <p:grpSpPr>
+        <a:xfrm>
+          <a:off x="0" y="0"/>
+          <a:ext cx="0" cy="0"/>
+          <a:chOff x="0" y="0"/>
+          <a:chExt cx="0" cy="0"/>
+        </a:xfrm>
+      </p:grpSpPr>
+      <p:sp>
+        <p:nvSpPr>
+          <p:cNvPr id="103" name="PlaceHolder 1"/>
+          <p:cNvSpPr>
+            <a:spLocks noGrp="1"/>
+          </p:cNvSpPr>
+          <p:nvPr>
+            <p:ph type="title"/>
+          </p:nvPr>
+        </p:nvSpPr>
+        <p:spPr>
+          <a:xfrm>
+            <a:off x="457200" y="108360"/>
+            <a:ext cx="8228880" cy="1475280"/>
+          </a:xfrm>
+          <a:prstGeom prst="rect">
+            <a:avLst/>
+          </a:prstGeom>
+        </p:spPr>
+        <p:txBody>
+          <a:bodyPr anchor="ctr" bIns="0" lIns="0" rIns="0" tIns="0" wrap="none"/>
+          <a:p>
+            <a:pPr algn="ctr"/>
+            <a:endParaRPr/>
+          </a:p>
+        </p:txBody>
+      </p:sp>
+      <p:sp>
+        <p:nvSpPr>
+          <p:cNvPr id="104" name="PlaceHolder 2"/>
+          <p:cNvSpPr>
+            <a:spLocks noGrp="1"/>
+          </p:cNvSpPr>
+          <p:nvPr>
+            <p:ph type="body"/>
+          </p:nvPr>
+        </p:nvSpPr>
+        <p:spPr>
+          <a:xfrm>
+            <a:off x="457200" y="1600200"/>
+            <a:ext cx="4015440" cy="2158200"/>
+          </a:xfrm>
+          <a:prstGeom prst="rect">
+            <a:avLst/>
+          </a:prstGeom>
+        </p:spPr>
+        <p:txBody>
+          <a:bodyPr bIns="0" lIns="0" rIns="0" tIns="0" wrap="none"/>
+          <a:p>
+            <a:endParaRPr/>
+          </a:p>
+        </p:txBody>
+      </p:sp>
+      <p:sp>
+        <p:nvSpPr>
+          <p:cNvPr id="105" name="PlaceHolder 3"/>
+          <p:cNvSpPr>
+            <a:spLocks noGrp="1"/>
+          </p:cNvSpPr>
+          <p:nvPr>
+            <p:ph type="body"/>
+          </p:nvPr>
+        </p:nvSpPr>
+        <p:spPr>
+          <a:xfrm>
+            <a:off x="4673520" y="1600200"/>
+            <a:ext cx="4015440" cy="2158200"/>
+          </a:xfrm>
+          <a:prstGeom prst="rect">
+            <a:avLst/>
+          </a:prstGeom>
+        </p:spPr>
+        <p:txBody>
+          <a:bodyPr bIns="0" lIns="0" rIns="0" tIns="0" wrap="none"/>
+          <a:p>
+            <a:endParaRPr/>
+          </a:p>
+        </p:txBody>
+      </p:sp>
+      <p:pic>
+        <p:nvPicPr>
+          <p:cNvPr descr="" id="106" name=""/>
+          <p:cNvPicPr/>
+          <p:nvPr/>
+        </p:nvPicPr>
+        <p:blipFill>
+          <a:blip r:embed="rId2"/>
+          <a:stretch>
+            <a:fillRect/>
+          </a:stretch>
+        </p:blipFill>
+        <p:spPr>
+          <a:xfrm>
+            <a:off x="5328720" y="3963240"/>
+            <a:ext cx="2705040" cy="2158200"/>
+          </a:xfrm>
+          <a:prstGeom prst="rect">
+            <a:avLst/>
+          </a:prstGeom>
+          <a:ln>
+            <a:noFill/>
+          </a:ln>
+        </p:spPr>
+      </p:pic>
+      <p:pic>
+        <p:nvPicPr>
+          <p:cNvPr descr="" id="107" name=""/>
+          <p:cNvPicPr/>
+          <p:nvPr/>
+        </p:nvPicPr>
+        <p:blipFill>
+          <a:blip r:embed="rId3"/>
+          <a:stretch>
+            <a:fillRect/>
+          </a:stretch>
+        </p:blipFill>
+        <p:spPr>
+          <a:xfrm>
+            <a:off x="1112400" y="3963240"/>
+            <a:ext cx="2705040" cy="2158200"/>
+          </a:xfrm>
+          <a:prstGeom prst="rect">
+            <a:avLst/>
+          </a:prstGeom>
+          <a:ln>
+            <a:noFill/>
+          </a:ln>
+        </p:spPr>
+      </p:pic>
     </p:spTree>
   </p:cSld>
 </p:sldLayout>
@@ -1987,7 +3161,7 @@
       </p:grpSpPr>
       <p:sp>
         <p:nvSpPr>
-          <p:cNvPr id="9" name="PlaceHolder 1"/>
+          <p:cNvPr id="6" name="PlaceHolder 1"/>
           <p:cNvSpPr>
             <a:spLocks noGrp="1"/>
           </p:cNvSpPr>
@@ -1998,7 +3172,7 @@
         <p:spPr>
           <a:xfrm>
             <a:off x="457200" y="108360"/>
-            <a:ext cx="8229240" cy="1475280"/>
+            <a:ext cx="8228880" cy="1475280"/>
           </a:xfrm>
           <a:prstGeom prst="rect">
             <a:avLst/>
@@ -2007,13 +3181,14 @@
         <p:txBody>
           <a:bodyPr anchor="ctr" bIns="0" lIns="0" rIns="0" tIns="0" wrap="none"/>
           <a:p>
-            <a:endParaRPr/>
-          </a:p>
-        </p:txBody>
-      </p:sp>
-      <p:sp>
-        <p:nvSpPr>
-          <p:cNvPr id="10" name="PlaceHolder 2"/>
+            <a:pPr algn="ctr"/>
+            <a:endParaRPr/>
+          </a:p>
+        </p:txBody>
+      </p:sp>
+      <p:sp>
+        <p:nvSpPr>
+          <p:cNvPr id="7" name="PlaceHolder 2"/>
           <p:cNvSpPr>
             <a:spLocks noGrp="1"/>
           </p:cNvSpPr>
@@ -2024,7 +3199,7 @@
         <p:spPr>
           <a:xfrm>
             <a:off x="457200" y="1600200"/>
-            <a:ext cx="4015440" cy="4525560"/>
+            <a:ext cx="4015440" cy="4525200"/>
           </a:xfrm>
           <a:prstGeom prst="rect">
             <a:avLst/>
@@ -2039,7 +3214,7 @@
       </p:sp>
       <p:sp>
         <p:nvSpPr>
-          <p:cNvPr id="11" name="PlaceHolder 3"/>
+          <p:cNvPr id="8" name="PlaceHolder 3"/>
           <p:cNvSpPr>
             <a:spLocks noGrp="1"/>
           </p:cNvSpPr>
@@ -2050,7 +3225,7 @@
         <p:spPr>
           <a:xfrm>
             <a:off x="4673520" y="1600200"/>
-            <a:ext cx="4015440" cy="4525560"/>
+            <a:ext cx="4015440" cy="4525200"/>
           </a:xfrm>
           <a:prstGeom prst="rect">
             <a:avLst/>
@@ -2087,7 +3262,7 @@
       </p:grpSpPr>
       <p:sp>
         <p:nvSpPr>
-          <p:cNvPr id="12" name="PlaceHolder 1"/>
+          <p:cNvPr id="9" name="PlaceHolder 1"/>
           <p:cNvSpPr>
             <a:spLocks noGrp="1"/>
           </p:cNvSpPr>
@@ -2098,7 +3273,7 @@
         <p:spPr>
           <a:xfrm>
             <a:off x="457200" y="108360"/>
-            <a:ext cx="8229240" cy="1475280"/>
+            <a:ext cx="8228880" cy="1475280"/>
           </a:xfrm>
           <a:prstGeom prst="rect">
             <a:avLst/>
@@ -2107,6 +3282,7 @@
         <p:txBody>
           <a:bodyPr anchor="ctr" bIns="0" lIns="0" rIns="0" tIns="0" wrap="none"/>
           <a:p>
+            <a:pPr algn="ctr"/>
             <a:endParaRPr/>
           </a:p>
         </p:txBody>
@@ -2135,7 +3311,7 @@
       </p:grpSpPr>
       <p:sp>
         <p:nvSpPr>
-          <p:cNvPr id="13" name="PlaceHolder 1"/>
+          <p:cNvPr id="10" name="PlaceHolder 1"/>
           <p:cNvSpPr>
             <a:spLocks noGrp="1"/>
           </p:cNvSpPr>
@@ -2145,8 +3321,8 @@
         </p:nvSpPr>
         <p:spPr>
           <a:xfrm>
-            <a:off x="457200" y="274680"/>
-            <a:ext cx="8229240" cy="5851080"/>
+            <a:off x="457200" y="108360"/>
+            <a:ext cx="8228880" cy="6017040"/>
           </a:xfrm>
           <a:prstGeom prst="rect">
             <a:avLst/>
@@ -2184,7 +3360,7 @@
       </p:grpSpPr>
       <p:sp>
         <p:nvSpPr>
-          <p:cNvPr id="14" name="PlaceHolder 1"/>
+          <p:cNvPr id="11" name="PlaceHolder 1"/>
           <p:cNvSpPr>
             <a:spLocks noGrp="1"/>
           </p:cNvSpPr>
@@ -2195,7 +3371,7 @@
         <p:spPr>
           <a:xfrm>
             <a:off x="457200" y="108360"/>
-            <a:ext cx="8229240" cy="1475280"/>
+            <a:ext cx="8228880" cy="1475280"/>
           </a:xfrm>
           <a:prstGeom prst="rect">
             <a:avLst/>
@@ -2204,13 +3380,14 @@
         <p:txBody>
           <a:bodyPr anchor="ctr" bIns="0" lIns="0" rIns="0" tIns="0" wrap="none"/>
           <a:p>
-            <a:endParaRPr/>
-          </a:p>
-        </p:txBody>
-      </p:sp>
-      <p:sp>
-        <p:nvSpPr>
-          <p:cNvPr id="15" name="PlaceHolder 2"/>
+            <a:pPr algn="ctr"/>
+            <a:endParaRPr/>
+          </a:p>
+        </p:txBody>
+      </p:sp>
+      <p:sp>
+        <p:nvSpPr>
+          <p:cNvPr id="12" name="PlaceHolder 2"/>
           <p:cNvSpPr>
             <a:spLocks noGrp="1"/>
           </p:cNvSpPr>
@@ -2236,7 +3413,7 @@
       </p:sp>
       <p:sp>
         <p:nvSpPr>
-          <p:cNvPr id="16" name="PlaceHolder 3"/>
+          <p:cNvPr id="13" name="PlaceHolder 3"/>
           <p:cNvSpPr>
             <a:spLocks noGrp="1"/>
           </p:cNvSpPr>
@@ -2262,7 +3439,7 @@
       </p:sp>
       <p:sp>
         <p:nvSpPr>
-          <p:cNvPr id="17" name="PlaceHolder 4"/>
+          <p:cNvPr id="14" name="PlaceHolder 4"/>
           <p:cNvSpPr>
             <a:spLocks noGrp="1"/>
           </p:cNvSpPr>
@@ -2273,7 +3450,7 @@
         <p:spPr>
           <a:xfrm>
             <a:off x="4673520" y="1600200"/>
-            <a:ext cx="4015440" cy="4525560"/>
+            <a:ext cx="4015440" cy="4525200"/>
           </a:xfrm>
           <a:prstGeom prst="rect">
             <a:avLst/>
@@ -2310,7 +3487,7 @@
       </p:grpSpPr>
       <p:sp>
         <p:nvSpPr>
-          <p:cNvPr id="18" name="PlaceHolder 1"/>
+          <p:cNvPr id="15" name="PlaceHolder 1"/>
           <p:cNvSpPr>
             <a:spLocks noGrp="1"/>
           </p:cNvSpPr>
@@ -2321,7 +3498,7 @@
         <p:spPr>
           <a:xfrm>
             <a:off x="457200" y="108360"/>
-            <a:ext cx="8229240" cy="1475280"/>
+            <a:ext cx="8228880" cy="1475280"/>
           </a:xfrm>
           <a:prstGeom prst="rect">
             <a:avLst/>
@@ -2330,13 +3507,14 @@
         <p:txBody>
           <a:bodyPr anchor="ctr" bIns="0" lIns="0" rIns="0" tIns="0" wrap="none"/>
           <a:p>
-            <a:endParaRPr/>
-          </a:p>
-        </p:txBody>
-      </p:sp>
-      <p:sp>
-        <p:nvSpPr>
-          <p:cNvPr id="19" name="PlaceHolder 2"/>
+            <a:pPr algn="ctr"/>
+            <a:endParaRPr/>
+          </a:p>
+        </p:txBody>
+      </p:sp>
+      <p:sp>
+        <p:nvSpPr>
+          <p:cNvPr id="16" name="PlaceHolder 2"/>
           <p:cNvSpPr>
             <a:spLocks noGrp="1"/>
           </p:cNvSpPr>
@@ -2347,7 +3525,7 @@
         <p:spPr>
           <a:xfrm>
             <a:off x="457200" y="1600200"/>
-            <a:ext cx="4015440" cy="4525560"/>
+            <a:ext cx="4015440" cy="4525200"/>
           </a:xfrm>
           <a:prstGeom prst="rect">
             <a:avLst/>
@@ -2362,7 +3540,7 @@
       </p:sp>
       <p:sp>
         <p:nvSpPr>
-          <p:cNvPr id="20" name="PlaceHolder 3"/>
+          <p:cNvPr id="17" name="PlaceHolder 3"/>
           <p:cNvSpPr>
             <a:spLocks noGrp="1"/>
           </p:cNvSpPr>
@@ -2388,7 +3566,7 @@
       </p:sp>
       <p:sp>
         <p:nvSpPr>
-          <p:cNvPr id="21" name="PlaceHolder 4"/>
+          <p:cNvPr id="18" name="PlaceHolder 4"/>
           <p:cNvSpPr>
             <a:spLocks noGrp="1"/>
           </p:cNvSpPr>
@@ -2436,7 +3614,7 @@
       </p:grpSpPr>
       <p:sp>
         <p:nvSpPr>
-          <p:cNvPr id="22" name="PlaceHolder 1"/>
+          <p:cNvPr id="19" name="PlaceHolder 1"/>
           <p:cNvSpPr>
             <a:spLocks noGrp="1"/>
           </p:cNvSpPr>
@@ -2447,7 +3625,7 @@
         <p:spPr>
           <a:xfrm>
             <a:off x="457200" y="108360"/>
-            <a:ext cx="8229240" cy="1475280"/>
+            <a:ext cx="8228880" cy="1475280"/>
           </a:xfrm>
           <a:prstGeom prst="rect">
             <a:avLst/>
@@ -2456,13 +3634,14 @@
         <p:txBody>
           <a:bodyPr anchor="ctr" bIns="0" lIns="0" rIns="0" tIns="0" wrap="none"/>
           <a:p>
-            <a:endParaRPr/>
-          </a:p>
-        </p:txBody>
-      </p:sp>
-      <p:sp>
-        <p:nvSpPr>
-          <p:cNvPr id="23" name="PlaceHolder 2"/>
+            <a:pPr algn="ctr"/>
+            <a:endParaRPr/>
+          </a:p>
+        </p:txBody>
+      </p:sp>
+      <p:sp>
+        <p:nvSpPr>
+          <p:cNvPr id="20" name="PlaceHolder 2"/>
           <p:cNvSpPr>
             <a:spLocks noGrp="1"/>
           </p:cNvSpPr>
@@ -2488,7 +3667,7 @@
       </p:sp>
       <p:sp>
         <p:nvSpPr>
-          <p:cNvPr id="24" name="PlaceHolder 3"/>
+          <p:cNvPr id="21" name="PlaceHolder 3"/>
           <p:cNvSpPr>
             <a:spLocks noGrp="1"/>
           </p:cNvSpPr>
@@ -2514,7 +3693,7 @@
       </p:sp>
       <p:sp>
         <p:nvSpPr>
-          <p:cNvPr id="25" name="PlaceHolder 4"/>
+          <p:cNvPr id="22" name="PlaceHolder 4"/>
           <p:cNvSpPr>
             <a:spLocks noGrp="1"/>
           </p:cNvSpPr>
@@ -2579,29 +3758,19 @@
         </p:nvSpPr>
         <p:spPr>
           <a:xfrm>
-            <a:off x="685800" y="2130480"/>
-            <a:ext cx="7772040" cy="1469520"/>
-          </a:xfrm>
-          <a:prstGeom prst="rect">
-            <a:avLst/>
-          </a:prstGeom>
-        </p:spPr>
-        <p:txBody>
-          <a:bodyPr anchor="ctr"/>
-          <a:p>
-            <a:pPr algn="ctr">
-              <a:lnSpc>
-                <a:spcPct val="100000"/>
-              </a:lnSpc>
-            </a:pPr>
+            <a:off x="457200" y="108360"/>
+            <a:ext cx="8228880" cy="1474920"/>
+          </a:xfrm>
+          <a:prstGeom prst="rect">
+            <a:avLst/>
+          </a:prstGeom>
+        </p:spPr>
+        <p:txBody>
+          <a:bodyPr anchor="ctr" bIns="0" lIns="0" rIns="0" tIns="0" wrap="none"/>
+          <a:p>
             <a:r>
-              <a:rPr lang="en-US" sz="4400">
-                <a:solidFill>
-                  <a:srgbClr val="000000"/>
-                </a:solidFill>
-                <a:latin typeface="Calibri"/>
-              </a:rPr>
-              <a:t>Click to edit the title text formatClick to edit Master title style</a:t>
+              <a:rPr lang="de-DE"/>
+              <a:t>Click to edit the title text format</a:t>
             </a:r>
             <a:endParaRPr/>
           </a:p>
@@ -2610,112 +3779,6 @@
       <p:sp>
         <p:nvSpPr>
           <p:cNvPr id="1" name="PlaceHolder 2"/>
-          <p:cNvSpPr>
-            <a:spLocks noGrp="1"/>
-          </p:cNvSpPr>
-          <p:nvPr>
-            <p:ph type="dt"/>
-          </p:nvPr>
-        </p:nvSpPr>
-        <p:spPr>
-          <a:xfrm>
-            <a:off x="457200" y="6356520"/>
-            <a:ext cx="2133360" cy="364680"/>
-          </a:xfrm>
-          <a:prstGeom prst="rect">
-            <a:avLst/>
-          </a:prstGeom>
-        </p:spPr>
-        <p:txBody>
-          <a:bodyPr anchor="ctr"/>
-          <a:p>
-            <a:pPr>
-              <a:lnSpc>
-                <a:spcPct val="100000"/>
-              </a:lnSpc>
-            </a:pPr>
-            <a:r>
-              <a:rPr lang="de-DE" sz="1200">
-                <a:solidFill>
-                  <a:srgbClr val="8b8b8b"/>
-                </a:solidFill>
-                <a:latin typeface="Calibri"/>
-              </a:rPr>
-              <a:t>04.02.14</a:t>
-            </a:r>
-            <a:endParaRPr/>
-          </a:p>
-        </p:txBody>
-      </p:sp>
-      <p:sp>
-        <p:nvSpPr>
-          <p:cNvPr id="2" name="PlaceHolder 3"/>
-          <p:cNvSpPr>
-            <a:spLocks noGrp="1"/>
-          </p:cNvSpPr>
-          <p:nvPr>
-            <p:ph type="ftr"/>
-          </p:nvPr>
-        </p:nvSpPr>
-        <p:spPr>
-          <a:xfrm>
-            <a:off x="3124080" y="6356520"/>
-            <a:ext cx="2895120" cy="364680"/>
-          </a:xfrm>
-          <a:prstGeom prst="rect">
-            <a:avLst/>
-          </a:prstGeom>
-        </p:spPr>
-        <p:txBody>
-          <a:bodyPr anchor="ctr"/>
-          <a:p>
-            <a:endParaRPr/>
-          </a:p>
-        </p:txBody>
-      </p:sp>
-      <p:sp>
-        <p:nvSpPr>
-          <p:cNvPr id="3" name="PlaceHolder 4"/>
-          <p:cNvSpPr>
-            <a:spLocks noGrp="1"/>
-          </p:cNvSpPr>
-          <p:nvPr>
-            <p:ph type="sldNum"/>
-          </p:nvPr>
-        </p:nvSpPr>
-        <p:spPr>
-          <a:xfrm>
-            <a:off x="6553080" y="6356520"/>
-            <a:ext cx="2133360" cy="364680"/>
-          </a:xfrm>
-          <a:prstGeom prst="rect">
-            <a:avLst/>
-          </a:prstGeom>
-        </p:spPr>
-        <p:txBody>
-          <a:bodyPr anchor="ctr"/>
-          <a:p>
-            <a:pPr algn="r">
-              <a:lnSpc>
-                <a:spcPct val="100000"/>
-              </a:lnSpc>
-            </a:pPr>
-            <a:fld id="{14B474DA-1C01-4432-A9FE-D0940AE18E6D}" type="slidenum">
-              <a:rPr lang="de-DE" sz="1200">
-                <a:solidFill>
-                  <a:srgbClr val="8b8b8b"/>
-                </a:solidFill>
-                <a:latin typeface="Calibri"/>
-              </a:rPr>
-              <a:t>&lt;number&gt;</a:t>
-            </a:fld>
-            <a:endParaRPr/>
-          </a:p>
-        </p:txBody>
-      </p:sp>
-      <p:sp>
-        <p:nvSpPr>
-          <p:cNvPr id="4" name="PlaceHolder 5"/>
           <p:cNvSpPr>
             <a:spLocks noGrp="1"/>
           </p:cNvSpPr>
@@ -2741,7 +3804,7 @@
               <a:buChar char=""/>
             </a:pPr>
             <a:r>
-              <a:rPr lang="en-US"/>
+              <a:rPr lang="de-DE"/>
               <a:t>Click to edit the outline text format</a:t>
             </a:r>
             <a:endParaRPr/>
@@ -2753,7 +3816,7 @@
               <a:buChar char=""/>
             </a:pPr>
             <a:r>
-              <a:rPr lang="en-US"/>
+              <a:rPr lang="de-DE"/>
               <a:t>Second Outline Level</a:t>
             </a:r>
             <a:endParaRPr/>
@@ -2765,7 +3828,7 @@
               <a:buChar char=""/>
             </a:pPr>
             <a:r>
-              <a:rPr lang="en-US"/>
+              <a:rPr lang="de-DE"/>
               <a:t>Third Outline Level</a:t>
             </a:r>
             <a:endParaRPr/>
@@ -2777,7 +3840,7 @@
               <a:buChar char=""/>
             </a:pPr>
             <a:r>
-              <a:rPr lang="en-US"/>
+              <a:rPr lang="de-DE"/>
               <a:t>Fourth Outline Level</a:t>
             </a:r>
             <a:endParaRPr/>
@@ -2789,7 +3852,7 @@
               <a:buChar char=""/>
             </a:pPr>
             <a:r>
-              <a:rPr lang="en-US"/>
+              <a:rPr lang="de-DE"/>
               <a:t>Fifth Outline Level</a:t>
             </a:r>
             <a:endParaRPr/>
@@ -2801,7 +3864,7 @@
               <a:buChar char=""/>
             </a:pPr>
             <a:r>
-              <a:rPr lang="en-US"/>
+              <a:rPr lang="de-DE"/>
               <a:t>Sixth Outline Level</a:t>
             </a:r>
             <a:endParaRPr/>
@@ -2813,7 +3876,7 @@
               <a:buChar char=""/>
             </a:pPr>
             <a:r>
-              <a:rPr lang="en-US"/>
+              <a:rPr lang="de-DE"/>
               <a:t>Seventh Outline Level</a:t>
             </a:r>
             <a:endParaRPr/>
@@ -2866,7 +3929,7 @@
       </p:grpSpPr>
       <p:sp>
         <p:nvSpPr>
-          <p:cNvPr id="39" name="PlaceHolder 1"/>
+          <p:cNvPr id="36" name="PlaceHolder 1"/>
           <p:cNvSpPr>
             <a:spLocks noGrp="1"/>
           </p:cNvSpPr>
@@ -2876,29 +3939,19 @@
         </p:nvSpPr>
         <p:spPr>
           <a:xfrm>
-            <a:off x="457200" y="274680"/>
-            <a:ext cx="8229240" cy="1142640"/>
-          </a:xfrm>
-          <a:prstGeom prst="rect">
-            <a:avLst/>
-          </a:prstGeom>
-        </p:spPr>
-        <p:txBody>
-          <a:bodyPr anchor="ctr"/>
-          <a:p>
-            <a:pPr algn="ctr">
-              <a:lnSpc>
-                <a:spcPct val="100000"/>
-              </a:lnSpc>
-            </a:pPr>
+            <a:off x="457200" y="108360"/>
+            <a:ext cx="8228880" cy="1474920"/>
+          </a:xfrm>
+          <a:prstGeom prst="rect">
+            <a:avLst/>
+          </a:prstGeom>
+        </p:spPr>
+        <p:txBody>
+          <a:bodyPr anchor="ctr" bIns="0" lIns="0" rIns="0" tIns="0" wrap="none"/>
+          <a:p>
             <a:r>
-              <a:rPr lang="en-US" sz="11620">
-                <a:solidFill>
-                  <a:srgbClr val="000000"/>
-                </a:solidFill>
-                <a:latin typeface="Calibri"/>
-              </a:rPr>
-              <a:t>Title</a:t>
+              <a:rPr lang="de-DE"/>
+              <a:t>Click to edit the title text format</a:t>
             </a:r>
             <a:endParaRPr/>
           </a:p>
@@ -2906,7 +3959,7 @@
       </p:sp>
       <p:sp>
         <p:nvSpPr>
-          <p:cNvPr id="40" name="PlaceHolder 2"/>
+          <p:cNvPr id="37" name="PlaceHolder 2"/>
           <p:cNvSpPr>
             <a:spLocks noGrp="1"/>
           </p:cNvSpPr>
@@ -2917,14 +3970,14 @@
         <p:spPr>
           <a:xfrm>
             <a:off x="457200" y="1600200"/>
-            <a:ext cx="8229240" cy="4525560"/>
-          </a:xfrm>
-          <a:prstGeom prst="rect">
-            <a:avLst/>
-          </a:prstGeom>
-        </p:spPr>
-        <p:txBody>
-          <a:bodyPr/>
+            <a:ext cx="8228880" cy="4525200"/>
+          </a:xfrm>
+          <a:prstGeom prst="rect">
+            <a:avLst/>
+          </a:prstGeom>
+        </p:spPr>
+        <p:txBody>
+          <a:bodyPr bIns="0" lIns="0" rIns="0" tIns="0" wrap="none"/>
           <a:p>
             <a:pPr>
               <a:buSzPct val="25000"/>
@@ -2932,12 +3985,7 @@
               <a:buChar char=""/>
             </a:pPr>
             <a:r>
-              <a:rPr lang="en-US" sz="4400">
-                <a:solidFill>
-                  <a:srgbClr val="000000"/>
-                </a:solidFill>
-                <a:latin typeface="Calibri"/>
-              </a:rPr>
+              <a:rPr lang="de-DE"/>
               <a:t>Click to edit the outline text format</a:t>
             </a:r>
             <a:endParaRPr/>
@@ -2949,12 +3997,7 @@
               <a:buChar char=""/>
             </a:pPr>
             <a:r>
-              <a:rPr lang="en-US" sz="4400">
-                <a:solidFill>
-                  <a:srgbClr val="000000"/>
-                </a:solidFill>
-                <a:latin typeface="Calibri"/>
-              </a:rPr>
+              <a:rPr lang="de-DE"/>
               <a:t>Second Outline Level</a:t>
             </a:r>
             <a:endParaRPr/>
@@ -2966,12 +4009,7 @@
               <a:buChar char=""/>
             </a:pPr>
             <a:r>
-              <a:rPr lang="en-US" sz="4400">
-                <a:solidFill>
-                  <a:srgbClr val="000000"/>
-                </a:solidFill>
-                <a:latin typeface="Calibri"/>
-              </a:rPr>
+              <a:rPr lang="de-DE"/>
               <a:t>Third Outline Level</a:t>
             </a:r>
             <a:endParaRPr/>
@@ -2983,12 +4021,7 @@
               <a:buChar char=""/>
             </a:pPr>
             <a:r>
-              <a:rPr lang="en-US" sz="4400">
-                <a:solidFill>
-                  <a:srgbClr val="000000"/>
-                </a:solidFill>
-                <a:latin typeface="Calibri"/>
-              </a:rPr>
+              <a:rPr lang="de-DE"/>
               <a:t>Fourth Outline Level</a:t>
             </a:r>
             <a:endParaRPr/>
@@ -3000,12 +4033,7 @@
               <a:buChar char=""/>
             </a:pPr>
             <a:r>
-              <a:rPr lang="en-US" sz="4400">
-                <a:solidFill>
-                  <a:srgbClr val="000000"/>
-                </a:solidFill>
-                <a:latin typeface="Calibri"/>
-              </a:rPr>
+              <a:rPr lang="de-DE"/>
               <a:t>Fifth Outline Level</a:t>
             </a:r>
             <a:endParaRPr/>
@@ -3017,215 +4045,21 @@
               <a:buChar char=""/>
             </a:pPr>
             <a:r>
-              <a:rPr lang="en-US" sz="4400">
-                <a:solidFill>
-                  <a:srgbClr val="000000"/>
-                </a:solidFill>
-                <a:latin typeface="Calibri"/>
-              </a:rPr>
+              <a:rPr lang="de-DE"/>
               <a:t>Sixth Outline Level</a:t>
             </a:r>
             <a:endParaRPr/>
           </a:p>
           <a:p>
-            <a:pPr>
-              <a:lnSpc>
-                <a:spcPct val="100000"/>
-              </a:lnSpc>
-              <a:buFont typeface="Arial"/>
-              <a:buChar char="•"/>
+            <a:pPr lvl="6">
+              <a:buSzPct val="25000"/>
+              <a:buFont typeface="StarSymbol"/>
+              <a:buChar char=""/>
             </a:pPr>
             <a:r>
-              <a:rPr lang="en-US" sz="4400">
-                <a:solidFill>
-                  <a:srgbClr val="000000"/>
-                </a:solidFill>
-                <a:latin typeface="Calibri"/>
-              </a:rPr>
-              <a:t>Seventh Outline LevelClick to edit Master text styles</a:t>
+              <a:rPr lang="de-DE"/>
+              <a:t>Seventh Outline Level</a:t>
             </a:r>
-            <a:endParaRPr/>
-          </a:p>
-          <a:p>
-            <a:pPr lvl="1">
-              <a:lnSpc>
-                <a:spcPct val="100000"/>
-              </a:lnSpc>
-              <a:buFont typeface="Arial"/>
-              <a:buChar char="–"/>
-            </a:pPr>
-            <a:r>
-              <a:rPr lang="en-US" sz="4000">
-                <a:solidFill>
-                  <a:srgbClr val="000000"/>
-                </a:solidFill>
-                <a:latin typeface="Calibri"/>
-              </a:rPr>
-              <a:t>Second level</a:t>
-            </a:r>
-            <a:endParaRPr/>
-          </a:p>
-          <a:p>
-            <a:pPr lvl="2">
-              <a:lnSpc>
-                <a:spcPct val="100000"/>
-              </a:lnSpc>
-              <a:buFont typeface="Arial"/>
-              <a:buChar char="•"/>
-            </a:pPr>
-            <a:r>
-              <a:rPr lang="en-US" sz="3200">
-                <a:solidFill>
-                  <a:srgbClr val="000000"/>
-                </a:solidFill>
-                <a:latin typeface="Calibri"/>
-              </a:rPr>
-              <a:t>Third level</a:t>
-            </a:r>
-            <a:endParaRPr/>
-          </a:p>
-          <a:p>
-            <a:pPr lvl="3">
-              <a:lnSpc>
-                <a:spcPct val="100000"/>
-              </a:lnSpc>
-              <a:buFont typeface="Arial"/>
-              <a:buChar char="–"/>
-            </a:pPr>
-            <a:r>
-              <a:rPr lang="en-US" sz="2600">
-                <a:solidFill>
-                  <a:srgbClr val="000000"/>
-                </a:solidFill>
-                <a:latin typeface="Calibri"/>
-              </a:rPr>
-              <a:t>Fourth level</a:t>
-            </a:r>
-            <a:endParaRPr/>
-          </a:p>
-          <a:p>
-            <a:pPr lvl="4">
-              <a:lnSpc>
-                <a:spcPct val="100000"/>
-              </a:lnSpc>
-              <a:buFont typeface="Arial"/>
-              <a:buChar char="»"/>
-            </a:pPr>
-            <a:r>
-              <a:rPr lang="en-US" sz="2600">
-                <a:solidFill>
-                  <a:srgbClr val="000000"/>
-                </a:solidFill>
-                <a:latin typeface="Calibri"/>
-              </a:rPr>
-              <a:t>Fifth level</a:t>
-            </a:r>
-            <a:endParaRPr/>
-          </a:p>
-        </p:txBody>
-      </p:sp>
-      <p:sp>
-        <p:nvSpPr>
-          <p:cNvPr id="41" name="PlaceHolder 3"/>
-          <p:cNvSpPr>
-            <a:spLocks noGrp="1"/>
-          </p:cNvSpPr>
-          <p:nvPr>
-            <p:ph type="dt"/>
-          </p:nvPr>
-        </p:nvSpPr>
-        <p:spPr>
-          <a:xfrm>
-            <a:off x="457200" y="6356520"/>
-            <a:ext cx="2133360" cy="364680"/>
-          </a:xfrm>
-          <a:prstGeom prst="rect">
-            <a:avLst/>
-          </a:prstGeom>
-        </p:spPr>
-        <p:txBody>
-          <a:bodyPr anchor="ctr"/>
-          <a:p>
-            <a:pPr>
-              <a:lnSpc>
-                <a:spcPct val="100000"/>
-              </a:lnSpc>
-            </a:pPr>
-            <a:r>
-              <a:rPr lang="de-DE" sz="1200">
-                <a:solidFill>
-                  <a:srgbClr val="8b8b8b"/>
-                </a:solidFill>
-                <a:latin typeface="Calibri"/>
-              </a:rPr>
-              <a:t>04.02.14</a:t>
-            </a:r>
-            <a:endParaRPr/>
-          </a:p>
-        </p:txBody>
-      </p:sp>
-      <p:sp>
-        <p:nvSpPr>
-          <p:cNvPr id="42" name="PlaceHolder 4"/>
-          <p:cNvSpPr>
-            <a:spLocks noGrp="1"/>
-          </p:cNvSpPr>
-          <p:nvPr>
-            <p:ph type="ftr"/>
-          </p:nvPr>
-        </p:nvSpPr>
-        <p:spPr>
-          <a:xfrm>
-            <a:off x="3124080" y="6356520"/>
-            <a:ext cx="2895120" cy="364680"/>
-          </a:xfrm>
-          <a:prstGeom prst="rect">
-            <a:avLst/>
-          </a:prstGeom>
-        </p:spPr>
-        <p:txBody>
-          <a:bodyPr anchor="ctr"/>
-          <a:p>
-            <a:endParaRPr/>
-          </a:p>
-        </p:txBody>
-      </p:sp>
-      <p:sp>
-        <p:nvSpPr>
-          <p:cNvPr id="43" name="PlaceHolder 5"/>
-          <p:cNvSpPr>
-            <a:spLocks noGrp="1"/>
-          </p:cNvSpPr>
-          <p:nvPr>
-            <p:ph type="sldNum"/>
-          </p:nvPr>
-        </p:nvSpPr>
-        <p:spPr>
-          <a:xfrm>
-            <a:off x="6553080" y="6356520"/>
-            <a:ext cx="2133360" cy="364680"/>
-          </a:xfrm>
-          <a:prstGeom prst="rect">
-            <a:avLst/>
-          </a:prstGeom>
-        </p:spPr>
-        <p:txBody>
-          <a:bodyPr anchor="ctr"/>
-          <a:p>
-            <a:pPr algn="r">
-              <a:lnSpc>
-                <a:spcPct val="100000"/>
-              </a:lnSpc>
-            </a:pPr>
-            <a:fld id="{61CE7410-3503-42E9-9DF4-F2AAF233C8CD}" type="slidenum">
-              <a:rPr lang="de-DE" sz="1200">
-                <a:solidFill>
-                  <a:srgbClr val="8b8b8b"/>
-                </a:solidFill>
-                <a:latin typeface="Calibri"/>
-              </a:rPr>
-              <a:t>&lt;number&gt;</a:t>
-            </a:fld>
             <a:endParaRPr/>
           </a:p>
         </p:txBody>
@@ -3246,6 +4080,188 @@
     <p:sldLayoutId id="2147483671" r:id="rId11"/>
     <p:sldLayoutId id="2147483672" r:id="rId12"/>
     <p:sldLayoutId id="2147483673" r:id="rId13"/>
+  </p:sldLayoutIdLst>
+</p:sldMaster>
+</file>
+
+<file path=ppt/slideMasters/slideMaster3.xml><?xml version="1.0" encoding="utf-8"?>
+<p:sldMaster xmlns:a="http://schemas.openxmlformats.org/drawingml/2006/main" xmlns:p="http://schemas.openxmlformats.org/presentationml/2006/main" xmlns:r="http://schemas.openxmlformats.org/officeDocument/2006/relationships">
+  <p:cSld>
+    <p:bg>
+      <p:bgPr>
+        <a:solidFill>
+          <a:srgbClr val="ffffff"/>
+        </a:solidFill>
+      </p:bgPr>
+    </p:bg>
+    <p:spTree>
+      <p:nvGrpSpPr>
+        <p:cNvPr id="1" name=""/>
+        <p:cNvGrpSpPr/>
+        <p:nvPr/>
+      </p:nvGrpSpPr>
+      <p:grpSpPr>
+        <a:xfrm>
+          <a:off x="0" y="0"/>
+          <a:ext cx="0" cy="0"/>
+          <a:chOff x="0" y="0"/>
+          <a:chExt cx="0" cy="0"/>
+        </a:xfrm>
+      </p:grpSpPr>
+      <p:sp>
+        <p:nvSpPr>
+          <p:cNvPr id="72" name="PlaceHolder 1"/>
+          <p:cNvSpPr>
+            <a:spLocks noGrp="1"/>
+          </p:cNvSpPr>
+          <p:nvPr>
+            <p:ph type="title"/>
+          </p:nvPr>
+        </p:nvSpPr>
+        <p:spPr>
+          <a:xfrm>
+            <a:off x="457200" y="273600"/>
+            <a:ext cx="8229240" cy="1144800"/>
+          </a:xfrm>
+          <a:prstGeom prst="rect">
+            <a:avLst/>
+          </a:prstGeom>
+        </p:spPr>
+        <p:txBody>
+          <a:bodyPr anchor="ctr" bIns="0" lIns="0" rIns="0" tIns="0" wrap="none"/>
+          <a:p>
+            <a:pPr algn="ctr"/>
+            <a:r>
+              <a:rPr lang="de-DE"/>
+              <a:t>Click to edit the title text format</a:t>
+            </a:r>
+            <a:endParaRPr/>
+          </a:p>
+        </p:txBody>
+      </p:sp>
+      <p:sp>
+        <p:nvSpPr>
+          <p:cNvPr id="73" name="PlaceHolder 2"/>
+          <p:cNvSpPr>
+            <a:spLocks noGrp="1"/>
+          </p:cNvSpPr>
+          <p:nvPr>
+            <p:ph type="body"/>
+          </p:nvPr>
+        </p:nvSpPr>
+        <p:spPr>
+          <a:xfrm>
+            <a:off x="457200" y="1604520"/>
+            <a:ext cx="8229240" cy="3977280"/>
+          </a:xfrm>
+          <a:prstGeom prst="rect">
+            <a:avLst/>
+          </a:prstGeom>
+        </p:spPr>
+        <p:txBody>
+          <a:bodyPr bIns="0" lIns="0" rIns="0" tIns="0" wrap="none"/>
+          <a:p>
+            <a:pPr>
+              <a:buSzPct val="25000"/>
+              <a:buFont typeface="StarSymbol"/>
+              <a:buChar char=""/>
+            </a:pPr>
+            <a:r>
+              <a:rPr lang="de-DE"/>
+              <a:t>Click to edit the outline text format</a:t>
+            </a:r>
+            <a:endParaRPr/>
+          </a:p>
+          <a:p>
+            <a:pPr lvl="1">
+              <a:buSzPct val="25000"/>
+              <a:buFont typeface="StarSymbol"/>
+              <a:buChar char=""/>
+            </a:pPr>
+            <a:r>
+              <a:rPr lang="de-DE"/>
+              <a:t>Second Outline Level</a:t>
+            </a:r>
+            <a:endParaRPr/>
+          </a:p>
+          <a:p>
+            <a:pPr lvl="2">
+              <a:buSzPct val="25000"/>
+              <a:buFont typeface="StarSymbol"/>
+              <a:buChar char=""/>
+            </a:pPr>
+            <a:r>
+              <a:rPr lang="de-DE"/>
+              <a:t>Third Outline Level</a:t>
+            </a:r>
+            <a:endParaRPr/>
+          </a:p>
+          <a:p>
+            <a:pPr lvl="3">
+              <a:buSzPct val="25000"/>
+              <a:buFont typeface="StarSymbol"/>
+              <a:buChar char=""/>
+            </a:pPr>
+            <a:r>
+              <a:rPr lang="de-DE"/>
+              <a:t>Fourth Outline Level</a:t>
+            </a:r>
+            <a:endParaRPr/>
+          </a:p>
+          <a:p>
+            <a:pPr lvl="4">
+              <a:buSzPct val="25000"/>
+              <a:buFont typeface="StarSymbol"/>
+              <a:buChar char=""/>
+            </a:pPr>
+            <a:r>
+              <a:rPr lang="de-DE"/>
+              <a:t>Fifth Outline Level</a:t>
+            </a:r>
+            <a:endParaRPr/>
+          </a:p>
+          <a:p>
+            <a:pPr lvl="5">
+              <a:buSzPct val="25000"/>
+              <a:buFont typeface="StarSymbol"/>
+              <a:buChar char=""/>
+            </a:pPr>
+            <a:r>
+              <a:rPr lang="de-DE"/>
+              <a:t>Sixth Outline Level</a:t>
+            </a:r>
+            <a:endParaRPr/>
+          </a:p>
+          <a:p>
+            <a:pPr lvl="6">
+              <a:buSzPct val="25000"/>
+              <a:buFont typeface="StarSymbol"/>
+              <a:buChar char=""/>
+            </a:pPr>
+            <a:r>
+              <a:rPr lang="de-DE"/>
+              <a:t>Seventh Outline Level</a:t>
+            </a:r>
+            <a:endParaRPr/>
+          </a:p>
+        </p:txBody>
+      </p:sp>
+    </p:spTree>
+  </p:cSld>
+  <p:clrMap accent1="accent1" accent2="accent2" accent3="accent3" accent4="accent4" accent5="accent5" accent6="accent6" bg1="lt1" bg2="lt2" folHlink="folHlink" hlink="hlink" tx1="dk1" tx2="dk2"/>
+  <p:sldLayoutIdLst>
+    <p:sldLayoutId id="2147483675" r:id="rId2"/>
+    <p:sldLayoutId id="2147483676" r:id="rId3"/>
+    <p:sldLayoutId id="2147483677" r:id="rId4"/>
+    <p:sldLayoutId id="2147483678" r:id="rId5"/>
+    <p:sldLayoutId id="2147483679" r:id="rId6"/>
+    <p:sldLayoutId id="2147483680" r:id="rId7"/>
+    <p:sldLayoutId id="2147483681" r:id="rId8"/>
+    <p:sldLayoutId id="2147483682" r:id="rId9"/>
+    <p:sldLayoutId id="2147483683" r:id="rId10"/>
+    <p:sldLayoutId id="2147483684" r:id="rId11"/>
+    <p:sldLayoutId id="2147483685" r:id="rId12"/>
+    <p:sldLayoutId id="2147483686" r:id="rId13"/>
   </p:sldLayoutIdLst>
 </p:sldMaster>
 </file>
@@ -3269,21 +4285,25 @@
       </p:grpSpPr>
       <p:sp>
         <p:nvSpPr>
-          <p:cNvPr id="83" name="TextShape 1"/>
-          <p:cNvSpPr txBox="1"/>
+          <p:cNvPr id="113" name="CustomShape 1"/>
+          <p:cNvSpPr/>
           <p:nvPr/>
         </p:nvSpPr>
         <p:spPr>
           <a:xfrm>
             <a:off x="685800" y="660240"/>
-            <a:ext cx="7772040" cy="1469520"/>
-          </a:xfrm>
-          <a:prstGeom prst="rect">
-            <a:avLst/>
-          </a:prstGeom>
-        </p:spPr>
-        <p:txBody>
-          <a:bodyPr anchor="ctr"/>
+            <a:ext cx="7771680" cy="1469160"/>
+          </a:xfrm>
+          <a:prstGeom prst="rect">
+            <a:avLst/>
+          </a:prstGeom>
+          <a:noFill/>
+          <a:ln>
+            <a:noFill/>
+          </a:ln>
+        </p:spPr>
+        <p:txBody>
+          <a:bodyPr anchor="ctr" bIns="45000" lIns="90000" rIns="90000" tIns="45000"/>
           <a:p>
             <a:pPr algn="ctr">
               <a:lnSpc>
@@ -3291,7 +4311,7 @@
               </a:lnSpc>
             </a:pPr>
             <a:r>
-              <a:rPr lang="en-US" sz="12780">
+              <a:rPr lang="de-DE" sz="12780">
                 <a:solidFill>
                   <a:srgbClr val="3465a4"/>
                 </a:solidFill>
@@ -3305,21 +4325,25 @@
       </p:sp>
       <p:sp>
         <p:nvSpPr>
-          <p:cNvPr id="84" name="TextShape 2"/>
-          <p:cNvSpPr txBox="1"/>
+          <p:cNvPr id="114" name="CustomShape 2"/>
+          <p:cNvSpPr/>
           <p:nvPr/>
         </p:nvSpPr>
         <p:spPr>
           <a:xfrm>
             <a:off x="1371600" y="3461760"/>
-            <a:ext cx="6400440" cy="3008880"/>
-          </a:xfrm>
-          <a:prstGeom prst="rect">
-            <a:avLst/>
-          </a:prstGeom>
-        </p:spPr>
-        <p:txBody>
-          <a:bodyPr/>
+            <a:ext cx="6400080" cy="3008520"/>
+          </a:xfrm>
+          <a:prstGeom prst="rect">
+            <a:avLst/>
+          </a:prstGeom>
+          <a:noFill/>
+          <a:ln>
+            <a:noFill/>
+          </a:ln>
+        </p:spPr>
+        <p:txBody>
+          <a:bodyPr bIns="45000" lIns="90000" rIns="90000" tIns="45000"/>
           <a:p>
             <a:pPr algn="ctr">
               <a:lnSpc>
@@ -3458,147 +4482,478 @@
       </p:grpSpPr>
       <p:sp>
         <p:nvSpPr>
-          <p:cNvPr id="85" name="TextShape 1"/>
-          <p:cNvSpPr txBox="1"/>
+          <p:cNvPr id="115" name="CustomShape 1"/>
+          <p:cNvSpPr/>
           <p:nvPr/>
         </p:nvSpPr>
         <p:spPr>
           <a:xfrm>
             <a:off x="457200" y="108360"/>
-            <a:ext cx="8229240" cy="1475280"/>
-          </a:xfrm>
-          <a:prstGeom prst="rect">
-            <a:avLst/>
-          </a:prstGeom>
+            <a:ext cx="8228880" cy="1474920"/>
+          </a:xfrm>
+          <a:prstGeom prst="rect">
+            <a:avLst/>
+          </a:prstGeom>
+          <a:noFill/>
+          <a:ln>
+            <a:noFill/>
+          </a:ln>
         </p:spPr>
         <p:txBody>
           <a:bodyPr anchor="ctr" bIns="0" lIns="0" rIns="0" tIns="0" wrap="none"/>
           <a:p>
-            <a:pPr algn="ctr"/>
-            <a:r>
-              <a:rPr lang="en-US"/>
-              <a:t>Pain</a:t>
-            </a:r>
-            <a:endParaRPr/>
-          </a:p>
-        </p:txBody>
-      </p:sp>
-      <p:sp>
-        <p:nvSpPr>
-          <p:cNvPr id="86" name="TextShape 2"/>
-          <p:cNvSpPr txBox="1"/>
-          <p:nvPr/>
-        </p:nvSpPr>
-        <p:spPr>
-          <a:xfrm>
-            <a:off x="457200" y="1708200"/>
-            <a:ext cx="8229240" cy="4525560"/>
-          </a:xfrm>
-          <a:prstGeom prst="rect">
-            <a:avLst/>
-          </a:prstGeom>
-        </p:spPr>
-        <p:txBody>
-          <a:bodyPr bIns="0" lIns="0" rIns="0" tIns="0" wrap="none"/>
-          <a:p>
-            <a:pPr>
+            <a:pPr algn="ctr">
               <a:lnSpc>
-                <a:spcPct val="150000"/>
+                <a:spcPct val="100000"/>
               </a:lnSpc>
-              <a:buSzPct val="25000"/>
-              <a:buFont typeface="StarSymbol"/>
-              <a:buChar char=""/>
             </a:pPr>
             <a:r>
-              <a:rPr lang="en-US" sz="5400"/>
-              <a:t>Labs, Semiars and other meetings</a:t>
+              <a:rPr lang="de-DE">
+                <a:solidFill>
+                  <a:srgbClr val="808080"/>
+                </a:solidFill>
+              </a:rPr>
+              <a:t>Solution</a:t>
             </a:r>
             <a:endParaRPr/>
           </a:p>
-          <a:p>
-            <a:pPr>
+        </p:txBody>
+      </p:sp>
+      <p:sp>
+        <p:nvSpPr>
+          <p:cNvPr id="116" name="CustomShape 2"/>
+          <p:cNvSpPr/>
+          <p:nvPr/>
+        </p:nvSpPr>
+        <p:spPr>
+          <a:xfrm>
+            <a:off x="3459600" y="3460680"/>
+            <a:ext cx="2012040" cy="714960"/>
+          </a:xfrm>
+          <a:prstGeom prst="rect">
+            <a:avLst/>
+          </a:prstGeom>
+          <a:noFill/>
+          <a:ln>
+            <a:noFill/>
+          </a:ln>
+        </p:spPr>
+        <p:txBody>
+          <a:bodyPr bIns="45000" lIns="90000" rIns="90000" tIns="45000" wrap="none"/>
+          <a:p>
+            <a:r>
+              <a:rPr lang="de-DE" sz="4400">
+                <a:solidFill>
+                  <a:srgbClr val="3465a4"/>
+                </a:solidFill>
+              </a:rPr>
+              <a:t>Skedify</a:t>
+            </a:r>
+            <a:endParaRPr/>
+          </a:p>
+        </p:txBody>
+      </p:sp>
+      <p:sp>
+        <p:nvSpPr>
+          <p:cNvPr id="117" name="CustomShape 3"/>
+          <p:cNvSpPr/>
+          <p:nvPr/>
+        </p:nvSpPr>
+        <p:spPr>
+          <a:xfrm>
+            <a:off x="1013400" y="2151000"/>
+            <a:ext cx="1506240" cy="656640"/>
+          </a:xfrm>
+          <a:prstGeom prst="rect">
+            <a:avLst/>
+          </a:prstGeom>
+          <a:noFill/>
+          <a:ln>
+            <a:noFill/>
+          </a:ln>
+        </p:spPr>
+        <p:txBody>
+          <a:bodyPr bIns="45000" lIns="90000" rIns="90000" tIns="45000" wrap="none"/>
+          <a:p>
+            <a:r>
+              <a:rPr lang="de-DE" sz="2000">
+                <a:solidFill>
+                  <a:srgbClr val="579d1c"/>
+                </a:solidFill>
+              </a:rPr>
+              <a:t>Knows your</a:t>
+            </a:r>
+            <a:endParaRPr/>
+          </a:p>
+          <a:p>
+            <a:pPr algn="ctr">
               <a:lnSpc>
-                <a:spcPct val="150000"/>
+                <a:spcPct val="100000"/>
               </a:lnSpc>
-              <a:buSzPct val="25000"/>
-              <a:buFont typeface="StarSymbol"/>
-              <a:buChar char=""/>
             </a:pPr>
             <a:r>
-              <a:rPr lang="en-US" sz="5400"/>
-              <a:t>Many students</a:t>
+              <a:rPr lang="de-DE" sz="2000">
+                <a:solidFill>
+                  <a:srgbClr val="579d1c"/>
+                </a:solidFill>
+              </a:rPr>
+              <a:t>schedule</a:t>
             </a:r>
             <a:endParaRPr/>
           </a:p>
-          <a:p>
-            <a:pPr>
+        </p:txBody>
+      </p:sp>
+      <p:sp>
+        <p:nvSpPr>
+          <p:cNvPr id="118" name="CustomShape 4"/>
+          <p:cNvSpPr/>
+          <p:nvPr/>
+        </p:nvSpPr>
+        <p:spPr>
+          <a:xfrm>
+            <a:off x="5711400" y="5328000"/>
+            <a:ext cx="1704240" cy="656640"/>
+          </a:xfrm>
+          <a:prstGeom prst="rect">
+            <a:avLst/>
+          </a:prstGeom>
+          <a:noFill/>
+          <a:ln>
+            <a:noFill/>
+          </a:ln>
+        </p:spPr>
+        <p:txBody>
+          <a:bodyPr bIns="45000" lIns="90000" rIns="90000" tIns="45000" wrap="none"/>
+          <a:p>
+            <a:r>
+              <a:rPr lang="de-DE" sz="2000">
+                <a:solidFill>
+                  <a:srgbClr val="579d1c"/>
+                </a:solidFill>
+              </a:rPr>
+              <a:t>Knows your</a:t>
+            </a:r>
+            <a:endParaRPr/>
+          </a:p>
+          <a:p>
+            <a:pPr algn="ctr">
               <a:lnSpc>
-                <a:spcPct val="150000"/>
+                <a:spcPct val="100000"/>
               </a:lnSpc>
-              <a:buSzPct val="25000"/>
-              <a:buFont typeface="StarSymbol"/>
-              <a:buChar char=""/>
             </a:pPr>
             <a:r>
-              <a:rPr lang="en-US" sz="5400"/>
-              <a:t>Different timetables</a:t>
+              <a:rPr lang="de-DE" sz="2000">
+                <a:solidFill>
+                  <a:srgbClr val="579d1c"/>
+                </a:solidFill>
+              </a:rPr>
+              <a:t>appointments</a:t>
             </a:r>
             <a:endParaRPr/>
           </a:p>
-          <a:p>
-            <a:pPr>
+        </p:txBody>
+      </p:sp>
+      <p:sp>
+        <p:nvSpPr>
+          <p:cNvPr id="119" name="CustomShape 5"/>
+          <p:cNvSpPr/>
+          <p:nvPr/>
+        </p:nvSpPr>
+        <p:spPr>
+          <a:xfrm>
+            <a:off x="6624000" y="2151000"/>
+            <a:ext cx="1103760" cy="373320"/>
+          </a:xfrm>
+          <a:prstGeom prst="rect">
+            <a:avLst/>
+          </a:prstGeom>
+          <a:noFill/>
+          <a:ln>
+            <a:noFill/>
+          </a:ln>
+        </p:spPr>
+        <p:txBody>
+          <a:bodyPr bIns="45000" lIns="90000" rIns="90000" tIns="45000" wrap="none"/>
+          <a:p>
+            <a:pPr algn="ctr">
               <a:lnSpc>
-                <a:spcPct val="150000"/>
+                <a:spcPct val="100000"/>
               </a:lnSpc>
-              <a:buSzPct val="25000"/>
-              <a:buFont typeface="StarSymbol"/>
-              <a:buChar char=""/>
             </a:pPr>
             <a:r>
-              <a:rPr lang="en-US" sz="5400"/>
-              <a:t>=&gt; hard to find a common timeslot</a:t>
+              <a:rPr lang="de-DE" sz="2000">
+                <a:solidFill>
+                  <a:srgbClr val="579d1c"/>
+                </a:solidFill>
+              </a:rPr>
+              <a:t>It's easy</a:t>
             </a:r>
             <a:endParaRPr/>
           </a:p>
-          <a:p>
-            <a:pPr lvl="1">
-              <a:buSzPct val="25000"/>
-              <a:buFont typeface="StarSymbol"/>
-              <a:buChar char=""/>
+        </p:txBody>
+      </p:sp>
+      <p:sp>
+        <p:nvSpPr>
+          <p:cNvPr id="120" name="CustomShape 6"/>
+          <p:cNvSpPr/>
+          <p:nvPr/>
+        </p:nvSpPr>
+        <p:spPr>
+          <a:xfrm>
+            <a:off x="3960000" y="1863000"/>
+            <a:ext cx="1055160" cy="656640"/>
+          </a:xfrm>
+          <a:prstGeom prst="rect">
+            <a:avLst/>
+          </a:prstGeom>
+          <a:noFill/>
+          <a:ln>
+            <a:noFill/>
+          </a:ln>
+        </p:spPr>
+        <p:txBody>
+          <a:bodyPr bIns="45000" lIns="90000" rIns="90000" tIns="45000" wrap="none"/>
+          <a:p>
+            <a:r>
+              <a:rPr lang="de-DE" sz="2000">
+                <a:solidFill>
+                  <a:srgbClr val="579d1c"/>
+                </a:solidFill>
+              </a:rPr>
+              <a:t>Multiple</a:t>
+            </a:r>
+            <a:endParaRPr/>
+          </a:p>
+          <a:p>
+            <a:pPr algn="ctr">
+              <a:lnSpc>
+                <a:spcPct val="100000"/>
+              </a:lnSpc>
             </a:pPr>
             <a:r>
-              <a:rPr lang="en-US" sz="5400"/>
-              <a:t>→ </a:t>
+              <a:rPr lang="de-DE" sz="2000">
+                <a:solidFill>
+                  <a:srgbClr val="579d1c"/>
+                </a:solidFill>
+              </a:rPr>
+              <a:t>Groups</a:t>
             </a:r>
-            <a:r>
-              <a:rPr lang="en-US" sz="5400"/>
-              <a:t>many Emails</a:t>
-            </a:r>
-            <a:endParaRPr/>
-          </a:p>
-          <a:p>
-            <a:pPr>
+            <a:endParaRPr/>
+          </a:p>
+        </p:txBody>
+      </p:sp>
+      <p:sp>
+        <p:nvSpPr>
+          <p:cNvPr id="121" name="CustomShape 7"/>
+          <p:cNvSpPr/>
+          <p:nvPr/>
+        </p:nvSpPr>
+        <p:spPr>
+          <a:xfrm>
+            <a:off x="720000" y="4032000"/>
+            <a:ext cx="905760" cy="373320"/>
+          </a:xfrm>
+          <a:prstGeom prst="rect">
+            <a:avLst/>
+          </a:prstGeom>
+          <a:noFill/>
+          <a:ln>
+            <a:noFill/>
+          </a:ln>
+        </p:spPr>
+        <p:txBody>
+          <a:bodyPr bIns="45000" lIns="90000" rIns="90000" tIns="45000" wrap="none"/>
+          <a:p>
+            <a:pPr algn="ctr">
               <a:lnSpc>
-                <a:spcPct val="150000"/>
+                <a:spcPct val="100000"/>
               </a:lnSpc>
-              <a:buSzPct val="25000"/>
-              <a:buFont typeface="StarSymbol"/>
-              <a:buChar char=""/>
-            </a:pPr>
-            <a:endParaRPr/>
-          </a:p>
-          <a:p>
-            <a:pPr>
-              <a:lnSpc>
-                <a:spcPct val="150000"/>
-              </a:lnSpc>
-              <a:buSzPct val="25000"/>
-              <a:buFont typeface="StarSymbol"/>
-              <a:buChar char=""/>
             </a:pPr>
             <a:r>
-              <a:rPr lang="en-US" sz="5400"/>
-              <a:t>Current solution: Doodle</a:t>
+              <a:rPr lang="de-DE" sz="2000">
+                <a:solidFill>
+                  <a:srgbClr val="579d1c"/>
+                </a:solidFill>
+              </a:rPr>
+              <a:t>It's hip</a:t>
+            </a:r>
+            <a:endParaRPr/>
+          </a:p>
+        </p:txBody>
+      </p:sp>
+      <p:sp>
+        <p:nvSpPr>
+          <p:cNvPr id="122" name="CustomShape 8"/>
+          <p:cNvSpPr/>
+          <p:nvPr/>
+        </p:nvSpPr>
+        <p:spPr>
+          <a:xfrm>
+            <a:off x="6984000" y="3874320"/>
+            <a:ext cx="730440" cy="373320"/>
+          </a:xfrm>
+          <a:prstGeom prst="rect">
+            <a:avLst/>
+          </a:prstGeom>
+          <a:noFill/>
+          <a:ln>
+            <a:noFill/>
+          </a:ln>
+        </p:spPr>
+        <p:txBody>
+          <a:bodyPr bIns="45000" lIns="90000" rIns="90000" tIns="45000" wrap="none"/>
+          <a:p>
+            <a:pPr algn="ctr">
+              <a:lnSpc>
+                <a:spcPct val="100000"/>
+              </a:lnSpc>
+            </a:pPr>
+            <a:r>
+              <a:rPr lang="de-DE" sz="2000">
+                <a:solidFill>
+                  <a:srgbClr val="579d1c"/>
+                </a:solidFill>
+              </a:rPr>
+              <a:t>clear</a:t>
+            </a:r>
+            <a:endParaRPr/>
+          </a:p>
+        </p:txBody>
+      </p:sp>
+      <p:sp>
+        <p:nvSpPr>
+          <p:cNvPr id="123" name="CustomShape 9"/>
+          <p:cNvSpPr/>
+          <p:nvPr/>
+        </p:nvSpPr>
+        <p:spPr>
+          <a:xfrm>
+            <a:off x="3456000" y="5760000"/>
+            <a:ext cx="1379880" cy="373320"/>
+          </a:xfrm>
+          <a:prstGeom prst="rect">
+            <a:avLst/>
+          </a:prstGeom>
+          <a:noFill/>
+          <a:ln>
+            <a:noFill/>
+          </a:ln>
+        </p:spPr>
+        <p:txBody>
+          <a:bodyPr bIns="45000" lIns="90000" rIns="90000" tIns="45000" wrap="none"/>
+          <a:p>
+            <a:pPr algn="ctr">
+              <a:lnSpc>
+                <a:spcPct val="100000"/>
+              </a:lnSpc>
+            </a:pPr>
+            <a:r>
+              <a:rPr lang="de-DE" sz="2000">
+                <a:solidFill>
+                  <a:srgbClr val="579d1c"/>
+                </a:solidFill>
+              </a:rPr>
+              <a:t>Up-to-date</a:t>
+            </a:r>
+            <a:endParaRPr/>
+          </a:p>
+        </p:txBody>
+      </p:sp>
+      <p:sp>
+        <p:nvSpPr>
+          <p:cNvPr id="124" name="CustomShape 10"/>
+          <p:cNvSpPr/>
+          <p:nvPr/>
+        </p:nvSpPr>
+        <p:spPr>
+          <a:xfrm>
+            <a:off x="2831040" y="4176000"/>
+            <a:ext cx="3432600" cy="601920"/>
+          </a:xfrm>
+          <a:prstGeom prst="rect">
+            <a:avLst/>
+          </a:prstGeom>
+          <a:noFill/>
+          <a:ln>
+            <a:noFill/>
+          </a:ln>
+        </p:spPr>
+        <p:txBody>
+          <a:bodyPr bIns="45000" lIns="90000" rIns="90000" tIns="45000" wrap="none"/>
+          <a:p>
+            <a:r>
+              <a:rPr lang="de-DE">
+                <a:solidFill>
+                  <a:srgbClr val="333333"/>
+                </a:solidFill>
+              </a:rPr>
+              <a:t>Finding a common meeting time</a:t>
+            </a:r>
+            <a:endParaRPr/>
+          </a:p>
+          <a:p>
+            <a:pPr algn="ctr">
+              <a:lnSpc>
+                <a:spcPct val="100000"/>
+              </a:lnSpc>
+            </a:pPr>
+            <a:r>
+              <a:rPr lang="de-DE">
+                <a:solidFill>
+                  <a:srgbClr val="333333"/>
+                </a:solidFill>
+              </a:rPr>
+              <a:t>among multiple students</a:t>
+            </a:r>
+            <a:endParaRPr/>
+          </a:p>
+        </p:txBody>
+      </p:sp>
+      <p:sp>
+        <p:nvSpPr>
+          <p:cNvPr id="125" name="CustomShape 11"/>
+          <p:cNvSpPr/>
+          <p:nvPr/>
+        </p:nvSpPr>
+        <p:spPr>
+          <a:xfrm>
+            <a:off x="720000" y="5175000"/>
+            <a:ext cx="1661760" cy="656640"/>
+          </a:xfrm>
+          <a:prstGeom prst="rect">
+            <a:avLst/>
+          </a:prstGeom>
+          <a:noFill/>
+          <a:ln>
+            <a:noFill/>
+          </a:ln>
+        </p:spPr>
+        <p:txBody>
+          <a:bodyPr bIns="45000" lIns="90000" rIns="90000" tIns="45000" wrap="none"/>
+          <a:p>
+            <a:r>
+              <a:rPr lang="de-DE" sz="2000">
+                <a:solidFill>
+                  <a:srgbClr val="579d1c"/>
+                </a:solidFill>
+              </a:rPr>
+              <a:t>Best meeting</a:t>
+            </a:r>
+            <a:endParaRPr/>
+          </a:p>
+          <a:p>
+            <a:pPr algn="ctr">
+              <a:lnSpc>
+                <a:spcPct val="100000"/>
+              </a:lnSpc>
+            </a:pPr>
+            <a:r>
+              <a:rPr lang="de-DE" sz="2000">
+                <a:solidFill>
+                  <a:srgbClr val="579d1c"/>
+                </a:solidFill>
+              </a:rPr>
+              <a:t>slot</a:t>
             </a:r>
             <a:endParaRPr/>
           </a:p>
@@ -3655,60 +5010,39 @@
       </p:grpSpPr>
       <p:sp>
         <p:nvSpPr>
-          <p:cNvPr id="87" name="TextShape 1"/>
-          <p:cNvSpPr txBox="1"/>
+          <p:cNvPr id="126" name="CustomShape 1"/>
+          <p:cNvSpPr/>
           <p:nvPr/>
         </p:nvSpPr>
         <p:spPr>
           <a:xfrm>
-            <a:off x="457200" y="108360"/>
-            <a:ext cx="8229240" cy="1475280"/>
-          </a:xfrm>
-          <a:prstGeom prst="rect">
-            <a:avLst/>
-          </a:prstGeom>
-        </p:spPr>
-        <p:txBody>
-          <a:bodyPr anchor="ctr" bIns="0" lIns="0" rIns="0" tIns="0" wrap="none"/>
-          <a:p>
-            <a:pPr algn="ctr"/>
-            <a:r>
-              <a:rPr lang="en-US">
-                <a:solidFill>
-                  <a:srgbClr val="808080"/>
-                </a:solidFill>
-              </a:rPr>
-              <a:t>Solution</a:t>
-            </a:r>
-            <a:endParaRPr/>
-          </a:p>
-        </p:txBody>
-      </p:sp>
-      <p:sp>
-        <p:nvSpPr>
-          <p:cNvPr id="88" name="TextShape 2"/>
-          <p:cNvSpPr txBox="1"/>
-          <p:nvPr/>
-        </p:nvSpPr>
-        <p:spPr>
-          <a:xfrm>
-            <a:off x="3459600" y="3460680"/>
-            <a:ext cx="2012400" cy="715320"/>
-          </a:xfrm>
-          <a:prstGeom prst="rect">
-            <a:avLst/>
-          </a:prstGeom>
-        </p:spPr>
-        <p:txBody>
-          <a:bodyPr bIns="45000" lIns="90000" rIns="90000" tIns="45000" wrap="none"/>
-          <a:p>
+            <a:off x="457200" y="274680"/>
+            <a:ext cx="8228880" cy="1142280"/>
+          </a:xfrm>
+          <a:prstGeom prst="rect">
+            <a:avLst/>
+          </a:prstGeom>
+          <a:noFill/>
+          <a:ln>
+            <a:noFill/>
+          </a:ln>
+        </p:spPr>
+        <p:txBody>
+          <a:bodyPr anchor="ctr" bIns="45000" lIns="90000" rIns="90000" tIns="45000"/>
+          <a:p>
+            <a:pPr algn="ctr">
+              <a:lnSpc>
+                <a:spcPct val="100000"/>
+              </a:lnSpc>
+            </a:pPr>
             <a:r>
               <a:rPr lang="de-DE" sz="4400">
                 <a:solidFill>
-                  <a:srgbClr val="3465a4"/>
+                  <a:srgbClr val="000000"/>
                 </a:solidFill>
+                <a:latin typeface="Calibri"/>
               </a:rPr>
-              <a:t>Skedify</a:t>
+              <a:t>Our Application Cycle</a:t>
             </a:r>
             <a:endParaRPr/>
           </a:p>
@@ -3716,363 +5050,646 @@
       </p:sp>
       <p:sp>
         <p:nvSpPr>
-          <p:cNvPr id="89" name="TextShape 3"/>
-          <p:cNvSpPr txBox="1"/>
+          <p:cNvPr id="127" name="CustomShape 2"/>
+          <p:cNvSpPr/>
           <p:nvPr/>
         </p:nvSpPr>
         <p:spPr>
           <a:xfrm>
-            <a:off x="1013400" y="2151000"/>
-            <a:ext cx="1506600" cy="657000"/>
-          </a:xfrm>
-          <a:prstGeom prst="rect">
-            <a:avLst/>
-          </a:prstGeom>
-        </p:spPr>
-        <p:txBody>
-          <a:bodyPr bIns="45000" lIns="90000" rIns="90000" tIns="45000" wrap="none"/>
-          <a:p>
-            <a:pPr algn="ctr"/>
-            <a:r>
-              <a:rPr lang="de-DE" sz="2000">
-                <a:solidFill>
-                  <a:srgbClr val="579d1c"/>
-                </a:solidFill>
-              </a:rPr>
-              <a:t>Knows your</a:t>
-            </a:r>
-            <a:r>
-              <a:rPr lang="de-DE" sz="2000">
-                <a:solidFill>
-                  <a:srgbClr val="579d1c"/>
-                </a:solidFill>
-              </a:rPr>
-              <a:t>
-</a:t>
-            </a:r>
-            <a:r>
-              <a:rPr lang="de-DE" sz="2000">
-                <a:solidFill>
-                  <a:srgbClr val="579d1c"/>
-                </a:solidFill>
-              </a:rPr>
-              <a:t>schedule</a:t>
-            </a:r>
-            <a:endParaRPr/>
-          </a:p>
-        </p:txBody>
-      </p:sp>
-      <p:sp>
-        <p:nvSpPr>
-          <p:cNvPr id="90" name="TextShape 4"/>
-          <p:cNvSpPr txBox="1"/>
-          <p:nvPr/>
-        </p:nvSpPr>
-        <p:spPr>
-          <a:xfrm>
-            <a:off x="5711400" y="5328000"/>
-            <a:ext cx="1704600" cy="657000"/>
-          </a:xfrm>
-          <a:prstGeom prst="rect">
-            <a:avLst/>
-          </a:prstGeom>
-        </p:spPr>
-        <p:txBody>
-          <a:bodyPr bIns="45000" lIns="90000" rIns="90000" tIns="45000" wrap="none"/>
-          <a:p>
-            <a:pPr algn="ctr"/>
-            <a:r>
-              <a:rPr lang="de-DE" sz="2000">
-                <a:solidFill>
-                  <a:srgbClr val="579d1c"/>
-                </a:solidFill>
-              </a:rPr>
-              <a:t>Knows your</a:t>
-            </a:r>
-            <a:r>
-              <a:rPr lang="de-DE" sz="2000">
-                <a:solidFill>
-                  <a:srgbClr val="579d1c"/>
-                </a:solidFill>
-              </a:rPr>
-              <a:t>
-</a:t>
-            </a:r>
-            <a:r>
-              <a:rPr lang="de-DE" sz="2000">
-                <a:solidFill>
-                  <a:srgbClr val="579d1c"/>
-                </a:solidFill>
-              </a:rPr>
-              <a:t>appointments</a:t>
-            </a:r>
-            <a:endParaRPr/>
-          </a:p>
-        </p:txBody>
-      </p:sp>
-      <p:sp>
-        <p:nvSpPr>
-          <p:cNvPr id="91" name="TextShape 5"/>
-          <p:cNvSpPr txBox="1"/>
-          <p:nvPr/>
-        </p:nvSpPr>
-        <p:spPr>
-          <a:xfrm>
-            <a:off x="6624000" y="2151000"/>
-            <a:ext cx="1104120" cy="373680"/>
-          </a:xfrm>
-          <a:prstGeom prst="rect">
-            <a:avLst/>
-          </a:prstGeom>
-        </p:spPr>
-        <p:txBody>
-          <a:bodyPr bIns="45000" lIns="90000" rIns="90000" tIns="45000" wrap="none"/>
-          <a:p>
-            <a:pPr algn="ctr"/>
-            <a:r>
-              <a:rPr lang="de-DE" sz="2000">
-                <a:solidFill>
-                  <a:srgbClr val="579d1c"/>
-                </a:solidFill>
-              </a:rPr>
-              <a:t>It's easy</a:t>
-            </a:r>
-            <a:endParaRPr/>
-          </a:p>
-        </p:txBody>
-      </p:sp>
-      <p:sp>
-        <p:nvSpPr>
-          <p:cNvPr id="92" name="TextShape 6"/>
-          <p:cNvSpPr txBox="1"/>
-          <p:nvPr/>
-        </p:nvSpPr>
-        <p:spPr>
-          <a:xfrm>
-            <a:off x="3960000" y="1863000"/>
-            <a:ext cx="1055520" cy="657000"/>
-          </a:xfrm>
-          <a:prstGeom prst="rect">
-            <a:avLst/>
-          </a:prstGeom>
-        </p:spPr>
-        <p:txBody>
-          <a:bodyPr bIns="45000" lIns="90000" rIns="90000" tIns="45000" wrap="none"/>
-          <a:p>
-            <a:pPr algn="ctr"/>
-            <a:r>
-              <a:rPr lang="de-DE" sz="2000">
-                <a:solidFill>
-                  <a:srgbClr val="579d1c"/>
-                </a:solidFill>
-              </a:rPr>
-              <a:t>Multiple</a:t>
-            </a:r>
-            <a:r>
-              <a:rPr lang="de-DE" sz="2000">
-                <a:solidFill>
-                  <a:srgbClr val="579d1c"/>
-                </a:solidFill>
-              </a:rPr>
-              <a:t>
-</a:t>
-            </a:r>
-            <a:r>
-              <a:rPr lang="de-DE" sz="2000">
-                <a:solidFill>
-                  <a:srgbClr val="579d1c"/>
-                </a:solidFill>
-              </a:rPr>
-              <a:t>Groups</a:t>
-            </a:r>
-            <a:endParaRPr/>
-          </a:p>
-        </p:txBody>
-      </p:sp>
-      <p:sp>
-        <p:nvSpPr>
-          <p:cNvPr id="93" name="TextShape 7"/>
-          <p:cNvSpPr txBox="1"/>
-          <p:nvPr/>
-        </p:nvSpPr>
-        <p:spPr>
-          <a:xfrm>
-            <a:off x="720000" y="4032000"/>
-            <a:ext cx="906120" cy="373680"/>
-          </a:xfrm>
-          <a:prstGeom prst="rect">
-            <a:avLst/>
-          </a:prstGeom>
-        </p:spPr>
-        <p:txBody>
-          <a:bodyPr bIns="45000" lIns="90000" rIns="90000" tIns="45000" wrap="none"/>
-          <a:p>
-            <a:pPr algn="ctr"/>
-            <a:r>
-              <a:rPr lang="de-DE" sz="2000">
-                <a:solidFill>
-                  <a:srgbClr val="579d1c"/>
-                </a:solidFill>
-              </a:rPr>
-              <a:t>It's hip</a:t>
-            </a:r>
-            <a:endParaRPr/>
-          </a:p>
-        </p:txBody>
-      </p:sp>
-      <p:sp>
-        <p:nvSpPr>
-          <p:cNvPr id="94" name="TextShape 8"/>
-          <p:cNvSpPr txBox="1"/>
-          <p:nvPr/>
-        </p:nvSpPr>
-        <p:spPr>
-          <a:xfrm>
-            <a:off x="6984000" y="3874320"/>
-            <a:ext cx="730800" cy="373680"/>
-          </a:xfrm>
-          <a:prstGeom prst="rect">
-            <a:avLst/>
-          </a:prstGeom>
-        </p:spPr>
-        <p:txBody>
-          <a:bodyPr bIns="45000" lIns="90000" rIns="90000" tIns="45000" wrap="none"/>
-          <a:p>
-            <a:pPr algn="ctr"/>
-            <a:r>
-              <a:rPr lang="de-DE" sz="2000">
-                <a:solidFill>
-                  <a:srgbClr val="579d1c"/>
-                </a:solidFill>
-              </a:rPr>
-              <a:t>clear</a:t>
-            </a:r>
-            <a:endParaRPr/>
-          </a:p>
-        </p:txBody>
-      </p:sp>
-      <p:sp>
-        <p:nvSpPr>
-          <p:cNvPr id="95" name="TextShape 9"/>
-          <p:cNvSpPr txBox="1"/>
-          <p:nvPr/>
-        </p:nvSpPr>
-        <p:spPr>
-          <a:xfrm>
-            <a:off x="3456000" y="5760000"/>
-            <a:ext cx="1380240" cy="373680"/>
-          </a:xfrm>
-          <a:prstGeom prst="rect">
-            <a:avLst/>
-          </a:prstGeom>
-        </p:spPr>
-        <p:txBody>
-          <a:bodyPr bIns="45000" lIns="90000" rIns="90000" tIns="45000" wrap="none"/>
-          <a:p>
-            <a:pPr algn="ctr"/>
-            <a:r>
-              <a:rPr lang="de-DE" sz="2000">
-                <a:solidFill>
-                  <a:srgbClr val="579d1c"/>
-                </a:solidFill>
-              </a:rPr>
-              <a:t>Up-to-date</a:t>
-            </a:r>
-            <a:endParaRPr/>
-          </a:p>
-        </p:txBody>
-      </p:sp>
-      <p:sp>
-        <p:nvSpPr>
-          <p:cNvPr id="96" name="TextShape 10"/>
-          <p:cNvSpPr txBox="1"/>
-          <p:nvPr/>
-        </p:nvSpPr>
-        <p:spPr>
-          <a:xfrm>
-            <a:off x="2831040" y="4176000"/>
-            <a:ext cx="3432960" cy="602280"/>
-          </a:xfrm>
-          <a:prstGeom prst="rect">
-            <a:avLst/>
-          </a:prstGeom>
-        </p:spPr>
-        <p:txBody>
-          <a:bodyPr bIns="45000" lIns="90000" rIns="90000" tIns="45000" wrap="none"/>
-          <a:p>
-            <a:pPr algn="ctr"/>
+            <a:off x="771840" y="1777680"/>
+            <a:ext cx="2121480" cy="719640"/>
+          </a:xfrm>
+          <a:prstGeom prst="flowChartProcess">
+            <a:avLst/>
+          </a:prstGeom>
+          <a:gradFill>
+            <a:gsLst>
+              <a:gs pos="0">
+                <a:srgbClr val="3e7fcc"/>
+              </a:gs>
+              <a:gs pos="100000">
+                <a:srgbClr val="a4c1ff"/>
+              </a:gs>
+            </a:gsLst>
+            <a:lin ang="16200000"/>
+          </a:gradFill>
+          <a:ln w="9360">
+            <a:solidFill>
+              <a:srgbClr val="4a7ebb"/>
+            </a:solidFill>
+            <a:round/>
+          </a:ln>
+        </p:spPr>
+        <p:txBody>
+          <a:bodyPr anchor="ctr" bIns="45000" lIns="90000" rIns="90000" tIns="45000"/>
+          <a:p>
+            <a:pPr algn="ctr">
+              <a:lnSpc>
+                <a:spcPct val="100000"/>
+              </a:lnSpc>
+            </a:pPr>
             <a:r>
               <a:rPr lang="de-DE">
                 <a:solidFill>
-                  <a:srgbClr val="333333"/>
+                  <a:srgbClr val="ffffff"/>
                 </a:solidFill>
+                <a:latin typeface="Calibri"/>
               </a:rPr>
-              <a:t>Finding a common meeting time</a:t>
+              <a:t>iPhone (Client)</a:t>
             </a:r>
+            <a:endParaRPr/>
+          </a:p>
+        </p:txBody>
+      </p:sp>
+      <p:sp>
+        <p:nvSpPr>
+          <p:cNvPr id="128" name="CustomShape 3"/>
+          <p:cNvSpPr/>
+          <p:nvPr/>
+        </p:nvSpPr>
+        <p:spPr>
+          <a:xfrm>
+            <a:off x="2894040" y="2138040"/>
+            <a:ext cx="3327120" cy="360"/>
+          </a:xfrm>
+          <a:prstGeom prst="straightConnector1">
+            <a:avLst/>
+          </a:prstGeom>
+          <a:noFill/>
+          <a:ln w="25560">
+            <a:solidFill>
+              <a:srgbClr val="4f81bd"/>
+            </a:solidFill>
+            <a:round/>
+            <a:tailEnd len="med" type="arrow" w="med"/>
+          </a:ln>
+        </p:spPr>
+      </p:sp>
+      <p:sp>
+        <p:nvSpPr>
+          <p:cNvPr id="129" name="CustomShape 4"/>
+          <p:cNvSpPr/>
+          <p:nvPr/>
+        </p:nvSpPr>
+        <p:spPr>
+          <a:xfrm>
+            <a:off x="6221880" y="1777680"/>
+            <a:ext cx="2121480" cy="719640"/>
+          </a:xfrm>
+          <a:prstGeom prst="flowChartProcess">
+            <a:avLst/>
+          </a:prstGeom>
+          <a:gradFill>
+            <a:gsLst>
+              <a:gs pos="0">
+                <a:srgbClr val="3e7fcc"/>
+              </a:gs>
+              <a:gs pos="100000">
+                <a:srgbClr val="a4c1ff"/>
+              </a:gs>
+            </a:gsLst>
+            <a:lin ang="16200000"/>
+          </a:gradFill>
+          <a:ln w="9360">
+            <a:solidFill>
+              <a:srgbClr val="4a7ebb"/>
+            </a:solidFill>
+            <a:round/>
+          </a:ln>
+        </p:spPr>
+        <p:txBody>
+          <a:bodyPr anchor="ctr" bIns="45000" lIns="90000" rIns="90000" tIns="45000"/>
+          <a:p>
+            <a:pPr algn="ctr">
+              <a:lnSpc>
+                <a:spcPct val="100000"/>
+              </a:lnSpc>
+            </a:pPr>
             <a:r>
               <a:rPr lang="de-DE">
                 <a:solidFill>
-                  <a:srgbClr val="333333"/>
+                  <a:srgbClr val="ffffff"/>
                 </a:solidFill>
+                <a:latin typeface="Calibri"/>
               </a:rPr>
-              <a:t>
-</a:t>
+              <a:t>OAuth</a:t>
             </a:r>
+            <a:endParaRPr/>
+          </a:p>
+        </p:txBody>
+      </p:sp>
+      <p:sp>
+        <p:nvSpPr>
+          <p:cNvPr id="130" name="CustomShape 5"/>
+          <p:cNvSpPr/>
+          <p:nvPr/>
+        </p:nvSpPr>
+        <p:spPr>
+          <a:xfrm>
+            <a:off x="6221880" y="4860720"/>
+            <a:ext cx="2121480" cy="719640"/>
+          </a:xfrm>
+          <a:prstGeom prst="flowChartProcess">
+            <a:avLst/>
+          </a:prstGeom>
+          <a:gradFill>
+            <a:gsLst>
+              <a:gs pos="0">
+                <a:srgbClr val="3e7fcc"/>
+              </a:gs>
+              <a:gs pos="100000">
+                <a:srgbClr val="a4c1ff"/>
+              </a:gs>
+            </a:gsLst>
+            <a:lin ang="16200000"/>
+          </a:gradFill>
+          <a:ln w="9360">
+            <a:solidFill>
+              <a:srgbClr val="4a7ebb"/>
+            </a:solidFill>
+            <a:round/>
+          </a:ln>
+        </p:spPr>
+        <p:txBody>
+          <a:bodyPr anchor="ctr" bIns="45000" lIns="90000" rIns="90000" tIns="45000"/>
+          <a:p>
+            <a:pPr algn="ctr">
+              <a:lnSpc>
+                <a:spcPct val="100000"/>
+              </a:lnSpc>
+            </a:pPr>
             <a:r>
               <a:rPr lang="de-DE">
                 <a:solidFill>
-                  <a:srgbClr val="333333"/>
+                  <a:srgbClr val="ffffff"/>
+                </a:solidFill>
+                <a:latin typeface="Calibri"/>
+              </a:rPr>
+              <a:t>L2P API</a:t>
+            </a:r>
+            <a:endParaRPr/>
+          </a:p>
+        </p:txBody>
+      </p:sp>
+      <p:sp>
+        <p:nvSpPr>
+          <p:cNvPr id="131" name="CustomShape 6"/>
+          <p:cNvSpPr/>
+          <p:nvPr/>
+        </p:nvSpPr>
+        <p:spPr>
+          <a:xfrm>
+            <a:off x="771840" y="4850280"/>
+            <a:ext cx="2121480" cy="719640"/>
+          </a:xfrm>
+          <a:prstGeom prst="flowChartProcess">
+            <a:avLst/>
+          </a:prstGeom>
+          <a:gradFill>
+            <a:gsLst>
+              <a:gs pos="0">
+                <a:srgbClr val="3e7fcc"/>
+              </a:gs>
+              <a:gs pos="100000">
+                <a:srgbClr val="a4c1ff"/>
+              </a:gs>
+            </a:gsLst>
+            <a:lin ang="16200000"/>
+          </a:gradFill>
+          <a:ln w="9360">
+            <a:solidFill>
+              <a:srgbClr val="4a7ebb"/>
+            </a:solidFill>
+            <a:round/>
+          </a:ln>
+        </p:spPr>
+        <p:txBody>
+          <a:bodyPr anchor="ctr" bIns="45000" lIns="90000" rIns="90000" tIns="45000"/>
+          <a:p>
+            <a:pPr algn="ctr">
+              <a:lnSpc>
+                <a:spcPct val="100000"/>
+              </a:lnSpc>
+            </a:pPr>
+            <a:r>
+              <a:rPr lang="de-DE">
+                <a:solidFill>
+                  <a:srgbClr val="ffffff"/>
+                </a:solidFill>
+                <a:latin typeface="Calibri"/>
+              </a:rPr>
+              <a:t>Server</a:t>
+            </a:r>
+            <a:endParaRPr/>
+          </a:p>
+        </p:txBody>
+      </p:sp>
+      <p:sp>
+        <p:nvSpPr>
+          <p:cNvPr id="132" name="CustomShape 7"/>
+          <p:cNvSpPr/>
+          <p:nvPr/>
+        </p:nvSpPr>
+        <p:spPr>
+          <a:xfrm>
+            <a:off x="1832760" y="2498040"/>
+            <a:ext cx="360" cy="2351520"/>
+          </a:xfrm>
+          <a:prstGeom prst="straightConnector1">
+            <a:avLst/>
+          </a:prstGeom>
+          <a:noFill/>
+          <a:ln w="25560">
+            <a:solidFill>
+              <a:srgbClr val="4f81bd"/>
+            </a:solidFill>
+            <a:round/>
+            <a:headEnd len="med" type="arrow" w="med"/>
+            <a:tailEnd len="med" type="arrow" w="med"/>
+          </a:ln>
+        </p:spPr>
+      </p:sp>
+      <p:sp>
+        <p:nvSpPr>
+          <p:cNvPr id="133" name="CustomShape 8"/>
+          <p:cNvSpPr/>
+          <p:nvPr/>
+        </p:nvSpPr>
+        <p:spPr>
+          <a:xfrm>
+            <a:off x="6221880" y="2957760"/>
+            <a:ext cx="2121480" cy="1456920"/>
+          </a:xfrm>
+          <a:prstGeom prst="flowChartDecision">
+            <a:avLst/>
+          </a:prstGeom>
+          <a:gradFill>
+            <a:gsLst>
+              <a:gs pos="0">
+                <a:srgbClr val="3e7fcc"/>
+              </a:gs>
+              <a:gs pos="100000">
+                <a:srgbClr val="a4c1ff"/>
+              </a:gs>
+            </a:gsLst>
+            <a:lin ang="16200000"/>
+          </a:gradFill>
+          <a:ln w="9360">
+            <a:solidFill>
+              <a:srgbClr val="4a7ebb"/>
+            </a:solidFill>
+            <a:round/>
+          </a:ln>
+        </p:spPr>
+        <p:txBody>
+          <a:bodyPr anchor="ctr" bIns="45000" lIns="90000" rIns="90000" tIns="45000"/>
+          <a:p>
+            <a:pPr algn="ctr">
+              <a:lnSpc>
+                <a:spcPct val="100000"/>
+              </a:lnSpc>
+            </a:pPr>
+            <a:r>
+              <a:rPr lang="de-DE">
+                <a:solidFill>
+                  <a:srgbClr val="ffffff"/>
+                </a:solidFill>
+                <a:latin typeface="Calibri"/>
+              </a:rPr>
+              <a:t>Success?</a:t>
+            </a:r>
+            <a:endParaRPr/>
+          </a:p>
+        </p:txBody>
+      </p:sp>
+      <p:sp>
+        <p:nvSpPr>
+          <p:cNvPr id="134" name="CustomShape 9"/>
+          <p:cNvSpPr/>
+          <p:nvPr/>
+        </p:nvSpPr>
+        <p:spPr>
+          <a:xfrm>
+            <a:off x="7283160" y="2498040"/>
+            <a:ext cx="360" cy="459000"/>
+          </a:xfrm>
+          <a:prstGeom prst="straightConnector1">
+            <a:avLst/>
+          </a:prstGeom>
+          <a:noFill/>
+          <a:ln w="25560">
+            <a:solidFill>
+              <a:srgbClr val="4f81bd"/>
+            </a:solidFill>
+            <a:round/>
+            <a:tailEnd len="med" type="arrow" w="med"/>
+          </a:ln>
+        </p:spPr>
+      </p:sp>
+      <p:sp>
+        <p:nvSpPr>
+          <p:cNvPr id="135" name="CustomShape 10"/>
+          <p:cNvSpPr/>
+          <p:nvPr/>
+        </p:nvSpPr>
+        <p:spPr>
+          <a:xfrm>
+            <a:off x="7283160" y="4415760"/>
+            <a:ext cx="360" cy="444240"/>
+          </a:xfrm>
+          <a:prstGeom prst="straightConnector1">
+            <a:avLst/>
+          </a:prstGeom>
+          <a:noFill/>
+          <a:ln w="25560">
+            <a:solidFill>
+              <a:srgbClr val="4f81bd"/>
+            </a:solidFill>
+            <a:round/>
+            <a:tailEnd len="med" type="arrow" w="med"/>
+          </a:ln>
+        </p:spPr>
+      </p:sp>
+      <p:sp>
+        <p:nvSpPr>
+          <p:cNvPr id="136" name="CustomShape 11"/>
+          <p:cNvSpPr/>
+          <p:nvPr/>
+        </p:nvSpPr>
+        <p:spPr>
+          <a:xfrm flipH="1" flipV="1">
+            <a:off x="2893320" y="5209920"/>
+            <a:ext cx="3327120" cy="9360"/>
+          </a:xfrm>
+          <a:prstGeom prst="straightConnector1">
+            <a:avLst/>
+          </a:prstGeom>
+          <a:noFill/>
+          <a:ln w="25560">
+            <a:solidFill>
+              <a:srgbClr val="4f81bd"/>
+            </a:solidFill>
+            <a:round/>
+            <a:tailEnd len="med" type="arrow" w="med"/>
+          </a:ln>
+        </p:spPr>
+      </p:sp>
+      <p:sp>
+        <p:nvSpPr>
+          <p:cNvPr id="137" name="CustomShape 12"/>
+          <p:cNvSpPr/>
+          <p:nvPr/>
+        </p:nvSpPr>
+        <p:spPr>
+          <a:xfrm>
+            <a:off x="3629880" y="4841280"/>
+            <a:ext cx="1985040" cy="364320"/>
+          </a:xfrm>
+          <a:prstGeom prst="rect">
+            <a:avLst/>
+          </a:prstGeom>
+          <a:noFill/>
+          <a:ln>
+            <a:noFill/>
+          </a:ln>
+        </p:spPr>
+        <p:txBody>
+          <a:bodyPr bIns="45000" lIns="90000" rIns="90000" tIns="45000" wrap="none"/>
+          <a:p>
+            <a:pPr>
+              <a:lnSpc>
+                <a:spcPct val="100000"/>
+              </a:lnSpc>
+            </a:pPr>
+            <a:r>
+              <a:rPr lang="de-DE">
+                <a:solidFill>
+                  <a:srgbClr val="000000"/>
+                </a:solidFill>
+                <a:latin typeface="Calibri"/>
+              </a:rPr>
+              <a:t>Send User’s Calendar Information</a:t>
+            </a:r>
+            <a:endParaRPr/>
+          </a:p>
+        </p:txBody>
+      </p:sp>
+      <p:sp>
+        <p:nvSpPr>
+          <p:cNvPr id="138" name="CustomShape 13"/>
+          <p:cNvSpPr/>
+          <p:nvPr/>
+        </p:nvSpPr>
+        <p:spPr>
+          <a:xfrm>
+            <a:off x="7347600" y="4391640"/>
+            <a:ext cx="352800" cy="364320"/>
+          </a:xfrm>
+          <a:prstGeom prst="rect">
+            <a:avLst/>
+          </a:prstGeom>
+          <a:noFill/>
+          <a:ln>
+            <a:noFill/>
+          </a:ln>
+        </p:spPr>
+        <p:txBody>
+          <a:bodyPr bIns="45000" lIns="90000" rIns="90000" tIns="45000" wrap="none"/>
+          <a:p>
+            <a:pPr>
+              <a:lnSpc>
+                <a:spcPct val="100000"/>
+              </a:lnSpc>
+            </a:pPr>
+            <a:r>
+              <a:rPr lang="de-DE">
+                <a:solidFill>
+                  <a:srgbClr val="000000"/>
+                </a:solidFill>
+                <a:latin typeface="Calibri"/>
+              </a:rPr>
+              <a:t>Yes</a:t>
+            </a:r>
+            <a:endParaRPr/>
+          </a:p>
+        </p:txBody>
+      </p:sp>
+      <p:sp>
+        <p:nvSpPr>
+          <p:cNvPr id="139" name="CustomShape 14"/>
+          <p:cNvSpPr/>
+          <p:nvPr/>
+        </p:nvSpPr>
+        <p:spPr>
+          <a:xfrm flipH="1" flipV="1">
+            <a:off x="1831320" y="1776960"/>
+            <a:ext cx="6510600" cy="1908000"/>
+          </a:xfrm>
+          <a:prstGeom prst="bentConnector4">
+            <a:avLst>
+              <a:gd fmla="val -3511" name="adj1"/>
+              <a:gd fmla="val 111975" name="adj2"/>
+            </a:avLst>
+          </a:prstGeom>
+          <a:noFill/>
+          <a:ln w="25560">
+            <a:solidFill>
+              <a:srgbClr val="4f81bd"/>
+            </a:solidFill>
+            <a:round/>
+            <a:tailEnd len="med" type="arrow" w="med"/>
+          </a:ln>
+        </p:spPr>
+      </p:sp>
+      <p:sp>
+        <p:nvSpPr>
+          <p:cNvPr id="140" name="CustomShape 15"/>
+          <p:cNvSpPr/>
+          <p:nvPr/>
+        </p:nvSpPr>
+        <p:spPr>
+          <a:xfrm>
+            <a:off x="2535120" y="3446640"/>
+            <a:ext cx="1799280" cy="364320"/>
+          </a:xfrm>
+          <a:prstGeom prst="rect">
+            <a:avLst/>
+          </a:prstGeom>
+          <a:noFill/>
+          <a:ln>
+            <a:noFill/>
+          </a:ln>
+        </p:spPr>
+        <p:txBody>
+          <a:bodyPr bIns="45000" lIns="90000" rIns="90000" tIns="45000" wrap="none"/>
+          <a:p>
+            <a:pPr>
+              <a:lnSpc>
+                <a:spcPct val="100000"/>
+              </a:lnSpc>
+            </a:pPr>
+            <a:r>
+              <a:rPr lang="de-DE">
+                <a:solidFill>
+                  <a:srgbClr val="000000"/>
+                </a:solidFill>
+                <a:latin typeface="Calibri"/>
+              </a:rPr>
+              <a:t>Send / Receive HTTP Requests</a:t>
+            </a:r>
+            <a:endParaRPr/>
+          </a:p>
+        </p:txBody>
+      </p:sp>
+      <p:sp>
+        <p:nvSpPr>
+          <p:cNvPr id="141" name="CustomShape 16"/>
+          <p:cNvSpPr/>
+          <p:nvPr/>
+        </p:nvSpPr>
+        <p:spPr>
+          <a:xfrm>
+            <a:off x="8631000" y="3056040"/>
+            <a:ext cx="336240" cy="364320"/>
+          </a:xfrm>
+          <a:prstGeom prst="rect">
+            <a:avLst/>
+          </a:prstGeom>
+          <a:noFill/>
+          <a:ln>
+            <a:noFill/>
+          </a:ln>
+        </p:spPr>
+        <p:txBody>
+          <a:bodyPr bIns="45000" lIns="90000" rIns="90000" tIns="45000" wrap="none"/>
+          <a:p>
+            <a:pPr>
+              <a:lnSpc>
+                <a:spcPct val="100000"/>
+              </a:lnSpc>
+            </a:pPr>
+            <a:r>
+              <a:rPr lang="de-DE">
+                <a:solidFill>
+                  <a:srgbClr val="000000"/>
+                </a:solidFill>
+                <a:latin typeface="Calibri"/>
+              </a:rPr>
+              <a:t>No</a:t>
+            </a:r>
+            <a:endParaRPr/>
+          </a:p>
+        </p:txBody>
+      </p:sp>
+      <p:sp>
+        <p:nvSpPr>
+          <p:cNvPr id="142" name="CustomShape 17"/>
+          <p:cNvSpPr/>
+          <p:nvPr/>
+        </p:nvSpPr>
+        <p:spPr>
+          <a:xfrm>
+            <a:off x="4243680" y="1760400"/>
+            <a:ext cx="727920" cy="364320"/>
+          </a:xfrm>
+          <a:prstGeom prst="rect">
+            <a:avLst/>
+          </a:prstGeom>
+          <a:noFill/>
+          <a:ln>
+            <a:noFill/>
+          </a:ln>
+        </p:spPr>
+        <p:txBody>
+          <a:bodyPr bIns="45000" lIns="90000" rIns="90000" tIns="45000" wrap="none"/>
+          <a:p>
+            <a:pPr>
+              <a:lnSpc>
+                <a:spcPct val="100000"/>
+              </a:lnSpc>
+            </a:pPr>
+            <a:r>
+              <a:rPr lang="de-DE">
+                <a:solidFill>
+                  <a:srgbClr val="000000"/>
+                </a:solidFill>
+                <a:latin typeface="Calibri"/>
+              </a:rPr>
+              <a:t>First Login</a:t>
+            </a:r>
+            <a:endParaRPr/>
+          </a:p>
+        </p:txBody>
+      </p:sp>
+      <p:sp>
+        <p:nvSpPr>
+          <p:cNvPr id="143" name="CustomShape 18"/>
+          <p:cNvSpPr/>
+          <p:nvPr/>
+        </p:nvSpPr>
+        <p:spPr>
+          <a:xfrm rot="20245800">
+            <a:off x="1323360" y="1910880"/>
+            <a:ext cx="7324200" cy="2166120"/>
+          </a:xfrm>
+          <a:prstGeom prst="rect">
+            <a:avLst/>
+          </a:prstGeom>
+          <a:noFill/>
+          <a:ln>
+            <a:noFill/>
+          </a:ln>
+        </p:spPr>
+        <p:txBody>
+          <a:bodyPr bIns="45000" lIns="90000" rIns="90000" tIns="45000" wrap="none"/>
+          <a:p>
+            <a:r>
+              <a:rPr lang="de-DE" sz="11620">
+                <a:solidFill>
+                  <a:srgbClr val="c5000b"/>
                 </a:solidFill>
               </a:rPr>
-              <a:t>among multiple students</a:t>
-            </a:r>
-            <a:endParaRPr/>
-          </a:p>
-        </p:txBody>
-      </p:sp>
-      <p:sp>
-        <p:nvSpPr>
-          <p:cNvPr id="97" name="TextShape 11"/>
-          <p:cNvSpPr txBox="1"/>
-          <p:nvPr/>
-        </p:nvSpPr>
-        <p:spPr>
-          <a:xfrm>
-            <a:off x="720000" y="5175000"/>
-            <a:ext cx="1662120" cy="657000"/>
-          </a:xfrm>
-          <a:prstGeom prst="rect">
-            <a:avLst/>
-          </a:prstGeom>
-        </p:spPr>
-        <p:txBody>
-          <a:bodyPr bIns="45000" lIns="90000" rIns="90000" tIns="45000" wrap="none"/>
-          <a:p>
-            <a:pPr algn="ctr"/>
-            <a:r>
-              <a:rPr lang="de-DE" sz="2000">
-                <a:solidFill>
-                  <a:srgbClr val="579d1c"/>
-                </a:solidFill>
-              </a:rPr>
-              <a:t>Best meeting</a:t>
-            </a:r>
-            <a:r>
-              <a:rPr lang="de-DE" sz="2000">
-                <a:solidFill>
-                  <a:srgbClr val="579d1c"/>
-                </a:solidFill>
-              </a:rPr>
-              <a:t>
-</a:t>
-            </a:r>
-            <a:r>
-              <a:rPr lang="de-DE" sz="2000">
-                <a:solidFill>
-                  <a:srgbClr val="579d1c"/>
-                </a:solidFill>
-              </a:rPr>
-              <a:t>slot</a:t>
+              <a:t>Remove?</a:t>
             </a:r>
             <a:endParaRPr/>
           </a:p>
@@ -4129,21 +5746,36 @@
       </p:grpSpPr>
       <p:sp>
         <p:nvSpPr>
-          <p:cNvPr id="98" name="TextShape 1"/>
-          <p:cNvSpPr txBox="1"/>
+          <p:cNvPr id="144" name="CustomShape 1"/>
+          <p:cNvSpPr/>
           <p:nvPr/>
         </p:nvSpPr>
         <p:spPr>
           <a:xfrm>
-            <a:off x="457200" y="274680"/>
-            <a:ext cx="8229240" cy="1142640"/>
-          </a:xfrm>
-          <a:prstGeom prst="rect">
-            <a:avLst/>
-          </a:prstGeom>
-        </p:spPr>
-        <p:txBody>
-          <a:bodyPr anchor="ctr"/>
+            <a:off x="482760" y="1728000"/>
+            <a:ext cx="8228880" cy="2949840"/>
+          </a:xfrm>
+          <a:prstGeom prst="rect">
+            <a:avLst/>
+          </a:prstGeom>
+          <a:noFill/>
+          <a:ln>
+            <a:noFill/>
+          </a:ln>
+        </p:spPr>
+        <p:txBody>
+          <a:bodyPr anchor="ctr" bIns="0" lIns="0" rIns="0" tIns="0" wrap="none"/>
+          <a:p>
+            <a:r>
+              <a:rPr lang="de-DE" sz="4800">
+                <a:solidFill>
+                  <a:srgbClr val="3465a4"/>
+                </a:solidFill>
+              </a:rPr>
+              <a:t>Skedify</a:t>
+            </a:r>
+            <a:endParaRPr/>
+          </a:p>
           <a:p>
             <a:pPr algn="ctr">
               <a:lnSpc>
@@ -4151,656 +5783,12 @@
               </a:lnSpc>
             </a:pPr>
             <a:r>
-              <a:rPr lang="en-US" sz="4400">
+              <a:rPr lang="de-DE" sz="4800">
                 <a:solidFill>
-                  <a:srgbClr val="000000"/>
-                </a:solidFill>
-                <a:latin typeface="Calibri"/>
-              </a:rPr>
-              <a:t>Our Application Cycle</a:t>
-            </a:r>
-            <a:endParaRPr/>
-          </a:p>
-        </p:txBody>
-      </p:sp>
-      <p:sp>
-        <p:nvSpPr>
-          <p:cNvPr id="99" name="CustomShape 2"/>
-          <p:cNvSpPr/>
-          <p:nvPr/>
-        </p:nvSpPr>
-        <p:spPr>
-          <a:xfrm>
-            <a:off x="771840" y="1777680"/>
-            <a:ext cx="2121840" cy="720000"/>
-          </a:xfrm>
-          <a:prstGeom prst="flowChartProcess">
-            <a:avLst/>
-          </a:prstGeom>
-          <a:gradFill>
-            <a:gsLst>
-              <a:gs pos="0">
-                <a:srgbClr val="3e7fcc"/>
-              </a:gs>
-              <a:gs pos="100000">
-                <a:srgbClr val="a4c1ff"/>
-              </a:gs>
-            </a:gsLst>
-            <a:lin ang="16200000"/>
-          </a:gradFill>
-          <a:ln w="9360">
-            <a:solidFill>
-              <a:srgbClr val="4a7ebb"/>
-            </a:solidFill>
-            <a:round/>
-          </a:ln>
-        </p:spPr>
-        <p:txBody>
-          <a:bodyPr anchor="ctr" bIns="45000" lIns="90000" rIns="90000" tIns="45000"/>
-          <a:p>
-            <a:pPr algn="ctr">
-              <a:lnSpc>
-                <a:spcPct val="100000"/>
-              </a:lnSpc>
-            </a:pPr>
-            <a:r>
-              <a:rPr lang="de-DE">
-                <a:solidFill>
-                  <a:srgbClr val="ffffff"/>
-                </a:solidFill>
-                <a:latin typeface="Calibri"/>
-              </a:rPr>
-              <a:t>iPhone (Client)</a:t>
-            </a:r>
-            <a:endParaRPr/>
-          </a:p>
-        </p:txBody>
-      </p:sp>
-      <p:sp>
-        <p:nvSpPr>
-          <p:cNvPr id="100" name="CustomShape 3"/>
-          <p:cNvSpPr/>
-          <p:nvPr/>
-        </p:nvSpPr>
-        <p:spPr>
-          <a:xfrm>
-            <a:off x="2894040" y="2138040"/>
-            <a:ext cx="3327480" cy="360"/>
-          </a:xfrm>
-          <a:prstGeom prst="straightConnector1">
-            <a:avLst/>
-          </a:prstGeom>
-          <a:noFill/>
-          <a:ln w="25560">
-            <a:solidFill>
-              <a:srgbClr val="4f81bd"/>
-            </a:solidFill>
-            <a:round/>
-            <a:tailEnd len="med" type="arrow" w="med"/>
-          </a:ln>
-        </p:spPr>
-      </p:sp>
-      <p:sp>
-        <p:nvSpPr>
-          <p:cNvPr id="101" name="CustomShape 4"/>
-          <p:cNvSpPr/>
-          <p:nvPr/>
-        </p:nvSpPr>
-        <p:spPr>
-          <a:xfrm>
-            <a:off x="6221880" y="1777680"/>
-            <a:ext cx="2121840" cy="720000"/>
-          </a:xfrm>
-          <a:prstGeom prst="flowChartProcess">
-            <a:avLst/>
-          </a:prstGeom>
-          <a:gradFill>
-            <a:gsLst>
-              <a:gs pos="0">
-                <a:srgbClr val="3e7fcc"/>
-              </a:gs>
-              <a:gs pos="100000">
-                <a:srgbClr val="a4c1ff"/>
-              </a:gs>
-            </a:gsLst>
-            <a:lin ang="16200000"/>
-          </a:gradFill>
-          <a:ln w="9360">
-            <a:solidFill>
-              <a:srgbClr val="4a7ebb"/>
-            </a:solidFill>
-            <a:round/>
-          </a:ln>
-        </p:spPr>
-        <p:txBody>
-          <a:bodyPr anchor="ctr" bIns="45000" lIns="90000" rIns="90000" tIns="45000"/>
-          <a:p>
-            <a:pPr algn="ctr">
-              <a:lnSpc>
-                <a:spcPct val="100000"/>
-              </a:lnSpc>
-            </a:pPr>
-            <a:r>
-              <a:rPr lang="de-DE">
-                <a:solidFill>
-                  <a:srgbClr val="ffffff"/>
-                </a:solidFill>
-                <a:latin typeface="Calibri"/>
-              </a:rPr>
-              <a:t>OAuth</a:t>
-            </a:r>
-            <a:endParaRPr/>
-          </a:p>
-        </p:txBody>
-      </p:sp>
-      <p:sp>
-        <p:nvSpPr>
-          <p:cNvPr id="102" name="CustomShape 5"/>
-          <p:cNvSpPr/>
-          <p:nvPr/>
-        </p:nvSpPr>
-        <p:spPr>
-          <a:xfrm>
-            <a:off x="6221880" y="4860720"/>
-            <a:ext cx="2121840" cy="720000"/>
-          </a:xfrm>
-          <a:prstGeom prst="flowChartProcess">
-            <a:avLst/>
-          </a:prstGeom>
-          <a:gradFill>
-            <a:gsLst>
-              <a:gs pos="0">
-                <a:srgbClr val="3e7fcc"/>
-              </a:gs>
-              <a:gs pos="100000">
-                <a:srgbClr val="a4c1ff"/>
-              </a:gs>
-            </a:gsLst>
-            <a:lin ang="16200000"/>
-          </a:gradFill>
-          <a:ln w="9360">
-            <a:solidFill>
-              <a:srgbClr val="4a7ebb"/>
-            </a:solidFill>
-            <a:round/>
-          </a:ln>
-        </p:spPr>
-        <p:txBody>
-          <a:bodyPr anchor="ctr" bIns="45000" lIns="90000" rIns="90000" tIns="45000"/>
-          <a:p>
-            <a:pPr algn="ctr">
-              <a:lnSpc>
-                <a:spcPct val="100000"/>
-              </a:lnSpc>
-            </a:pPr>
-            <a:r>
-              <a:rPr lang="de-DE">
-                <a:solidFill>
-                  <a:srgbClr val="ffffff"/>
-                </a:solidFill>
-                <a:latin typeface="Calibri"/>
-              </a:rPr>
-              <a:t>L2P API</a:t>
-            </a:r>
-            <a:endParaRPr/>
-          </a:p>
-        </p:txBody>
-      </p:sp>
-      <p:sp>
-        <p:nvSpPr>
-          <p:cNvPr id="103" name="CustomShape 6"/>
-          <p:cNvSpPr/>
-          <p:nvPr/>
-        </p:nvSpPr>
-        <p:spPr>
-          <a:xfrm>
-            <a:off x="771840" y="4850280"/>
-            <a:ext cx="2121840" cy="720000"/>
-          </a:xfrm>
-          <a:prstGeom prst="flowChartProcess">
-            <a:avLst/>
-          </a:prstGeom>
-          <a:gradFill>
-            <a:gsLst>
-              <a:gs pos="0">
-                <a:srgbClr val="3e7fcc"/>
-              </a:gs>
-              <a:gs pos="100000">
-                <a:srgbClr val="a4c1ff"/>
-              </a:gs>
-            </a:gsLst>
-            <a:lin ang="16200000"/>
-          </a:gradFill>
-          <a:ln w="9360">
-            <a:solidFill>
-              <a:srgbClr val="4a7ebb"/>
-            </a:solidFill>
-            <a:round/>
-          </a:ln>
-        </p:spPr>
-        <p:txBody>
-          <a:bodyPr anchor="ctr" bIns="45000" lIns="90000" rIns="90000" tIns="45000"/>
-          <a:p>
-            <a:pPr algn="ctr">
-              <a:lnSpc>
-                <a:spcPct val="100000"/>
-              </a:lnSpc>
-            </a:pPr>
-            <a:r>
-              <a:rPr lang="de-DE">
-                <a:solidFill>
-                  <a:srgbClr val="ffffff"/>
-                </a:solidFill>
-                <a:latin typeface="Calibri"/>
-              </a:rPr>
-              <a:t>Server</a:t>
-            </a:r>
-            <a:endParaRPr/>
-          </a:p>
-        </p:txBody>
-      </p:sp>
-      <p:sp>
-        <p:nvSpPr>
-          <p:cNvPr id="104" name="CustomShape 7"/>
-          <p:cNvSpPr/>
-          <p:nvPr/>
-        </p:nvSpPr>
-        <p:spPr>
-          <a:xfrm>
-            <a:off x="1832760" y="2498040"/>
-            <a:ext cx="360" cy="2351880"/>
-          </a:xfrm>
-          <a:prstGeom prst="straightConnector1">
-            <a:avLst/>
-          </a:prstGeom>
-          <a:noFill/>
-          <a:ln w="25560">
-            <a:solidFill>
-              <a:srgbClr val="4f81bd"/>
-            </a:solidFill>
-            <a:round/>
-            <a:headEnd len="med" type="arrow" w="med"/>
-            <a:tailEnd len="med" type="arrow" w="med"/>
-          </a:ln>
-        </p:spPr>
-      </p:sp>
-      <p:sp>
-        <p:nvSpPr>
-          <p:cNvPr id="105" name="CustomShape 8"/>
-          <p:cNvSpPr/>
-          <p:nvPr/>
-        </p:nvSpPr>
-        <p:spPr>
-          <a:xfrm>
-            <a:off x="6221880" y="2957760"/>
-            <a:ext cx="2121840" cy="1457280"/>
-          </a:xfrm>
-          <a:prstGeom prst="flowChartDecision">
-            <a:avLst/>
-          </a:prstGeom>
-          <a:gradFill>
-            <a:gsLst>
-              <a:gs pos="0">
-                <a:srgbClr val="3e7fcc"/>
-              </a:gs>
-              <a:gs pos="100000">
-                <a:srgbClr val="a4c1ff"/>
-              </a:gs>
-            </a:gsLst>
-            <a:lin ang="16200000"/>
-          </a:gradFill>
-          <a:ln w="9360">
-            <a:solidFill>
-              <a:srgbClr val="4a7ebb"/>
-            </a:solidFill>
-            <a:round/>
-          </a:ln>
-        </p:spPr>
-        <p:txBody>
-          <a:bodyPr anchor="ctr" bIns="45000" lIns="90000" rIns="90000" tIns="45000"/>
-          <a:p>
-            <a:pPr algn="ctr">
-              <a:lnSpc>
-                <a:spcPct val="100000"/>
-              </a:lnSpc>
-            </a:pPr>
-            <a:r>
-              <a:rPr lang="de-DE">
-                <a:solidFill>
-                  <a:srgbClr val="ffffff"/>
-                </a:solidFill>
-                <a:latin typeface="Calibri"/>
-              </a:rPr>
-              <a:t>Success?</a:t>
-            </a:r>
-            <a:endParaRPr/>
-          </a:p>
-        </p:txBody>
-      </p:sp>
-      <p:sp>
-        <p:nvSpPr>
-          <p:cNvPr id="106" name="CustomShape 9"/>
-          <p:cNvSpPr/>
-          <p:nvPr/>
-        </p:nvSpPr>
-        <p:spPr>
-          <a:xfrm>
-            <a:off x="7283160" y="2498040"/>
-            <a:ext cx="360" cy="459360"/>
-          </a:xfrm>
-          <a:prstGeom prst="straightConnector1">
-            <a:avLst/>
-          </a:prstGeom>
-          <a:noFill/>
-          <a:ln w="25560">
-            <a:solidFill>
-              <a:srgbClr val="4f81bd"/>
-            </a:solidFill>
-            <a:round/>
-            <a:tailEnd len="med" type="arrow" w="med"/>
-          </a:ln>
-        </p:spPr>
-      </p:sp>
-      <p:sp>
-        <p:nvSpPr>
-          <p:cNvPr id="107" name="CustomShape 10"/>
-          <p:cNvSpPr/>
-          <p:nvPr/>
-        </p:nvSpPr>
-        <p:spPr>
-          <a:xfrm>
-            <a:off x="7283160" y="4415760"/>
-            <a:ext cx="360" cy="444600"/>
-          </a:xfrm>
-          <a:prstGeom prst="straightConnector1">
-            <a:avLst/>
-          </a:prstGeom>
-          <a:noFill/>
-          <a:ln w="25560">
-            <a:solidFill>
-              <a:srgbClr val="4f81bd"/>
-            </a:solidFill>
-            <a:round/>
-            <a:tailEnd len="med" type="arrow" w="med"/>
-          </a:ln>
-        </p:spPr>
-      </p:sp>
-      <p:sp>
-        <p:nvSpPr>
-          <p:cNvPr id="108" name="CustomShape 11"/>
-          <p:cNvSpPr/>
-          <p:nvPr/>
-        </p:nvSpPr>
-        <p:spPr>
-          <a:xfrm flipH="1" flipV="1">
-            <a:off x="2893320" y="5209920"/>
-            <a:ext cx="3327480" cy="9720"/>
-          </a:xfrm>
-          <a:prstGeom prst="straightConnector1">
-            <a:avLst/>
-          </a:prstGeom>
-          <a:noFill/>
-          <a:ln w="25560">
-            <a:solidFill>
-              <a:srgbClr val="4f81bd"/>
-            </a:solidFill>
-            <a:round/>
-            <a:tailEnd len="med" type="arrow" w="med"/>
-          </a:ln>
-        </p:spPr>
-      </p:sp>
-      <p:sp>
-        <p:nvSpPr>
-          <p:cNvPr id="109" name="CustomShape 12"/>
-          <p:cNvSpPr/>
-          <p:nvPr/>
-        </p:nvSpPr>
-        <p:spPr>
-          <a:xfrm>
-            <a:off x="3629880" y="4841280"/>
-            <a:ext cx="1985400" cy="364680"/>
-          </a:xfrm>
-          <a:prstGeom prst="rect">
-            <a:avLst/>
-          </a:prstGeom>
-          <a:noFill/>
-          <a:ln>
-            <a:noFill/>
-          </a:ln>
-        </p:spPr>
-        <p:txBody>
-          <a:bodyPr bIns="45000" lIns="90000" rIns="90000" tIns="45000" wrap="none"/>
-          <a:p>
-            <a:pPr>
-              <a:lnSpc>
-                <a:spcPct val="100000"/>
-              </a:lnSpc>
-            </a:pPr>
-            <a:r>
-              <a:rPr lang="de-DE">
-                <a:solidFill>
-                  <a:srgbClr val="000000"/>
-                </a:solidFill>
-                <a:latin typeface="Calibri"/>
-              </a:rPr>
-              <a:t>Send User’s Calendar Information</a:t>
-            </a:r>
-            <a:endParaRPr/>
-          </a:p>
-        </p:txBody>
-      </p:sp>
-      <p:sp>
-        <p:nvSpPr>
-          <p:cNvPr id="110" name="CustomShape 13"/>
-          <p:cNvSpPr/>
-          <p:nvPr/>
-        </p:nvSpPr>
-        <p:spPr>
-          <a:xfrm>
-            <a:off x="7347600" y="4391640"/>
-            <a:ext cx="353160" cy="364680"/>
-          </a:xfrm>
-          <a:prstGeom prst="rect">
-            <a:avLst/>
-          </a:prstGeom>
-          <a:noFill/>
-          <a:ln>
-            <a:noFill/>
-          </a:ln>
-        </p:spPr>
-        <p:txBody>
-          <a:bodyPr bIns="45000" lIns="90000" rIns="90000" tIns="45000" wrap="none"/>
-          <a:p>
-            <a:pPr>
-              <a:lnSpc>
-                <a:spcPct val="100000"/>
-              </a:lnSpc>
-            </a:pPr>
-            <a:r>
-              <a:rPr lang="de-DE">
-                <a:solidFill>
-                  <a:srgbClr val="000000"/>
-                </a:solidFill>
-                <a:latin typeface="Calibri"/>
-              </a:rPr>
-              <a:t>Yes</a:t>
-            </a:r>
-            <a:endParaRPr/>
-          </a:p>
-        </p:txBody>
-      </p:sp>
-      <p:sp>
-        <p:nvSpPr>
-          <p:cNvPr id="111" name="CustomShape 14"/>
-          <p:cNvSpPr/>
-          <p:nvPr/>
-        </p:nvSpPr>
-        <p:spPr>
-          <a:xfrm flipH="1" flipV="1">
-            <a:off x="1832400" y="1776960"/>
-            <a:ext cx="6510960" cy="1908360"/>
-          </a:xfrm>
-          <a:prstGeom prst="bentConnector4">
-            <a:avLst>
-              <a:gd fmla="val -3511" name="adj1"/>
-              <a:gd fmla="val 111975" name="adj2"/>
-            </a:avLst>
-          </a:prstGeom>
-          <a:noFill/>
-          <a:ln w="25560">
-            <a:solidFill>
-              <a:srgbClr val="4f81bd"/>
-            </a:solidFill>
-            <a:round/>
-            <a:tailEnd len="med" type="arrow" w="med"/>
-          </a:ln>
-        </p:spPr>
-      </p:sp>
-      <p:sp>
-        <p:nvSpPr>
-          <p:cNvPr id="112" name="CustomShape 15"/>
-          <p:cNvSpPr/>
-          <p:nvPr/>
-        </p:nvSpPr>
-        <p:spPr>
-          <a:xfrm>
-            <a:off x="2535120" y="3446640"/>
-            <a:ext cx="1799640" cy="364680"/>
-          </a:xfrm>
-          <a:prstGeom prst="rect">
-            <a:avLst/>
-          </a:prstGeom>
-          <a:noFill/>
-          <a:ln>
-            <a:noFill/>
-          </a:ln>
-        </p:spPr>
-        <p:txBody>
-          <a:bodyPr bIns="45000" lIns="90000" rIns="90000" tIns="45000" wrap="none"/>
-          <a:p>
-            <a:pPr>
-              <a:lnSpc>
-                <a:spcPct val="100000"/>
-              </a:lnSpc>
-            </a:pPr>
-            <a:r>
-              <a:rPr lang="de-DE">
-                <a:solidFill>
-                  <a:srgbClr val="000000"/>
-                </a:solidFill>
-                <a:latin typeface="Calibri"/>
-              </a:rPr>
-              <a:t>Send / Receive HTTP Requests</a:t>
-            </a:r>
-            <a:endParaRPr/>
-          </a:p>
-        </p:txBody>
-      </p:sp>
-      <p:sp>
-        <p:nvSpPr>
-          <p:cNvPr id="113" name="CustomShape 16"/>
-          <p:cNvSpPr/>
-          <p:nvPr/>
-        </p:nvSpPr>
-        <p:spPr>
-          <a:xfrm>
-            <a:off x="8631000" y="3056040"/>
-            <a:ext cx="336600" cy="364680"/>
-          </a:xfrm>
-          <a:prstGeom prst="rect">
-            <a:avLst/>
-          </a:prstGeom>
-          <a:noFill/>
-          <a:ln>
-            <a:noFill/>
-          </a:ln>
-        </p:spPr>
-        <p:txBody>
-          <a:bodyPr bIns="45000" lIns="90000" rIns="90000" tIns="45000" wrap="none"/>
-          <a:p>
-            <a:pPr>
-              <a:lnSpc>
-                <a:spcPct val="100000"/>
-              </a:lnSpc>
-            </a:pPr>
-            <a:r>
-              <a:rPr lang="de-DE">
-                <a:solidFill>
-                  <a:srgbClr val="000000"/>
-                </a:solidFill>
-                <a:latin typeface="Calibri"/>
-              </a:rPr>
-              <a:t>No</a:t>
-            </a:r>
-            <a:endParaRPr/>
-          </a:p>
-        </p:txBody>
-      </p:sp>
-      <p:sp>
-        <p:nvSpPr>
-          <p:cNvPr id="114" name="CustomShape 17"/>
-          <p:cNvSpPr/>
-          <p:nvPr/>
-        </p:nvSpPr>
-        <p:spPr>
-          <a:xfrm>
-            <a:off x="4243680" y="1760400"/>
-            <a:ext cx="728280" cy="364680"/>
-          </a:xfrm>
-          <a:prstGeom prst="rect">
-            <a:avLst/>
-          </a:prstGeom>
-          <a:noFill/>
-          <a:ln>
-            <a:noFill/>
-          </a:ln>
-        </p:spPr>
-        <p:txBody>
-          <a:bodyPr bIns="45000" lIns="90000" rIns="90000" tIns="45000" wrap="none"/>
-          <a:p>
-            <a:pPr>
-              <a:lnSpc>
-                <a:spcPct val="100000"/>
-              </a:lnSpc>
-            </a:pPr>
-            <a:r>
-              <a:rPr lang="de-DE">
-                <a:solidFill>
-                  <a:srgbClr val="000000"/>
-                </a:solidFill>
-                <a:latin typeface="Calibri"/>
-              </a:rPr>
-              <a:t>First Login</a:t>
-            </a:r>
-            <a:endParaRPr/>
-          </a:p>
-        </p:txBody>
-      </p:sp>
-      <p:sp>
-        <p:nvSpPr>
-          <p:cNvPr id="115" name="TextShape 18"/>
-          <p:cNvSpPr txBox="1"/>
-          <p:nvPr/>
-        </p:nvSpPr>
-        <p:spPr>
-          <a:xfrm rot="20245800">
-            <a:off x="1323720" y="1910880"/>
-            <a:ext cx="7324560" cy="2166480"/>
-          </a:xfrm>
-          <a:prstGeom prst="rect">
-            <a:avLst/>
-          </a:prstGeom>
-        </p:spPr>
-        <p:txBody>
-          <a:bodyPr bIns="45000" lIns="90000" rIns="90000" tIns="45000" wrap="none"/>
-          <a:p>
-            <a:r>
-              <a:rPr lang="de-DE" sz="11620">
-                <a:solidFill>
-                  <a:srgbClr val="c5000b"/>
+                  <a:srgbClr val="3465a4"/>
                 </a:solidFill>
               </a:rPr>
-              <a:t>Remove?</a:t>
+              <a:t>in action</a:t>
             </a:r>
             <a:endParaRPr/>
           </a:p>
@@ -4857,35 +5845,87 @@
       </p:grpSpPr>
       <p:sp>
         <p:nvSpPr>
-          <p:cNvPr id="116" name="TextShape 1"/>
-          <p:cNvSpPr txBox="1"/>
+          <p:cNvPr id="145" name="CustomShape 1"/>
+          <p:cNvSpPr/>
           <p:nvPr/>
         </p:nvSpPr>
         <p:spPr>
           <a:xfrm>
-            <a:off x="482760" y="1728000"/>
-            <a:ext cx="8229240" cy="2950200"/>
-          </a:xfrm>
-          <a:prstGeom prst="rect">
-            <a:avLst/>
-          </a:prstGeom>
+            <a:off x="457200" y="108360"/>
+            <a:ext cx="8228880" cy="1474920"/>
+          </a:xfrm>
+          <a:prstGeom prst="rect">
+            <a:avLst/>
+          </a:prstGeom>
+          <a:noFill/>
+          <a:ln>
+            <a:noFill/>
+          </a:ln>
         </p:spPr>
         <p:txBody>
           <a:bodyPr anchor="ctr" bIns="0" lIns="0" rIns="0" tIns="0" wrap="none"/>
           <a:p>
-            <a:pPr algn="ctr"/>
+            <a:pPr algn="ctr">
+              <a:lnSpc>
+                <a:spcPct val="100000"/>
+              </a:lnSpc>
+            </a:pPr>
             <a:r>
-              <a:rPr lang="en-US"/>
-              <a:t>Skedify</a:t>
+              <a:rPr lang="de-DE"/>
+              <a:t>Forecast / Conclusion</a:t>
             </a:r>
+            <a:endParaRPr/>
+          </a:p>
+        </p:txBody>
+      </p:sp>
+      <p:sp>
+        <p:nvSpPr>
+          <p:cNvPr id="146" name="CustomShape 2"/>
+          <p:cNvSpPr/>
+          <p:nvPr/>
+        </p:nvSpPr>
+        <p:spPr>
+          <a:xfrm>
+            <a:off x="457200" y="1708200"/>
+            <a:ext cx="8228880" cy="4525200"/>
+          </a:xfrm>
+          <a:prstGeom prst="rect">
+            <a:avLst/>
+          </a:prstGeom>
+          <a:noFill/>
+          <a:ln>
+            <a:noFill/>
+          </a:ln>
+        </p:spPr>
+        <p:txBody>
+          <a:bodyPr bIns="0" lIns="0" rIns="0" tIns="0" wrap="none"/>
+          <a:p>
+            <a:pPr>
+              <a:lnSpc>
+                <a:spcPct val="150000"/>
+              </a:lnSpc>
+              <a:buSzPct val="25000"/>
+              <a:buFont typeface="StarSymbol"/>
+              <a:buChar char="l"/>
+            </a:pPr>
             <a:r>
-              <a:rPr lang="en-US"/>
-              <a:t>
-</a:t>
+              <a:rPr lang="de-DE" sz="5400"/>
+              <a:t>Secure authentication</a:t>
             </a:r>
+            <a:endParaRPr/>
+          </a:p>
+          <a:p>
+            <a:pPr>
+              <a:lnSpc>
+                <a:spcPct val="150000"/>
+              </a:lnSpc>
+              <a:buSzPct val="25000"/>
+              <a:buFont typeface="StarSymbol"/>
+              <a:buChar char="l"/>
+            </a:pPr>
             <a:r>
-              <a:rPr lang="en-US"/>
-              <a:t>in action</a:t>
+              <a:rPr lang="de-DE" sz="5400"/>
+              <a:t>Email notifications</a:t>
             </a:r>
             <a:endParaRPr/>
           </a:p>
@@ -5590,4 +6630,227 @@
     </a:fmtScheme>
   </a:themeElements>
 </a:theme>
+</file>
+
+<file path=ppt/theme/theme4.xml><?xml version="1.0" encoding="utf-8"?>
+<a:theme xmlns:a="http://schemas.openxmlformats.org/drawingml/2006/main" name="Office Theme">
+  <a:themeElements>
+    <a:clrScheme name="Office">
+      <a:dk1>
+        <a:sysClr val="windowText" lastClr="000000"/>
+      </a:dk1>
+      <a:lt1>
+        <a:sysClr val="window" lastClr="FFFFFF"/>
+      </a:lt1>
+      <a:dk2>
+        <a:srgbClr val="1F497D"/>
+      </a:dk2>
+      <a:lt2>
+        <a:srgbClr val="EEECE1"/>
+      </a:lt2>
+      <a:accent1>
+        <a:srgbClr val="4F81BD"/>
+      </a:accent1>
+      <a:accent2>
+        <a:srgbClr val="C0504D"/>
+      </a:accent2>
+      <a:accent3>
+        <a:srgbClr val="9BBB59"/>
+      </a:accent3>
+      <a:accent4>
+        <a:srgbClr val="8064A2"/>
+      </a:accent4>
+      <a:accent5>
+        <a:srgbClr val="4BACC6"/>
+      </a:accent5>
+      <a:accent6>
+        <a:srgbClr val="F79646"/>
+      </a:accent6>
+      <a:hlink>
+        <a:srgbClr val="0000FF"/>
+      </a:hlink>
+      <a:folHlink>
+        <a:srgbClr val="800080"/>
+      </a:folHlink>
+    </a:clrScheme>
+    <a:fontScheme name="Office">
+      <a:majorFont>
+        <a:latin typeface="Arial"/>
+        <a:ea typeface="DejaVu Sans"/>
+        <a:cs typeface="DejaVu Sans"/>
+      </a:majorFont>
+      <a:minorFont>
+        <a:latin typeface="Arial"/>
+        <a:ea typeface="DejaVu Sans"/>
+        <a:cs typeface="DejaVu Sans"/>
+      </a:minorFont>
+    </a:fontScheme>
+    <a:fmtScheme name="Office">
+      <a:fillStyleLst>
+        <a:solidFill>
+          <a:schemeClr val="phClr"/>
+        </a:solidFill>
+        <a:gradFill rotWithShape="1">
+          <a:gsLst>
+            <a:gs pos="0">
+              <a:schemeClr val="phClr">
+                <a:tint val="50000"/>
+                <a:satMod val="300000"/>
+              </a:schemeClr>
+            </a:gs>
+            <a:gs pos="35000">
+              <a:schemeClr val="phClr">
+                <a:tint val="37000"/>
+                <a:satMod val="300000"/>
+              </a:schemeClr>
+            </a:gs>
+            <a:gs pos="100000">
+              <a:schemeClr val="phClr">
+                <a:tint val="15000"/>
+                <a:satMod val="350000"/>
+              </a:schemeClr>
+            </a:gs>
+          </a:gsLst>
+          <a:lin ang="16200000" scaled="1"/>
+        </a:gradFill>
+        <a:gradFill rotWithShape="1">
+          <a:gsLst>
+            <a:gs pos="0">
+              <a:schemeClr val="phClr">
+                <a:shade val="51000"/>
+                <a:satMod val="130000"/>
+              </a:schemeClr>
+            </a:gs>
+            <a:gs pos="80000">
+              <a:schemeClr val="phClr">
+                <a:shade val="93000"/>
+                <a:satMod val="130000"/>
+              </a:schemeClr>
+            </a:gs>
+            <a:gs pos="100000">
+              <a:schemeClr val="phClr">
+                <a:shade val="94000"/>
+                <a:satMod val="135000"/>
+              </a:schemeClr>
+            </a:gs>
+          </a:gsLst>
+          <a:lin ang="16200000" scaled="0"/>
+        </a:gradFill>
+      </a:fillStyleLst>
+      <a:lnStyleLst>
+        <a:ln w="9525" cap="flat" cmpd="sng" algn="ctr">
+          <a:solidFill>
+            <a:schemeClr val="phClr">
+              <a:shade val="95000"/>
+              <a:satMod val="105000"/>
+            </a:schemeClr>
+          </a:solidFill>
+          <a:prstDash val="solid"/>
+        </a:ln>
+        <a:ln w="25400" cap="flat" cmpd="sng" algn="ctr">
+          <a:solidFill>
+            <a:schemeClr val="phClr"/>
+          </a:solidFill>
+          <a:prstDash val="solid"/>
+        </a:ln>
+        <a:ln w="38100" cap="flat" cmpd="sng" algn="ctr">
+          <a:solidFill>
+            <a:schemeClr val="phClr"/>
+          </a:solidFill>
+          <a:prstDash val="solid"/>
+        </a:ln>
+      </a:lnStyleLst>
+      <a:effectStyleLst>
+        <a:effectStyle>
+          <a:effectLst>
+            <a:outerShdw blurRad="40000" dist="20000" dir="5400000" rotWithShape="0">
+              <a:srgbClr val="000000">
+                <a:alpha val="38000"/>
+              </a:srgbClr>
+            </a:outerShdw>
+          </a:effectLst>
+        </a:effectStyle>
+        <a:effectStyle>
+          <a:effectLst>
+            <a:outerShdw blurRad="40000" dist="23000" dir="5400000" rotWithShape="0">
+              <a:srgbClr val="000000">
+                <a:alpha val="35000"/>
+              </a:srgbClr>
+            </a:outerShdw>
+          </a:effectLst>
+        </a:effectStyle>
+        <a:effectStyle>
+          <a:effectLst>
+            <a:outerShdw blurRad="40000" dist="23000" dir="5400000" rotWithShape="0">
+              <a:srgbClr val="000000">
+                <a:alpha val="35000"/>
+              </a:srgbClr>
+            </a:outerShdw>
+          </a:effectLst>
+          <a:scene3d>
+            <a:camera prst="orthographicFront">
+              <a:rot lat="0" lon="0" rev="0"/>
+            </a:camera>
+            <a:lightRig rig="threePt" dir="t">
+              <a:rot lat="0" lon="0" rev="1200000"/>
+            </a:lightRig>
+          </a:scene3d>
+          <a:sp3d>
+            <a:bevelT w="63500" h="25400"/>
+          </a:sp3d>
+        </a:effectStyle>
+      </a:effectStyleLst>
+      <a:bgFillStyleLst>
+        <a:solidFill>
+          <a:schemeClr val="phClr"/>
+        </a:solidFill>
+        <a:gradFill rotWithShape="1">
+          <a:gsLst>
+            <a:gs pos="0">
+              <a:schemeClr val="phClr">
+                <a:tint val="40000"/>
+                <a:satMod val="350000"/>
+              </a:schemeClr>
+            </a:gs>
+            <a:gs pos="40000">
+              <a:schemeClr val="phClr">
+                <a:tint val="45000"/>
+                <a:shade val="99000"/>
+                <a:satMod val="350000"/>
+              </a:schemeClr>
+            </a:gs>
+            <a:gs pos="100000">
+              <a:schemeClr val="phClr">
+                <a:shade val="20000"/>
+                <a:satMod val="255000"/>
+              </a:schemeClr>
+            </a:gs>
+          </a:gsLst>
+          <a:path path="circle">
+            <a:fillToRect l="50000" t="-80000" r="50000" b="180000"/>
+          </a:path>
+        </a:gradFill>
+        <a:gradFill rotWithShape="1">
+          <a:gsLst>
+            <a:gs pos="0">
+              <a:schemeClr val="phClr">
+                <a:tint val="80000"/>
+                <a:satMod val="300000"/>
+              </a:schemeClr>
+            </a:gs>
+            <a:gs pos="100000">
+              <a:schemeClr val="phClr">
+                <a:shade val="30000"/>
+                <a:satMod val="200000"/>
+              </a:schemeClr>
+            </a:gs>
+          </a:gsLst>
+          <a:path path="circle">
+            <a:fillToRect l="50000" t="50000" r="50000" b="50000"/>
+          </a:path>
+        </a:gradFill>
+      </a:bgFillStyleLst>
+    </a:fmtScheme>
+  </a:themeElements>
+</a:theme>
 </file>
--- a/Presentation.pptx
+++ b/Presentation.pptx
@@ -4,17 +4,16 @@
   <p:sldMasterIdLst>
     <p:sldMasterId id="2147483648" r:id="rId2"/>
     <p:sldMasterId id="2147483661" r:id="rId3"/>
-    <p:sldMasterId id="2147483674" r:id="rId4"/>
   </p:sldMasterIdLst>
   <p:notesMasterIdLst>
-    <p:notesMasterId r:id="rId5"/>
+    <p:notesMasterId r:id="rId4"/>
   </p:notesMasterIdLst>
   <p:sldIdLst>
-    <p:sldId id="256" r:id="rId6"/>
-    <p:sldId id="257" r:id="rId7"/>
-    <p:sldId id="258" r:id="rId8"/>
-    <p:sldId id="259" r:id="rId9"/>
-    <p:sldId id="260" r:id="rId10"/>
+    <p:sldId id="256" r:id="rId5"/>
+    <p:sldId id="257" r:id="rId6"/>
+    <p:sldId id="258" r:id="rId7"/>
+    <p:sldId id="259" r:id="rId8"/>
+    <p:sldId id="260" r:id="rId9"/>
   </p:sldIdLst>
   <p:sldSz cx="9144000" cy="6858000"/>
   <p:notesSz cx="7559675" cy="10691812"/>
@@ -40,7 +39,7 @@
       </p:grpSpPr>
       <p:sp>
         <p:nvSpPr>
-          <p:cNvPr id="108" name="PlaceHolder 1"/>
+          <p:cNvPr id="78" name="PlaceHolder 1"/>
           <p:cNvSpPr>
             <a:spLocks noGrp="1"/>
           </p:cNvSpPr>
@@ -70,7 +69,7 @@
       </p:sp>
       <p:sp>
         <p:nvSpPr>
-          <p:cNvPr id="109" name="PlaceHolder 2"/>
+          <p:cNvPr id="79" name="PlaceHolder 2"/>
           <p:cNvSpPr>
             <a:spLocks noGrp="1"/>
           </p:cNvSpPr>
@@ -100,7 +99,7 @@
       </p:sp>
       <p:sp>
         <p:nvSpPr>
-          <p:cNvPr id="110" name="PlaceHolder 3"/>
+          <p:cNvPr id="80" name="PlaceHolder 3"/>
           <p:cNvSpPr>
             <a:spLocks noGrp="1"/>
           </p:cNvSpPr>
@@ -131,7 +130,7 @@
       </p:sp>
       <p:sp>
         <p:nvSpPr>
-          <p:cNvPr id="111" name="PlaceHolder 4"/>
+          <p:cNvPr id="81" name="PlaceHolder 4"/>
           <p:cNvSpPr>
             <a:spLocks noGrp="1"/>
           </p:cNvSpPr>
@@ -161,7 +160,7 @@
       </p:sp>
       <p:sp>
         <p:nvSpPr>
-          <p:cNvPr id="112" name="PlaceHolder 5"/>
+          <p:cNvPr id="82" name="PlaceHolder 5"/>
           <p:cNvSpPr>
             <a:spLocks noGrp="1"/>
           </p:cNvSpPr>
@@ -182,7 +181,7 @@
           <a:bodyPr anchor="b" bIns="0" lIns="0" rIns="0" tIns="0" wrap="none"/>
           <a:p>
             <a:pPr algn="r"/>
-            <a:fld id="{F0F9ED1A-B1C9-4BB1-9B7D-668DE7BA8FB6}" type="slidenum">
+            <a:fld id="{988C55DC-E6D0-4958-AF6A-46EB167D12D3}" type="slidenum">
               <a:rPr lang="de-DE"/>
               <a:t>&lt;number&gt;</a:t>
             </a:fld>
@@ -196,7 +195,7 @@
 </p:notesMaster>
 </file>
 
-<file path=ppt/notesSlides/notesSlide4.xml><?xml version="1.0" encoding="utf-8"?>
+<file path=ppt/notesSlides/notesSlide5.xml><?xml version="1.0" encoding="utf-8"?>
 <p:notes xmlns:a="http://schemas.openxmlformats.org/drawingml/2006/main" xmlns:p="http://schemas.openxmlformats.org/presentationml/2006/main" xmlns:r="http://schemas.openxmlformats.org/officeDocument/2006/relationships">
   <p:cSld>
     <p:spTree>
@@ -215,7 +214,7 @@
       </p:grpSpPr>
       <p:sp>
         <p:nvSpPr>
-          <p:cNvPr id="147" name="PlaceHolder 1"/>
+          <p:cNvPr id="117" name="PlaceHolder 1"/>
           <p:cNvSpPr>
             <a:spLocks noGrp="1"/>
           </p:cNvSpPr>
@@ -226,7 +225,7 @@
         <p:spPr>
           <a:xfrm>
             <a:off x="756000" y="5078520"/>
-            <a:ext cx="6047280" cy="4811040"/>
+            <a:ext cx="6047640" cy="4811400"/>
           </a:xfrm>
           <a:prstGeom prst="rect">
             <a:avLst/>
@@ -289,7 +288,7 @@
       </p:grpSpPr>
       <p:sp>
         <p:nvSpPr>
-          <p:cNvPr id="23" name="PlaceHolder 1"/>
+          <p:cNvPr id="26" name="PlaceHolder 1"/>
           <p:cNvSpPr>
             <a:spLocks noGrp="1"/>
           </p:cNvSpPr>
@@ -300,7 +299,7 @@
         <p:spPr>
           <a:xfrm>
             <a:off x="457200" y="108360"/>
-            <a:ext cx="8228880" cy="1475280"/>
+            <a:ext cx="8229240" cy="1475280"/>
           </a:xfrm>
           <a:prstGeom prst="rect">
             <a:avLst/>
@@ -309,14 +308,13 @@
         <p:txBody>
           <a:bodyPr anchor="ctr" bIns="0" lIns="0" rIns="0" tIns="0" wrap="none"/>
           <a:p>
-            <a:pPr algn="ctr"/>
-            <a:endParaRPr/>
-          </a:p>
-        </p:txBody>
-      </p:sp>
-      <p:sp>
-        <p:nvSpPr>
-          <p:cNvPr id="24" name="PlaceHolder 2"/>
+            <a:endParaRPr/>
+          </a:p>
+        </p:txBody>
+      </p:sp>
+      <p:sp>
+        <p:nvSpPr>
+          <p:cNvPr id="27" name="PlaceHolder 2"/>
           <p:cNvSpPr>
             <a:spLocks noGrp="1"/>
           </p:cNvSpPr>
@@ -327,7 +325,7 @@
         <p:spPr>
           <a:xfrm>
             <a:off x="457200" y="1600200"/>
-            <a:ext cx="8228880" cy="2158200"/>
+            <a:ext cx="8229240" cy="2158200"/>
           </a:xfrm>
           <a:prstGeom prst="rect">
             <a:avLst/>
@@ -342,7 +340,7 @@
       </p:sp>
       <p:sp>
         <p:nvSpPr>
-          <p:cNvPr id="25" name="PlaceHolder 3"/>
+          <p:cNvPr id="28" name="PlaceHolder 3"/>
           <p:cNvSpPr>
             <a:spLocks noGrp="1"/>
           </p:cNvSpPr>
@@ -353,7 +351,7 @@
         <p:spPr>
           <a:xfrm>
             <a:off x="457200" y="3963600"/>
-            <a:ext cx="8228880" cy="2158200"/>
+            <a:ext cx="8229240" cy="2158200"/>
           </a:xfrm>
           <a:prstGeom prst="rect">
             <a:avLst/>
@@ -390,7 +388,7 @@
       </p:grpSpPr>
       <p:sp>
         <p:nvSpPr>
-          <p:cNvPr id="26" name="PlaceHolder 1"/>
+          <p:cNvPr id="29" name="PlaceHolder 1"/>
           <p:cNvSpPr>
             <a:spLocks noGrp="1"/>
           </p:cNvSpPr>
@@ -401,7 +399,7 @@
         <p:spPr>
           <a:xfrm>
             <a:off x="457200" y="108360"/>
-            <a:ext cx="8228880" cy="1475280"/>
+            <a:ext cx="8229240" cy="1475280"/>
           </a:xfrm>
           <a:prstGeom prst="rect">
             <a:avLst/>
@@ -410,14 +408,13 @@
         <p:txBody>
           <a:bodyPr anchor="ctr" bIns="0" lIns="0" rIns="0" tIns="0" wrap="none"/>
           <a:p>
-            <a:pPr algn="ctr"/>
-            <a:endParaRPr/>
-          </a:p>
-        </p:txBody>
-      </p:sp>
-      <p:sp>
-        <p:nvSpPr>
-          <p:cNvPr id="27" name="PlaceHolder 2"/>
+            <a:endParaRPr/>
+          </a:p>
+        </p:txBody>
+      </p:sp>
+      <p:sp>
+        <p:nvSpPr>
+          <p:cNvPr id="30" name="PlaceHolder 2"/>
           <p:cNvSpPr>
             <a:spLocks noGrp="1"/>
           </p:cNvSpPr>
@@ -443,7 +440,7 @@
       </p:sp>
       <p:sp>
         <p:nvSpPr>
-          <p:cNvPr id="28" name="PlaceHolder 3"/>
+          <p:cNvPr id="31" name="PlaceHolder 3"/>
           <p:cNvSpPr>
             <a:spLocks noGrp="1"/>
           </p:cNvSpPr>
@@ -469,7 +466,7 @@
       </p:sp>
       <p:sp>
         <p:nvSpPr>
-          <p:cNvPr id="29" name="PlaceHolder 4"/>
+          <p:cNvPr id="32" name="PlaceHolder 4"/>
           <p:cNvSpPr>
             <a:spLocks noGrp="1"/>
           </p:cNvSpPr>
@@ -495,7 +492,7 @@
       </p:sp>
       <p:sp>
         <p:nvSpPr>
-          <p:cNvPr id="30" name="PlaceHolder 5"/>
+          <p:cNvPr id="33" name="PlaceHolder 5"/>
           <p:cNvSpPr>
             <a:spLocks noGrp="1"/>
           </p:cNvSpPr>
@@ -543,7 +540,7 @@
       </p:grpSpPr>
       <p:sp>
         <p:nvSpPr>
-          <p:cNvPr id="31" name="PlaceHolder 1"/>
+          <p:cNvPr id="34" name="PlaceHolder 1"/>
           <p:cNvSpPr>
             <a:spLocks noGrp="1"/>
           </p:cNvSpPr>
@@ -554,7 +551,7 @@
         <p:spPr>
           <a:xfrm>
             <a:off x="457200" y="108360"/>
-            <a:ext cx="8228880" cy="1475280"/>
+            <a:ext cx="8229240" cy="1475280"/>
           </a:xfrm>
           <a:prstGeom prst="rect">
             <a:avLst/>
@@ -563,14 +560,13 @@
         <p:txBody>
           <a:bodyPr anchor="ctr" bIns="0" lIns="0" rIns="0" tIns="0" wrap="none"/>
           <a:p>
-            <a:pPr algn="ctr"/>
-            <a:endParaRPr/>
-          </a:p>
-        </p:txBody>
-      </p:sp>
-      <p:sp>
-        <p:nvSpPr>
-          <p:cNvPr id="32" name="PlaceHolder 2"/>
+            <a:endParaRPr/>
+          </a:p>
+        </p:txBody>
+      </p:sp>
+      <p:sp>
+        <p:nvSpPr>
+          <p:cNvPr id="35" name="PlaceHolder 2"/>
           <p:cNvSpPr>
             <a:spLocks noGrp="1"/>
           </p:cNvSpPr>
@@ -596,7 +592,7 @@
       </p:sp>
       <p:sp>
         <p:nvSpPr>
-          <p:cNvPr id="33" name="PlaceHolder 3"/>
+          <p:cNvPr id="36" name="PlaceHolder 3"/>
           <p:cNvSpPr>
             <a:spLocks noGrp="1"/>
           </p:cNvSpPr>
@@ -622,7 +618,7 @@
       </p:sp>
       <p:pic>
         <p:nvPicPr>
-          <p:cNvPr descr="" id="34" name=""/>
+          <p:cNvPr descr="" id="37" name=""/>
           <p:cNvPicPr/>
           <p:nvPr/>
         </p:nvPicPr>
@@ -647,7 +643,7 @@
       </p:pic>
       <p:pic>
         <p:nvPicPr>
-          <p:cNvPr descr="" id="35" name=""/>
+          <p:cNvPr descr="" id="38" name=""/>
           <p:cNvPicPr/>
           <p:nvPr/>
         </p:nvPicPr>
@@ -716,7 +712,7 @@
       </p:grpSpPr>
       <p:sp>
         <p:nvSpPr>
-          <p:cNvPr id="38" name="PlaceHolder 1"/>
+          <p:cNvPr id="44" name="PlaceHolder 1"/>
           <p:cNvSpPr>
             <a:spLocks noGrp="1"/>
           </p:cNvSpPr>
@@ -727,7 +723,7 @@
         <p:spPr>
           <a:xfrm>
             <a:off x="457200" y="108360"/>
-            <a:ext cx="8228880" cy="1475280"/>
+            <a:ext cx="8229240" cy="1475280"/>
           </a:xfrm>
           <a:prstGeom prst="rect">
             <a:avLst/>
@@ -736,14 +732,13 @@
         <p:txBody>
           <a:bodyPr anchor="ctr" bIns="0" lIns="0" rIns="0" tIns="0" wrap="none"/>
           <a:p>
-            <a:pPr algn="ctr"/>
-            <a:endParaRPr/>
-          </a:p>
-        </p:txBody>
-      </p:sp>
-      <p:sp>
-        <p:nvSpPr>
-          <p:cNvPr id="39" name="PlaceHolder 2"/>
+            <a:endParaRPr/>
+          </a:p>
+        </p:txBody>
+      </p:sp>
+      <p:sp>
+        <p:nvSpPr>
+          <p:cNvPr id="45" name="PlaceHolder 2"/>
           <p:cNvSpPr>
             <a:spLocks noGrp="1"/>
           </p:cNvSpPr>
@@ -754,7 +749,7 @@
         <p:spPr>
           <a:xfrm>
             <a:off x="457200" y="1600200"/>
-            <a:ext cx="8228880" cy="4525560"/>
+            <a:ext cx="8229240" cy="4525920"/>
           </a:xfrm>
           <a:prstGeom prst="rect">
             <a:avLst/>
@@ -792,7 +787,7 @@
       </p:grpSpPr>
       <p:sp>
         <p:nvSpPr>
-          <p:cNvPr id="40" name="PlaceHolder 1"/>
+          <p:cNvPr id="46" name="PlaceHolder 1"/>
           <p:cNvSpPr>
             <a:spLocks noGrp="1"/>
           </p:cNvSpPr>
@@ -803,7 +798,7 @@
         <p:spPr>
           <a:xfrm>
             <a:off x="457200" y="108360"/>
-            <a:ext cx="8228880" cy="1475280"/>
+            <a:ext cx="8229240" cy="1475280"/>
           </a:xfrm>
           <a:prstGeom prst="rect">
             <a:avLst/>
@@ -812,14 +807,13 @@
         <p:txBody>
           <a:bodyPr anchor="ctr" bIns="0" lIns="0" rIns="0" tIns="0" wrap="none"/>
           <a:p>
-            <a:pPr algn="ctr"/>
-            <a:endParaRPr/>
-          </a:p>
-        </p:txBody>
-      </p:sp>
-      <p:sp>
-        <p:nvSpPr>
-          <p:cNvPr id="41" name="PlaceHolder 2"/>
+            <a:endParaRPr/>
+          </a:p>
+        </p:txBody>
+      </p:sp>
+      <p:sp>
+        <p:nvSpPr>
+          <p:cNvPr id="47" name="PlaceHolder 2"/>
           <p:cNvSpPr>
             <a:spLocks noGrp="1"/>
           </p:cNvSpPr>
@@ -830,7 +824,7 @@
         <p:spPr>
           <a:xfrm>
             <a:off x="457200" y="1600200"/>
-            <a:ext cx="8228880" cy="4525200"/>
+            <a:ext cx="8229240" cy="4525560"/>
           </a:xfrm>
           <a:prstGeom prst="rect">
             <a:avLst/>
@@ -867,7 +861,7 @@
       </p:grpSpPr>
       <p:sp>
         <p:nvSpPr>
-          <p:cNvPr id="42" name="PlaceHolder 1"/>
+          <p:cNvPr id="48" name="PlaceHolder 1"/>
           <p:cNvSpPr>
             <a:spLocks noGrp="1"/>
           </p:cNvSpPr>
@@ -878,7 +872,7 @@
         <p:spPr>
           <a:xfrm>
             <a:off x="457200" y="108360"/>
-            <a:ext cx="8228880" cy="1475280"/>
+            <a:ext cx="8229240" cy="1475280"/>
           </a:xfrm>
           <a:prstGeom prst="rect">
             <a:avLst/>
@@ -887,14 +881,13 @@
         <p:txBody>
           <a:bodyPr anchor="ctr" bIns="0" lIns="0" rIns="0" tIns="0" wrap="none"/>
           <a:p>
-            <a:pPr algn="ctr"/>
-            <a:endParaRPr/>
-          </a:p>
-        </p:txBody>
-      </p:sp>
-      <p:sp>
-        <p:nvSpPr>
-          <p:cNvPr id="43" name="PlaceHolder 2"/>
+            <a:endParaRPr/>
+          </a:p>
+        </p:txBody>
+      </p:sp>
+      <p:sp>
+        <p:nvSpPr>
+          <p:cNvPr id="49" name="PlaceHolder 2"/>
           <p:cNvSpPr>
             <a:spLocks noGrp="1"/>
           </p:cNvSpPr>
@@ -905,7 +898,7 @@
         <p:spPr>
           <a:xfrm>
             <a:off x="457200" y="1600200"/>
-            <a:ext cx="4015440" cy="4525200"/>
+            <a:ext cx="4015440" cy="4525560"/>
           </a:xfrm>
           <a:prstGeom prst="rect">
             <a:avLst/>
@@ -920,7 +913,7 @@
       </p:sp>
       <p:sp>
         <p:nvSpPr>
-          <p:cNvPr id="44" name="PlaceHolder 3"/>
+          <p:cNvPr id="50" name="PlaceHolder 3"/>
           <p:cNvSpPr>
             <a:spLocks noGrp="1"/>
           </p:cNvSpPr>
@@ -931,7 +924,7 @@
         <p:spPr>
           <a:xfrm>
             <a:off x="4673520" y="1600200"/>
-            <a:ext cx="4015440" cy="4525200"/>
+            <a:ext cx="4015440" cy="4525560"/>
           </a:xfrm>
           <a:prstGeom prst="rect">
             <a:avLst/>
@@ -968,7 +961,7 @@
       </p:grpSpPr>
       <p:sp>
         <p:nvSpPr>
-          <p:cNvPr id="45" name="PlaceHolder 1"/>
+          <p:cNvPr id="51" name="PlaceHolder 1"/>
           <p:cNvSpPr>
             <a:spLocks noGrp="1"/>
           </p:cNvSpPr>
@@ -979,7 +972,7 @@
         <p:spPr>
           <a:xfrm>
             <a:off x="457200" y="108360"/>
-            <a:ext cx="8228880" cy="1475280"/>
+            <a:ext cx="8229240" cy="1475280"/>
           </a:xfrm>
           <a:prstGeom prst="rect">
             <a:avLst/>
@@ -988,7 +981,6 @@
         <p:txBody>
           <a:bodyPr anchor="ctr" bIns="0" lIns="0" rIns="0" tIns="0" wrap="none"/>
           <a:p>
-            <a:pPr algn="ctr"/>
             <a:endParaRPr/>
           </a:p>
         </p:txBody>
@@ -1017,7 +1009,7 @@
       </p:grpSpPr>
       <p:sp>
         <p:nvSpPr>
-          <p:cNvPr id="46" name="PlaceHolder 1"/>
+          <p:cNvPr id="52" name="PlaceHolder 1"/>
           <p:cNvSpPr>
             <a:spLocks noGrp="1"/>
           </p:cNvSpPr>
@@ -1027,8 +1019,8 @@
         </p:nvSpPr>
         <p:spPr>
           <a:xfrm>
-            <a:off x="457200" y="108360"/>
-            <a:ext cx="8228880" cy="6017040"/>
+            <a:off x="457200" y="274680"/>
+            <a:ext cx="8229240" cy="5851080"/>
           </a:xfrm>
           <a:prstGeom prst="rect">
             <a:avLst/>
@@ -1066,7 +1058,7 @@
       </p:grpSpPr>
       <p:sp>
         <p:nvSpPr>
-          <p:cNvPr id="47" name="PlaceHolder 1"/>
+          <p:cNvPr id="53" name="PlaceHolder 1"/>
           <p:cNvSpPr>
             <a:spLocks noGrp="1"/>
           </p:cNvSpPr>
@@ -1077,7 +1069,7 @@
         <p:spPr>
           <a:xfrm>
             <a:off x="457200" y="108360"/>
-            <a:ext cx="8228880" cy="1475280"/>
+            <a:ext cx="8229240" cy="1475280"/>
           </a:xfrm>
           <a:prstGeom prst="rect">
             <a:avLst/>
@@ -1086,14 +1078,13 @@
         <p:txBody>
           <a:bodyPr anchor="ctr" bIns="0" lIns="0" rIns="0" tIns="0" wrap="none"/>
           <a:p>
-            <a:pPr algn="ctr"/>
-            <a:endParaRPr/>
-          </a:p>
-        </p:txBody>
-      </p:sp>
-      <p:sp>
-        <p:nvSpPr>
-          <p:cNvPr id="48" name="PlaceHolder 2"/>
+            <a:endParaRPr/>
+          </a:p>
+        </p:txBody>
+      </p:sp>
+      <p:sp>
+        <p:nvSpPr>
+          <p:cNvPr id="54" name="PlaceHolder 2"/>
           <p:cNvSpPr>
             <a:spLocks noGrp="1"/>
           </p:cNvSpPr>
@@ -1119,7 +1110,7 @@
       </p:sp>
       <p:sp>
         <p:nvSpPr>
-          <p:cNvPr id="49" name="PlaceHolder 3"/>
+          <p:cNvPr id="55" name="PlaceHolder 3"/>
           <p:cNvSpPr>
             <a:spLocks noGrp="1"/>
           </p:cNvSpPr>
@@ -1145,7 +1136,7 @@
       </p:sp>
       <p:sp>
         <p:nvSpPr>
-          <p:cNvPr id="50" name="PlaceHolder 4"/>
+          <p:cNvPr id="56" name="PlaceHolder 4"/>
           <p:cNvSpPr>
             <a:spLocks noGrp="1"/>
           </p:cNvSpPr>
@@ -1156,7 +1147,7 @@
         <p:spPr>
           <a:xfrm>
             <a:off x="4673520" y="1600200"/>
-            <a:ext cx="4015440" cy="4525200"/>
+            <a:ext cx="4015440" cy="4525560"/>
           </a:xfrm>
           <a:prstGeom prst="rect">
             <a:avLst/>
@@ -1193,7 +1184,7 @@
       </p:grpSpPr>
       <p:sp>
         <p:nvSpPr>
-          <p:cNvPr id="2" name="PlaceHolder 1"/>
+          <p:cNvPr id="5" name="PlaceHolder 1"/>
           <p:cNvSpPr>
             <a:spLocks noGrp="1"/>
           </p:cNvSpPr>
@@ -1204,7 +1195,7 @@
         <p:spPr>
           <a:xfrm>
             <a:off x="457200" y="108360"/>
-            <a:ext cx="8228880" cy="1475280"/>
+            <a:ext cx="8229240" cy="1475280"/>
           </a:xfrm>
           <a:prstGeom prst="rect">
             <a:avLst/>
@@ -1213,14 +1204,13 @@
         <p:txBody>
           <a:bodyPr anchor="ctr" bIns="0" lIns="0" rIns="0" tIns="0" wrap="none"/>
           <a:p>
-            <a:pPr algn="ctr"/>
-            <a:endParaRPr/>
-          </a:p>
-        </p:txBody>
-      </p:sp>
-      <p:sp>
-        <p:nvSpPr>
-          <p:cNvPr id="3" name="PlaceHolder 2"/>
+            <a:endParaRPr/>
+          </a:p>
+        </p:txBody>
+      </p:sp>
+      <p:sp>
+        <p:nvSpPr>
+          <p:cNvPr id="6" name="PlaceHolder 2"/>
           <p:cNvSpPr>
             <a:spLocks noGrp="1"/>
           </p:cNvSpPr>
@@ -1231,7 +1221,7 @@
         <p:spPr>
           <a:xfrm>
             <a:off x="457200" y="1600200"/>
-            <a:ext cx="8228880" cy="4525560"/>
+            <a:ext cx="8229240" cy="4525920"/>
           </a:xfrm>
           <a:prstGeom prst="rect">
             <a:avLst/>
@@ -1269,7 +1259,7 @@
       </p:grpSpPr>
       <p:sp>
         <p:nvSpPr>
-          <p:cNvPr id="51" name="PlaceHolder 1"/>
+          <p:cNvPr id="57" name="PlaceHolder 1"/>
           <p:cNvSpPr>
             <a:spLocks noGrp="1"/>
           </p:cNvSpPr>
@@ -1280,7 +1270,7 @@
         <p:spPr>
           <a:xfrm>
             <a:off x="457200" y="108360"/>
-            <a:ext cx="8228880" cy="1475280"/>
+            <a:ext cx="8229240" cy="1475280"/>
           </a:xfrm>
           <a:prstGeom prst="rect">
             <a:avLst/>
@@ -1289,14 +1279,13 @@
         <p:txBody>
           <a:bodyPr anchor="ctr" bIns="0" lIns="0" rIns="0" tIns="0" wrap="none"/>
           <a:p>
-            <a:pPr algn="ctr"/>
-            <a:endParaRPr/>
-          </a:p>
-        </p:txBody>
-      </p:sp>
-      <p:sp>
-        <p:nvSpPr>
-          <p:cNvPr id="52" name="PlaceHolder 2"/>
+            <a:endParaRPr/>
+          </a:p>
+        </p:txBody>
+      </p:sp>
+      <p:sp>
+        <p:nvSpPr>
+          <p:cNvPr id="58" name="PlaceHolder 2"/>
           <p:cNvSpPr>
             <a:spLocks noGrp="1"/>
           </p:cNvSpPr>
@@ -1307,7 +1296,7 @@
         <p:spPr>
           <a:xfrm>
             <a:off x="457200" y="1600200"/>
-            <a:ext cx="4015440" cy="4525200"/>
+            <a:ext cx="4015440" cy="4525560"/>
           </a:xfrm>
           <a:prstGeom prst="rect">
             <a:avLst/>
@@ -1322,7 +1311,7 @@
       </p:sp>
       <p:sp>
         <p:nvSpPr>
-          <p:cNvPr id="53" name="PlaceHolder 3"/>
+          <p:cNvPr id="59" name="PlaceHolder 3"/>
           <p:cNvSpPr>
             <a:spLocks noGrp="1"/>
           </p:cNvSpPr>
@@ -1348,7 +1337,7 @@
       </p:sp>
       <p:sp>
         <p:nvSpPr>
-          <p:cNvPr id="54" name="PlaceHolder 4"/>
+          <p:cNvPr id="60" name="PlaceHolder 4"/>
           <p:cNvSpPr>
             <a:spLocks noGrp="1"/>
           </p:cNvSpPr>
@@ -1396,7 +1385,7 @@
       </p:grpSpPr>
       <p:sp>
         <p:nvSpPr>
-          <p:cNvPr id="55" name="PlaceHolder 1"/>
+          <p:cNvPr id="61" name="PlaceHolder 1"/>
           <p:cNvSpPr>
             <a:spLocks noGrp="1"/>
           </p:cNvSpPr>
@@ -1407,7 +1396,7 @@
         <p:spPr>
           <a:xfrm>
             <a:off x="457200" y="108360"/>
-            <a:ext cx="8228880" cy="1475280"/>
+            <a:ext cx="8229240" cy="1475280"/>
           </a:xfrm>
           <a:prstGeom prst="rect">
             <a:avLst/>
@@ -1416,14 +1405,13 @@
         <p:txBody>
           <a:bodyPr anchor="ctr" bIns="0" lIns="0" rIns="0" tIns="0" wrap="none"/>
           <a:p>
-            <a:pPr algn="ctr"/>
-            <a:endParaRPr/>
-          </a:p>
-        </p:txBody>
-      </p:sp>
-      <p:sp>
-        <p:nvSpPr>
-          <p:cNvPr id="56" name="PlaceHolder 2"/>
+            <a:endParaRPr/>
+          </a:p>
+        </p:txBody>
+      </p:sp>
+      <p:sp>
+        <p:nvSpPr>
+          <p:cNvPr id="62" name="PlaceHolder 2"/>
           <p:cNvSpPr>
             <a:spLocks noGrp="1"/>
           </p:cNvSpPr>
@@ -1449,7 +1437,7 @@
       </p:sp>
       <p:sp>
         <p:nvSpPr>
-          <p:cNvPr id="57" name="PlaceHolder 3"/>
+          <p:cNvPr id="63" name="PlaceHolder 3"/>
           <p:cNvSpPr>
             <a:spLocks noGrp="1"/>
           </p:cNvSpPr>
@@ -1475,7 +1463,7 @@
       </p:sp>
       <p:sp>
         <p:nvSpPr>
-          <p:cNvPr id="58" name="PlaceHolder 4"/>
+          <p:cNvPr id="64" name="PlaceHolder 4"/>
           <p:cNvSpPr>
             <a:spLocks noGrp="1"/>
           </p:cNvSpPr>
@@ -1523,7 +1511,7 @@
       </p:grpSpPr>
       <p:sp>
         <p:nvSpPr>
-          <p:cNvPr id="59" name="PlaceHolder 1"/>
+          <p:cNvPr id="65" name="PlaceHolder 1"/>
           <p:cNvSpPr>
             <a:spLocks noGrp="1"/>
           </p:cNvSpPr>
@@ -1534,7 +1522,7 @@
         <p:spPr>
           <a:xfrm>
             <a:off x="457200" y="108360"/>
-            <a:ext cx="8228880" cy="1475280"/>
+            <a:ext cx="8229240" cy="1475280"/>
           </a:xfrm>
           <a:prstGeom prst="rect">
             <a:avLst/>
@@ -1543,14 +1531,13 @@
         <p:txBody>
           <a:bodyPr anchor="ctr" bIns="0" lIns="0" rIns="0" tIns="0" wrap="none"/>
           <a:p>
-            <a:pPr algn="ctr"/>
-            <a:endParaRPr/>
-          </a:p>
-        </p:txBody>
-      </p:sp>
-      <p:sp>
-        <p:nvSpPr>
-          <p:cNvPr id="60" name="PlaceHolder 2"/>
+            <a:endParaRPr/>
+          </a:p>
+        </p:txBody>
+      </p:sp>
+      <p:sp>
+        <p:nvSpPr>
+          <p:cNvPr id="66" name="PlaceHolder 2"/>
           <p:cNvSpPr>
             <a:spLocks noGrp="1"/>
           </p:cNvSpPr>
@@ -1561,7 +1548,7 @@
         <p:spPr>
           <a:xfrm>
             <a:off x="457200" y="1600200"/>
-            <a:ext cx="8228880" cy="2158200"/>
+            <a:ext cx="8229240" cy="2158200"/>
           </a:xfrm>
           <a:prstGeom prst="rect">
             <a:avLst/>
@@ -1576,7 +1563,7 @@
       </p:sp>
       <p:sp>
         <p:nvSpPr>
-          <p:cNvPr id="61" name="PlaceHolder 3"/>
+          <p:cNvPr id="67" name="PlaceHolder 3"/>
           <p:cNvSpPr>
             <a:spLocks noGrp="1"/>
           </p:cNvSpPr>
@@ -1587,7 +1574,7 @@
         <p:spPr>
           <a:xfrm>
             <a:off x="457200" y="3963600"/>
-            <a:ext cx="8228880" cy="2158200"/>
+            <a:ext cx="8229240" cy="2158200"/>
           </a:xfrm>
           <a:prstGeom prst="rect">
             <a:avLst/>
@@ -1624,7 +1611,7 @@
       </p:grpSpPr>
       <p:sp>
         <p:nvSpPr>
-          <p:cNvPr id="62" name="PlaceHolder 1"/>
+          <p:cNvPr id="68" name="PlaceHolder 1"/>
           <p:cNvSpPr>
             <a:spLocks noGrp="1"/>
           </p:cNvSpPr>
@@ -1635,7 +1622,7 @@
         <p:spPr>
           <a:xfrm>
             <a:off x="457200" y="108360"/>
-            <a:ext cx="8228880" cy="1475280"/>
+            <a:ext cx="8229240" cy="1475280"/>
           </a:xfrm>
           <a:prstGeom prst="rect">
             <a:avLst/>
@@ -1644,14 +1631,13 @@
         <p:txBody>
           <a:bodyPr anchor="ctr" bIns="0" lIns="0" rIns="0" tIns="0" wrap="none"/>
           <a:p>
-            <a:pPr algn="ctr"/>
-            <a:endParaRPr/>
-          </a:p>
-        </p:txBody>
-      </p:sp>
-      <p:sp>
-        <p:nvSpPr>
-          <p:cNvPr id="63" name="PlaceHolder 2"/>
+            <a:endParaRPr/>
+          </a:p>
+        </p:txBody>
+      </p:sp>
+      <p:sp>
+        <p:nvSpPr>
+          <p:cNvPr id="69" name="PlaceHolder 2"/>
           <p:cNvSpPr>
             <a:spLocks noGrp="1"/>
           </p:cNvSpPr>
@@ -1677,7 +1663,7 @@
       </p:sp>
       <p:sp>
         <p:nvSpPr>
-          <p:cNvPr id="64" name="PlaceHolder 3"/>
+          <p:cNvPr id="70" name="PlaceHolder 3"/>
           <p:cNvSpPr>
             <a:spLocks noGrp="1"/>
           </p:cNvSpPr>
@@ -1703,7 +1689,7 @@
       </p:sp>
       <p:sp>
         <p:nvSpPr>
-          <p:cNvPr id="65" name="PlaceHolder 4"/>
+          <p:cNvPr id="71" name="PlaceHolder 4"/>
           <p:cNvSpPr>
             <a:spLocks noGrp="1"/>
           </p:cNvSpPr>
@@ -1729,7 +1715,7 @@
       </p:sp>
       <p:sp>
         <p:nvSpPr>
-          <p:cNvPr id="66" name="PlaceHolder 5"/>
+          <p:cNvPr id="72" name="PlaceHolder 5"/>
           <p:cNvSpPr>
             <a:spLocks noGrp="1"/>
           </p:cNvSpPr>
@@ -1777,7 +1763,7 @@
       </p:grpSpPr>
       <p:sp>
         <p:nvSpPr>
-          <p:cNvPr id="67" name="PlaceHolder 1"/>
+          <p:cNvPr id="73" name="PlaceHolder 1"/>
           <p:cNvSpPr>
             <a:spLocks noGrp="1"/>
           </p:cNvSpPr>
@@ -1788,7 +1774,7 @@
         <p:spPr>
           <a:xfrm>
             <a:off x="457200" y="108360"/>
-            <a:ext cx="8228880" cy="1475280"/>
+            <a:ext cx="8229240" cy="1475280"/>
           </a:xfrm>
           <a:prstGeom prst="rect">
             <a:avLst/>
@@ -1797,14 +1783,13 @@
         <p:txBody>
           <a:bodyPr anchor="ctr" bIns="0" lIns="0" rIns="0" tIns="0" wrap="none"/>
           <a:p>
-            <a:pPr algn="ctr"/>
-            <a:endParaRPr/>
-          </a:p>
-        </p:txBody>
-      </p:sp>
-      <p:sp>
-        <p:nvSpPr>
-          <p:cNvPr id="68" name="PlaceHolder 2"/>
+            <a:endParaRPr/>
+          </a:p>
+        </p:txBody>
+      </p:sp>
+      <p:sp>
+        <p:nvSpPr>
+          <p:cNvPr id="74" name="PlaceHolder 2"/>
           <p:cNvSpPr>
             <a:spLocks noGrp="1"/>
           </p:cNvSpPr>
@@ -1830,7 +1815,7 @@
       </p:sp>
       <p:sp>
         <p:nvSpPr>
-          <p:cNvPr id="69" name="PlaceHolder 3"/>
+          <p:cNvPr id="75" name="PlaceHolder 3"/>
           <p:cNvSpPr>
             <a:spLocks noGrp="1"/>
           </p:cNvSpPr>
@@ -1856,7 +1841,7 @@
       </p:sp>
       <p:pic>
         <p:nvPicPr>
-          <p:cNvPr descr="" id="70" name=""/>
+          <p:cNvPr descr="" id="76" name=""/>
           <p:cNvPicPr/>
           <p:nvPr/>
         </p:nvPicPr>
@@ -1881,7 +1866,7 @@
       </p:pic>
       <p:pic>
         <p:nvPicPr>
-          <p:cNvPr descr="" id="71" name=""/>
+          <p:cNvPr descr="" id="77" name=""/>
           <p:cNvPicPr/>
           <p:nvPr/>
         </p:nvPicPr>
@@ -1904,329 +1889,6 @@
           </a:ln>
         </p:spPr>
       </p:pic>
-    </p:spTree>
-  </p:cSld>
-</p:sldLayout>
-</file>
-
-<file path=ppt/slideLayouts/slideLayout25.xml><?xml version="1.0" encoding="utf-8"?>
-<p:sldLayout xmlns:a="http://schemas.openxmlformats.org/drawingml/2006/main" xmlns:p="http://schemas.openxmlformats.org/presentationml/2006/main" xmlns:r="http://schemas.openxmlformats.org/officeDocument/2006/relationships" preserve="1" type="blank">
-  <p:cSld name="Blank Slide">
-    <p:spTree>
-      <p:nvGrpSpPr>
-        <p:cNvPr id="1" name=""/>
-        <p:cNvGrpSpPr/>
-        <p:nvPr/>
-      </p:nvGrpSpPr>
-      <p:grpSpPr>
-        <a:xfrm>
-          <a:off x="0" y="0"/>
-          <a:ext cx="0" cy="0"/>
-          <a:chOff x="0" y="0"/>
-          <a:chExt cx="0" cy="0"/>
-        </a:xfrm>
-      </p:grpSpPr>
-    </p:spTree>
-  </p:cSld>
-</p:sldLayout>
-</file>
-
-<file path=ppt/slideLayouts/slideLayout26.xml><?xml version="1.0" encoding="utf-8"?>
-<p:sldLayout xmlns:a="http://schemas.openxmlformats.org/drawingml/2006/main" xmlns:p="http://schemas.openxmlformats.org/presentationml/2006/main" xmlns:r="http://schemas.openxmlformats.org/officeDocument/2006/relationships" preserve="1" type="tx">
-  <p:cSld name="Title Slide">
-    <p:spTree>
-      <p:nvGrpSpPr>
-        <p:cNvPr id="1" name=""/>
-        <p:cNvGrpSpPr/>
-        <p:nvPr/>
-      </p:nvGrpSpPr>
-      <p:grpSpPr>
-        <a:xfrm>
-          <a:off x="0" y="0"/>
-          <a:ext cx="0" cy="0"/>
-          <a:chOff x="0" y="0"/>
-          <a:chExt cx="0" cy="0"/>
-        </a:xfrm>
-      </p:grpSpPr>
-      <p:sp>
-        <p:nvSpPr>
-          <p:cNvPr id="74" name="PlaceHolder 1"/>
-          <p:cNvSpPr>
-            <a:spLocks noGrp="1"/>
-          </p:cNvSpPr>
-          <p:nvPr>
-            <p:ph type="title"/>
-          </p:nvPr>
-        </p:nvSpPr>
-        <p:spPr>
-          <a:xfrm>
-            <a:off x="457200" y="108360"/>
-            <a:ext cx="8228880" cy="1475280"/>
-          </a:xfrm>
-          <a:prstGeom prst="rect">
-            <a:avLst/>
-          </a:prstGeom>
-        </p:spPr>
-        <p:txBody>
-          <a:bodyPr anchor="ctr" bIns="0" lIns="0" rIns="0" tIns="0" wrap="none"/>
-          <a:p>
-            <a:pPr algn="ctr"/>
-            <a:endParaRPr/>
-          </a:p>
-        </p:txBody>
-      </p:sp>
-      <p:sp>
-        <p:nvSpPr>
-          <p:cNvPr id="75" name="PlaceHolder 2"/>
-          <p:cNvSpPr>
-            <a:spLocks noGrp="1"/>
-          </p:cNvSpPr>
-          <p:nvPr>
-            <p:ph type="subTitle"/>
-          </p:nvPr>
-        </p:nvSpPr>
-        <p:spPr>
-          <a:xfrm>
-            <a:off x="457200" y="1600200"/>
-            <a:ext cx="8228880" cy="4525560"/>
-          </a:xfrm>
-          <a:prstGeom prst="rect">
-            <a:avLst/>
-          </a:prstGeom>
-        </p:spPr>
-        <p:txBody>
-          <a:bodyPr anchor="ctr" bIns="0" lIns="0" rIns="0" tIns="0" wrap="none"/>
-          <a:p>
-            <a:pPr algn="ctr"/>
-            <a:endParaRPr/>
-          </a:p>
-        </p:txBody>
-      </p:sp>
-    </p:spTree>
-  </p:cSld>
-</p:sldLayout>
-</file>
-
-<file path=ppt/slideLayouts/slideLayout27.xml><?xml version="1.0" encoding="utf-8"?>
-<p:sldLayout xmlns:a="http://schemas.openxmlformats.org/drawingml/2006/main" xmlns:p="http://schemas.openxmlformats.org/presentationml/2006/main" xmlns:r="http://schemas.openxmlformats.org/officeDocument/2006/relationships" preserve="1" type="obj">
-  <p:cSld name="Title, Content">
-    <p:spTree>
-      <p:nvGrpSpPr>
-        <p:cNvPr id="1" name=""/>
-        <p:cNvGrpSpPr/>
-        <p:nvPr/>
-      </p:nvGrpSpPr>
-      <p:grpSpPr>
-        <a:xfrm>
-          <a:off x="0" y="0"/>
-          <a:ext cx="0" cy="0"/>
-          <a:chOff x="0" y="0"/>
-          <a:chExt cx="0" cy="0"/>
-        </a:xfrm>
-      </p:grpSpPr>
-      <p:sp>
-        <p:nvSpPr>
-          <p:cNvPr id="76" name="PlaceHolder 1"/>
-          <p:cNvSpPr>
-            <a:spLocks noGrp="1"/>
-          </p:cNvSpPr>
-          <p:nvPr>
-            <p:ph type="title"/>
-          </p:nvPr>
-        </p:nvSpPr>
-        <p:spPr>
-          <a:xfrm>
-            <a:off x="457200" y="108360"/>
-            <a:ext cx="8228880" cy="1475280"/>
-          </a:xfrm>
-          <a:prstGeom prst="rect">
-            <a:avLst/>
-          </a:prstGeom>
-        </p:spPr>
-        <p:txBody>
-          <a:bodyPr anchor="ctr" bIns="0" lIns="0" rIns="0" tIns="0" wrap="none"/>
-          <a:p>
-            <a:pPr algn="ctr"/>
-            <a:endParaRPr/>
-          </a:p>
-        </p:txBody>
-      </p:sp>
-      <p:sp>
-        <p:nvSpPr>
-          <p:cNvPr id="77" name="PlaceHolder 2"/>
-          <p:cNvSpPr>
-            <a:spLocks noGrp="1"/>
-          </p:cNvSpPr>
-          <p:nvPr>
-            <p:ph type="body"/>
-          </p:nvPr>
-        </p:nvSpPr>
-        <p:spPr>
-          <a:xfrm>
-            <a:off x="457200" y="1600200"/>
-            <a:ext cx="8228880" cy="4525200"/>
-          </a:xfrm>
-          <a:prstGeom prst="rect">
-            <a:avLst/>
-          </a:prstGeom>
-        </p:spPr>
-        <p:txBody>
-          <a:bodyPr bIns="0" lIns="0" rIns="0" tIns="0" wrap="none"/>
-          <a:p>
-            <a:endParaRPr/>
-          </a:p>
-        </p:txBody>
-      </p:sp>
-    </p:spTree>
-  </p:cSld>
-</p:sldLayout>
-</file>
-
-<file path=ppt/slideLayouts/slideLayout28.xml><?xml version="1.0" encoding="utf-8"?>
-<p:sldLayout xmlns:a="http://schemas.openxmlformats.org/drawingml/2006/main" xmlns:p="http://schemas.openxmlformats.org/presentationml/2006/main" xmlns:r="http://schemas.openxmlformats.org/officeDocument/2006/relationships" preserve="1" type="twoObj">
-  <p:cSld name="Title, 2 Content">
-    <p:spTree>
-      <p:nvGrpSpPr>
-        <p:cNvPr id="1" name=""/>
-        <p:cNvGrpSpPr/>
-        <p:nvPr/>
-      </p:nvGrpSpPr>
-      <p:grpSpPr>
-        <a:xfrm>
-          <a:off x="0" y="0"/>
-          <a:ext cx="0" cy="0"/>
-          <a:chOff x="0" y="0"/>
-          <a:chExt cx="0" cy="0"/>
-        </a:xfrm>
-      </p:grpSpPr>
-      <p:sp>
-        <p:nvSpPr>
-          <p:cNvPr id="78" name="PlaceHolder 1"/>
-          <p:cNvSpPr>
-            <a:spLocks noGrp="1"/>
-          </p:cNvSpPr>
-          <p:nvPr>
-            <p:ph type="title"/>
-          </p:nvPr>
-        </p:nvSpPr>
-        <p:spPr>
-          <a:xfrm>
-            <a:off x="457200" y="108360"/>
-            <a:ext cx="8228880" cy="1475280"/>
-          </a:xfrm>
-          <a:prstGeom prst="rect">
-            <a:avLst/>
-          </a:prstGeom>
-        </p:spPr>
-        <p:txBody>
-          <a:bodyPr anchor="ctr" bIns="0" lIns="0" rIns="0" tIns="0" wrap="none"/>
-          <a:p>
-            <a:pPr algn="ctr"/>
-            <a:endParaRPr/>
-          </a:p>
-        </p:txBody>
-      </p:sp>
-      <p:sp>
-        <p:nvSpPr>
-          <p:cNvPr id="79" name="PlaceHolder 2"/>
-          <p:cNvSpPr>
-            <a:spLocks noGrp="1"/>
-          </p:cNvSpPr>
-          <p:nvPr>
-            <p:ph type="body"/>
-          </p:nvPr>
-        </p:nvSpPr>
-        <p:spPr>
-          <a:xfrm>
-            <a:off x="457200" y="1600200"/>
-            <a:ext cx="4015440" cy="4525200"/>
-          </a:xfrm>
-          <a:prstGeom prst="rect">
-            <a:avLst/>
-          </a:prstGeom>
-        </p:spPr>
-        <p:txBody>
-          <a:bodyPr bIns="0" lIns="0" rIns="0" tIns="0" wrap="none"/>
-          <a:p>
-            <a:endParaRPr/>
-          </a:p>
-        </p:txBody>
-      </p:sp>
-      <p:sp>
-        <p:nvSpPr>
-          <p:cNvPr id="80" name="PlaceHolder 3"/>
-          <p:cNvSpPr>
-            <a:spLocks noGrp="1"/>
-          </p:cNvSpPr>
-          <p:nvPr>
-            <p:ph type="body"/>
-          </p:nvPr>
-        </p:nvSpPr>
-        <p:spPr>
-          <a:xfrm>
-            <a:off x="4673520" y="1600200"/>
-            <a:ext cx="4015440" cy="4525200"/>
-          </a:xfrm>
-          <a:prstGeom prst="rect">
-            <a:avLst/>
-          </a:prstGeom>
-        </p:spPr>
-        <p:txBody>
-          <a:bodyPr bIns="0" lIns="0" rIns="0" tIns="0" wrap="none"/>
-          <a:p>
-            <a:endParaRPr/>
-          </a:p>
-        </p:txBody>
-      </p:sp>
-    </p:spTree>
-  </p:cSld>
-</p:sldLayout>
-</file>
-
-<file path=ppt/slideLayouts/slideLayout29.xml><?xml version="1.0" encoding="utf-8"?>
-<p:sldLayout xmlns:a="http://schemas.openxmlformats.org/drawingml/2006/main" xmlns:p="http://schemas.openxmlformats.org/presentationml/2006/main" xmlns:r="http://schemas.openxmlformats.org/officeDocument/2006/relationships" preserve="1" type="titleOnly">
-  <p:cSld name="Title Only">
-    <p:spTree>
-      <p:nvGrpSpPr>
-        <p:cNvPr id="1" name=""/>
-        <p:cNvGrpSpPr/>
-        <p:nvPr/>
-      </p:nvGrpSpPr>
-      <p:grpSpPr>
-        <a:xfrm>
-          <a:off x="0" y="0"/>
-          <a:ext cx="0" cy="0"/>
-          <a:chOff x="0" y="0"/>
-          <a:chExt cx="0" cy="0"/>
-        </a:xfrm>
-      </p:grpSpPr>
-      <p:sp>
-        <p:nvSpPr>
-          <p:cNvPr id="81" name="PlaceHolder 1"/>
-          <p:cNvSpPr>
-            <a:spLocks noGrp="1"/>
-          </p:cNvSpPr>
-          <p:nvPr>
-            <p:ph type="title"/>
-          </p:nvPr>
-        </p:nvSpPr>
-        <p:spPr>
-          <a:xfrm>
-            <a:off x="457200" y="108360"/>
-            <a:ext cx="8228880" cy="1475280"/>
-          </a:xfrm>
-          <a:prstGeom prst="rect">
-            <a:avLst/>
-          </a:prstGeom>
-        </p:spPr>
-        <p:txBody>
-          <a:bodyPr anchor="ctr" bIns="0" lIns="0" rIns="0" tIns="0" wrap="none"/>
-          <a:p>
-            <a:pPr algn="ctr"/>
-            <a:endParaRPr/>
-          </a:p>
-        </p:txBody>
-      </p:sp>
     </p:spTree>
   </p:cSld>
 </p:sldLayout>
@@ -2251,7 +1913,7 @@
       </p:grpSpPr>
       <p:sp>
         <p:nvSpPr>
-          <p:cNvPr id="4" name="PlaceHolder 1"/>
+          <p:cNvPr id="7" name="PlaceHolder 1"/>
           <p:cNvSpPr>
             <a:spLocks noGrp="1"/>
           </p:cNvSpPr>
@@ -2262,7 +1924,7 @@
         <p:spPr>
           <a:xfrm>
             <a:off x="457200" y="108360"/>
-            <a:ext cx="8228880" cy="1475280"/>
+            <a:ext cx="8229240" cy="1475280"/>
           </a:xfrm>
           <a:prstGeom prst="rect">
             <a:avLst/>
@@ -2271,14 +1933,13 @@
         <p:txBody>
           <a:bodyPr anchor="ctr" bIns="0" lIns="0" rIns="0" tIns="0" wrap="none"/>
           <a:p>
-            <a:pPr algn="ctr"/>
-            <a:endParaRPr/>
-          </a:p>
-        </p:txBody>
-      </p:sp>
-      <p:sp>
-        <p:nvSpPr>
-          <p:cNvPr id="5" name="PlaceHolder 2"/>
+            <a:endParaRPr/>
+          </a:p>
+        </p:txBody>
+      </p:sp>
+      <p:sp>
+        <p:nvSpPr>
+          <p:cNvPr id="8" name="PlaceHolder 2"/>
           <p:cNvSpPr>
             <a:spLocks noGrp="1"/>
           </p:cNvSpPr>
@@ -2289,7 +1950,7 @@
         <p:spPr>
           <a:xfrm>
             <a:off x="457200" y="1600200"/>
-            <a:ext cx="8228880" cy="4525200"/>
+            <a:ext cx="8229240" cy="4525560"/>
           </a:xfrm>
           <a:prstGeom prst="rect">
             <a:avLst/>
@@ -2302,841 +1963,6 @@
           </a:p>
         </p:txBody>
       </p:sp>
-    </p:spTree>
-  </p:cSld>
-</p:sldLayout>
-</file>
-
-<file path=ppt/slideLayouts/slideLayout30.xml><?xml version="1.0" encoding="utf-8"?>
-<p:sldLayout xmlns:a="http://schemas.openxmlformats.org/drawingml/2006/main" xmlns:p="http://schemas.openxmlformats.org/presentationml/2006/main" xmlns:r="http://schemas.openxmlformats.org/officeDocument/2006/relationships" preserve="1" type="objOnly">
-  <p:cSld name="Centered Text">
-    <p:spTree>
-      <p:nvGrpSpPr>
-        <p:cNvPr id="1" name=""/>
-        <p:cNvGrpSpPr/>
-        <p:nvPr/>
-      </p:nvGrpSpPr>
-      <p:grpSpPr>
-        <a:xfrm>
-          <a:off x="0" y="0"/>
-          <a:ext cx="0" cy="0"/>
-          <a:chOff x="0" y="0"/>
-          <a:chExt cx="0" cy="0"/>
-        </a:xfrm>
-      </p:grpSpPr>
-      <p:sp>
-        <p:nvSpPr>
-          <p:cNvPr id="82" name="PlaceHolder 1"/>
-          <p:cNvSpPr>
-            <a:spLocks noGrp="1"/>
-          </p:cNvSpPr>
-          <p:nvPr>
-            <p:ph type="subTitle"/>
-          </p:nvPr>
-        </p:nvSpPr>
-        <p:spPr>
-          <a:xfrm>
-            <a:off x="457200" y="108360"/>
-            <a:ext cx="8228880" cy="6017040"/>
-          </a:xfrm>
-          <a:prstGeom prst="rect">
-            <a:avLst/>
-          </a:prstGeom>
-        </p:spPr>
-        <p:txBody>
-          <a:bodyPr anchor="ctr" bIns="0" lIns="0" rIns="0" tIns="0" wrap="none"/>
-          <a:p>
-            <a:pPr algn="ctr"/>
-            <a:endParaRPr/>
-          </a:p>
-        </p:txBody>
-      </p:sp>
-    </p:spTree>
-  </p:cSld>
-</p:sldLayout>
-</file>
-
-<file path=ppt/slideLayouts/slideLayout31.xml><?xml version="1.0" encoding="utf-8"?>
-<p:sldLayout xmlns:a="http://schemas.openxmlformats.org/drawingml/2006/main" xmlns:p="http://schemas.openxmlformats.org/presentationml/2006/main" xmlns:r="http://schemas.openxmlformats.org/officeDocument/2006/relationships" preserve="1" type="twoObjAndObj">
-  <p:cSld name="Title, 2 Content and Content">
-    <p:spTree>
-      <p:nvGrpSpPr>
-        <p:cNvPr id="1" name=""/>
-        <p:cNvGrpSpPr/>
-        <p:nvPr/>
-      </p:nvGrpSpPr>
-      <p:grpSpPr>
-        <a:xfrm>
-          <a:off x="0" y="0"/>
-          <a:ext cx="0" cy="0"/>
-          <a:chOff x="0" y="0"/>
-          <a:chExt cx="0" cy="0"/>
-        </a:xfrm>
-      </p:grpSpPr>
-      <p:sp>
-        <p:nvSpPr>
-          <p:cNvPr id="83" name="PlaceHolder 1"/>
-          <p:cNvSpPr>
-            <a:spLocks noGrp="1"/>
-          </p:cNvSpPr>
-          <p:nvPr>
-            <p:ph type="title"/>
-          </p:nvPr>
-        </p:nvSpPr>
-        <p:spPr>
-          <a:xfrm>
-            <a:off x="457200" y="108360"/>
-            <a:ext cx="8228880" cy="1475280"/>
-          </a:xfrm>
-          <a:prstGeom prst="rect">
-            <a:avLst/>
-          </a:prstGeom>
-        </p:spPr>
-        <p:txBody>
-          <a:bodyPr anchor="ctr" bIns="0" lIns="0" rIns="0" tIns="0" wrap="none"/>
-          <a:p>
-            <a:pPr algn="ctr"/>
-            <a:endParaRPr/>
-          </a:p>
-        </p:txBody>
-      </p:sp>
-      <p:sp>
-        <p:nvSpPr>
-          <p:cNvPr id="84" name="PlaceHolder 2"/>
-          <p:cNvSpPr>
-            <a:spLocks noGrp="1"/>
-          </p:cNvSpPr>
-          <p:nvPr>
-            <p:ph type="body"/>
-          </p:nvPr>
-        </p:nvSpPr>
-        <p:spPr>
-          <a:xfrm>
-            <a:off x="457200" y="1600200"/>
-            <a:ext cx="4015440" cy="2158200"/>
-          </a:xfrm>
-          <a:prstGeom prst="rect">
-            <a:avLst/>
-          </a:prstGeom>
-        </p:spPr>
-        <p:txBody>
-          <a:bodyPr bIns="0" lIns="0" rIns="0" tIns="0" wrap="none"/>
-          <a:p>
-            <a:endParaRPr/>
-          </a:p>
-        </p:txBody>
-      </p:sp>
-      <p:sp>
-        <p:nvSpPr>
-          <p:cNvPr id="85" name="PlaceHolder 3"/>
-          <p:cNvSpPr>
-            <a:spLocks noGrp="1"/>
-          </p:cNvSpPr>
-          <p:nvPr>
-            <p:ph type="body"/>
-          </p:nvPr>
-        </p:nvSpPr>
-        <p:spPr>
-          <a:xfrm>
-            <a:off x="457200" y="3963600"/>
-            <a:ext cx="4015440" cy="2158200"/>
-          </a:xfrm>
-          <a:prstGeom prst="rect">
-            <a:avLst/>
-          </a:prstGeom>
-        </p:spPr>
-        <p:txBody>
-          <a:bodyPr bIns="0" lIns="0" rIns="0" tIns="0" wrap="none"/>
-          <a:p>
-            <a:endParaRPr/>
-          </a:p>
-        </p:txBody>
-      </p:sp>
-      <p:sp>
-        <p:nvSpPr>
-          <p:cNvPr id="86" name="PlaceHolder 4"/>
-          <p:cNvSpPr>
-            <a:spLocks noGrp="1"/>
-          </p:cNvSpPr>
-          <p:nvPr>
-            <p:ph type="body"/>
-          </p:nvPr>
-        </p:nvSpPr>
-        <p:spPr>
-          <a:xfrm>
-            <a:off x="4673520" y="1600200"/>
-            <a:ext cx="4015440" cy="4525200"/>
-          </a:xfrm>
-          <a:prstGeom prst="rect">
-            <a:avLst/>
-          </a:prstGeom>
-        </p:spPr>
-        <p:txBody>
-          <a:bodyPr bIns="0" lIns="0" rIns="0" tIns="0" wrap="none"/>
-          <a:p>
-            <a:endParaRPr/>
-          </a:p>
-        </p:txBody>
-      </p:sp>
-    </p:spTree>
-  </p:cSld>
-</p:sldLayout>
-</file>
-
-<file path=ppt/slideLayouts/slideLayout32.xml><?xml version="1.0" encoding="utf-8"?>
-<p:sldLayout xmlns:a="http://schemas.openxmlformats.org/drawingml/2006/main" xmlns:p="http://schemas.openxmlformats.org/presentationml/2006/main" xmlns:r="http://schemas.openxmlformats.org/officeDocument/2006/relationships" preserve="1" type="objAndTwoObj">
-  <p:cSld name="Title Content and 2 Content">
-    <p:spTree>
-      <p:nvGrpSpPr>
-        <p:cNvPr id="1" name=""/>
-        <p:cNvGrpSpPr/>
-        <p:nvPr/>
-      </p:nvGrpSpPr>
-      <p:grpSpPr>
-        <a:xfrm>
-          <a:off x="0" y="0"/>
-          <a:ext cx="0" cy="0"/>
-          <a:chOff x="0" y="0"/>
-          <a:chExt cx="0" cy="0"/>
-        </a:xfrm>
-      </p:grpSpPr>
-      <p:sp>
-        <p:nvSpPr>
-          <p:cNvPr id="87" name="PlaceHolder 1"/>
-          <p:cNvSpPr>
-            <a:spLocks noGrp="1"/>
-          </p:cNvSpPr>
-          <p:nvPr>
-            <p:ph type="title"/>
-          </p:nvPr>
-        </p:nvSpPr>
-        <p:spPr>
-          <a:xfrm>
-            <a:off x="457200" y="108360"/>
-            <a:ext cx="8228880" cy="1475280"/>
-          </a:xfrm>
-          <a:prstGeom prst="rect">
-            <a:avLst/>
-          </a:prstGeom>
-        </p:spPr>
-        <p:txBody>
-          <a:bodyPr anchor="ctr" bIns="0" lIns="0" rIns="0" tIns="0" wrap="none"/>
-          <a:p>
-            <a:pPr algn="ctr"/>
-            <a:endParaRPr/>
-          </a:p>
-        </p:txBody>
-      </p:sp>
-      <p:sp>
-        <p:nvSpPr>
-          <p:cNvPr id="88" name="PlaceHolder 2"/>
-          <p:cNvSpPr>
-            <a:spLocks noGrp="1"/>
-          </p:cNvSpPr>
-          <p:nvPr>
-            <p:ph type="body"/>
-          </p:nvPr>
-        </p:nvSpPr>
-        <p:spPr>
-          <a:xfrm>
-            <a:off x="457200" y="1600200"/>
-            <a:ext cx="4015440" cy="4525200"/>
-          </a:xfrm>
-          <a:prstGeom prst="rect">
-            <a:avLst/>
-          </a:prstGeom>
-        </p:spPr>
-        <p:txBody>
-          <a:bodyPr bIns="0" lIns="0" rIns="0" tIns="0" wrap="none"/>
-          <a:p>
-            <a:endParaRPr/>
-          </a:p>
-        </p:txBody>
-      </p:sp>
-      <p:sp>
-        <p:nvSpPr>
-          <p:cNvPr id="89" name="PlaceHolder 3"/>
-          <p:cNvSpPr>
-            <a:spLocks noGrp="1"/>
-          </p:cNvSpPr>
-          <p:nvPr>
-            <p:ph type="body"/>
-          </p:nvPr>
-        </p:nvSpPr>
-        <p:spPr>
-          <a:xfrm>
-            <a:off x="4673520" y="1600200"/>
-            <a:ext cx="4015440" cy="2158200"/>
-          </a:xfrm>
-          <a:prstGeom prst="rect">
-            <a:avLst/>
-          </a:prstGeom>
-        </p:spPr>
-        <p:txBody>
-          <a:bodyPr bIns="0" lIns="0" rIns="0" tIns="0" wrap="none"/>
-          <a:p>
-            <a:endParaRPr/>
-          </a:p>
-        </p:txBody>
-      </p:sp>
-      <p:sp>
-        <p:nvSpPr>
-          <p:cNvPr id="90" name="PlaceHolder 4"/>
-          <p:cNvSpPr>
-            <a:spLocks noGrp="1"/>
-          </p:cNvSpPr>
-          <p:nvPr>
-            <p:ph type="body"/>
-          </p:nvPr>
-        </p:nvSpPr>
-        <p:spPr>
-          <a:xfrm>
-            <a:off x="4673520" y="3963600"/>
-            <a:ext cx="4015440" cy="2158200"/>
-          </a:xfrm>
-          <a:prstGeom prst="rect">
-            <a:avLst/>
-          </a:prstGeom>
-        </p:spPr>
-        <p:txBody>
-          <a:bodyPr bIns="0" lIns="0" rIns="0" tIns="0" wrap="none"/>
-          <a:p>
-            <a:endParaRPr/>
-          </a:p>
-        </p:txBody>
-      </p:sp>
-    </p:spTree>
-  </p:cSld>
-</p:sldLayout>
-</file>
-
-<file path=ppt/slideLayouts/slideLayout33.xml><?xml version="1.0" encoding="utf-8"?>
-<p:sldLayout xmlns:a="http://schemas.openxmlformats.org/drawingml/2006/main" xmlns:p="http://schemas.openxmlformats.org/presentationml/2006/main" xmlns:r="http://schemas.openxmlformats.org/officeDocument/2006/relationships" preserve="1" type="twoObjOverTx">
-  <p:cSld name="Title, 2 Content over Content">
-    <p:spTree>
-      <p:nvGrpSpPr>
-        <p:cNvPr id="1" name=""/>
-        <p:cNvGrpSpPr/>
-        <p:nvPr/>
-      </p:nvGrpSpPr>
-      <p:grpSpPr>
-        <a:xfrm>
-          <a:off x="0" y="0"/>
-          <a:ext cx="0" cy="0"/>
-          <a:chOff x="0" y="0"/>
-          <a:chExt cx="0" cy="0"/>
-        </a:xfrm>
-      </p:grpSpPr>
-      <p:sp>
-        <p:nvSpPr>
-          <p:cNvPr id="91" name="PlaceHolder 1"/>
-          <p:cNvSpPr>
-            <a:spLocks noGrp="1"/>
-          </p:cNvSpPr>
-          <p:nvPr>
-            <p:ph type="title"/>
-          </p:nvPr>
-        </p:nvSpPr>
-        <p:spPr>
-          <a:xfrm>
-            <a:off x="457200" y="108360"/>
-            <a:ext cx="8228880" cy="1475280"/>
-          </a:xfrm>
-          <a:prstGeom prst="rect">
-            <a:avLst/>
-          </a:prstGeom>
-        </p:spPr>
-        <p:txBody>
-          <a:bodyPr anchor="ctr" bIns="0" lIns="0" rIns="0" tIns="0" wrap="none"/>
-          <a:p>
-            <a:pPr algn="ctr"/>
-            <a:endParaRPr/>
-          </a:p>
-        </p:txBody>
-      </p:sp>
-      <p:sp>
-        <p:nvSpPr>
-          <p:cNvPr id="92" name="PlaceHolder 2"/>
-          <p:cNvSpPr>
-            <a:spLocks noGrp="1"/>
-          </p:cNvSpPr>
-          <p:nvPr>
-            <p:ph type="body"/>
-          </p:nvPr>
-        </p:nvSpPr>
-        <p:spPr>
-          <a:xfrm>
-            <a:off x="457200" y="1600200"/>
-            <a:ext cx="4015440" cy="2158200"/>
-          </a:xfrm>
-          <a:prstGeom prst="rect">
-            <a:avLst/>
-          </a:prstGeom>
-        </p:spPr>
-        <p:txBody>
-          <a:bodyPr bIns="0" lIns="0" rIns="0" tIns="0" wrap="none"/>
-          <a:p>
-            <a:endParaRPr/>
-          </a:p>
-        </p:txBody>
-      </p:sp>
-      <p:sp>
-        <p:nvSpPr>
-          <p:cNvPr id="93" name="PlaceHolder 3"/>
-          <p:cNvSpPr>
-            <a:spLocks noGrp="1"/>
-          </p:cNvSpPr>
-          <p:nvPr>
-            <p:ph type="body"/>
-          </p:nvPr>
-        </p:nvSpPr>
-        <p:spPr>
-          <a:xfrm>
-            <a:off x="4673520" y="1600200"/>
-            <a:ext cx="4015440" cy="2158200"/>
-          </a:xfrm>
-          <a:prstGeom prst="rect">
-            <a:avLst/>
-          </a:prstGeom>
-        </p:spPr>
-        <p:txBody>
-          <a:bodyPr bIns="0" lIns="0" rIns="0" tIns="0" wrap="none"/>
-          <a:p>
-            <a:endParaRPr/>
-          </a:p>
-        </p:txBody>
-      </p:sp>
-      <p:sp>
-        <p:nvSpPr>
-          <p:cNvPr id="94" name="PlaceHolder 4"/>
-          <p:cNvSpPr>
-            <a:spLocks noGrp="1"/>
-          </p:cNvSpPr>
-          <p:nvPr>
-            <p:ph type="body"/>
-          </p:nvPr>
-        </p:nvSpPr>
-        <p:spPr>
-          <a:xfrm>
-            <a:off x="457200" y="3963600"/>
-            <a:ext cx="8228520" cy="2158200"/>
-          </a:xfrm>
-          <a:prstGeom prst="rect">
-            <a:avLst/>
-          </a:prstGeom>
-        </p:spPr>
-        <p:txBody>
-          <a:bodyPr bIns="0" lIns="0" rIns="0" tIns="0" wrap="none"/>
-          <a:p>
-            <a:endParaRPr/>
-          </a:p>
-        </p:txBody>
-      </p:sp>
-    </p:spTree>
-  </p:cSld>
-</p:sldLayout>
-</file>
-
-<file path=ppt/slideLayouts/slideLayout34.xml><?xml version="1.0" encoding="utf-8"?>
-<p:sldLayout xmlns:a="http://schemas.openxmlformats.org/drawingml/2006/main" xmlns:p="http://schemas.openxmlformats.org/presentationml/2006/main" xmlns:r="http://schemas.openxmlformats.org/officeDocument/2006/relationships" preserve="1" type="objOverTx">
-  <p:cSld name="Title, Content over Content">
-    <p:spTree>
-      <p:nvGrpSpPr>
-        <p:cNvPr id="1" name=""/>
-        <p:cNvGrpSpPr/>
-        <p:nvPr/>
-      </p:nvGrpSpPr>
-      <p:grpSpPr>
-        <a:xfrm>
-          <a:off x="0" y="0"/>
-          <a:ext cx="0" cy="0"/>
-          <a:chOff x="0" y="0"/>
-          <a:chExt cx="0" cy="0"/>
-        </a:xfrm>
-      </p:grpSpPr>
-      <p:sp>
-        <p:nvSpPr>
-          <p:cNvPr id="95" name="PlaceHolder 1"/>
-          <p:cNvSpPr>
-            <a:spLocks noGrp="1"/>
-          </p:cNvSpPr>
-          <p:nvPr>
-            <p:ph type="title"/>
-          </p:nvPr>
-        </p:nvSpPr>
-        <p:spPr>
-          <a:xfrm>
-            <a:off x="457200" y="108360"/>
-            <a:ext cx="8228880" cy="1475280"/>
-          </a:xfrm>
-          <a:prstGeom prst="rect">
-            <a:avLst/>
-          </a:prstGeom>
-        </p:spPr>
-        <p:txBody>
-          <a:bodyPr anchor="ctr" bIns="0" lIns="0" rIns="0" tIns="0" wrap="none"/>
-          <a:p>
-            <a:pPr algn="ctr"/>
-            <a:endParaRPr/>
-          </a:p>
-        </p:txBody>
-      </p:sp>
-      <p:sp>
-        <p:nvSpPr>
-          <p:cNvPr id="96" name="PlaceHolder 2"/>
-          <p:cNvSpPr>
-            <a:spLocks noGrp="1"/>
-          </p:cNvSpPr>
-          <p:nvPr>
-            <p:ph type="body"/>
-          </p:nvPr>
-        </p:nvSpPr>
-        <p:spPr>
-          <a:xfrm>
-            <a:off x="457200" y="1600200"/>
-            <a:ext cx="8228880" cy="2158200"/>
-          </a:xfrm>
-          <a:prstGeom prst="rect">
-            <a:avLst/>
-          </a:prstGeom>
-        </p:spPr>
-        <p:txBody>
-          <a:bodyPr bIns="0" lIns="0" rIns="0" tIns="0" wrap="none"/>
-          <a:p>
-            <a:endParaRPr/>
-          </a:p>
-        </p:txBody>
-      </p:sp>
-      <p:sp>
-        <p:nvSpPr>
-          <p:cNvPr id="97" name="PlaceHolder 3"/>
-          <p:cNvSpPr>
-            <a:spLocks noGrp="1"/>
-          </p:cNvSpPr>
-          <p:nvPr>
-            <p:ph type="body"/>
-          </p:nvPr>
-        </p:nvSpPr>
-        <p:spPr>
-          <a:xfrm>
-            <a:off x="457200" y="3963600"/>
-            <a:ext cx="8228880" cy="2158200"/>
-          </a:xfrm>
-          <a:prstGeom prst="rect">
-            <a:avLst/>
-          </a:prstGeom>
-        </p:spPr>
-        <p:txBody>
-          <a:bodyPr bIns="0" lIns="0" rIns="0" tIns="0" wrap="none"/>
-          <a:p>
-            <a:endParaRPr/>
-          </a:p>
-        </p:txBody>
-      </p:sp>
-    </p:spTree>
-  </p:cSld>
-</p:sldLayout>
-</file>
-
-<file path=ppt/slideLayouts/slideLayout35.xml><?xml version="1.0" encoding="utf-8"?>
-<p:sldLayout xmlns:a="http://schemas.openxmlformats.org/drawingml/2006/main" xmlns:p="http://schemas.openxmlformats.org/presentationml/2006/main" xmlns:r="http://schemas.openxmlformats.org/officeDocument/2006/relationships" preserve="1" type="fourObj">
-  <p:cSld name="Title, 4 Content">
-    <p:spTree>
-      <p:nvGrpSpPr>
-        <p:cNvPr id="1" name=""/>
-        <p:cNvGrpSpPr/>
-        <p:nvPr/>
-      </p:nvGrpSpPr>
-      <p:grpSpPr>
-        <a:xfrm>
-          <a:off x="0" y="0"/>
-          <a:ext cx="0" cy="0"/>
-          <a:chOff x="0" y="0"/>
-          <a:chExt cx="0" cy="0"/>
-        </a:xfrm>
-      </p:grpSpPr>
-      <p:sp>
-        <p:nvSpPr>
-          <p:cNvPr id="98" name="PlaceHolder 1"/>
-          <p:cNvSpPr>
-            <a:spLocks noGrp="1"/>
-          </p:cNvSpPr>
-          <p:nvPr>
-            <p:ph type="title"/>
-          </p:nvPr>
-        </p:nvSpPr>
-        <p:spPr>
-          <a:xfrm>
-            <a:off x="457200" y="108360"/>
-            <a:ext cx="8228880" cy="1475280"/>
-          </a:xfrm>
-          <a:prstGeom prst="rect">
-            <a:avLst/>
-          </a:prstGeom>
-        </p:spPr>
-        <p:txBody>
-          <a:bodyPr anchor="ctr" bIns="0" lIns="0" rIns="0" tIns="0" wrap="none"/>
-          <a:p>
-            <a:pPr algn="ctr"/>
-            <a:endParaRPr/>
-          </a:p>
-        </p:txBody>
-      </p:sp>
-      <p:sp>
-        <p:nvSpPr>
-          <p:cNvPr id="99" name="PlaceHolder 2"/>
-          <p:cNvSpPr>
-            <a:spLocks noGrp="1"/>
-          </p:cNvSpPr>
-          <p:nvPr>
-            <p:ph type="body"/>
-          </p:nvPr>
-        </p:nvSpPr>
-        <p:spPr>
-          <a:xfrm>
-            <a:off x="457200" y="1600200"/>
-            <a:ext cx="4015440" cy="2158200"/>
-          </a:xfrm>
-          <a:prstGeom prst="rect">
-            <a:avLst/>
-          </a:prstGeom>
-        </p:spPr>
-        <p:txBody>
-          <a:bodyPr bIns="0" lIns="0" rIns="0" tIns="0" wrap="none"/>
-          <a:p>
-            <a:endParaRPr/>
-          </a:p>
-        </p:txBody>
-      </p:sp>
-      <p:sp>
-        <p:nvSpPr>
-          <p:cNvPr id="100" name="PlaceHolder 3"/>
-          <p:cNvSpPr>
-            <a:spLocks noGrp="1"/>
-          </p:cNvSpPr>
-          <p:nvPr>
-            <p:ph type="body"/>
-          </p:nvPr>
-        </p:nvSpPr>
-        <p:spPr>
-          <a:xfrm>
-            <a:off x="4673520" y="1600200"/>
-            <a:ext cx="4015440" cy="2158200"/>
-          </a:xfrm>
-          <a:prstGeom prst="rect">
-            <a:avLst/>
-          </a:prstGeom>
-        </p:spPr>
-        <p:txBody>
-          <a:bodyPr bIns="0" lIns="0" rIns="0" tIns="0" wrap="none"/>
-          <a:p>
-            <a:endParaRPr/>
-          </a:p>
-        </p:txBody>
-      </p:sp>
-      <p:sp>
-        <p:nvSpPr>
-          <p:cNvPr id="101" name="PlaceHolder 4"/>
-          <p:cNvSpPr>
-            <a:spLocks noGrp="1"/>
-          </p:cNvSpPr>
-          <p:nvPr>
-            <p:ph type="body"/>
-          </p:nvPr>
-        </p:nvSpPr>
-        <p:spPr>
-          <a:xfrm>
-            <a:off x="4673520" y="3963600"/>
-            <a:ext cx="4015440" cy="2158200"/>
-          </a:xfrm>
-          <a:prstGeom prst="rect">
-            <a:avLst/>
-          </a:prstGeom>
-        </p:spPr>
-        <p:txBody>
-          <a:bodyPr bIns="0" lIns="0" rIns="0" tIns="0" wrap="none"/>
-          <a:p>
-            <a:endParaRPr/>
-          </a:p>
-        </p:txBody>
-      </p:sp>
-      <p:sp>
-        <p:nvSpPr>
-          <p:cNvPr id="102" name="PlaceHolder 5"/>
-          <p:cNvSpPr>
-            <a:spLocks noGrp="1"/>
-          </p:cNvSpPr>
-          <p:nvPr>
-            <p:ph type="body"/>
-          </p:nvPr>
-        </p:nvSpPr>
-        <p:spPr>
-          <a:xfrm>
-            <a:off x="457200" y="3963600"/>
-            <a:ext cx="4015440" cy="2158200"/>
-          </a:xfrm>
-          <a:prstGeom prst="rect">
-            <a:avLst/>
-          </a:prstGeom>
-        </p:spPr>
-        <p:txBody>
-          <a:bodyPr bIns="0" lIns="0" rIns="0" tIns="0" wrap="none"/>
-          <a:p>
-            <a:endParaRPr/>
-          </a:p>
-        </p:txBody>
-      </p:sp>
-    </p:spTree>
-  </p:cSld>
-</p:sldLayout>
-</file>
-
-<file path=ppt/slideLayouts/slideLayout36.xml><?xml version="1.0" encoding="utf-8"?>
-<p:sldLayout xmlns:a="http://schemas.openxmlformats.org/drawingml/2006/main" xmlns:p="http://schemas.openxmlformats.org/presentationml/2006/main" xmlns:r="http://schemas.openxmlformats.org/officeDocument/2006/relationships" preserve="1" type="blank">
-  <p:cSld name="Title, 6 Content">
-    <p:spTree>
-      <p:nvGrpSpPr>
-        <p:cNvPr id="1" name=""/>
-        <p:cNvGrpSpPr/>
-        <p:nvPr/>
-      </p:nvGrpSpPr>
-      <p:grpSpPr>
-        <a:xfrm>
-          <a:off x="0" y="0"/>
-          <a:ext cx="0" cy="0"/>
-          <a:chOff x="0" y="0"/>
-          <a:chExt cx="0" cy="0"/>
-        </a:xfrm>
-      </p:grpSpPr>
-      <p:sp>
-        <p:nvSpPr>
-          <p:cNvPr id="103" name="PlaceHolder 1"/>
-          <p:cNvSpPr>
-            <a:spLocks noGrp="1"/>
-          </p:cNvSpPr>
-          <p:nvPr>
-            <p:ph type="title"/>
-          </p:nvPr>
-        </p:nvSpPr>
-        <p:spPr>
-          <a:xfrm>
-            <a:off x="457200" y="108360"/>
-            <a:ext cx="8228880" cy="1475280"/>
-          </a:xfrm>
-          <a:prstGeom prst="rect">
-            <a:avLst/>
-          </a:prstGeom>
-        </p:spPr>
-        <p:txBody>
-          <a:bodyPr anchor="ctr" bIns="0" lIns="0" rIns="0" tIns="0" wrap="none"/>
-          <a:p>
-            <a:pPr algn="ctr"/>
-            <a:endParaRPr/>
-          </a:p>
-        </p:txBody>
-      </p:sp>
-      <p:sp>
-        <p:nvSpPr>
-          <p:cNvPr id="104" name="PlaceHolder 2"/>
-          <p:cNvSpPr>
-            <a:spLocks noGrp="1"/>
-          </p:cNvSpPr>
-          <p:nvPr>
-            <p:ph type="body"/>
-          </p:nvPr>
-        </p:nvSpPr>
-        <p:spPr>
-          <a:xfrm>
-            <a:off x="457200" y="1600200"/>
-            <a:ext cx="4015440" cy="2158200"/>
-          </a:xfrm>
-          <a:prstGeom prst="rect">
-            <a:avLst/>
-          </a:prstGeom>
-        </p:spPr>
-        <p:txBody>
-          <a:bodyPr bIns="0" lIns="0" rIns="0" tIns="0" wrap="none"/>
-          <a:p>
-            <a:endParaRPr/>
-          </a:p>
-        </p:txBody>
-      </p:sp>
-      <p:sp>
-        <p:nvSpPr>
-          <p:cNvPr id="105" name="PlaceHolder 3"/>
-          <p:cNvSpPr>
-            <a:spLocks noGrp="1"/>
-          </p:cNvSpPr>
-          <p:nvPr>
-            <p:ph type="body"/>
-          </p:nvPr>
-        </p:nvSpPr>
-        <p:spPr>
-          <a:xfrm>
-            <a:off x="4673520" y="1600200"/>
-            <a:ext cx="4015440" cy="2158200"/>
-          </a:xfrm>
-          <a:prstGeom prst="rect">
-            <a:avLst/>
-          </a:prstGeom>
-        </p:spPr>
-        <p:txBody>
-          <a:bodyPr bIns="0" lIns="0" rIns="0" tIns="0" wrap="none"/>
-          <a:p>
-            <a:endParaRPr/>
-          </a:p>
-        </p:txBody>
-      </p:sp>
-      <p:pic>
-        <p:nvPicPr>
-          <p:cNvPr descr="" id="106" name=""/>
-          <p:cNvPicPr/>
-          <p:nvPr/>
-        </p:nvPicPr>
-        <p:blipFill>
-          <a:blip r:embed="rId2"/>
-          <a:stretch>
-            <a:fillRect/>
-          </a:stretch>
-        </p:blipFill>
-        <p:spPr>
-          <a:xfrm>
-            <a:off x="5328720" y="3963240"/>
-            <a:ext cx="2705040" cy="2158200"/>
-          </a:xfrm>
-          <a:prstGeom prst="rect">
-            <a:avLst/>
-          </a:prstGeom>
-          <a:ln>
-            <a:noFill/>
-          </a:ln>
-        </p:spPr>
-      </p:pic>
-      <p:pic>
-        <p:nvPicPr>
-          <p:cNvPr descr="" id="107" name=""/>
-          <p:cNvPicPr/>
-          <p:nvPr/>
-        </p:nvPicPr>
-        <p:blipFill>
-          <a:blip r:embed="rId3"/>
-          <a:stretch>
-            <a:fillRect/>
-          </a:stretch>
-        </p:blipFill>
-        <p:spPr>
-          <a:xfrm>
-            <a:off x="1112400" y="3963240"/>
-            <a:ext cx="2705040" cy="2158200"/>
-          </a:xfrm>
-          <a:prstGeom prst="rect">
-            <a:avLst/>
-          </a:prstGeom>
-          <a:ln>
-            <a:noFill/>
-          </a:ln>
-        </p:spPr>
-      </p:pic>
     </p:spTree>
   </p:cSld>
 </p:sldLayout>
@@ -3161,7 +1987,7 @@
       </p:grpSpPr>
       <p:sp>
         <p:nvSpPr>
-          <p:cNvPr id="6" name="PlaceHolder 1"/>
+          <p:cNvPr id="9" name="PlaceHolder 1"/>
           <p:cNvSpPr>
             <a:spLocks noGrp="1"/>
           </p:cNvSpPr>
@@ -3172,7 +1998,7 @@
         <p:spPr>
           <a:xfrm>
             <a:off x="457200" y="108360"/>
-            <a:ext cx="8228880" cy="1475280"/>
+            <a:ext cx="8229240" cy="1475280"/>
           </a:xfrm>
           <a:prstGeom prst="rect">
             <a:avLst/>
@@ -3181,14 +2007,13 @@
         <p:txBody>
           <a:bodyPr anchor="ctr" bIns="0" lIns="0" rIns="0" tIns="0" wrap="none"/>
           <a:p>
-            <a:pPr algn="ctr"/>
-            <a:endParaRPr/>
-          </a:p>
-        </p:txBody>
-      </p:sp>
-      <p:sp>
-        <p:nvSpPr>
-          <p:cNvPr id="7" name="PlaceHolder 2"/>
+            <a:endParaRPr/>
+          </a:p>
+        </p:txBody>
+      </p:sp>
+      <p:sp>
+        <p:nvSpPr>
+          <p:cNvPr id="10" name="PlaceHolder 2"/>
           <p:cNvSpPr>
             <a:spLocks noGrp="1"/>
           </p:cNvSpPr>
@@ -3199,7 +2024,7 @@
         <p:spPr>
           <a:xfrm>
             <a:off x="457200" y="1600200"/>
-            <a:ext cx="4015440" cy="4525200"/>
+            <a:ext cx="4015440" cy="4525560"/>
           </a:xfrm>
           <a:prstGeom prst="rect">
             <a:avLst/>
@@ -3214,7 +2039,7 @@
       </p:sp>
       <p:sp>
         <p:nvSpPr>
-          <p:cNvPr id="8" name="PlaceHolder 3"/>
+          <p:cNvPr id="11" name="PlaceHolder 3"/>
           <p:cNvSpPr>
             <a:spLocks noGrp="1"/>
           </p:cNvSpPr>
@@ -3225,7 +2050,7 @@
         <p:spPr>
           <a:xfrm>
             <a:off x="4673520" y="1600200"/>
-            <a:ext cx="4015440" cy="4525200"/>
+            <a:ext cx="4015440" cy="4525560"/>
           </a:xfrm>
           <a:prstGeom prst="rect">
             <a:avLst/>
@@ -3262,7 +2087,7 @@
       </p:grpSpPr>
       <p:sp>
         <p:nvSpPr>
-          <p:cNvPr id="9" name="PlaceHolder 1"/>
+          <p:cNvPr id="12" name="PlaceHolder 1"/>
           <p:cNvSpPr>
             <a:spLocks noGrp="1"/>
           </p:cNvSpPr>
@@ -3273,7 +2098,7 @@
         <p:spPr>
           <a:xfrm>
             <a:off x="457200" y="108360"/>
-            <a:ext cx="8228880" cy="1475280"/>
+            <a:ext cx="8229240" cy="1475280"/>
           </a:xfrm>
           <a:prstGeom prst="rect">
             <a:avLst/>
@@ -3282,7 +2107,6 @@
         <p:txBody>
           <a:bodyPr anchor="ctr" bIns="0" lIns="0" rIns="0" tIns="0" wrap="none"/>
           <a:p>
-            <a:pPr algn="ctr"/>
             <a:endParaRPr/>
           </a:p>
         </p:txBody>
@@ -3311,7 +2135,7 @@
       </p:grpSpPr>
       <p:sp>
         <p:nvSpPr>
-          <p:cNvPr id="10" name="PlaceHolder 1"/>
+          <p:cNvPr id="13" name="PlaceHolder 1"/>
           <p:cNvSpPr>
             <a:spLocks noGrp="1"/>
           </p:cNvSpPr>
@@ -3321,8 +2145,8 @@
         </p:nvSpPr>
         <p:spPr>
           <a:xfrm>
-            <a:off x="457200" y="108360"/>
-            <a:ext cx="8228880" cy="6017040"/>
+            <a:off x="457200" y="274680"/>
+            <a:ext cx="8229240" cy="5851080"/>
           </a:xfrm>
           <a:prstGeom prst="rect">
             <a:avLst/>
@@ -3360,7 +2184,7 @@
       </p:grpSpPr>
       <p:sp>
         <p:nvSpPr>
-          <p:cNvPr id="11" name="PlaceHolder 1"/>
+          <p:cNvPr id="14" name="PlaceHolder 1"/>
           <p:cNvSpPr>
             <a:spLocks noGrp="1"/>
           </p:cNvSpPr>
@@ -3371,7 +2195,7 @@
         <p:spPr>
           <a:xfrm>
             <a:off x="457200" y="108360"/>
-            <a:ext cx="8228880" cy="1475280"/>
+            <a:ext cx="8229240" cy="1475280"/>
           </a:xfrm>
           <a:prstGeom prst="rect">
             <a:avLst/>
@@ -3380,14 +2204,13 @@
         <p:txBody>
           <a:bodyPr anchor="ctr" bIns="0" lIns="0" rIns="0" tIns="0" wrap="none"/>
           <a:p>
-            <a:pPr algn="ctr"/>
-            <a:endParaRPr/>
-          </a:p>
-        </p:txBody>
-      </p:sp>
-      <p:sp>
-        <p:nvSpPr>
-          <p:cNvPr id="12" name="PlaceHolder 2"/>
+            <a:endParaRPr/>
+          </a:p>
+        </p:txBody>
+      </p:sp>
+      <p:sp>
+        <p:nvSpPr>
+          <p:cNvPr id="15" name="PlaceHolder 2"/>
           <p:cNvSpPr>
             <a:spLocks noGrp="1"/>
           </p:cNvSpPr>
@@ -3413,7 +2236,7 @@
       </p:sp>
       <p:sp>
         <p:nvSpPr>
-          <p:cNvPr id="13" name="PlaceHolder 3"/>
+          <p:cNvPr id="16" name="PlaceHolder 3"/>
           <p:cNvSpPr>
             <a:spLocks noGrp="1"/>
           </p:cNvSpPr>
@@ -3439,7 +2262,7 @@
       </p:sp>
       <p:sp>
         <p:nvSpPr>
-          <p:cNvPr id="14" name="PlaceHolder 4"/>
+          <p:cNvPr id="17" name="PlaceHolder 4"/>
           <p:cNvSpPr>
             <a:spLocks noGrp="1"/>
           </p:cNvSpPr>
@@ -3450,7 +2273,7 @@
         <p:spPr>
           <a:xfrm>
             <a:off x="4673520" y="1600200"/>
-            <a:ext cx="4015440" cy="4525200"/>
+            <a:ext cx="4015440" cy="4525560"/>
           </a:xfrm>
           <a:prstGeom prst="rect">
             <a:avLst/>
@@ -3487,7 +2310,7 @@
       </p:grpSpPr>
       <p:sp>
         <p:nvSpPr>
-          <p:cNvPr id="15" name="PlaceHolder 1"/>
+          <p:cNvPr id="18" name="PlaceHolder 1"/>
           <p:cNvSpPr>
             <a:spLocks noGrp="1"/>
           </p:cNvSpPr>
@@ -3498,7 +2321,7 @@
         <p:spPr>
           <a:xfrm>
             <a:off x="457200" y="108360"/>
-            <a:ext cx="8228880" cy="1475280"/>
+            <a:ext cx="8229240" cy="1475280"/>
           </a:xfrm>
           <a:prstGeom prst="rect">
             <a:avLst/>
@@ -3507,14 +2330,13 @@
         <p:txBody>
           <a:bodyPr anchor="ctr" bIns="0" lIns="0" rIns="0" tIns="0" wrap="none"/>
           <a:p>
-            <a:pPr algn="ctr"/>
-            <a:endParaRPr/>
-          </a:p>
-        </p:txBody>
-      </p:sp>
-      <p:sp>
-        <p:nvSpPr>
-          <p:cNvPr id="16" name="PlaceHolder 2"/>
+            <a:endParaRPr/>
+          </a:p>
+        </p:txBody>
+      </p:sp>
+      <p:sp>
+        <p:nvSpPr>
+          <p:cNvPr id="19" name="PlaceHolder 2"/>
           <p:cNvSpPr>
             <a:spLocks noGrp="1"/>
           </p:cNvSpPr>
@@ -3525,7 +2347,7 @@
         <p:spPr>
           <a:xfrm>
             <a:off x="457200" y="1600200"/>
-            <a:ext cx="4015440" cy="4525200"/>
+            <a:ext cx="4015440" cy="4525560"/>
           </a:xfrm>
           <a:prstGeom prst="rect">
             <a:avLst/>
@@ -3540,7 +2362,7 @@
       </p:sp>
       <p:sp>
         <p:nvSpPr>
-          <p:cNvPr id="17" name="PlaceHolder 3"/>
+          <p:cNvPr id="20" name="PlaceHolder 3"/>
           <p:cNvSpPr>
             <a:spLocks noGrp="1"/>
           </p:cNvSpPr>
@@ -3566,7 +2388,7 @@
       </p:sp>
       <p:sp>
         <p:nvSpPr>
-          <p:cNvPr id="18" name="PlaceHolder 4"/>
+          <p:cNvPr id="21" name="PlaceHolder 4"/>
           <p:cNvSpPr>
             <a:spLocks noGrp="1"/>
           </p:cNvSpPr>
@@ -3614,7 +2436,7 @@
       </p:grpSpPr>
       <p:sp>
         <p:nvSpPr>
-          <p:cNvPr id="19" name="PlaceHolder 1"/>
+          <p:cNvPr id="22" name="PlaceHolder 1"/>
           <p:cNvSpPr>
             <a:spLocks noGrp="1"/>
           </p:cNvSpPr>
@@ -3625,7 +2447,7 @@
         <p:spPr>
           <a:xfrm>
             <a:off x="457200" y="108360"/>
-            <a:ext cx="8228880" cy="1475280"/>
+            <a:ext cx="8229240" cy="1475280"/>
           </a:xfrm>
           <a:prstGeom prst="rect">
             <a:avLst/>
@@ -3634,14 +2456,13 @@
         <p:txBody>
           <a:bodyPr anchor="ctr" bIns="0" lIns="0" rIns="0" tIns="0" wrap="none"/>
           <a:p>
-            <a:pPr algn="ctr"/>
-            <a:endParaRPr/>
-          </a:p>
-        </p:txBody>
-      </p:sp>
-      <p:sp>
-        <p:nvSpPr>
-          <p:cNvPr id="20" name="PlaceHolder 2"/>
+            <a:endParaRPr/>
+          </a:p>
+        </p:txBody>
+      </p:sp>
+      <p:sp>
+        <p:nvSpPr>
+          <p:cNvPr id="23" name="PlaceHolder 2"/>
           <p:cNvSpPr>
             <a:spLocks noGrp="1"/>
           </p:cNvSpPr>
@@ -3667,7 +2488,7 @@
       </p:sp>
       <p:sp>
         <p:nvSpPr>
-          <p:cNvPr id="21" name="PlaceHolder 3"/>
+          <p:cNvPr id="24" name="PlaceHolder 3"/>
           <p:cNvSpPr>
             <a:spLocks noGrp="1"/>
           </p:cNvSpPr>
@@ -3693,7 +2514,7 @@
       </p:sp>
       <p:sp>
         <p:nvSpPr>
-          <p:cNvPr id="22" name="PlaceHolder 4"/>
+          <p:cNvPr id="25" name="PlaceHolder 4"/>
           <p:cNvSpPr>
             <a:spLocks noGrp="1"/>
           </p:cNvSpPr>
@@ -3758,19 +2579,29 @@
         </p:nvSpPr>
         <p:spPr>
           <a:xfrm>
-            <a:off x="457200" y="108360"/>
-            <a:ext cx="8228880" cy="1474920"/>
-          </a:xfrm>
-          <a:prstGeom prst="rect">
-            <a:avLst/>
-          </a:prstGeom>
-        </p:spPr>
-        <p:txBody>
-          <a:bodyPr anchor="ctr" bIns="0" lIns="0" rIns="0" tIns="0" wrap="none"/>
-          <a:p>
-            <a:r>
-              <a:rPr lang="de-DE"/>
-              <a:t>Click to edit the title text format</a:t>
+            <a:off x="685800" y="2130480"/>
+            <a:ext cx="7772040" cy="1469520"/>
+          </a:xfrm>
+          <a:prstGeom prst="rect">
+            <a:avLst/>
+          </a:prstGeom>
+        </p:spPr>
+        <p:txBody>
+          <a:bodyPr anchor="ctr"/>
+          <a:p>
+            <a:pPr algn="ctr">
+              <a:lnSpc>
+                <a:spcPct val="100000"/>
+              </a:lnSpc>
+            </a:pPr>
+            <a:r>
+              <a:rPr lang="en-US" sz="4400">
+                <a:solidFill>
+                  <a:srgbClr val="000000"/>
+                </a:solidFill>
+                <a:latin typeface="Calibri"/>
+              </a:rPr>
+              <a:t>Click to edit the title text formatClick to edit Master title style</a:t>
             </a:r>
             <a:endParaRPr/>
           </a:p>
@@ -3779,6 +2610,112 @@
       <p:sp>
         <p:nvSpPr>
           <p:cNvPr id="1" name="PlaceHolder 2"/>
+          <p:cNvSpPr>
+            <a:spLocks noGrp="1"/>
+          </p:cNvSpPr>
+          <p:nvPr>
+            <p:ph type="dt"/>
+          </p:nvPr>
+        </p:nvSpPr>
+        <p:spPr>
+          <a:xfrm>
+            <a:off x="457200" y="6356520"/>
+            <a:ext cx="2133360" cy="364680"/>
+          </a:xfrm>
+          <a:prstGeom prst="rect">
+            <a:avLst/>
+          </a:prstGeom>
+        </p:spPr>
+        <p:txBody>
+          <a:bodyPr anchor="ctr"/>
+          <a:p>
+            <a:pPr>
+              <a:lnSpc>
+                <a:spcPct val="100000"/>
+              </a:lnSpc>
+            </a:pPr>
+            <a:r>
+              <a:rPr lang="de-DE" sz="1200">
+                <a:solidFill>
+                  <a:srgbClr val="8b8b8b"/>
+                </a:solidFill>
+                <a:latin typeface="Calibri"/>
+              </a:rPr>
+              <a:t>04.02.14</a:t>
+            </a:r>
+            <a:endParaRPr/>
+          </a:p>
+        </p:txBody>
+      </p:sp>
+      <p:sp>
+        <p:nvSpPr>
+          <p:cNvPr id="2" name="PlaceHolder 3"/>
+          <p:cNvSpPr>
+            <a:spLocks noGrp="1"/>
+          </p:cNvSpPr>
+          <p:nvPr>
+            <p:ph type="ftr"/>
+          </p:nvPr>
+        </p:nvSpPr>
+        <p:spPr>
+          <a:xfrm>
+            <a:off x="3124080" y="6356520"/>
+            <a:ext cx="2895120" cy="364680"/>
+          </a:xfrm>
+          <a:prstGeom prst="rect">
+            <a:avLst/>
+          </a:prstGeom>
+        </p:spPr>
+        <p:txBody>
+          <a:bodyPr anchor="ctr"/>
+          <a:p>
+            <a:endParaRPr/>
+          </a:p>
+        </p:txBody>
+      </p:sp>
+      <p:sp>
+        <p:nvSpPr>
+          <p:cNvPr id="3" name="PlaceHolder 4"/>
+          <p:cNvSpPr>
+            <a:spLocks noGrp="1"/>
+          </p:cNvSpPr>
+          <p:nvPr>
+            <p:ph type="sldNum"/>
+          </p:nvPr>
+        </p:nvSpPr>
+        <p:spPr>
+          <a:xfrm>
+            <a:off x="6553080" y="6356520"/>
+            <a:ext cx="2133360" cy="364680"/>
+          </a:xfrm>
+          <a:prstGeom prst="rect">
+            <a:avLst/>
+          </a:prstGeom>
+        </p:spPr>
+        <p:txBody>
+          <a:bodyPr anchor="ctr"/>
+          <a:p>
+            <a:pPr algn="r">
+              <a:lnSpc>
+                <a:spcPct val="100000"/>
+              </a:lnSpc>
+            </a:pPr>
+            <a:fld id="{14B474DA-1C01-4432-A9FE-D0940AE18E6D}" type="slidenum">
+              <a:rPr lang="de-DE" sz="1200">
+                <a:solidFill>
+                  <a:srgbClr val="8b8b8b"/>
+                </a:solidFill>
+                <a:latin typeface="Calibri"/>
+              </a:rPr>
+              <a:t>&lt;number&gt;</a:t>
+            </a:fld>
+            <a:endParaRPr/>
+          </a:p>
+        </p:txBody>
+      </p:sp>
+      <p:sp>
+        <p:nvSpPr>
+          <p:cNvPr id="4" name="PlaceHolder 5"/>
           <p:cNvSpPr>
             <a:spLocks noGrp="1"/>
           </p:cNvSpPr>
@@ -3804,7 +2741,7 @@
               <a:buChar char=""/>
             </a:pPr>
             <a:r>
-              <a:rPr lang="de-DE"/>
+              <a:rPr lang="en-US"/>
               <a:t>Click to edit the outline text format</a:t>
             </a:r>
             <a:endParaRPr/>
@@ -3816,7 +2753,7 @@
               <a:buChar char=""/>
             </a:pPr>
             <a:r>
-              <a:rPr lang="de-DE"/>
+              <a:rPr lang="en-US"/>
               <a:t>Second Outline Level</a:t>
             </a:r>
             <a:endParaRPr/>
@@ -3828,7 +2765,7 @@
               <a:buChar char=""/>
             </a:pPr>
             <a:r>
-              <a:rPr lang="de-DE"/>
+              <a:rPr lang="en-US"/>
               <a:t>Third Outline Level</a:t>
             </a:r>
             <a:endParaRPr/>
@@ -3840,7 +2777,7 @@
               <a:buChar char=""/>
             </a:pPr>
             <a:r>
-              <a:rPr lang="de-DE"/>
+              <a:rPr lang="en-US"/>
               <a:t>Fourth Outline Level</a:t>
             </a:r>
             <a:endParaRPr/>
@@ -3852,7 +2789,7 @@
               <a:buChar char=""/>
             </a:pPr>
             <a:r>
-              <a:rPr lang="de-DE"/>
+              <a:rPr lang="en-US"/>
               <a:t>Fifth Outline Level</a:t>
             </a:r>
             <a:endParaRPr/>
@@ -3864,7 +2801,7 @@
               <a:buChar char=""/>
             </a:pPr>
             <a:r>
-              <a:rPr lang="de-DE"/>
+              <a:rPr lang="en-US"/>
               <a:t>Sixth Outline Level</a:t>
             </a:r>
             <a:endParaRPr/>
@@ -3876,7 +2813,7 @@
               <a:buChar char=""/>
             </a:pPr>
             <a:r>
-              <a:rPr lang="de-DE"/>
+              <a:rPr lang="en-US"/>
               <a:t>Seventh Outline Level</a:t>
             </a:r>
             <a:endParaRPr/>
@@ -3929,7 +2866,7 @@
       </p:grpSpPr>
       <p:sp>
         <p:nvSpPr>
-          <p:cNvPr id="36" name="PlaceHolder 1"/>
+          <p:cNvPr id="39" name="PlaceHolder 1"/>
           <p:cNvSpPr>
             <a:spLocks noGrp="1"/>
           </p:cNvSpPr>
@@ -3939,27 +2876,37 @@
         </p:nvSpPr>
         <p:spPr>
           <a:xfrm>
-            <a:off x="457200" y="108360"/>
-            <a:ext cx="8228880" cy="1474920"/>
-          </a:xfrm>
-          <a:prstGeom prst="rect">
-            <a:avLst/>
-          </a:prstGeom>
-        </p:spPr>
-        <p:txBody>
-          <a:bodyPr anchor="ctr" bIns="0" lIns="0" rIns="0" tIns="0" wrap="none"/>
-          <a:p>
-            <a:r>
-              <a:rPr lang="de-DE"/>
-              <a:t>Click to edit the title text format</a:t>
-            </a:r>
-            <a:endParaRPr/>
-          </a:p>
-        </p:txBody>
-      </p:sp>
-      <p:sp>
-        <p:nvSpPr>
-          <p:cNvPr id="37" name="PlaceHolder 2"/>
+            <a:off x="457200" y="274680"/>
+            <a:ext cx="8229240" cy="1142640"/>
+          </a:xfrm>
+          <a:prstGeom prst="rect">
+            <a:avLst/>
+          </a:prstGeom>
+        </p:spPr>
+        <p:txBody>
+          <a:bodyPr anchor="ctr"/>
+          <a:p>
+            <a:pPr algn="ctr">
+              <a:lnSpc>
+                <a:spcPct val="100000"/>
+              </a:lnSpc>
+            </a:pPr>
+            <a:r>
+              <a:rPr lang="en-US" sz="11620">
+                <a:solidFill>
+                  <a:srgbClr val="000000"/>
+                </a:solidFill>
+                <a:latin typeface="Calibri"/>
+              </a:rPr>
+              <a:t>Title</a:t>
+            </a:r>
+            <a:endParaRPr/>
+          </a:p>
+        </p:txBody>
+      </p:sp>
+      <p:sp>
+        <p:nvSpPr>
+          <p:cNvPr id="40" name="PlaceHolder 2"/>
           <p:cNvSpPr>
             <a:spLocks noGrp="1"/>
           </p:cNvSpPr>
@@ -3970,14 +2917,14 @@
         <p:spPr>
           <a:xfrm>
             <a:off x="457200" y="1600200"/>
-            <a:ext cx="8228880" cy="4525200"/>
-          </a:xfrm>
-          <a:prstGeom prst="rect">
-            <a:avLst/>
-          </a:prstGeom>
-        </p:spPr>
-        <p:txBody>
-          <a:bodyPr bIns="0" lIns="0" rIns="0" tIns="0" wrap="none"/>
+            <a:ext cx="8229240" cy="4525560"/>
+          </a:xfrm>
+          <a:prstGeom prst="rect">
+            <a:avLst/>
+          </a:prstGeom>
+        </p:spPr>
+        <p:txBody>
+          <a:bodyPr/>
           <a:p>
             <a:pPr>
               <a:buSzPct val="25000"/>
@@ -3985,7 +2932,12 @@
               <a:buChar char=""/>
             </a:pPr>
             <a:r>
-              <a:rPr lang="de-DE"/>
+              <a:rPr lang="en-US" sz="4400">
+                <a:solidFill>
+                  <a:srgbClr val="000000"/>
+                </a:solidFill>
+                <a:latin typeface="Calibri"/>
+              </a:rPr>
               <a:t>Click to edit the outline text format</a:t>
             </a:r>
             <a:endParaRPr/>
@@ -3997,7 +2949,12 @@
               <a:buChar char=""/>
             </a:pPr>
             <a:r>
-              <a:rPr lang="de-DE"/>
+              <a:rPr lang="en-US" sz="4400">
+                <a:solidFill>
+                  <a:srgbClr val="000000"/>
+                </a:solidFill>
+                <a:latin typeface="Calibri"/>
+              </a:rPr>
               <a:t>Second Outline Level</a:t>
             </a:r>
             <a:endParaRPr/>
@@ -4009,7 +2966,12 @@
               <a:buChar char=""/>
             </a:pPr>
             <a:r>
-              <a:rPr lang="de-DE"/>
+              <a:rPr lang="en-US" sz="4400">
+                <a:solidFill>
+                  <a:srgbClr val="000000"/>
+                </a:solidFill>
+                <a:latin typeface="Calibri"/>
+              </a:rPr>
               <a:t>Third Outline Level</a:t>
             </a:r>
             <a:endParaRPr/>
@@ -4021,7 +2983,12 @@
               <a:buChar char=""/>
             </a:pPr>
             <a:r>
-              <a:rPr lang="de-DE"/>
+              <a:rPr lang="en-US" sz="4400">
+                <a:solidFill>
+                  <a:srgbClr val="000000"/>
+                </a:solidFill>
+                <a:latin typeface="Calibri"/>
+              </a:rPr>
               <a:t>Fourth Outline Level</a:t>
             </a:r>
             <a:endParaRPr/>
@@ -4033,7 +3000,12 @@
               <a:buChar char=""/>
             </a:pPr>
             <a:r>
-              <a:rPr lang="de-DE"/>
+              <a:rPr lang="en-US" sz="4400">
+                <a:solidFill>
+                  <a:srgbClr val="000000"/>
+                </a:solidFill>
+                <a:latin typeface="Calibri"/>
+              </a:rPr>
               <a:t>Fifth Outline Level</a:t>
             </a:r>
             <a:endParaRPr/>
@@ -4045,21 +3017,215 @@
               <a:buChar char=""/>
             </a:pPr>
             <a:r>
-              <a:rPr lang="de-DE"/>
+              <a:rPr lang="en-US" sz="4400">
+                <a:solidFill>
+                  <a:srgbClr val="000000"/>
+                </a:solidFill>
+                <a:latin typeface="Calibri"/>
+              </a:rPr>
               <a:t>Sixth Outline Level</a:t>
             </a:r>
             <a:endParaRPr/>
           </a:p>
           <a:p>
-            <a:pPr lvl="6">
-              <a:buSzPct val="25000"/>
-              <a:buFont typeface="StarSymbol"/>
-              <a:buChar char=""/>
+            <a:pPr>
+              <a:lnSpc>
+                <a:spcPct val="100000"/>
+              </a:lnSpc>
+              <a:buFont typeface="Arial"/>
+              <a:buChar char="•"/>
             </a:pPr>
             <a:r>
-              <a:rPr lang="de-DE"/>
-              <a:t>Seventh Outline Level</a:t>
-            </a:r>
+              <a:rPr lang="en-US" sz="4400">
+                <a:solidFill>
+                  <a:srgbClr val="000000"/>
+                </a:solidFill>
+                <a:latin typeface="Calibri"/>
+              </a:rPr>
+              <a:t>Seventh Outline LevelClick to edit Master text styles</a:t>
+            </a:r>
+            <a:endParaRPr/>
+          </a:p>
+          <a:p>
+            <a:pPr lvl="1">
+              <a:lnSpc>
+                <a:spcPct val="100000"/>
+              </a:lnSpc>
+              <a:buFont typeface="Arial"/>
+              <a:buChar char="–"/>
+            </a:pPr>
+            <a:r>
+              <a:rPr lang="en-US" sz="4000">
+                <a:solidFill>
+                  <a:srgbClr val="000000"/>
+                </a:solidFill>
+                <a:latin typeface="Calibri"/>
+              </a:rPr>
+              <a:t>Second level</a:t>
+            </a:r>
+            <a:endParaRPr/>
+          </a:p>
+          <a:p>
+            <a:pPr lvl="2">
+              <a:lnSpc>
+                <a:spcPct val="100000"/>
+              </a:lnSpc>
+              <a:buFont typeface="Arial"/>
+              <a:buChar char="•"/>
+            </a:pPr>
+            <a:r>
+              <a:rPr lang="en-US" sz="3200">
+                <a:solidFill>
+                  <a:srgbClr val="000000"/>
+                </a:solidFill>
+                <a:latin typeface="Calibri"/>
+              </a:rPr>
+              <a:t>Third level</a:t>
+            </a:r>
+            <a:endParaRPr/>
+          </a:p>
+          <a:p>
+            <a:pPr lvl="3">
+              <a:lnSpc>
+                <a:spcPct val="100000"/>
+              </a:lnSpc>
+              <a:buFont typeface="Arial"/>
+              <a:buChar char="–"/>
+            </a:pPr>
+            <a:r>
+              <a:rPr lang="en-US" sz="2600">
+                <a:solidFill>
+                  <a:srgbClr val="000000"/>
+                </a:solidFill>
+                <a:latin typeface="Calibri"/>
+              </a:rPr>
+              <a:t>Fourth level</a:t>
+            </a:r>
+            <a:endParaRPr/>
+          </a:p>
+          <a:p>
+            <a:pPr lvl="4">
+              <a:lnSpc>
+                <a:spcPct val="100000"/>
+              </a:lnSpc>
+              <a:buFont typeface="Arial"/>
+              <a:buChar char="»"/>
+            </a:pPr>
+            <a:r>
+              <a:rPr lang="en-US" sz="2600">
+                <a:solidFill>
+                  <a:srgbClr val="000000"/>
+                </a:solidFill>
+                <a:latin typeface="Calibri"/>
+              </a:rPr>
+              <a:t>Fifth level</a:t>
+            </a:r>
+            <a:endParaRPr/>
+          </a:p>
+        </p:txBody>
+      </p:sp>
+      <p:sp>
+        <p:nvSpPr>
+          <p:cNvPr id="41" name="PlaceHolder 3"/>
+          <p:cNvSpPr>
+            <a:spLocks noGrp="1"/>
+          </p:cNvSpPr>
+          <p:nvPr>
+            <p:ph type="dt"/>
+          </p:nvPr>
+        </p:nvSpPr>
+        <p:spPr>
+          <a:xfrm>
+            <a:off x="457200" y="6356520"/>
+            <a:ext cx="2133360" cy="364680"/>
+          </a:xfrm>
+          <a:prstGeom prst="rect">
+            <a:avLst/>
+          </a:prstGeom>
+        </p:spPr>
+        <p:txBody>
+          <a:bodyPr anchor="ctr"/>
+          <a:p>
+            <a:pPr>
+              <a:lnSpc>
+                <a:spcPct val="100000"/>
+              </a:lnSpc>
+            </a:pPr>
+            <a:r>
+              <a:rPr lang="de-DE" sz="1200">
+                <a:solidFill>
+                  <a:srgbClr val="8b8b8b"/>
+                </a:solidFill>
+                <a:latin typeface="Calibri"/>
+              </a:rPr>
+              <a:t>04.02.14</a:t>
+            </a:r>
+            <a:endParaRPr/>
+          </a:p>
+        </p:txBody>
+      </p:sp>
+      <p:sp>
+        <p:nvSpPr>
+          <p:cNvPr id="42" name="PlaceHolder 4"/>
+          <p:cNvSpPr>
+            <a:spLocks noGrp="1"/>
+          </p:cNvSpPr>
+          <p:nvPr>
+            <p:ph type="ftr"/>
+          </p:nvPr>
+        </p:nvSpPr>
+        <p:spPr>
+          <a:xfrm>
+            <a:off x="3124080" y="6356520"/>
+            <a:ext cx="2895120" cy="364680"/>
+          </a:xfrm>
+          <a:prstGeom prst="rect">
+            <a:avLst/>
+          </a:prstGeom>
+        </p:spPr>
+        <p:txBody>
+          <a:bodyPr anchor="ctr"/>
+          <a:p>
+            <a:endParaRPr/>
+          </a:p>
+        </p:txBody>
+      </p:sp>
+      <p:sp>
+        <p:nvSpPr>
+          <p:cNvPr id="43" name="PlaceHolder 5"/>
+          <p:cNvSpPr>
+            <a:spLocks noGrp="1"/>
+          </p:cNvSpPr>
+          <p:nvPr>
+            <p:ph type="sldNum"/>
+          </p:nvPr>
+        </p:nvSpPr>
+        <p:spPr>
+          <a:xfrm>
+            <a:off x="6553080" y="6356520"/>
+            <a:ext cx="2133360" cy="364680"/>
+          </a:xfrm>
+          <a:prstGeom prst="rect">
+            <a:avLst/>
+          </a:prstGeom>
+        </p:spPr>
+        <p:txBody>
+          <a:bodyPr anchor="ctr"/>
+          <a:p>
+            <a:pPr algn="r">
+              <a:lnSpc>
+                <a:spcPct val="100000"/>
+              </a:lnSpc>
+            </a:pPr>
+            <a:fld id="{61CE7410-3503-42E9-9DF4-F2AAF233C8CD}" type="slidenum">
+              <a:rPr lang="de-DE" sz="1200">
+                <a:solidFill>
+                  <a:srgbClr val="8b8b8b"/>
+                </a:solidFill>
+                <a:latin typeface="Calibri"/>
+              </a:rPr>
+              <a:t>&lt;number&gt;</a:t>
+            </a:fld>
             <a:endParaRPr/>
           </a:p>
         </p:txBody>
@@ -4080,188 +3246,6 @@
     <p:sldLayoutId id="2147483671" r:id="rId11"/>
     <p:sldLayoutId id="2147483672" r:id="rId12"/>
     <p:sldLayoutId id="2147483673" r:id="rId13"/>
-  </p:sldLayoutIdLst>
-</p:sldMaster>
-</file>
-
-<file path=ppt/slideMasters/slideMaster3.xml><?xml version="1.0" encoding="utf-8"?>
-<p:sldMaster xmlns:a="http://schemas.openxmlformats.org/drawingml/2006/main" xmlns:p="http://schemas.openxmlformats.org/presentationml/2006/main" xmlns:r="http://schemas.openxmlformats.org/officeDocument/2006/relationships">
-  <p:cSld>
-    <p:bg>
-      <p:bgPr>
-        <a:solidFill>
-          <a:srgbClr val="ffffff"/>
-        </a:solidFill>
-      </p:bgPr>
-    </p:bg>
-    <p:spTree>
-      <p:nvGrpSpPr>
-        <p:cNvPr id="1" name=""/>
-        <p:cNvGrpSpPr/>
-        <p:nvPr/>
-      </p:nvGrpSpPr>
-      <p:grpSpPr>
-        <a:xfrm>
-          <a:off x="0" y="0"/>
-          <a:ext cx="0" cy="0"/>
-          <a:chOff x="0" y="0"/>
-          <a:chExt cx="0" cy="0"/>
-        </a:xfrm>
-      </p:grpSpPr>
-      <p:sp>
-        <p:nvSpPr>
-          <p:cNvPr id="72" name="PlaceHolder 1"/>
-          <p:cNvSpPr>
-            <a:spLocks noGrp="1"/>
-          </p:cNvSpPr>
-          <p:nvPr>
-            <p:ph type="title"/>
-          </p:nvPr>
-        </p:nvSpPr>
-        <p:spPr>
-          <a:xfrm>
-            <a:off x="457200" y="273600"/>
-            <a:ext cx="8229240" cy="1144800"/>
-          </a:xfrm>
-          <a:prstGeom prst="rect">
-            <a:avLst/>
-          </a:prstGeom>
-        </p:spPr>
-        <p:txBody>
-          <a:bodyPr anchor="ctr" bIns="0" lIns="0" rIns="0" tIns="0" wrap="none"/>
-          <a:p>
-            <a:pPr algn="ctr"/>
-            <a:r>
-              <a:rPr lang="de-DE"/>
-              <a:t>Click to edit the title text format</a:t>
-            </a:r>
-            <a:endParaRPr/>
-          </a:p>
-        </p:txBody>
-      </p:sp>
-      <p:sp>
-        <p:nvSpPr>
-          <p:cNvPr id="73" name="PlaceHolder 2"/>
-          <p:cNvSpPr>
-            <a:spLocks noGrp="1"/>
-          </p:cNvSpPr>
-          <p:nvPr>
-            <p:ph type="body"/>
-          </p:nvPr>
-        </p:nvSpPr>
-        <p:spPr>
-          <a:xfrm>
-            <a:off x="457200" y="1604520"/>
-            <a:ext cx="8229240" cy="3977280"/>
-          </a:xfrm>
-          <a:prstGeom prst="rect">
-            <a:avLst/>
-          </a:prstGeom>
-        </p:spPr>
-        <p:txBody>
-          <a:bodyPr bIns="0" lIns="0" rIns="0" tIns="0" wrap="none"/>
-          <a:p>
-            <a:pPr>
-              <a:buSzPct val="25000"/>
-              <a:buFont typeface="StarSymbol"/>
-              <a:buChar char=""/>
-            </a:pPr>
-            <a:r>
-              <a:rPr lang="de-DE"/>
-              <a:t>Click to edit the outline text format</a:t>
-            </a:r>
-            <a:endParaRPr/>
-          </a:p>
-          <a:p>
-            <a:pPr lvl="1">
-              <a:buSzPct val="25000"/>
-              <a:buFont typeface="StarSymbol"/>
-              <a:buChar char=""/>
-            </a:pPr>
-            <a:r>
-              <a:rPr lang="de-DE"/>
-              <a:t>Second Outline Level</a:t>
-            </a:r>
-            <a:endParaRPr/>
-          </a:p>
-          <a:p>
-            <a:pPr lvl="2">
-              <a:buSzPct val="25000"/>
-              <a:buFont typeface="StarSymbol"/>
-              <a:buChar char=""/>
-            </a:pPr>
-            <a:r>
-              <a:rPr lang="de-DE"/>
-              <a:t>Third Outline Level</a:t>
-            </a:r>
-            <a:endParaRPr/>
-          </a:p>
-          <a:p>
-            <a:pPr lvl="3">
-              <a:buSzPct val="25000"/>
-              <a:buFont typeface="StarSymbol"/>
-              <a:buChar char=""/>
-            </a:pPr>
-            <a:r>
-              <a:rPr lang="de-DE"/>
-              <a:t>Fourth Outline Level</a:t>
-            </a:r>
-            <a:endParaRPr/>
-          </a:p>
-          <a:p>
-            <a:pPr lvl="4">
-              <a:buSzPct val="25000"/>
-              <a:buFont typeface="StarSymbol"/>
-              <a:buChar char=""/>
-            </a:pPr>
-            <a:r>
-              <a:rPr lang="de-DE"/>
-              <a:t>Fifth Outline Level</a:t>
-            </a:r>
-            <a:endParaRPr/>
-          </a:p>
-          <a:p>
-            <a:pPr lvl="5">
-              <a:buSzPct val="25000"/>
-              <a:buFont typeface="StarSymbol"/>
-              <a:buChar char=""/>
-            </a:pPr>
-            <a:r>
-              <a:rPr lang="de-DE"/>
-              <a:t>Sixth Outline Level</a:t>
-            </a:r>
-            <a:endParaRPr/>
-          </a:p>
-          <a:p>
-            <a:pPr lvl="6">
-              <a:buSzPct val="25000"/>
-              <a:buFont typeface="StarSymbol"/>
-              <a:buChar char=""/>
-            </a:pPr>
-            <a:r>
-              <a:rPr lang="de-DE"/>
-              <a:t>Seventh Outline Level</a:t>
-            </a:r>
-            <a:endParaRPr/>
-          </a:p>
-        </p:txBody>
-      </p:sp>
-    </p:spTree>
-  </p:cSld>
-  <p:clrMap accent1="accent1" accent2="accent2" accent3="accent3" accent4="accent4" accent5="accent5" accent6="accent6" bg1="lt1" bg2="lt2" folHlink="folHlink" hlink="hlink" tx1="dk1" tx2="dk2"/>
-  <p:sldLayoutIdLst>
-    <p:sldLayoutId id="2147483675" r:id="rId2"/>
-    <p:sldLayoutId id="2147483676" r:id="rId3"/>
-    <p:sldLayoutId id="2147483677" r:id="rId4"/>
-    <p:sldLayoutId id="2147483678" r:id="rId5"/>
-    <p:sldLayoutId id="2147483679" r:id="rId6"/>
-    <p:sldLayoutId id="2147483680" r:id="rId7"/>
-    <p:sldLayoutId id="2147483681" r:id="rId8"/>
-    <p:sldLayoutId id="2147483682" r:id="rId9"/>
-    <p:sldLayoutId id="2147483683" r:id="rId10"/>
-    <p:sldLayoutId id="2147483684" r:id="rId11"/>
-    <p:sldLayoutId id="2147483685" r:id="rId12"/>
-    <p:sldLayoutId id="2147483686" r:id="rId13"/>
   </p:sldLayoutIdLst>
 </p:sldMaster>
 </file>
@@ -4285,25 +3269,21 @@
       </p:grpSpPr>
       <p:sp>
         <p:nvSpPr>
-          <p:cNvPr id="113" name="CustomShape 1"/>
-          <p:cNvSpPr/>
+          <p:cNvPr id="83" name="TextShape 1"/>
+          <p:cNvSpPr txBox="1"/>
           <p:nvPr/>
         </p:nvSpPr>
         <p:spPr>
           <a:xfrm>
             <a:off x="685800" y="660240"/>
-            <a:ext cx="7771680" cy="1469160"/>
-          </a:xfrm>
-          <a:prstGeom prst="rect">
-            <a:avLst/>
-          </a:prstGeom>
-          <a:noFill/>
-          <a:ln>
-            <a:noFill/>
-          </a:ln>
-        </p:spPr>
-        <p:txBody>
-          <a:bodyPr anchor="ctr" bIns="45000" lIns="90000" rIns="90000" tIns="45000"/>
+            <a:ext cx="7772040" cy="1469520"/>
+          </a:xfrm>
+          <a:prstGeom prst="rect">
+            <a:avLst/>
+          </a:prstGeom>
+        </p:spPr>
+        <p:txBody>
+          <a:bodyPr anchor="ctr"/>
           <a:p>
             <a:pPr algn="ctr">
               <a:lnSpc>
@@ -4311,7 +3291,7 @@
               </a:lnSpc>
             </a:pPr>
             <a:r>
-              <a:rPr lang="de-DE" sz="12780">
+              <a:rPr lang="en-US" sz="12780">
                 <a:solidFill>
                   <a:srgbClr val="3465a4"/>
                 </a:solidFill>
@@ -4325,25 +3305,21 @@
       </p:sp>
       <p:sp>
         <p:nvSpPr>
-          <p:cNvPr id="114" name="CustomShape 2"/>
-          <p:cNvSpPr/>
+          <p:cNvPr id="84" name="TextShape 2"/>
+          <p:cNvSpPr txBox="1"/>
           <p:nvPr/>
         </p:nvSpPr>
         <p:spPr>
           <a:xfrm>
             <a:off x="1371600" y="3461760"/>
-            <a:ext cx="6400080" cy="3008520"/>
-          </a:xfrm>
-          <a:prstGeom prst="rect">
-            <a:avLst/>
-          </a:prstGeom>
-          <a:noFill/>
-          <a:ln>
-            <a:noFill/>
-          </a:ln>
-        </p:spPr>
-        <p:txBody>
-          <a:bodyPr bIns="45000" lIns="90000" rIns="90000" tIns="45000"/>
+            <a:ext cx="6400440" cy="3008880"/>
+          </a:xfrm>
+          <a:prstGeom prst="rect">
+            <a:avLst/>
+          </a:prstGeom>
+        </p:spPr>
+        <p:txBody>
+          <a:bodyPr/>
           <a:p>
             <a:pPr algn="ctr">
               <a:lnSpc>
@@ -4482,478 +3458,147 @@
       </p:grpSpPr>
       <p:sp>
         <p:nvSpPr>
-          <p:cNvPr id="115" name="CustomShape 1"/>
-          <p:cNvSpPr/>
+          <p:cNvPr id="85" name="TextShape 1"/>
+          <p:cNvSpPr txBox="1"/>
           <p:nvPr/>
         </p:nvSpPr>
         <p:spPr>
           <a:xfrm>
             <a:off x="457200" y="108360"/>
-            <a:ext cx="8228880" cy="1474920"/>
-          </a:xfrm>
-          <a:prstGeom prst="rect">
-            <a:avLst/>
-          </a:prstGeom>
-          <a:noFill/>
-          <a:ln>
-            <a:noFill/>
-          </a:ln>
+            <a:ext cx="8229240" cy="1475280"/>
+          </a:xfrm>
+          <a:prstGeom prst="rect">
+            <a:avLst/>
+          </a:prstGeom>
         </p:spPr>
         <p:txBody>
           <a:bodyPr anchor="ctr" bIns="0" lIns="0" rIns="0" tIns="0" wrap="none"/>
           <a:p>
-            <a:pPr algn="ctr">
+            <a:pPr algn="ctr"/>
+            <a:r>
+              <a:rPr lang="en-US"/>
+              <a:t>Pain</a:t>
+            </a:r>
+            <a:endParaRPr/>
+          </a:p>
+        </p:txBody>
+      </p:sp>
+      <p:sp>
+        <p:nvSpPr>
+          <p:cNvPr id="86" name="TextShape 2"/>
+          <p:cNvSpPr txBox="1"/>
+          <p:nvPr/>
+        </p:nvSpPr>
+        <p:spPr>
+          <a:xfrm>
+            <a:off x="457200" y="1708200"/>
+            <a:ext cx="8229240" cy="4525560"/>
+          </a:xfrm>
+          <a:prstGeom prst="rect">
+            <a:avLst/>
+          </a:prstGeom>
+        </p:spPr>
+        <p:txBody>
+          <a:bodyPr bIns="0" lIns="0" rIns="0" tIns="0" wrap="none"/>
+          <a:p>
+            <a:pPr>
               <a:lnSpc>
-                <a:spcPct val="100000"/>
+                <a:spcPct val="150000"/>
               </a:lnSpc>
+              <a:buSzPct val="25000"/>
+              <a:buFont typeface="StarSymbol"/>
+              <a:buChar char=""/>
             </a:pPr>
             <a:r>
-              <a:rPr lang="de-DE">
-                <a:solidFill>
-                  <a:srgbClr val="808080"/>
-                </a:solidFill>
-              </a:rPr>
-              <a:t>Solution</a:t>
-            </a:r>
-            <a:endParaRPr/>
-          </a:p>
-        </p:txBody>
-      </p:sp>
-      <p:sp>
-        <p:nvSpPr>
-          <p:cNvPr id="116" name="CustomShape 2"/>
-          <p:cNvSpPr/>
-          <p:nvPr/>
-        </p:nvSpPr>
-        <p:spPr>
-          <a:xfrm>
-            <a:off x="3459600" y="3460680"/>
-            <a:ext cx="2012040" cy="714960"/>
-          </a:xfrm>
-          <a:prstGeom prst="rect">
-            <a:avLst/>
-          </a:prstGeom>
-          <a:noFill/>
-          <a:ln>
-            <a:noFill/>
-          </a:ln>
-        </p:spPr>
-        <p:txBody>
-          <a:bodyPr bIns="45000" lIns="90000" rIns="90000" tIns="45000" wrap="none"/>
-          <a:p>
-            <a:r>
-              <a:rPr lang="de-DE" sz="4400">
-                <a:solidFill>
-                  <a:srgbClr val="3465a4"/>
-                </a:solidFill>
-              </a:rPr>
-              <a:t>Skedify</a:t>
-            </a:r>
-            <a:endParaRPr/>
-          </a:p>
-        </p:txBody>
-      </p:sp>
-      <p:sp>
-        <p:nvSpPr>
-          <p:cNvPr id="117" name="CustomShape 3"/>
-          <p:cNvSpPr/>
-          <p:nvPr/>
-        </p:nvSpPr>
-        <p:spPr>
-          <a:xfrm>
-            <a:off x="1013400" y="2151000"/>
-            <a:ext cx="1506240" cy="656640"/>
-          </a:xfrm>
-          <a:prstGeom prst="rect">
-            <a:avLst/>
-          </a:prstGeom>
-          <a:noFill/>
-          <a:ln>
-            <a:noFill/>
-          </a:ln>
-        </p:spPr>
-        <p:txBody>
-          <a:bodyPr bIns="45000" lIns="90000" rIns="90000" tIns="45000" wrap="none"/>
-          <a:p>
-            <a:r>
-              <a:rPr lang="de-DE" sz="2000">
-                <a:solidFill>
-                  <a:srgbClr val="579d1c"/>
-                </a:solidFill>
-              </a:rPr>
-              <a:t>Knows your</a:t>
-            </a:r>
-            <a:endParaRPr/>
-          </a:p>
-          <a:p>
-            <a:pPr algn="ctr">
+              <a:rPr lang="en-US" sz="5400"/>
+              <a:t>Labs, Semiars and other meetings</a:t>
+            </a:r>
+            <a:endParaRPr/>
+          </a:p>
+          <a:p>
+            <a:pPr>
               <a:lnSpc>
-                <a:spcPct val="100000"/>
+                <a:spcPct val="150000"/>
               </a:lnSpc>
+              <a:buSzPct val="25000"/>
+              <a:buFont typeface="StarSymbol"/>
+              <a:buChar char=""/>
             </a:pPr>
             <a:r>
-              <a:rPr lang="de-DE" sz="2000">
-                <a:solidFill>
-                  <a:srgbClr val="579d1c"/>
-                </a:solidFill>
-              </a:rPr>
-              <a:t>schedule</a:t>
-            </a:r>
-            <a:endParaRPr/>
-          </a:p>
-        </p:txBody>
-      </p:sp>
-      <p:sp>
-        <p:nvSpPr>
-          <p:cNvPr id="118" name="CustomShape 4"/>
-          <p:cNvSpPr/>
-          <p:nvPr/>
-        </p:nvSpPr>
-        <p:spPr>
-          <a:xfrm>
-            <a:off x="5711400" y="5328000"/>
-            <a:ext cx="1704240" cy="656640"/>
-          </a:xfrm>
-          <a:prstGeom prst="rect">
-            <a:avLst/>
-          </a:prstGeom>
-          <a:noFill/>
-          <a:ln>
-            <a:noFill/>
-          </a:ln>
-        </p:spPr>
-        <p:txBody>
-          <a:bodyPr bIns="45000" lIns="90000" rIns="90000" tIns="45000" wrap="none"/>
-          <a:p>
-            <a:r>
-              <a:rPr lang="de-DE" sz="2000">
-                <a:solidFill>
-                  <a:srgbClr val="579d1c"/>
-                </a:solidFill>
-              </a:rPr>
-              <a:t>Knows your</a:t>
-            </a:r>
-            <a:endParaRPr/>
-          </a:p>
-          <a:p>
-            <a:pPr algn="ctr">
+              <a:rPr lang="en-US" sz="5400"/>
+              <a:t>Many students</a:t>
+            </a:r>
+            <a:endParaRPr/>
+          </a:p>
+          <a:p>
+            <a:pPr>
               <a:lnSpc>
-                <a:spcPct val="100000"/>
+                <a:spcPct val="150000"/>
               </a:lnSpc>
+              <a:buSzPct val="25000"/>
+              <a:buFont typeface="StarSymbol"/>
+              <a:buChar char=""/>
             </a:pPr>
             <a:r>
-              <a:rPr lang="de-DE" sz="2000">
-                <a:solidFill>
-                  <a:srgbClr val="579d1c"/>
-                </a:solidFill>
-              </a:rPr>
-              <a:t>appointments</a:t>
-            </a:r>
-            <a:endParaRPr/>
-          </a:p>
-        </p:txBody>
-      </p:sp>
-      <p:sp>
-        <p:nvSpPr>
-          <p:cNvPr id="119" name="CustomShape 5"/>
-          <p:cNvSpPr/>
-          <p:nvPr/>
-        </p:nvSpPr>
-        <p:spPr>
-          <a:xfrm>
-            <a:off x="6624000" y="2151000"/>
-            <a:ext cx="1103760" cy="373320"/>
-          </a:xfrm>
-          <a:prstGeom prst="rect">
-            <a:avLst/>
-          </a:prstGeom>
-          <a:noFill/>
-          <a:ln>
-            <a:noFill/>
-          </a:ln>
-        </p:spPr>
-        <p:txBody>
-          <a:bodyPr bIns="45000" lIns="90000" rIns="90000" tIns="45000" wrap="none"/>
-          <a:p>
-            <a:pPr algn="ctr">
+              <a:rPr lang="en-US" sz="5400"/>
+              <a:t>Different timetables</a:t>
+            </a:r>
+            <a:endParaRPr/>
+          </a:p>
+          <a:p>
+            <a:pPr>
               <a:lnSpc>
-                <a:spcPct val="100000"/>
+                <a:spcPct val="150000"/>
               </a:lnSpc>
+              <a:buSzPct val="25000"/>
+              <a:buFont typeface="StarSymbol"/>
+              <a:buChar char=""/>
             </a:pPr>
             <a:r>
-              <a:rPr lang="de-DE" sz="2000">
-                <a:solidFill>
-                  <a:srgbClr val="579d1c"/>
-                </a:solidFill>
-              </a:rPr>
-              <a:t>It's easy</a:t>
-            </a:r>
-            <a:endParaRPr/>
-          </a:p>
-        </p:txBody>
-      </p:sp>
-      <p:sp>
-        <p:nvSpPr>
-          <p:cNvPr id="120" name="CustomShape 6"/>
-          <p:cNvSpPr/>
-          <p:nvPr/>
-        </p:nvSpPr>
-        <p:spPr>
-          <a:xfrm>
-            <a:off x="3960000" y="1863000"/>
-            <a:ext cx="1055160" cy="656640"/>
-          </a:xfrm>
-          <a:prstGeom prst="rect">
-            <a:avLst/>
-          </a:prstGeom>
-          <a:noFill/>
-          <a:ln>
-            <a:noFill/>
-          </a:ln>
-        </p:spPr>
-        <p:txBody>
-          <a:bodyPr bIns="45000" lIns="90000" rIns="90000" tIns="45000" wrap="none"/>
-          <a:p>
-            <a:r>
-              <a:rPr lang="de-DE" sz="2000">
-                <a:solidFill>
-                  <a:srgbClr val="579d1c"/>
-                </a:solidFill>
-              </a:rPr>
-              <a:t>Multiple</a:t>
-            </a:r>
-            <a:endParaRPr/>
-          </a:p>
-          <a:p>
-            <a:pPr algn="ctr">
+              <a:rPr lang="en-US" sz="5400"/>
+              <a:t>=&gt; hard to find a common timeslot</a:t>
+            </a:r>
+            <a:endParaRPr/>
+          </a:p>
+          <a:p>
+            <a:pPr lvl="1">
+              <a:buSzPct val="25000"/>
+              <a:buFont typeface="StarSymbol"/>
+              <a:buChar char=""/>
+            </a:pPr>
+            <a:r>
+              <a:rPr lang="en-US" sz="5400"/>
+              <a:t>→ </a:t>
+            </a:r>
+            <a:r>
+              <a:rPr lang="en-US" sz="5400"/>
+              <a:t>many Emails</a:t>
+            </a:r>
+            <a:endParaRPr/>
+          </a:p>
+          <a:p>
+            <a:pPr>
               <a:lnSpc>
-                <a:spcPct val="100000"/>
+                <a:spcPct val="150000"/>
               </a:lnSpc>
+              <a:buSzPct val="25000"/>
+              <a:buFont typeface="StarSymbol"/>
+              <a:buChar char=""/>
             </a:pPr>
-            <a:r>
-              <a:rPr lang="de-DE" sz="2000">
-                <a:solidFill>
-                  <a:srgbClr val="579d1c"/>
-                </a:solidFill>
-              </a:rPr>
-              <a:t>Groups</a:t>
-            </a:r>
-            <a:endParaRPr/>
-          </a:p>
-        </p:txBody>
-      </p:sp>
-      <p:sp>
-        <p:nvSpPr>
-          <p:cNvPr id="121" name="CustomShape 7"/>
-          <p:cNvSpPr/>
-          <p:nvPr/>
-        </p:nvSpPr>
-        <p:spPr>
-          <a:xfrm>
-            <a:off x="720000" y="4032000"/>
-            <a:ext cx="905760" cy="373320"/>
-          </a:xfrm>
-          <a:prstGeom prst="rect">
-            <a:avLst/>
-          </a:prstGeom>
-          <a:noFill/>
-          <a:ln>
-            <a:noFill/>
-          </a:ln>
-        </p:spPr>
-        <p:txBody>
-          <a:bodyPr bIns="45000" lIns="90000" rIns="90000" tIns="45000" wrap="none"/>
-          <a:p>
-            <a:pPr algn="ctr">
+            <a:endParaRPr/>
+          </a:p>
+          <a:p>
+            <a:pPr>
               <a:lnSpc>
-                <a:spcPct val="100000"/>
+                <a:spcPct val="150000"/>
               </a:lnSpc>
+              <a:buSzPct val="25000"/>
+              <a:buFont typeface="StarSymbol"/>
+              <a:buChar char=""/>
             </a:pPr>
             <a:r>
-              <a:rPr lang="de-DE" sz="2000">
-                <a:solidFill>
-                  <a:srgbClr val="579d1c"/>
-                </a:solidFill>
-              </a:rPr>
-              <a:t>It's hip</a:t>
-            </a:r>
-            <a:endParaRPr/>
-          </a:p>
-        </p:txBody>
-      </p:sp>
-      <p:sp>
-        <p:nvSpPr>
-          <p:cNvPr id="122" name="CustomShape 8"/>
-          <p:cNvSpPr/>
-          <p:nvPr/>
-        </p:nvSpPr>
-        <p:spPr>
-          <a:xfrm>
-            <a:off x="6984000" y="3874320"/>
-            <a:ext cx="730440" cy="373320"/>
-          </a:xfrm>
-          <a:prstGeom prst="rect">
-            <a:avLst/>
-          </a:prstGeom>
-          <a:noFill/>
-          <a:ln>
-            <a:noFill/>
-          </a:ln>
-        </p:spPr>
-        <p:txBody>
-          <a:bodyPr bIns="45000" lIns="90000" rIns="90000" tIns="45000" wrap="none"/>
-          <a:p>
-            <a:pPr algn="ctr">
-              <a:lnSpc>
-                <a:spcPct val="100000"/>
-              </a:lnSpc>
-            </a:pPr>
-            <a:r>
-              <a:rPr lang="de-DE" sz="2000">
-                <a:solidFill>
-                  <a:srgbClr val="579d1c"/>
-                </a:solidFill>
-              </a:rPr>
-              <a:t>clear</a:t>
-            </a:r>
-            <a:endParaRPr/>
-          </a:p>
-        </p:txBody>
-      </p:sp>
-      <p:sp>
-        <p:nvSpPr>
-          <p:cNvPr id="123" name="CustomShape 9"/>
-          <p:cNvSpPr/>
-          <p:nvPr/>
-        </p:nvSpPr>
-        <p:spPr>
-          <a:xfrm>
-            <a:off x="3456000" y="5760000"/>
-            <a:ext cx="1379880" cy="373320"/>
-          </a:xfrm>
-          <a:prstGeom prst="rect">
-            <a:avLst/>
-          </a:prstGeom>
-          <a:noFill/>
-          <a:ln>
-            <a:noFill/>
-          </a:ln>
-        </p:spPr>
-        <p:txBody>
-          <a:bodyPr bIns="45000" lIns="90000" rIns="90000" tIns="45000" wrap="none"/>
-          <a:p>
-            <a:pPr algn="ctr">
-              <a:lnSpc>
-                <a:spcPct val="100000"/>
-              </a:lnSpc>
-            </a:pPr>
-            <a:r>
-              <a:rPr lang="de-DE" sz="2000">
-                <a:solidFill>
-                  <a:srgbClr val="579d1c"/>
-                </a:solidFill>
-              </a:rPr>
-              <a:t>Up-to-date</a:t>
-            </a:r>
-            <a:endParaRPr/>
-          </a:p>
-        </p:txBody>
-      </p:sp>
-      <p:sp>
-        <p:nvSpPr>
-          <p:cNvPr id="124" name="CustomShape 10"/>
-          <p:cNvSpPr/>
-          <p:nvPr/>
-        </p:nvSpPr>
-        <p:spPr>
-          <a:xfrm>
-            <a:off x="2831040" y="4176000"/>
-            <a:ext cx="3432600" cy="601920"/>
-          </a:xfrm>
-          <a:prstGeom prst="rect">
-            <a:avLst/>
-          </a:prstGeom>
-          <a:noFill/>
-          <a:ln>
-            <a:noFill/>
-          </a:ln>
-        </p:spPr>
-        <p:txBody>
-          <a:bodyPr bIns="45000" lIns="90000" rIns="90000" tIns="45000" wrap="none"/>
-          <a:p>
-            <a:r>
-              <a:rPr lang="de-DE">
-                <a:solidFill>
-                  <a:srgbClr val="333333"/>
-                </a:solidFill>
-              </a:rPr>
-              <a:t>Finding a common meeting time</a:t>
-            </a:r>
-            <a:endParaRPr/>
-          </a:p>
-          <a:p>
-            <a:pPr algn="ctr">
-              <a:lnSpc>
-                <a:spcPct val="100000"/>
-              </a:lnSpc>
-            </a:pPr>
-            <a:r>
-              <a:rPr lang="de-DE">
-                <a:solidFill>
-                  <a:srgbClr val="333333"/>
-                </a:solidFill>
-              </a:rPr>
-              <a:t>among multiple students</a:t>
-            </a:r>
-            <a:endParaRPr/>
-          </a:p>
-        </p:txBody>
-      </p:sp>
-      <p:sp>
-        <p:nvSpPr>
-          <p:cNvPr id="125" name="CustomShape 11"/>
-          <p:cNvSpPr/>
-          <p:nvPr/>
-        </p:nvSpPr>
-        <p:spPr>
-          <a:xfrm>
-            <a:off x="720000" y="5175000"/>
-            <a:ext cx="1661760" cy="656640"/>
-          </a:xfrm>
-          <a:prstGeom prst="rect">
-            <a:avLst/>
-          </a:prstGeom>
-          <a:noFill/>
-          <a:ln>
-            <a:noFill/>
-          </a:ln>
-        </p:spPr>
-        <p:txBody>
-          <a:bodyPr bIns="45000" lIns="90000" rIns="90000" tIns="45000" wrap="none"/>
-          <a:p>
-            <a:r>
-              <a:rPr lang="de-DE" sz="2000">
-                <a:solidFill>
-                  <a:srgbClr val="579d1c"/>
-                </a:solidFill>
-              </a:rPr>
-              <a:t>Best meeting</a:t>
-            </a:r>
-            <a:endParaRPr/>
-          </a:p>
-          <a:p>
-            <a:pPr algn="ctr">
-              <a:lnSpc>
-                <a:spcPct val="100000"/>
-              </a:lnSpc>
-            </a:pPr>
-            <a:r>
-              <a:rPr lang="de-DE" sz="2000">
-                <a:solidFill>
-                  <a:srgbClr val="579d1c"/>
-                </a:solidFill>
-              </a:rPr>
-              <a:t>slot</a:t>
+              <a:rPr lang="en-US" sz="5400"/>
+              <a:t>Current solution: Doodle</a:t>
             </a:r>
             <a:endParaRPr/>
           </a:p>
@@ -5010,686 +3655,424 @@
       </p:grpSpPr>
       <p:sp>
         <p:nvSpPr>
-          <p:cNvPr id="126" name="CustomShape 1"/>
-          <p:cNvSpPr/>
+          <p:cNvPr id="87" name="TextShape 1"/>
+          <p:cNvSpPr txBox="1"/>
           <p:nvPr/>
         </p:nvSpPr>
         <p:spPr>
           <a:xfrm>
-            <a:off x="457200" y="274680"/>
-            <a:ext cx="8228880" cy="1142280"/>
-          </a:xfrm>
-          <a:prstGeom prst="rect">
-            <a:avLst/>
-          </a:prstGeom>
-          <a:noFill/>
-          <a:ln>
-            <a:noFill/>
-          </a:ln>
-        </p:spPr>
-        <p:txBody>
-          <a:bodyPr anchor="ctr" bIns="45000" lIns="90000" rIns="90000" tIns="45000"/>
-          <a:p>
-            <a:pPr algn="ctr">
-              <a:lnSpc>
-                <a:spcPct val="100000"/>
-              </a:lnSpc>
-            </a:pPr>
+            <a:off x="457200" y="108360"/>
+            <a:ext cx="8229240" cy="1475280"/>
+          </a:xfrm>
+          <a:prstGeom prst="rect">
+            <a:avLst/>
+          </a:prstGeom>
+        </p:spPr>
+        <p:txBody>
+          <a:bodyPr anchor="ctr" bIns="0" lIns="0" rIns="0" tIns="0" wrap="none"/>
+          <a:p>
+            <a:pPr algn="ctr"/>
+            <a:r>
+              <a:rPr lang="en-US">
+                <a:solidFill>
+                  <a:srgbClr val="808080"/>
+                </a:solidFill>
+              </a:rPr>
+              <a:t>Solution</a:t>
+            </a:r>
+            <a:endParaRPr/>
+          </a:p>
+        </p:txBody>
+      </p:sp>
+      <p:sp>
+        <p:nvSpPr>
+          <p:cNvPr id="88" name="TextShape 2"/>
+          <p:cNvSpPr txBox="1"/>
+          <p:nvPr/>
+        </p:nvSpPr>
+        <p:spPr>
+          <a:xfrm>
+            <a:off x="3459600" y="3460680"/>
+            <a:ext cx="2012400" cy="715320"/>
+          </a:xfrm>
+          <a:prstGeom prst="rect">
+            <a:avLst/>
+          </a:prstGeom>
+        </p:spPr>
+        <p:txBody>
+          <a:bodyPr bIns="45000" lIns="90000" rIns="90000" tIns="45000" wrap="none"/>
+          <a:p>
             <a:r>
               <a:rPr lang="de-DE" sz="4400">
                 <a:solidFill>
-                  <a:srgbClr val="000000"/>
+                  <a:srgbClr val="3465a4"/>
                 </a:solidFill>
-                <a:latin typeface="Calibri"/>
               </a:rPr>
-              <a:t>Our Application Cycle</a:t>
-            </a:r>
-            <a:endParaRPr/>
-          </a:p>
-        </p:txBody>
-      </p:sp>
-      <p:sp>
-        <p:nvSpPr>
-          <p:cNvPr id="127" name="CustomShape 2"/>
-          <p:cNvSpPr/>
+              <a:t>Skedify</a:t>
+            </a:r>
+            <a:endParaRPr/>
+          </a:p>
+        </p:txBody>
+      </p:sp>
+      <p:sp>
+        <p:nvSpPr>
+          <p:cNvPr id="89" name="TextShape 3"/>
+          <p:cNvSpPr txBox="1"/>
           <p:nvPr/>
         </p:nvSpPr>
         <p:spPr>
           <a:xfrm>
-            <a:off x="771840" y="1777680"/>
-            <a:ext cx="2121480" cy="719640"/>
-          </a:xfrm>
-          <a:prstGeom prst="flowChartProcess">
-            <a:avLst/>
-          </a:prstGeom>
-          <a:gradFill>
-            <a:gsLst>
-              <a:gs pos="0">
-                <a:srgbClr val="3e7fcc"/>
-              </a:gs>
-              <a:gs pos="100000">
-                <a:srgbClr val="a4c1ff"/>
-              </a:gs>
-            </a:gsLst>
-            <a:lin ang="16200000"/>
-          </a:gradFill>
-          <a:ln w="9360">
-            <a:solidFill>
-              <a:srgbClr val="4a7ebb"/>
-            </a:solidFill>
-            <a:round/>
-          </a:ln>
-        </p:spPr>
-        <p:txBody>
-          <a:bodyPr anchor="ctr" bIns="45000" lIns="90000" rIns="90000" tIns="45000"/>
-          <a:p>
-            <a:pPr algn="ctr">
-              <a:lnSpc>
-                <a:spcPct val="100000"/>
-              </a:lnSpc>
-            </a:pPr>
+            <a:off x="1013400" y="2151000"/>
+            <a:ext cx="1506600" cy="657000"/>
+          </a:xfrm>
+          <a:prstGeom prst="rect">
+            <a:avLst/>
+          </a:prstGeom>
+        </p:spPr>
+        <p:txBody>
+          <a:bodyPr bIns="45000" lIns="90000" rIns="90000" tIns="45000" wrap="none"/>
+          <a:p>
+            <a:pPr algn="ctr"/>
+            <a:r>
+              <a:rPr lang="de-DE" sz="2000">
+                <a:solidFill>
+                  <a:srgbClr val="579d1c"/>
+                </a:solidFill>
+              </a:rPr>
+              <a:t>Knows your</a:t>
+            </a:r>
+            <a:r>
+              <a:rPr lang="de-DE" sz="2000">
+                <a:solidFill>
+                  <a:srgbClr val="579d1c"/>
+                </a:solidFill>
+              </a:rPr>
+              <a:t>
+</a:t>
+            </a:r>
+            <a:r>
+              <a:rPr lang="de-DE" sz="2000">
+                <a:solidFill>
+                  <a:srgbClr val="579d1c"/>
+                </a:solidFill>
+              </a:rPr>
+              <a:t>schedule</a:t>
+            </a:r>
+            <a:endParaRPr/>
+          </a:p>
+        </p:txBody>
+      </p:sp>
+      <p:sp>
+        <p:nvSpPr>
+          <p:cNvPr id="90" name="TextShape 4"/>
+          <p:cNvSpPr txBox="1"/>
+          <p:nvPr/>
+        </p:nvSpPr>
+        <p:spPr>
+          <a:xfrm>
+            <a:off x="5711400" y="5328000"/>
+            <a:ext cx="1704600" cy="657000"/>
+          </a:xfrm>
+          <a:prstGeom prst="rect">
+            <a:avLst/>
+          </a:prstGeom>
+        </p:spPr>
+        <p:txBody>
+          <a:bodyPr bIns="45000" lIns="90000" rIns="90000" tIns="45000" wrap="none"/>
+          <a:p>
+            <a:pPr algn="ctr"/>
+            <a:r>
+              <a:rPr lang="de-DE" sz="2000">
+                <a:solidFill>
+                  <a:srgbClr val="579d1c"/>
+                </a:solidFill>
+              </a:rPr>
+              <a:t>Knows your</a:t>
+            </a:r>
+            <a:r>
+              <a:rPr lang="de-DE" sz="2000">
+                <a:solidFill>
+                  <a:srgbClr val="579d1c"/>
+                </a:solidFill>
+              </a:rPr>
+              <a:t>
+</a:t>
+            </a:r>
+            <a:r>
+              <a:rPr lang="de-DE" sz="2000">
+                <a:solidFill>
+                  <a:srgbClr val="579d1c"/>
+                </a:solidFill>
+              </a:rPr>
+              <a:t>appointments</a:t>
+            </a:r>
+            <a:endParaRPr/>
+          </a:p>
+        </p:txBody>
+      </p:sp>
+      <p:sp>
+        <p:nvSpPr>
+          <p:cNvPr id="91" name="TextShape 5"/>
+          <p:cNvSpPr txBox="1"/>
+          <p:nvPr/>
+        </p:nvSpPr>
+        <p:spPr>
+          <a:xfrm>
+            <a:off x="6624000" y="2151000"/>
+            <a:ext cx="1104120" cy="373680"/>
+          </a:xfrm>
+          <a:prstGeom prst="rect">
+            <a:avLst/>
+          </a:prstGeom>
+        </p:spPr>
+        <p:txBody>
+          <a:bodyPr bIns="45000" lIns="90000" rIns="90000" tIns="45000" wrap="none"/>
+          <a:p>
+            <a:pPr algn="ctr"/>
+            <a:r>
+              <a:rPr lang="de-DE" sz="2000">
+                <a:solidFill>
+                  <a:srgbClr val="579d1c"/>
+                </a:solidFill>
+              </a:rPr>
+              <a:t>It's easy</a:t>
+            </a:r>
+            <a:endParaRPr/>
+          </a:p>
+        </p:txBody>
+      </p:sp>
+      <p:sp>
+        <p:nvSpPr>
+          <p:cNvPr id="92" name="TextShape 6"/>
+          <p:cNvSpPr txBox="1"/>
+          <p:nvPr/>
+        </p:nvSpPr>
+        <p:spPr>
+          <a:xfrm>
+            <a:off x="3960000" y="1863000"/>
+            <a:ext cx="1055520" cy="657000"/>
+          </a:xfrm>
+          <a:prstGeom prst="rect">
+            <a:avLst/>
+          </a:prstGeom>
+        </p:spPr>
+        <p:txBody>
+          <a:bodyPr bIns="45000" lIns="90000" rIns="90000" tIns="45000" wrap="none"/>
+          <a:p>
+            <a:pPr algn="ctr"/>
+            <a:r>
+              <a:rPr lang="de-DE" sz="2000">
+                <a:solidFill>
+                  <a:srgbClr val="579d1c"/>
+                </a:solidFill>
+              </a:rPr>
+              <a:t>Multiple</a:t>
+            </a:r>
+            <a:r>
+              <a:rPr lang="de-DE" sz="2000">
+                <a:solidFill>
+                  <a:srgbClr val="579d1c"/>
+                </a:solidFill>
+              </a:rPr>
+              <a:t>
+</a:t>
+            </a:r>
+            <a:r>
+              <a:rPr lang="de-DE" sz="2000">
+                <a:solidFill>
+                  <a:srgbClr val="579d1c"/>
+                </a:solidFill>
+              </a:rPr>
+              <a:t>Groups</a:t>
+            </a:r>
+            <a:endParaRPr/>
+          </a:p>
+        </p:txBody>
+      </p:sp>
+      <p:sp>
+        <p:nvSpPr>
+          <p:cNvPr id="93" name="TextShape 7"/>
+          <p:cNvSpPr txBox="1"/>
+          <p:nvPr/>
+        </p:nvSpPr>
+        <p:spPr>
+          <a:xfrm>
+            <a:off x="720000" y="4032000"/>
+            <a:ext cx="906120" cy="373680"/>
+          </a:xfrm>
+          <a:prstGeom prst="rect">
+            <a:avLst/>
+          </a:prstGeom>
+        </p:spPr>
+        <p:txBody>
+          <a:bodyPr bIns="45000" lIns="90000" rIns="90000" tIns="45000" wrap="none"/>
+          <a:p>
+            <a:pPr algn="ctr"/>
+            <a:r>
+              <a:rPr lang="de-DE" sz="2000">
+                <a:solidFill>
+                  <a:srgbClr val="579d1c"/>
+                </a:solidFill>
+              </a:rPr>
+              <a:t>It's hip</a:t>
+            </a:r>
+            <a:endParaRPr/>
+          </a:p>
+        </p:txBody>
+      </p:sp>
+      <p:sp>
+        <p:nvSpPr>
+          <p:cNvPr id="94" name="TextShape 8"/>
+          <p:cNvSpPr txBox="1"/>
+          <p:nvPr/>
+        </p:nvSpPr>
+        <p:spPr>
+          <a:xfrm>
+            <a:off x="6984000" y="3874320"/>
+            <a:ext cx="730800" cy="373680"/>
+          </a:xfrm>
+          <a:prstGeom prst="rect">
+            <a:avLst/>
+          </a:prstGeom>
+        </p:spPr>
+        <p:txBody>
+          <a:bodyPr bIns="45000" lIns="90000" rIns="90000" tIns="45000" wrap="none"/>
+          <a:p>
+            <a:pPr algn="ctr"/>
+            <a:r>
+              <a:rPr lang="de-DE" sz="2000">
+                <a:solidFill>
+                  <a:srgbClr val="579d1c"/>
+                </a:solidFill>
+              </a:rPr>
+              <a:t>clear</a:t>
+            </a:r>
+            <a:endParaRPr/>
+          </a:p>
+        </p:txBody>
+      </p:sp>
+      <p:sp>
+        <p:nvSpPr>
+          <p:cNvPr id="95" name="TextShape 9"/>
+          <p:cNvSpPr txBox="1"/>
+          <p:nvPr/>
+        </p:nvSpPr>
+        <p:spPr>
+          <a:xfrm>
+            <a:off x="3456000" y="5760000"/>
+            <a:ext cx="1380240" cy="373680"/>
+          </a:xfrm>
+          <a:prstGeom prst="rect">
+            <a:avLst/>
+          </a:prstGeom>
+        </p:spPr>
+        <p:txBody>
+          <a:bodyPr bIns="45000" lIns="90000" rIns="90000" tIns="45000" wrap="none"/>
+          <a:p>
+            <a:pPr algn="ctr"/>
+            <a:r>
+              <a:rPr lang="de-DE" sz="2000">
+                <a:solidFill>
+                  <a:srgbClr val="579d1c"/>
+                </a:solidFill>
+              </a:rPr>
+              <a:t>Up-to-date</a:t>
+            </a:r>
+            <a:endParaRPr/>
+          </a:p>
+        </p:txBody>
+      </p:sp>
+      <p:sp>
+        <p:nvSpPr>
+          <p:cNvPr id="96" name="TextShape 10"/>
+          <p:cNvSpPr txBox="1"/>
+          <p:nvPr/>
+        </p:nvSpPr>
+        <p:spPr>
+          <a:xfrm>
+            <a:off x="2831040" y="4176000"/>
+            <a:ext cx="3432960" cy="602280"/>
+          </a:xfrm>
+          <a:prstGeom prst="rect">
+            <a:avLst/>
+          </a:prstGeom>
+        </p:spPr>
+        <p:txBody>
+          <a:bodyPr bIns="45000" lIns="90000" rIns="90000" tIns="45000" wrap="none"/>
+          <a:p>
+            <a:pPr algn="ctr"/>
             <a:r>
               <a:rPr lang="de-DE">
                 <a:solidFill>
-                  <a:srgbClr val="ffffff"/>
+                  <a:srgbClr val="333333"/>
                 </a:solidFill>
-                <a:latin typeface="Calibri"/>
               </a:rPr>
-              <a:t>iPhone (Client)</a:t>
-            </a:r>
-            <a:endParaRPr/>
-          </a:p>
-        </p:txBody>
-      </p:sp>
-      <p:sp>
-        <p:nvSpPr>
-          <p:cNvPr id="128" name="CustomShape 3"/>
-          <p:cNvSpPr/>
-          <p:nvPr/>
-        </p:nvSpPr>
-        <p:spPr>
-          <a:xfrm>
-            <a:off x="2894040" y="2138040"/>
-            <a:ext cx="3327120" cy="360"/>
-          </a:xfrm>
-          <a:prstGeom prst="straightConnector1">
-            <a:avLst/>
-          </a:prstGeom>
-          <a:noFill/>
-          <a:ln w="25560">
-            <a:solidFill>
-              <a:srgbClr val="4f81bd"/>
-            </a:solidFill>
-            <a:round/>
-            <a:tailEnd len="med" type="arrow" w="med"/>
-          </a:ln>
-        </p:spPr>
-      </p:sp>
-      <p:sp>
-        <p:nvSpPr>
-          <p:cNvPr id="129" name="CustomShape 4"/>
-          <p:cNvSpPr/>
-          <p:nvPr/>
-        </p:nvSpPr>
-        <p:spPr>
-          <a:xfrm>
-            <a:off x="6221880" y="1777680"/>
-            <a:ext cx="2121480" cy="719640"/>
-          </a:xfrm>
-          <a:prstGeom prst="flowChartProcess">
-            <a:avLst/>
-          </a:prstGeom>
-          <a:gradFill>
-            <a:gsLst>
-              <a:gs pos="0">
-                <a:srgbClr val="3e7fcc"/>
-              </a:gs>
-              <a:gs pos="100000">
-                <a:srgbClr val="a4c1ff"/>
-              </a:gs>
-            </a:gsLst>
-            <a:lin ang="16200000"/>
-          </a:gradFill>
-          <a:ln w="9360">
-            <a:solidFill>
-              <a:srgbClr val="4a7ebb"/>
-            </a:solidFill>
-            <a:round/>
-          </a:ln>
-        </p:spPr>
-        <p:txBody>
-          <a:bodyPr anchor="ctr" bIns="45000" lIns="90000" rIns="90000" tIns="45000"/>
-          <a:p>
-            <a:pPr algn="ctr">
-              <a:lnSpc>
-                <a:spcPct val="100000"/>
-              </a:lnSpc>
-            </a:pPr>
+              <a:t>Finding a common meeting time</a:t>
+            </a:r>
             <a:r>
               <a:rPr lang="de-DE">
                 <a:solidFill>
-                  <a:srgbClr val="ffffff"/>
+                  <a:srgbClr val="333333"/>
                 </a:solidFill>
-                <a:latin typeface="Calibri"/>
               </a:rPr>
-              <a:t>OAuth</a:t>
-            </a:r>
-            <a:endParaRPr/>
-          </a:p>
-        </p:txBody>
-      </p:sp>
-      <p:sp>
-        <p:nvSpPr>
-          <p:cNvPr id="130" name="CustomShape 5"/>
-          <p:cNvSpPr/>
-          <p:nvPr/>
-        </p:nvSpPr>
-        <p:spPr>
-          <a:xfrm>
-            <a:off x="6221880" y="4860720"/>
-            <a:ext cx="2121480" cy="719640"/>
-          </a:xfrm>
-          <a:prstGeom prst="flowChartProcess">
-            <a:avLst/>
-          </a:prstGeom>
-          <a:gradFill>
-            <a:gsLst>
-              <a:gs pos="0">
-                <a:srgbClr val="3e7fcc"/>
-              </a:gs>
-              <a:gs pos="100000">
-                <a:srgbClr val="a4c1ff"/>
-              </a:gs>
-            </a:gsLst>
-            <a:lin ang="16200000"/>
-          </a:gradFill>
-          <a:ln w="9360">
-            <a:solidFill>
-              <a:srgbClr val="4a7ebb"/>
-            </a:solidFill>
-            <a:round/>
-          </a:ln>
-        </p:spPr>
-        <p:txBody>
-          <a:bodyPr anchor="ctr" bIns="45000" lIns="90000" rIns="90000" tIns="45000"/>
-          <a:p>
-            <a:pPr algn="ctr">
-              <a:lnSpc>
-                <a:spcPct val="100000"/>
-              </a:lnSpc>
-            </a:pPr>
+              <a:t>
+</a:t>
+            </a:r>
             <a:r>
               <a:rPr lang="de-DE">
                 <a:solidFill>
-                  <a:srgbClr val="ffffff"/>
-                </a:solidFill>
-                <a:latin typeface="Calibri"/>
-              </a:rPr>
-              <a:t>L2P API</a:t>
-            </a:r>
-            <a:endParaRPr/>
-          </a:p>
-        </p:txBody>
-      </p:sp>
-      <p:sp>
-        <p:nvSpPr>
-          <p:cNvPr id="131" name="CustomShape 6"/>
-          <p:cNvSpPr/>
-          <p:nvPr/>
-        </p:nvSpPr>
-        <p:spPr>
-          <a:xfrm>
-            <a:off x="771840" y="4850280"/>
-            <a:ext cx="2121480" cy="719640"/>
-          </a:xfrm>
-          <a:prstGeom prst="flowChartProcess">
-            <a:avLst/>
-          </a:prstGeom>
-          <a:gradFill>
-            <a:gsLst>
-              <a:gs pos="0">
-                <a:srgbClr val="3e7fcc"/>
-              </a:gs>
-              <a:gs pos="100000">
-                <a:srgbClr val="a4c1ff"/>
-              </a:gs>
-            </a:gsLst>
-            <a:lin ang="16200000"/>
-          </a:gradFill>
-          <a:ln w="9360">
-            <a:solidFill>
-              <a:srgbClr val="4a7ebb"/>
-            </a:solidFill>
-            <a:round/>
-          </a:ln>
-        </p:spPr>
-        <p:txBody>
-          <a:bodyPr anchor="ctr" bIns="45000" lIns="90000" rIns="90000" tIns="45000"/>
-          <a:p>
-            <a:pPr algn="ctr">
-              <a:lnSpc>
-                <a:spcPct val="100000"/>
-              </a:lnSpc>
-            </a:pPr>
-            <a:r>
-              <a:rPr lang="de-DE">
-                <a:solidFill>
-                  <a:srgbClr val="ffffff"/>
-                </a:solidFill>
-                <a:latin typeface="Calibri"/>
-              </a:rPr>
-              <a:t>Server</a:t>
-            </a:r>
-            <a:endParaRPr/>
-          </a:p>
-        </p:txBody>
-      </p:sp>
-      <p:sp>
-        <p:nvSpPr>
-          <p:cNvPr id="132" name="CustomShape 7"/>
-          <p:cNvSpPr/>
-          <p:nvPr/>
-        </p:nvSpPr>
-        <p:spPr>
-          <a:xfrm>
-            <a:off x="1832760" y="2498040"/>
-            <a:ext cx="360" cy="2351520"/>
-          </a:xfrm>
-          <a:prstGeom prst="straightConnector1">
-            <a:avLst/>
-          </a:prstGeom>
-          <a:noFill/>
-          <a:ln w="25560">
-            <a:solidFill>
-              <a:srgbClr val="4f81bd"/>
-            </a:solidFill>
-            <a:round/>
-            <a:headEnd len="med" type="arrow" w="med"/>
-            <a:tailEnd len="med" type="arrow" w="med"/>
-          </a:ln>
-        </p:spPr>
-      </p:sp>
-      <p:sp>
-        <p:nvSpPr>
-          <p:cNvPr id="133" name="CustomShape 8"/>
-          <p:cNvSpPr/>
-          <p:nvPr/>
-        </p:nvSpPr>
-        <p:spPr>
-          <a:xfrm>
-            <a:off x="6221880" y="2957760"/>
-            <a:ext cx="2121480" cy="1456920"/>
-          </a:xfrm>
-          <a:prstGeom prst="flowChartDecision">
-            <a:avLst/>
-          </a:prstGeom>
-          <a:gradFill>
-            <a:gsLst>
-              <a:gs pos="0">
-                <a:srgbClr val="3e7fcc"/>
-              </a:gs>
-              <a:gs pos="100000">
-                <a:srgbClr val="a4c1ff"/>
-              </a:gs>
-            </a:gsLst>
-            <a:lin ang="16200000"/>
-          </a:gradFill>
-          <a:ln w="9360">
-            <a:solidFill>
-              <a:srgbClr val="4a7ebb"/>
-            </a:solidFill>
-            <a:round/>
-          </a:ln>
-        </p:spPr>
-        <p:txBody>
-          <a:bodyPr anchor="ctr" bIns="45000" lIns="90000" rIns="90000" tIns="45000"/>
-          <a:p>
-            <a:pPr algn="ctr">
-              <a:lnSpc>
-                <a:spcPct val="100000"/>
-              </a:lnSpc>
-            </a:pPr>
-            <a:r>
-              <a:rPr lang="de-DE">
-                <a:solidFill>
-                  <a:srgbClr val="ffffff"/>
-                </a:solidFill>
-                <a:latin typeface="Calibri"/>
-              </a:rPr>
-              <a:t>Success?</a:t>
-            </a:r>
-            <a:endParaRPr/>
-          </a:p>
-        </p:txBody>
-      </p:sp>
-      <p:sp>
-        <p:nvSpPr>
-          <p:cNvPr id="134" name="CustomShape 9"/>
-          <p:cNvSpPr/>
-          <p:nvPr/>
-        </p:nvSpPr>
-        <p:spPr>
-          <a:xfrm>
-            <a:off x="7283160" y="2498040"/>
-            <a:ext cx="360" cy="459000"/>
-          </a:xfrm>
-          <a:prstGeom prst="straightConnector1">
-            <a:avLst/>
-          </a:prstGeom>
-          <a:noFill/>
-          <a:ln w="25560">
-            <a:solidFill>
-              <a:srgbClr val="4f81bd"/>
-            </a:solidFill>
-            <a:round/>
-            <a:tailEnd len="med" type="arrow" w="med"/>
-          </a:ln>
-        </p:spPr>
-      </p:sp>
-      <p:sp>
-        <p:nvSpPr>
-          <p:cNvPr id="135" name="CustomShape 10"/>
-          <p:cNvSpPr/>
-          <p:nvPr/>
-        </p:nvSpPr>
-        <p:spPr>
-          <a:xfrm>
-            <a:off x="7283160" y="4415760"/>
-            <a:ext cx="360" cy="444240"/>
-          </a:xfrm>
-          <a:prstGeom prst="straightConnector1">
-            <a:avLst/>
-          </a:prstGeom>
-          <a:noFill/>
-          <a:ln w="25560">
-            <a:solidFill>
-              <a:srgbClr val="4f81bd"/>
-            </a:solidFill>
-            <a:round/>
-            <a:tailEnd len="med" type="arrow" w="med"/>
-          </a:ln>
-        </p:spPr>
-      </p:sp>
-      <p:sp>
-        <p:nvSpPr>
-          <p:cNvPr id="136" name="CustomShape 11"/>
-          <p:cNvSpPr/>
-          <p:nvPr/>
-        </p:nvSpPr>
-        <p:spPr>
-          <a:xfrm flipH="1" flipV="1">
-            <a:off x="2893320" y="5209920"/>
-            <a:ext cx="3327120" cy="9360"/>
-          </a:xfrm>
-          <a:prstGeom prst="straightConnector1">
-            <a:avLst/>
-          </a:prstGeom>
-          <a:noFill/>
-          <a:ln w="25560">
-            <a:solidFill>
-              <a:srgbClr val="4f81bd"/>
-            </a:solidFill>
-            <a:round/>
-            <a:tailEnd len="med" type="arrow" w="med"/>
-          </a:ln>
-        </p:spPr>
-      </p:sp>
-      <p:sp>
-        <p:nvSpPr>
-          <p:cNvPr id="137" name="CustomShape 12"/>
-          <p:cNvSpPr/>
-          <p:nvPr/>
-        </p:nvSpPr>
-        <p:spPr>
-          <a:xfrm>
-            <a:off x="3629880" y="4841280"/>
-            <a:ext cx="1985040" cy="364320"/>
-          </a:xfrm>
-          <a:prstGeom prst="rect">
-            <a:avLst/>
-          </a:prstGeom>
-          <a:noFill/>
-          <a:ln>
-            <a:noFill/>
-          </a:ln>
-        </p:spPr>
-        <p:txBody>
-          <a:bodyPr bIns="45000" lIns="90000" rIns="90000" tIns="45000" wrap="none"/>
-          <a:p>
-            <a:pPr>
-              <a:lnSpc>
-                <a:spcPct val="100000"/>
-              </a:lnSpc>
-            </a:pPr>
-            <a:r>
-              <a:rPr lang="de-DE">
-                <a:solidFill>
-                  <a:srgbClr val="000000"/>
-                </a:solidFill>
-                <a:latin typeface="Calibri"/>
-              </a:rPr>
-              <a:t>Send User’s Calendar Information</a:t>
-            </a:r>
-            <a:endParaRPr/>
-          </a:p>
-        </p:txBody>
-      </p:sp>
-      <p:sp>
-        <p:nvSpPr>
-          <p:cNvPr id="138" name="CustomShape 13"/>
-          <p:cNvSpPr/>
-          <p:nvPr/>
-        </p:nvSpPr>
-        <p:spPr>
-          <a:xfrm>
-            <a:off x="7347600" y="4391640"/>
-            <a:ext cx="352800" cy="364320"/>
-          </a:xfrm>
-          <a:prstGeom prst="rect">
-            <a:avLst/>
-          </a:prstGeom>
-          <a:noFill/>
-          <a:ln>
-            <a:noFill/>
-          </a:ln>
-        </p:spPr>
-        <p:txBody>
-          <a:bodyPr bIns="45000" lIns="90000" rIns="90000" tIns="45000" wrap="none"/>
-          <a:p>
-            <a:pPr>
-              <a:lnSpc>
-                <a:spcPct val="100000"/>
-              </a:lnSpc>
-            </a:pPr>
-            <a:r>
-              <a:rPr lang="de-DE">
-                <a:solidFill>
-                  <a:srgbClr val="000000"/>
-                </a:solidFill>
-                <a:latin typeface="Calibri"/>
-              </a:rPr>
-              <a:t>Yes</a:t>
-            </a:r>
-            <a:endParaRPr/>
-          </a:p>
-        </p:txBody>
-      </p:sp>
-      <p:sp>
-        <p:nvSpPr>
-          <p:cNvPr id="139" name="CustomShape 14"/>
-          <p:cNvSpPr/>
-          <p:nvPr/>
-        </p:nvSpPr>
-        <p:spPr>
-          <a:xfrm flipH="1" flipV="1">
-            <a:off x="1831320" y="1776960"/>
-            <a:ext cx="6510600" cy="1908000"/>
-          </a:xfrm>
-          <a:prstGeom prst="bentConnector4">
-            <a:avLst>
-              <a:gd fmla="val -3511" name="adj1"/>
-              <a:gd fmla="val 111975" name="adj2"/>
-            </a:avLst>
-          </a:prstGeom>
-          <a:noFill/>
-          <a:ln w="25560">
-            <a:solidFill>
-              <a:srgbClr val="4f81bd"/>
-            </a:solidFill>
-            <a:round/>
-            <a:tailEnd len="med" type="arrow" w="med"/>
-          </a:ln>
-        </p:spPr>
-      </p:sp>
-      <p:sp>
-        <p:nvSpPr>
-          <p:cNvPr id="140" name="CustomShape 15"/>
-          <p:cNvSpPr/>
-          <p:nvPr/>
-        </p:nvSpPr>
-        <p:spPr>
-          <a:xfrm>
-            <a:off x="2535120" y="3446640"/>
-            <a:ext cx="1799280" cy="364320"/>
-          </a:xfrm>
-          <a:prstGeom prst="rect">
-            <a:avLst/>
-          </a:prstGeom>
-          <a:noFill/>
-          <a:ln>
-            <a:noFill/>
-          </a:ln>
-        </p:spPr>
-        <p:txBody>
-          <a:bodyPr bIns="45000" lIns="90000" rIns="90000" tIns="45000" wrap="none"/>
-          <a:p>
-            <a:pPr>
-              <a:lnSpc>
-                <a:spcPct val="100000"/>
-              </a:lnSpc>
-            </a:pPr>
-            <a:r>
-              <a:rPr lang="de-DE">
-                <a:solidFill>
-                  <a:srgbClr val="000000"/>
-                </a:solidFill>
-                <a:latin typeface="Calibri"/>
-              </a:rPr>
-              <a:t>Send / Receive HTTP Requests</a:t>
-            </a:r>
-            <a:endParaRPr/>
-          </a:p>
-        </p:txBody>
-      </p:sp>
-      <p:sp>
-        <p:nvSpPr>
-          <p:cNvPr id="141" name="CustomShape 16"/>
-          <p:cNvSpPr/>
-          <p:nvPr/>
-        </p:nvSpPr>
-        <p:spPr>
-          <a:xfrm>
-            <a:off x="8631000" y="3056040"/>
-            <a:ext cx="336240" cy="364320"/>
-          </a:xfrm>
-          <a:prstGeom prst="rect">
-            <a:avLst/>
-          </a:prstGeom>
-          <a:noFill/>
-          <a:ln>
-            <a:noFill/>
-          </a:ln>
-        </p:spPr>
-        <p:txBody>
-          <a:bodyPr bIns="45000" lIns="90000" rIns="90000" tIns="45000" wrap="none"/>
-          <a:p>
-            <a:pPr>
-              <a:lnSpc>
-                <a:spcPct val="100000"/>
-              </a:lnSpc>
-            </a:pPr>
-            <a:r>
-              <a:rPr lang="de-DE">
-                <a:solidFill>
-                  <a:srgbClr val="000000"/>
-                </a:solidFill>
-                <a:latin typeface="Calibri"/>
-              </a:rPr>
-              <a:t>No</a:t>
-            </a:r>
-            <a:endParaRPr/>
-          </a:p>
-        </p:txBody>
-      </p:sp>
-      <p:sp>
-        <p:nvSpPr>
-          <p:cNvPr id="142" name="CustomShape 17"/>
-          <p:cNvSpPr/>
-          <p:nvPr/>
-        </p:nvSpPr>
-        <p:spPr>
-          <a:xfrm>
-            <a:off x="4243680" y="1760400"/>
-            <a:ext cx="727920" cy="364320"/>
-          </a:xfrm>
-          <a:prstGeom prst="rect">
-            <a:avLst/>
-          </a:prstGeom>
-          <a:noFill/>
-          <a:ln>
-            <a:noFill/>
-          </a:ln>
-        </p:spPr>
-        <p:txBody>
-          <a:bodyPr bIns="45000" lIns="90000" rIns="90000" tIns="45000" wrap="none"/>
-          <a:p>
-            <a:pPr>
-              <a:lnSpc>
-                <a:spcPct val="100000"/>
-              </a:lnSpc>
-            </a:pPr>
-            <a:r>
-              <a:rPr lang="de-DE">
-                <a:solidFill>
-                  <a:srgbClr val="000000"/>
-                </a:solidFill>
-                <a:latin typeface="Calibri"/>
-              </a:rPr>
-              <a:t>First Login</a:t>
-            </a:r>
-            <a:endParaRPr/>
-          </a:p>
-        </p:txBody>
-      </p:sp>
-      <p:sp>
-        <p:nvSpPr>
-          <p:cNvPr id="143" name="CustomShape 18"/>
-          <p:cNvSpPr/>
-          <p:nvPr/>
-        </p:nvSpPr>
-        <p:spPr>
-          <a:xfrm rot="20245800">
-            <a:off x="1323360" y="1910880"/>
-            <a:ext cx="7324200" cy="2166120"/>
-          </a:xfrm>
-          <a:prstGeom prst="rect">
-            <a:avLst/>
-          </a:prstGeom>
-          <a:noFill/>
-          <a:ln>
-            <a:noFill/>
-          </a:ln>
-        </p:spPr>
-        <p:txBody>
-          <a:bodyPr bIns="45000" lIns="90000" rIns="90000" tIns="45000" wrap="none"/>
-          <a:p>
-            <a:r>
-              <a:rPr lang="de-DE" sz="11620">
-                <a:solidFill>
-                  <a:srgbClr val="c5000b"/>
+                  <a:srgbClr val="333333"/>
                 </a:solidFill>
               </a:rPr>
-              <a:t>Remove?</a:t>
+              <a:t>among multiple students</a:t>
+            </a:r>
+            <a:endParaRPr/>
+          </a:p>
+        </p:txBody>
+      </p:sp>
+      <p:sp>
+        <p:nvSpPr>
+          <p:cNvPr id="97" name="TextShape 11"/>
+          <p:cNvSpPr txBox="1"/>
+          <p:nvPr/>
+        </p:nvSpPr>
+        <p:spPr>
+          <a:xfrm>
+            <a:off x="720000" y="5175000"/>
+            <a:ext cx="1662120" cy="657000"/>
+          </a:xfrm>
+          <a:prstGeom prst="rect">
+            <a:avLst/>
+          </a:prstGeom>
+        </p:spPr>
+        <p:txBody>
+          <a:bodyPr bIns="45000" lIns="90000" rIns="90000" tIns="45000" wrap="none"/>
+          <a:p>
+            <a:pPr algn="ctr"/>
+            <a:r>
+              <a:rPr lang="de-DE" sz="2000">
+                <a:solidFill>
+                  <a:srgbClr val="579d1c"/>
+                </a:solidFill>
+              </a:rPr>
+              <a:t>Best meeting</a:t>
+            </a:r>
+            <a:r>
+              <a:rPr lang="de-DE" sz="2000">
+                <a:solidFill>
+                  <a:srgbClr val="579d1c"/>
+                </a:solidFill>
+              </a:rPr>
+              <a:t>
+</a:t>
+            </a:r>
+            <a:r>
+              <a:rPr lang="de-DE" sz="2000">
+                <a:solidFill>
+                  <a:srgbClr val="579d1c"/>
+                </a:solidFill>
+              </a:rPr>
+              <a:t>slot</a:t>
             </a:r>
             <a:endParaRPr/>
           </a:p>
@@ -5746,36 +4129,21 @@
       </p:grpSpPr>
       <p:sp>
         <p:nvSpPr>
-          <p:cNvPr id="144" name="CustomShape 1"/>
-          <p:cNvSpPr/>
+          <p:cNvPr id="98" name="TextShape 1"/>
+          <p:cNvSpPr txBox="1"/>
           <p:nvPr/>
         </p:nvSpPr>
         <p:spPr>
           <a:xfrm>
-            <a:off x="482760" y="1728000"/>
-            <a:ext cx="8228880" cy="2949840"/>
-          </a:xfrm>
-          <a:prstGeom prst="rect">
-            <a:avLst/>
-          </a:prstGeom>
-          <a:noFill/>
-          <a:ln>
-            <a:noFill/>
-          </a:ln>
-        </p:spPr>
-        <p:txBody>
-          <a:bodyPr anchor="ctr" bIns="0" lIns="0" rIns="0" tIns="0" wrap="none"/>
-          <a:p>
-            <a:r>
-              <a:rPr lang="de-DE" sz="4800">
-                <a:solidFill>
-                  <a:srgbClr val="3465a4"/>
-                </a:solidFill>
-              </a:rPr>
-              <a:t>Skedify</a:t>
-            </a:r>
-            <a:endParaRPr/>
-          </a:p>
+            <a:off x="457200" y="274680"/>
+            <a:ext cx="8229240" cy="1142640"/>
+          </a:xfrm>
+          <a:prstGeom prst="rect">
+            <a:avLst/>
+          </a:prstGeom>
+        </p:spPr>
+        <p:txBody>
+          <a:bodyPr anchor="ctr"/>
           <a:p>
             <a:pPr algn="ctr">
               <a:lnSpc>
@@ -5783,12 +4151,656 @@
               </a:lnSpc>
             </a:pPr>
             <a:r>
-              <a:rPr lang="de-DE" sz="4800">
+              <a:rPr lang="en-US" sz="4400">
                 <a:solidFill>
-                  <a:srgbClr val="3465a4"/>
+                  <a:srgbClr val="000000"/>
+                </a:solidFill>
+                <a:latin typeface="Calibri"/>
+              </a:rPr>
+              <a:t>Our Application Cycle</a:t>
+            </a:r>
+            <a:endParaRPr/>
+          </a:p>
+        </p:txBody>
+      </p:sp>
+      <p:sp>
+        <p:nvSpPr>
+          <p:cNvPr id="99" name="CustomShape 2"/>
+          <p:cNvSpPr/>
+          <p:nvPr/>
+        </p:nvSpPr>
+        <p:spPr>
+          <a:xfrm>
+            <a:off x="771840" y="1777680"/>
+            <a:ext cx="2121840" cy="720000"/>
+          </a:xfrm>
+          <a:prstGeom prst="flowChartProcess">
+            <a:avLst/>
+          </a:prstGeom>
+          <a:gradFill>
+            <a:gsLst>
+              <a:gs pos="0">
+                <a:srgbClr val="3e7fcc"/>
+              </a:gs>
+              <a:gs pos="100000">
+                <a:srgbClr val="a4c1ff"/>
+              </a:gs>
+            </a:gsLst>
+            <a:lin ang="16200000"/>
+          </a:gradFill>
+          <a:ln w="9360">
+            <a:solidFill>
+              <a:srgbClr val="4a7ebb"/>
+            </a:solidFill>
+            <a:round/>
+          </a:ln>
+        </p:spPr>
+        <p:txBody>
+          <a:bodyPr anchor="ctr" bIns="45000" lIns="90000" rIns="90000" tIns="45000"/>
+          <a:p>
+            <a:pPr algn="ctr">
+              <a:lnSpc>
+                <a:spcPct val="100000"/>
+              </a:lnSpc>
+            </a:pPr>
+            <a:r>
+              <a:rPr lang="de-DE">
+                <a:solidFill>
+                  <a:srgbClr val="ffffff"/>
+                </a:solidFill>
+                <a:latin typeface="Calibri"/>
+              </a:rPr>
+              <a:t>iPhone (Client)</a:t>
+            </a:r>
+            <a:endParaRPr/>
+          </a:p>
+        </p:txBody>
+      </p:sp>
+      <p:sp>
+        <p:nvSpPr>
+          <p:cNvPr id="100" name="CustomShape 3"/>
+          <p:cNvSpPr/>
+          <p:nvPr/>
+        </p:nvSpPr>
+        <p:spPr>
+          <a:xfrm>
+            <a:off x="2894040" y="2138040"/>
+            <a:ext cx="3327480" cy="360"/>
+          </a:xfrm>
+          <a:prstGeom prst="straightConnector1">
+            <a:avLst/>
+          </a:prstGeom>
+          <a:noFill/>
+          <a:ln w="25560">
+            <a:solidFill>
+              <a:srgbClr val="4f81bd"/>
+            </a:solidFill>
+            <a:round/>
+            <a:tailEnd len="med" type="arrow" w="med"/>
+          </a:ln>
+        </p:spPr>
+      </p:sp>
+      <p:sp>
+        <p:nvSpPr>
+          <p:cNvPr id="101" name="CustomShape 4"/>
+          <p:cNvSpPr/>
+          <p:nvPr/>
+        </p:nvSpPr>
+        <p:spPr>
+          <a:xfrm>
+            <a:off x="6221880" y="1777680"/>
+            <a:ext cx="2121840" cy="720000"/>
+          </a:xfrm>
+          <a:prstGeom prst="flowChartProcess">
+            <a:avLst/>
+          </a:prstGeom>
+          <a:gradFill>
+            <a:gsLst>
+              <a:gs pos="0">
+                <a:srgbClr val="3e7fcc"/>
+              </a:gs>
+              <a:gs pos="100000">
+                <a:srgbClr val="a4c1ff"/>
+              </a:gs>
+            </a:gsLst>
+            <a:lin ang="16200000"/>
+          </a:gradFill>
+          <a:ln w="9360">
+            <a:solidFill>
+              <a:srgbClr val="4a7ebb"/>
+            </a:solidFill>
+            <a:round/>
+          </a:ln>
+        </p:spPr>
+        <p:txBody>
+          <a:bodyPr anchor="ctr" bIns="45000" lIns="90000" rIns="90000" tIns="45000"/>
+          <a:p>
+            <a:pPr algn="ctr">
+              <a:lnSpc>
+                <a:spcPct val="100000"/>
+              </a:lnSpc>
+            </a:pPr>
+            <a:r>
+              <a:rPr lang="de-DE">
+                <a:solidFill>
+                  <a:srgbClr val="ffffff"/>
+                </a:solidFill>
+                <a:latin typeface="Calibri"/>
+              </a:rPr>
+              <a:t>OAuth</a:t>
+            </a:r>
+            <a:endParaRPr/>
+          </a:p>
+        </p:txBody>
+      </p:sp>
+      <p:sp>
+        <p:nvSpPr>
+          <p:cNvPr id="102" name="CustomShape 5"/>
+          <p:cNvSpPr/>
+          <p:nvPr/>
+        </p:nvSpPr>
+        <p:spPr>
+          <a:xfrm>
+            <a:off x="6221880" y="4860720"/>
+            <a:ext cx="2121840" cy="720000"/>
+          </a:xfrm>
+          <a:prstGeom prst="flowChartProcess">
+            <a:avLst/>
+          </a:prstGeom>
+          <a:gradFill>
+            <a:gsLst>
+              <a:gs pos="0">
+                <a:srgbClr val="3e7fcc"/>
+              </a:gs>
+              <a:gs pos="100000">
+                <a:srgbClr val="a4c1ff"/>
+              </a:gs>
+            </a:gsLst>
+            <a:lin ang="16200000"/>
+          </a:gradFill>
+          <a:ln w="9360">
+            <a:solidFill>
+              <a:srgbClr val="4a7ebb"/>
+            </a:solidFill>
+            <a:round/>
+          </a:ln>
+        </p:spPr>
+        <p:txBody>
+          <a:bodyPr anchor="ctr" bIns="45000" lIns="90000" rIns="90000" tIns="45000"/>
+          <a:p>
+            <a:pPr algn="ctr">
+              <a:lnSpc>
+                <a:spcPct val="100000"/>
+              </a:lnSpc>
+            </a:pPr>
+            <a:r>
+              <a:rPr lang="de-DE">
+                <a:solidFill>
+                  <a:srgbClr val="ffffff"/>
+                </a:solidFill>
+                <a:latin typeface="Calibri"/>
+              </a:rPr>
+              <a:t>L2P API</a:t>
+            </a:r>
+            <a:endParaRPr/>
+          </a:p>
+        </p:txBody>
+      </p:sp>
+      <p:sp>
+        <p:nvSpPr>
+          <p:cNvPr id="103" name="CustomShape 6"/>
+          <p:cNvSpPr/>
+          <p:nvPr/>
+        </p:nvSpPr>
+        <p:spPr>
+          <a:xfrm>
+            <a:off x="771840" y="4850280"/>
+            <a:ext cx="2121840" cy="720000"/>
+          </a:xfrm>
+          <a:prstGeom prst="flowChartProcess">
+            <a:avLst/>
+          </a:prstGeom>
+          <a:gradFill>
+            <a:gsLst>
+              <a:gs pos="0">
+                <a:srgbClr val="3e7fcc"/>
+              </a:gs>
+              <a:gs pos="100000">
+                <a:srgbClr val="a4c1ff"/>
+              </a:gs>
+            </a:gsLst>
+            <a:lin ang="16200000"/>
+          </a:gradFill>
+          <a:ln w="9360">
+            <a:solidFill>
+              <a:srgbClr val="4a7ebb"/>
+            </a:solidFill>
+            <a:round/>
+          </a:ln>
+        </p:spPr>
+        <p:txBody>
+          <a:bodyPr anchor="ctr" bIns="45000" lIns="90000" rIns="90000" tIns="45000"/>
+          <a:p>
+            <a:pPr algn="ctr">
+              <a:lnSpc>
+                <a:spcPct val="100000"/>
+              </a:lnSpc>
+            </a:pPr>
+            <a:r>
+              <a:rPr lang="de-DE">
+                <a:solidFill>
+                  <a:srgbClr val="ffffff"/>
+                </a:solidFill>
+                <a:latin typeface="Calibri"/>
+              </a:rPr>
+              <a:t>Server</a:t>
+            </a:r>
+            <a:endParaRPr/>
+          </a:p>
+        </p:txBody>
+      </p:sp>
+      <p:sp>
+        <p:nvSpPr>
+          <p:cNvPr id="104" name="CustomShape 7"/>
+          <p:cNvSpPr/>
+          <p:nvPr/>
+        </p:nvSpPr>
+        <p:spPr>
+          <a:xfrm>
+            <a:off x="1832760" y="2498040"/>
+            <a:ext cx="360" cy="2351880"/>
+          </a:xfrm>
+          <a:prstGeom prst="straightConnector1">
+            <a:avLst/>
+          </a:prstGeom>
+          <a:noFill/>
+          <a:ln w="25560">
+            <a:solidFill>
+              <a:srgbClr val="4f81bd"/>
+            </a:solidFill>
+            <a:round/>
+            <a:headEnd len="med" type="arrow" w="med"/>
+            <a:tailEnd len="med" type="arrow" w="med"/>
+          </a:ln>
+        </p:spPr>
+      </p:sp>
+      <p:sp>
+        <p:nvSpPr>
+          <p:cNvPr id="105" name="CustomShape 8"/>
+          <p:cNvSpPr/>
+          <p:nvPr/>
+        </p:nvSpPr>
+        <p:spPr>
+          <a:xfrm>
+            <a:off x="6221880" y="2957760"/>
+            <a:ext cx="2121840" cy="1457280"/>
+          </a:xfrm>
+          <a:prstGeom prst="flowChartDecision">
+            <a:avLst/>
+          </a:prstGeom>
+          <a:gradFill>
+            <a:gsLst>
+              <a:gs pos="0">
+                <a:srgbClr val="3e7fcc"/>
+              </a:gs>
+              <a:gs pos="100000">
+                <a:srgbClr val="a4c1ff"/>
+              </a:gs>
+            </a:gsLst>
+            <a:lin ang="16200000"/>
+          </a:gradFill>
+          <a:ln w="9360">
+            <a:solidFill>
+              <a:srgbClr val="4a7ebb"/>
+            </a:solidFill>
+            <a:round/>
+          </a:ln>
+        </p:spPr>
+        <p:txBody>
+          <a:bodyPr anchor="ctr" bIns="45000" lIns="90000" rIns="90000" tIns="45000"/>
+          <a:p>
+            <a:pPr algn="ctr">
+              <a:lnSpc>
+                <a:spcPct val="100000"/>
+              </a:lnSpc>
+            </a:pPr>
+            <a:r>
+              <a:rPr lang="de-DE">
+                <a:solidFill>
+                  <a:srgbClr val="ffffff"/>
+                </a:solidFill>
+                <a:latin typeface="Calibri"/>
+              </a:rPr>
+              <a:t>Success?</a:t>
+            </a:r>
+            <a:endParaRPr/>
+          </a:p>
+        </p:txBody>
+      </p:sp>
+      <p:sp>
+        <p:nvSpPr>
+          <p:cNvPr id="106" name="CustomShape 9"/>
+          <p:cNvSpPr/>
+          <p:nvPr/>
+        </p:nvSpPr>
+        <p:spPr>
+          <a:xfrm>
+            <a:off x="7283160" y="2498040"/>
+            <a:ext cx="360" cy="459360"/>
+          </a:xfrm>
+          <a:prstGeom prst="straightConnector1">
+            <a:avLst/>
+          </a:prstGeom>
+          <a:noFill/>
+          <a:ln w="25560">
+            <a:solidFill>
+              <a:srgbClr val="4f81bd"/>
+            </a:solidFill>
+            <a:round/>
+            <a:tailEnd len="med" type="arrow" w="med"/>
+          </a:ln>
+        </p:spPr>
+      </p:sp>
+      <p:sp>
+        <p:nvSpPr>
+          <p:cNvPr id="107" name="CustomShape 10"/>
+          <p:cNvSpPr/>
+          <p:nvPr/>
+        </p:nvSpPr>
+        <p:spPr>
+          <a:xfrm>
+            <a:off x="7283160" y="4415760"/>
+            <a:ext cx="360" cy="444600"/>
+          </a:xfrm>
+          <a:prstGeom prst="straightConnector1">
+            <a:avLst/>
+          </a:prstGeom>
+          <a:noFill/>
+          <a:ln w="25560">
+            <a:solidFill>
+              <a:srgbClr val="4f81bd"/>
+            </a:solidFill>
+            <a:round/>
+            <a:tailEnd len="med" type="arrow" w="med"/>
+          </a:ln>
+        </p:spPr>
+      </p:sp>
+      <p:sp>
+        <p:nvSpPr>
+          <p:cNvPr id="108" name="CustomShape 11"/>
+          <p:cNvSpPr/>
+          <p:nvPr/>
+        </p:nvSpPr>
+        <p:spPr>
+          <a:xfrm flipH="1" flipV="1">
+            <a:off x="2893320" y="5209920"/>
+            <a:ext cx="3327480" cy="9720"/>
+          </a:xfrm>
+          <a:prstGeom prst="straightConnector1">
+            <a:avLst/>
+          </a:prstGeom>
+          <a:noFill/>
+          <a:ln w="25560">
+            <a:solidFill>
+              <a:srgbClr val="4f81bd"/>
+            </a:solidFill>
+            <a:round/>
+            <a:tailEnd len="med" type="arrow" w="med"/>
+          </a:ln>
+        </p:spPr>
+      </p:sp>
+      <p:sp>
+        <p:nvSpPr>
+          <p:cNvPr id="109" name="CustomShape 12"/>
+          <p:cNvSpPr/>
+          <p:nvPr/>
+        </p:nvSpPr>
+        <p:spPr>
+          <a:xfrm>
+            <a:off x="3629880" y="4841280"/>
+            <a:ext cx="1985400" cy="364680"/>
+          </a:xfrm>
+          <a:prstGeom prst="rect">
+            <a:avLst/>
+          </a:prstGeom>
+          <a:noFill/>
+          <a:ln>
+            <a:noFill/>
+          </a:ln>
+        </p:spPr>
+        <p:txBody>
+          <a:bodyPr bIns="45000" lIns="90000" rIns="90000" tIns="45000" wrap="none"/>
+          <a:p>
+            <a:pPr>
+              <a:lnSpc>
+                <a:spcPct val="100000"/>
+              </a:lnSpc>
+            </a:pPr>
+            <a:r>
+              <a:rPr lang="de-DE">
+                <a:solidFill>
+                  <a:srgbClr val="000000"/>
+                </a:solidFill>
+                <a:latin typeface="Calibri"/>
+              </a:rPr>
+              <a:t>Send User’s Calendar Information</a:t>
+            </a:r>
+            <a:endParaRPr/>
+          </a:p>
+        </p:txBody>
+      </p:sp>
+      <p:sp>
+        <p:nvSpPr>
+          <p:cNvPr id="110" name="CustomShape 13"/>
+          <p:cNvSpPr/>
+          <p:nvPr/>
+        </p:nvSpPr>
+        <p:spPr>
+          <a:xfrm>
+            <a:off x="7347600" y="4391640"/>
+            <a:ext cx="353160" cy="364680"/>
+          </a:xfrm>
+          <a:prstGeom prst="rect">
+            <a:avLst/>
+          </a:prstGeom>
+          <a:noFill/>
+          <a:ln>
+            <a:noFill/>
+          </a:ln>
+        </p:spPr>
+        <p:txBody>
+          <a:bodyPr bIns="45000" lIns="90000" rIns="90000" tIns="45000" wrap="none"/>
+          <a:p>
+            <a:pPr>
+              <a:lnSpc>
+                <a:spcPct val="100000"/>
+              </a:lnSpc>
+            </a:pPr>
+            <a:r>
+              <a:rPr lang="de-DE">
+                <a:solidFill>
+                  <a:srgbClr val="000000"/>
+                </a:solidFill>
+                <a:latin typeface="Calibri"/>
+              </a:rPr>
+              <a:t>Yes</a:t>
+            </a:r>
+            <a:endParaRPr/>
+          </a:p>
+        </p:txBody>
+      </p:sp>
+      <p:sp>
+        <p:nvSpPr>
+          <p:cNvPr id="111" name="CustomShape 14"/>
+          <p:cNvSpPr/>
+          <p:nvPr/>
+        </p:nvSpPr>
+        <p:spPr>
+          <a:xfrm flipH="1" flipV="1">
+            <a:off x="1832400" y="1776960"/>
+            <a:ext cx="6510960" cy="1908360"/>
+          </a:xfrm>
+          <a:prstGeom prst="bentConnector4">
+            <a:avLst>
+              <a:gd fmla="val -3511" name="adj1"/>
+              <a:gd fmla="val 111975" name="adj2"/>
+            </a:avLst>
+          </a:prstGeom>
+          <a:noFill/>
+          <a:ln w="25560">
+            <a:solidFill>
+              <a:srgbClr val="4f81bd"/>
+            </a:solidFill>
+            <a:round/>
+            <a:tailEnd len="med" type="arrow" w="med"/>
+          </a:ln>
+        </p:spPr>
+      </p:sp>
+      <p:sp>
+        <p:nvSpPr>
+          <p:cNvPr id="112" name="CustomShape 15"/>
+          <p:cNvSpPr/>
+          <p:nvPr/>
+        </p:nvSpPr>
+        <p:spPr>
+          <a:xfrm>
+            <a:off x="2535120" y="3446640"/>
+            <a:ext cx="1799640" cy="364680"/>
+          </a:xfrm>
+          <a:prstGeom prst="rect">
+            <a:avLst/>
+          </a:prstGeom>
+          <a:noFill/>
+          <a:ln>
+            <a:noFill/>
+          </a:ln>
+        </p:spPr>
+        <p:txBody>
+          <a:bodyPr bIns="45000" lIns="90000" rIns="90000" tIns="45000" wrap="none"/>
+          <a:p>
+            <a:pPr>
+              <a:lnSpc>
+                <a:spcPct val="100000"/>
+              </a:lnSpc>
+            </a:pPr>
+            <a:r>
+              <a:rPr lang="de-DE">
+                <a:solidFill>
+                  <a:srgbClr val="000000"/>
+                </a:solidFill>
+                <a:latin typeface="Calibri"/>
+              </a:rPr>
+              <a:t>Send / Receive HTTP Requests</a:t>
+            </a:r>
+            <a:endParaRPr/>
+          </a:p>
+        </p:txBody>
+      </p:sp>
+      <p:sp>
+        <p:nvSpPr>
+          <p:cNvPr id="113" name="CustomShape 16"/>
+          <p:cNvSpPr/>
+          <p:nvPr/>
+        </p:nvSpPr>
+        <p:spPr>
+          <a:xfrm>
+            <a:off x="8631000" y="3056040"/>
+            <a:ext cx="336600" cy="364680"/>
+          </a:xfrm>
+          <a:prstGeom prst="rect">
+            <a:avLst/>
+          </a:prstGeom>
+          <a:noFill/>
+          <a:ln>
+            <a:noFill/>
+          </a:ln>
+        </p:spPr>
+        <p:txBody>
+          <a:bodyPr bIns="45000" lIns="90000" rIns="90000" tIns="45000" wrap="none"/>
+          <a:p>
+            <a:pPr>
+              <a:lnSpc>
+                <a:spcPct val="100000"/>
+              </a:lnSpc>
+            </a:pPr>
+            <a:r>
+              <a:rPr lang="de-DE">
+                <a:solidFill>
+                  <a:srgbClr val="000000"/>
+                </a:solidFill>
+                <a:latin typeface="Calibri"/>
+              </a:rPr>
+              <a:t>No</a:t>
+            </a:r>
+            <a:endParaRPr/>
+          </a:p>
+        </p:txBody>
+      </p:sp>
+      <p:sp>
+        <p:nvSpPr>
+          <p:cNvPr id="114" name="CustomShape 17"/>
+          <p:cNvSpPr/>
+          <p:nvPr/>
+        </p:nvSpPr>
+        <p:spPr>
+          <a:xfrm>
+            <a:off x="4243680" y="1760400"/>
+            <a:ext cx="728280" cy="364680"/>
+          </a:xfrm>
+          <a:prstGeom prst="rect">
+            <a:avLst/>
+          </a:prstGeom>
+          <a:noFill/>
+          <a:ln>
+            <a:noFill/>
+          </a:ln>
+        </p:spPr>
+        <p:txBody>
+          <a:bodyPr bIns="45000" lIns="90000" rIns="90000" tIns="45000" wrap="none"/>
+          <a:p>
+            <a:pPr>
+              <a:lnSpc>
+                <a:spcPct val="100000"/>
+              </a:lnSpc>
+            </a:pPr>
+            <a:r>
+              <a:rPr lang="de-DE">
+                <a:solidFill>
+                  <a:srgbClr val="000000"/>
+                </a:solidFill>
+                <a:latin typeface="Calibri"/>
+              </a:rPr>
+              <a:t>First Login</a:t>
+            </a:r>
+            <a:endParaRPr/>
+          </a:p>
+        </p:txBody>
+      </p:sp>
+      <p:sp>
+        <p:nvSpPr>
+          <p:cNvPr id="115" name="TextShape 18"/>
+          <p:cNvSpPr txBox="1"/>
+          <p:nvPr/>
+        </p:nvSpPr>
+        <p:spPr>
+          <a:xfrm rot="20245800">
+            <a:off x="1323720" y="1910880"/>
+            <a:ext cx="7324560" cy="2166480"/>
+          </a:xfrm>
+          <a:prstGeom prst="rect">
+            <a:avLst/>
+          </a:prstGeom>
+        </p:spPr>
+        <p:txBody>
+          <a:bodyPr bIns="45000" lIns="90000" rIns="90000" tIns="45000" wrap="none"/>
+          <a:p>
+            <a:r>
+              <a:rPr lang="de-DE" sz="11620">
+                <a:solidFill>
+                  <a:srgbClr val="c5000b"/>
                 </a:solidFill>
               </a:rPr>
-              <a:t>in action</a:t>
+              <a:t>Remove?</a:t>
             </a:r>
             <a:endParaRPr/>
           </a:p>
@@ -5845,87 +4857,35 @@
       </p:grpSpPr>
       <p:sp>
         <p:nvSpPr>
-          <p:cNvPr id="145" name="CustomShape 1"/>
-          <p:cNvSpPr/>
+          <p:cNvPr id="116" name="TextShape 1"/>
+          <p:cNvSpPr txBox="1"/>
           <p:nvPr/>
         </p:nvSpPr>
         <p:spPr>
           <a:xfrm>
-            <a:off x="457200" y="108360"/>
-            <a:ext cx="8228880" cy="1474920"/>
-          </a:xfrm>
-          <a:prstGeom prst="rect">
-            <a:avLst/>
-          </a:prstGeom>
-          <a:noFill/>
-          <a:ln>
-            <a:noFill/>
-          </a:ln>
+            <a:off x="482760" y="1728000"/>
+            <a:ext cx="8229240" cy="2950200"/>
+          </a:xfrm>
+          <a:prstGeom prst="rect">
+            <a:avLst/>
+          </a:prstGeom>
         </p:spPr>
         <p:txBody>
           <a:bodyPr anchor="ctr" bIns="0" lIns="0" rIns="0" tIns="0" wrap="none"/>
           <a:p>
-            <a:pPr algn="ctr">
-              <a:lnSpc>
-                <a:spcPct val="100000"/>
-              </a:lnSpc>
-            </a:pPr>
-            <a:r>
-              <a:rPr lang="de-DE"/>
-              <a:t>Forecast / Conclusion</a:t>
-            </a:r>
-            <a:endParaRPr/>
-          </a:p>
-        </p:txBody>
-      </p:sp>
-      <p:sp>
-        <p:nvSpPr>
-          <p:cNvPr id="146" name="CustomShape 2"/>
-          <p:cNvSpPr/>
-          <p:nvPr/>
-        </p:nvSpPr>
-        <p:spPr>
-          <a:xfrm>
-            <a:off x="457200" y="1708200"/>
-            <a:ext cx="8228880" cy="4525200"/>
-          </a:xfrm>
-          <a:prstGeom prst="rect">
-            <a:avLst/>
-          </a:prstGeom>
-          <a:noFill/>
-          <a:ln>
-            <a:noFill/>
-          </a:ln>
-        </p:spPr>
-        <p:txBody>
-          <a:bodyPr bIns="0" lIns="0" rIns="0" tIns="0" wrap="none"/>
-          <a:p>
-            <a:pPr>
-              <a:lnSpc>
-                <a:spcPct val="150000"/>
-              </a:lnSpc>
-              <a:buSzPct val="25000"/>
-              <a:buFont typeface="StarSymbol"/>
-              <a:buChar char="l"/>
-            </a:pPr>
-            <a:r>
-              <a:rPr lang="de-DE" sz="5400"/>
-              <a:t>Secure authentication</a:t>
-            </a:r>
-            <a:endParaRPr/>
-          </a:p>
-          <a:p>
-            <a:pPr>
-              <a:lnSpc>
-                <a:spcPct val="150000"/>
-              </a:lnSpc>
-              <a:buSzPct val="25000"/>
-              <a:buFont typeface="StarSymbol"/>
-              <a:buChar char="l"/>
-            </a:pPr>
-            <a:r>
-              <a:rPr lang="de-DE" sz="5400"/>
-              <a:t>Email notifications</a:t>
+            <a:pPr algn="ctr"/>
+            <a:r>
+              <a:rPr lang="en-US"/>
+              <a:t>Skedify</a:t>
+            </a:r>
+            <a:r>
+              <a:rPr lang="en-US"/>
+              <a:t>
+</a:t>
+            </a:r>
+            <a:r>
+              <a:rPr lang="en-US"/>
+              <a:t>in action</a:t>
             </a:r>
             <a:endParaRPr/>
           </a:p>
@@ -6630,227 +5590,4 @@
     </a:fmtScheme>
   </a:themeElements>
 </a:theme>
-</file>
-
-<file path=ppt/theme/theme4.xml><?xml version="1.0" encoding="utf-8"?>
-<a:theme xmlns:a="http://schemas.openxmlformats.org/drawingml/2006/main" name="Office Theme">
-  <a:themeElements>
-    <a:clrScheme name="Office">
-      <a:dk1>
-        <a:sysClr val="windowText" lastClr="000000"/>
-      </a:dk1>
-      <a:lt1>
-        <a:sysClr val="window" lastClr="FFFFFF"/>
-      </a:lt1>
-      <a:dk2>
-        <a:srgbClr val="1F497D"/>
-      </a:dk2>
-      <a:lt2>
-        <a:srgbClr val="EEECE1"/>
-      </a:lt2>
-      <a:accent1>
-        <a:srgbClr val="4F81BD"/>
-      </a:accent1>
-      <a:accent2>
-        <a:srgbClr val="C0504D"/>
-      </a:accent2>
-      <a:accent3>
-        <a:srgbClr val="9BBB59"/>
-      </a:accent3>
-      <a:accent4>
-        <a:srgbClr val="8064A2"/>
-      </a:accent4>
-      <a:accent5>
-        <a:srgbClr val="4BACC6"/>
-      </a:accent5>
-      <a:accent6>
-        <a:srgbClr val="F79646"/>
-      </a:accent6>
-      <a:hlink>
-        <a:srgbClr val="0000FF"/>
-      </a:hlink>
-      <a:folHlink>
-        <a:srgbClr val="800080"/>
-      </a:folHlink>
-    </a:clrScheme>
-    <a:fontScheme name="Office">
-      <a:majorFont>
-        <a:latin typeface="Arial"/>
-        <a:ea typeface="DejaVu Sans"/>
-        <a:cs typeface="DejaVu Sans"/>
-      </a:majorFont>
-      <a:minorFont>
-        <a:latin typeface="Arial"/>
-        <a:ea typeface="DejaVu Sans"/>
-        <a:cs typeface="DejaVu Sans"/>
-      </a:minorFont>
-    </a:fontScheme>
-    <a:fmtScheme name="Office">
-      <a:fillStyleLst>
-        <a:solidFill>
-          <a:schemeClr val="phClr"/>
-        </a:solidFill>
-        <a:gradFill rotWithShape="1">
-          <a:gsLst>
-            <a:gs pos="0">
-              <a:schemeClr val="phClr">
-                <a:tint val="50000"/>
-                <a:satMod val="300000"/>
-              </a:schemeClr>
-            </a:gs>
-            <a:gs pos="35000">
-              <a:schemeClr val="phClr">
-                <a:tint val="37000"/>
-                <a:satMod val="300000"/>
-              </a:schemeClr>
-            </a:gs>
-            <a:gs pos="100000">
-              <a:schemeClr val="phClr">
-                <a:tint val="15000"/>
-                <a:satMod val="350000"/>
-              </a:schemeClr>
-            </a:gs>
-          </a:gsLst>
-          <a:lin ang="16200000" scaled="1"/>
-        </a:gradFill>
-        <a:gradFill rotWithShape="1">
-          <a:gsLst>
-            <a:gs pos="0">
-              <a:schemeClr val="phClr">
-                <a:shade val="51000"/>
-                <a:satMod val="130000"/>
-              </a:schemeClr>
-            </a:gs>
-            <a:gs pos="80000">
-              <a:schemeClr val="phClr">
-                <a:shade val="93000"/>
-                <a:satMod val="130000"/>
-              </a:schemeClr>
-            </a:gs>
-            <a:gs pos="100000">
-              <a:schemeClr val="phClr">
-                <a:shade val="94000"/>
-                <a:satMod val="135000"/>
-              </a:schemeClr>
-            </a:gs>
-          </a:gsLst>
-          <a:lin ang="16200000" scaled="0"/>
-        </a:gradFill>
-      </a:fillStyleLst>
-      <a:lnStyleLst>
-        <a:ln w="9525" cap="flat" cmpd="sng" algn="ctr">
-          <a:solidFill>
-            <a:schemeClr val="phClr">
-              <a:shade val="95000"/>
-              <a:satMod val="105000"/>
-            </a:schemeClr>
-          </a:solidFill>
-          <a:prstDash val="solid"/>
-        </a:ln>
-        <a:ln w="25400" cap="flat" cmpd="sng" algn="ctr">
-          <a:solidFill>
-            <a:schemeClr val="phClr"/>
-          </a:solidFill>
-          <a:prstDash val="solid"/>
-        </a:ln>
-        <a:ln w="38100" cap="flat" cmpd="sng" algn="ctr">
-          <a:solidFill>
-            <a:schemeClr val="phClr"/>
-          </a:solidFill>
-          <a:prstDash val="solid"/>
-        </a:ln>
-      </a:lnStyleLst>
-      <a:effectStyleLst>
-        <a:effectStyle>
-          <a:effectLst>
-            <a:outerShdw blurRad="40000" dist="20000" dir="5400000" rotWithShape="0">
-              <a:srgbClr val="000000">
-                <a:alpha val="38000"/>
-              </a:srgbClr>
-            </a:outerShdw>
-          </a:effectLst>
-        </a:effectStyle>
-        <a:effectStyle>
-          <a:effectLst>
-            <a:outerShdw blurRad="40000" dist="23000" dir="5400000" rotWithShape="0">
-              <a:srgbClr val="000000">
-                <a:alpha val="35000"/>
-              </a:srgbClr>
-            </a:outerShdw>
-          </a:effectLst>
-        </a:effectStyle>
-        <a:effectStyle>
-          <a:effectLst>
-            <a:outerShdw blurRad="40000" dist="23000" dir="5400000" rotWithShape="0">
-              <a:srgbClr val="000000">
-                <a:alpha val="35000"/>
-              </a:srgbClr>
-            </a:outerShdw>
-          </a:effectLst>
-          <a:scene3d>
-            <a:camera prst="orthographicFront">
-              <a:rot lat="0" lon="0" rev="0"/>
-            </a:camera>
-            <a:lightRig rig="threePt" dir="t">
-              <a:rot lat="0" lon="0" rev="1200000"/>
-            </a:lightRig>
-          </a:scene3d>
-          <a:sp3d>
-            <a:bevelT w="63500" h="25400"/>
-          </a:sp3d>
-        </a:effectStyle>
-      </a:effectStyleLst>
-      <a:bgFillStyleLst>
-        <a:solidFill>
-          <a:schemeClr val="phClr"/>
-        </a:solidFill>
-        <a:gradFill rotWithShape="1">
-          <a:gsLst>
-            <a:gs pos="0">
-              <a:schemeClr val="phClr">
-                <a:tint val="40000"/>
-                <a:satMod val="350000"/>
-              </a:schemeClr>
-            </a:gs>
-            <a:gs pos="40000">
-              <a:schemeClr val="phClr">
-                <a:tint val="45000"/>
-                <a:shade val="99000"/>
-                <a:satMod val="350000"/>
-              </a:schemeClr>
-            </a:gs>
-            <a:gs pos="100000">
-              <a:schemeClr val="phClr">
-                <a:shade val="20000"/>
-                <a:satMod val="255000"/>
-              </a:schemeClr>
-            </a:gs>
-          </a:gsLst>
-          <a:path path="circle">
-            <a:fillToRect l="50000" t="-80000" r="50000" b="180000"/>
-          </a:path>
-        </a:gradFill>
-        <a:gradFill rotWithShape="1">
-          <a:gsLst>
-            <a:gs pos="0">
-              <a:schemeClr val="phClr">
-                <a:tint val="80000"/>
-                <a:satMod val="300000"/>
-              </a:schemeClr>
-            </a:gs>
-            <a:gs pos="100000">
-              <a:schemeClr val="phClr">
-                <a:shade val="30000"/>
-                <a:satMod val="200000"/>
-              </a:schemeClr>
-            </a:gs>
-          </a:gsLst>
-          <a:path path="circle">
-            <a:fillToRect l="50000" t="50000" r="50000" b="50000"/>
-          </a:path>
-        </a:gradFill>
-      </a:bgFillStyleLst>
-    </a:fmtScheme>
-  </a:themeElements>
-</a:theme>
 </file>